--- a/bachelorarbeit-vorlage/Efficient convolutional neural network with extremely limted ressource.pptx
+++ b/bachelorarbeit-vorlage/Efficient convolutional neural network with extremely limted ressource.pptx
@@ -4383,7 +4383,7 @@
           <a:pPr algn="ctr"/>
           <a:r>
             <a:rPr lang="de-DE" dirty="0"/>
-            <a:t>Neue Initialisierungstechnik.</a:t>
+            <a:t>Transfer Lernen</a:t>
           </a:r>
         </a:p>
       </dgm:t>
@@ -4424,7 +4424,7 @@
           <a:pPr algn="ctr"/>
           <a:r>
             <a:rPr lang="de-DE" dirty="0"/>
-            <a:t>Technik zur Beschleunigung der Trainingsverfahren</a:t>
+            <a:t>Beschleunigung der Trainingsverfahren</a:t>
           </a:r>
         </a:p>
       </dgm:t>
@@ -6375,7 +6375,7 @@
           </a:pPr>
           <a:r>
             <a:rPr lang="de-DE" sz="2400" kern="1200" dirty="0"/>
-            <a:t>Neue Initialisierungstechnik.</a:t>
+            <a:t>Transfer Lernen</a:t>
           </a:r>
         </a:p>
       </dsp:txBody>
@@ -6497,7 +6497,7 @@
           </a:pPr>
           <a:r>
             <a:rPr lang="de-DE" sz="2400" kern="1200" dirty="0"/>
-            <a:t>Technik zur Beschleunigung der Trainingsverfahren</a:t>
+            <a:t>Beschleunigung der Trainingsverfahren</a:t>
           </a:r>
         </a:p>
       </dsp:txBody>
@@ -12070,7 +12070,7 @@
           <a:p>
             <a:fld id="{3C58E117-1A65-45DD-B9EB-E4C2918E1629}" type="datetimeFigureOut">
               <a:rPr lang="de-DE" smtClean="0"/>
-              <a:t>11.02.2020</a:t>
+              <a:t>12.02.2020</a:t>
             </a:fld>
             <a:endParaRPr lang="de-DE"/>
           </a:p>
@@ -25521,7 +25521,7 @@
             <p:ph idx="1"/>
             <p:extLst>
               <p:ext uri="{D42A27DB-BD31-4B8C-83A1-F6EECF244321}">
-                <p14:modId xmlns:p14="http://schemas.microsoft.com/office/powerpoint/2010/main" val="3471263147"/>
+                <p14:modId xmlns:p14="http://schemas.microsoft.com/office/powerpoint/2010/main" val="2900284287"/>
               </p:ext>
             </p:extLst>
           </p:nvPr>

--- a/bachelorarbeit-vorlage/Efficient convolutional neural network with extremely limted ressource.pptx
+++ b/bachelorarbeit-vorlage/Efficient convolutional neural network with extremely limted ressource.pptx
@@ -5,38 +5,42 @@
     <p:sldMasterId id="2147483648" r:id="rId1"/>
   </p:sldMasterIdLst>
   <p:notesMasterIdLst>
-    <p:notesMasterId r:id="rId31"/>
+    <p:notesMasterId r:id="rId35"/>
   </p:notesMasterIdLst>
   <p:sldIdLst>
     <p:sldId id="256" r:id="rId2"/>
-    <p:sldId id="257" r:id="rId3"/>
-    <p:sldId id="258" r:id="rId4"/>
+    <p:sldId id="292" r:id="rId3"/>
+    <p:sldId id="257" r:id="rId4"/>
     <p:sldId id="282" r:id="rId5"/>
     <p:sldId id="283" r:id="rId6"/>
     <p:sldId id="281" r:id="rId7"/>
-    <p:sldId id="278" r:id="rId8"/>
-    <p:sldId id="260" r:id="rId9"/>
-    <p:sldId id="284" r:id="rId10"/>
-    <p:sldId id="275" r:id="rId11"/>
-    <p:sldId id="276" r:id="rId12"/>
-    <p:sldId id="277" r:id="rId13"/>
-    <p:sldId id="264" r:id="rId14"/>
-    <p:sldId id="279" r:id="rId15"/>
-    <p:sldId id="265" r:id="rId16"/>
-    <p:sldId id="266" r:id="rId17"/>
-    <p:sldId id="267" r:id="rId18"/>
-    <p:sldId id="268" r:id="rId19"/>
-    <p:sldId id="285" r:id="rId20"/>
-    <p:sldId id="289" r:id="rId21"/>
-    <p:sldId id="269" r:id="rId22"/>
-    <p:sldId id="270" r:id="rId23"/>
-    <p:sldId id="271" r:id="rId24"/>
-    <p:sldId id="288" r:id="rId25"/>
-    <p:sldId id="272" r:id="rId26"/>
-    <p:sldId id="286" r:id="rId27"/>
-    <p:sldId id="273" r:id="rId28"/>
-    <p:sldId id="274" r:id="rId29"/>
-    <p:sldId id="287" r:id="rId30"/>
+    <p:sldId id="293" r:id="rId8"/>
+    <p:sldId id="278" r:id="rId9"/>
+    <p:sldId id="260" r:id="rId10"/>
+    <p:sldId id="284" r:id="rId11"/>
+    <p:sldId id="275" r:id="rId12"/>
+    <p:sldId id="276" r:id="rId13"/>
+    <p:sldId id="277" r:id="rId14"/>
+    <p:sldId id="264" r:id="rId15"/>
+    <p:sldId id="279" r:id="rId16"/>
+    <p:sldId id="265" r:id="rId17"/>
+    <p:sldId id="294" r:id="rId18"/>
+    <p:sldId id="266" r:id="rId19"/>
+    <p:sldId id="267" r:id="rId20"/>
+    <p:sldId id="268" r:id="rId21"/>
+    <p:sldId id="285" r:id="rId22"/>
+    <p:sldId id="289" r:id="rId23"/>
+    <p:sldId id="269" r:id="rId24"/>
+    <p:sldId id="270" r:id="rId25"/>
+    <p:sldId id="271" r:id="rId26"/>
+    <p:sldId id="288" r:id="rId27"/>
+    <p:sldId id="272" r:id="rId28"/>
+    <p:sldId id="286" r:id="rId29"/>
+    <p:sldId id="273" r:id="rId30"/>
+    <p:sldId id="290" r:id="rId31"/>
+    <p:sldId id="291" r:id="rId32"/>
+    <p:sldId id="274" r:id="rId33"/>
+    <p:sldId id="287" r:id="rId34"/>
   </p:sldIdLst>
   <p:sldSz cx="12192000" cy="6858000"/>
   <p:notesSz cx="6858000" cy="9144000"/>
@@ -4057,37 +4061,37 @@
     </dgm:pt>
   </dgm:ptLst>
   <dgm:cxnLst>
+    <dgm:cxn modelId="{98E40A04-EA5A-4E70-AC12-CAEDA2563AAC}" type="presOf" srcId="{722CFC9F-FCF6-46DF-9B17-F59AEBDC954B}" destId="{95F412B7-567C-42A2-B558-62D42D8FF0A5}" srcOrd="0" destOrd="0" presId="urn:microsoft.com/office/officeart/2005/8/layout/cycle3"/>
+    <dgm:cxn modelId="{C9F82E15-8B20-4BBE-A395-128CA41414DD}" type="presOf" srcId="{1D274FF3-65E7-4D57-AEE7-D9BCF6E71060}" destId="{9A976CB4-AA84-4184-918E-43E066D7FEEE}" srcOrd="0" destOrd="0" presId="urn:microsoft.com/office/officeart/2005/8/layout/cycle3"/>
     <dgm:cxn modelId="{70CC431C-BDA9-4281-90AD-3152E1A4414C}" srcId="{9C2752A8-34BA-4E05-8773-ABCCE12C9ACC}" destId="{92684111-66C2-46EC-BC55-FD84C465A106}" srcOrd="1" destOrd="0" parTransId="{38E20B06-5761-41A8-ABEB-F7A792E592F5}" sibTransId="{FC449FC4-7203-431C-9971-E7BA35875BFD}"/>
-    <dgm:cxn modelId="{CE57CE38-0B89-4501-8096-E8EA719E7698}" type="presOf" srcId="{92684111-66C2-46EC-BC55-FD84C465A106}" destId="{7F0E38C3-AB2F-400B-8134-2A367D28C216}" srcOrd="0" destOrd="0" presId="urn:microsoft.com/office/officeart/2005/8/layout/cycle3"/>
-    <dgm:cxn modelId="{CA63505D-1A51-4828-968E-34B76DF60E8E}" type="presOf" srcId="{1D274FF3-65E7-4D57-AEE7-D9BCF6E71060}" destId="{9A976CB4-AA84-4184-918E-43E066D7FEEE}" srcOrd="0" destOrd="0" presId="urn:microsoft.com/office/officeart/2005/8/layout/cycle3"/>
+    <dgm:cxn modelId="{2E78D021-3792-48E0-83A6-8B70F9997F6A}" type="presOf" srcId="{E28BC501-B504-4090-B948-CE5DF3BE171D}" destId="{3C8D0A1E-28A9-4711-8509-E474F348F294}" srcOrd="0" destOrd="0" presId="urn:microsoft.com/office/officeart/2005/8/layout/cycle3"/>
+    <dgm:cxn modelId="{CDB66B39-D0A8-4ABC-987C-F604E16AAB1B}" type="presOf" srcId="{740DE58C-B29F-432A-B03B-B99A553CD9EB}" destId="{ABC488EC-0209-46AB-BC9F-728A53D30959}" srcOrd="0" destOrd="0" presId="urn:microsoft.com/office/officeart/2005/8/layout/cycle3"/>
+    <dgm:cxn modelId="{EFAEB63F-F011-47D1-B30B-E20A1B6F7884}" type="presOf" srcId="{699AD6B6-04D7-4BE7-9FD1-2E1594CEAFE6}" destId="{F8166350-2618-446E-9FFC-B0904F71D8D1}" srcOrd="0" destOrd="0" presId="urn:microsoft.com/office/officeart/2005/8/layout/cycle3"/>
+    <dgm:cxn modelId="{9B4CE15F-1377-494F-B059-F76EDC4F50F3}" type="presOf" srcId="{88369349-9C8F-4A92-A296-D31DD90197EB}" destId="{CEDDBC11-4D20-490A-91D2-6B2BDB4F7780}" srcOrd="0" destOrd="0" presId="urn:microsoft.com/office/officeart/2005/8/layout/cycle3"/>
     <dgm:cxn modelId="{9BF1C777-56C7-4901-9FC7-49CA85CFE99C}" srcId="{9C2752A8-34BA-4E05-8773-ABCCE12C9ACC}" destId="{1D274FF3-65E7-4D57-AEE7-D9BCF6E71060}" srcOrd="6" destOrd="0" parTransId="{5DE213E7-E7A7-4154-BF14-4A29E9C78FD9}" sibTransId="{DB6F8F73-C97C-4176-A07F-61AC7F3D1DDE}"/>
     <dgm:cxn modelId="{E6A0A05A-A7D8-4172-A379-FE9822FA5DF3}" srcId="{9C2752A8-34BA-4E05-8773-ABCCE12C9ACC}" destId="{98E802D6-30CD-40F5-85C9-0F5715561E70}" srcOrd="7" destOrd="0" parTransId="{A9C4456A-08E5-46A9-A70F-6AB928BB8805}" sibTransId="{6884FACF-CB96-4F75-B5DE-4EE8A8395050}"/>
+    <dgm:cxn modelId="{F7D6708A-E0D5-427F-B061-C98363A81004}" type="presOf" srcId="{98E802D6-30CD-40F5-85C9-0F5715561E70}" destId="{1924CE38-F438-4C86-8F44-2F0E504D3CC6}" srcOrd="0" destOrd="0" presId="urn:microsoft.com/office/officeart/2005/8/layout/cycle3"/>
     <dgm:cxn modelId="{A2872B90-CCCD-4B98-A9BD-3F941C31D5A7}" srcId="{9C2752A8-34BA-4E05-8773-ABCCE12C9ACC}" destId="{740DE58C-B29F-432A-B03B-B99A553CD9EB}" srcOrd="3" destOrd="0" parTransId="{FC923961-183E-4D97-8EE5-850C3745AEC8}" sibTransId="{AB3D61F0-DB33-4CF8-BF29-B3DD2BEB55B0}"/>
     <dgm:cxn modelId="{F9C52E95-3E9D-47B3-8DF2-333DDF87EA27}" srcId="{9C2752A8-34BA-4E05-8773-ABCCE12C9ACC}" destId="{E28BC501-B504-4090-B948-CE5DF3BE171D}" srcOrd="5" destOrd="0" parTransId="{54F07929-92D2-4890-B05C-98409470E67E}" sibTransId="{755989D4-2B2D-4639-AD5B-C61E0EAFE58D}"/>
     <dgm:cxn modelId="{8E863695-4574-4E0E-B2CB-35945E7B2C98}" srcId="{9C2752A8-34BA-4E05-8773-ABCCE12C9ACC}" destId="{722CFC9F-FCF6-46DF-9B17-F59AEBDC954B}" srcOrd="8" destOrd="0" parTransId="{7F89CDB8-5973-41E0-8AF4-8829B8619F94}" sibTransId="{E3536702-21EF-4C4F-948E-BC64B2734A22}"/>
-    <dgm:cxn modelId="{D0103897-6B2A-4571-87AB-BE88F61B98EB}" type="presOf" srcId="{9C2752A8-34BA-4E05-8773-ABCCE12C9ACC}" destId="{B2E7943A-A63D-466A-A8A6-D20558DC4798}" srcOrd="0" destOrd="0" presId="urn:microsoft.com/office/officeart/2005/8/layout/cycle3"/>
-    <dgm:cxn modelId="{DE0F2A9B-1982-4E5F-AAD2-34032F278DDA}" type="presOf" srcId="{BB543259-0A90-4FBA-B083-3E79BCFF34D1}" destId="{303E70AB-80A4-49B8-98E3-97500EC2B14A}" srcOrd="0" destOrd="0" presId="urn:microsoft.com/office/officeart/2005/8/layout/cycle3"/>
     <dgm:cxn modelId="{A8233E9C-8B91-48B5-9F39-61AF49EAB125}" srcId="{9C2752A8-34BA-4E05-8773-ABCCE12C9ACC}" destId="{10994AB1-A486-474E-B41E-6BD0FA4FE49D}" srcOrd="4" destOrd="0" parTransId="{8DF1BB47-BF00-443D-887B-FE042C067B8D}" sibTransId="{7D489305-EA7F-4202-8F6F-2394E8CF6E96}"/>
-    <dgm:cxn modelId="{0B3C799F-327F-48EA-88CF-190742AD7E5A}" type="presOf" srcId="{740DE58C-B29F-432A-B03B-B99A553CD9EB}" destId="{ABC488EC-0209-46AB-BC9F-728A53D30959}" srcOrd="0" destOrd="0" presId="urn:microsoft.com/office/officeart/2005/8/layout/cycle3"/>
+    <dgm:cxn modelId="{79E0C5A4-E889-4227-93B3-AF1B668DBA82}" type="presOf" srcId="{92684111-66C2-46EC-BC55-FD84C465A106}" destId="{7F0E38C3-AB2F-400B-8134-2A367D28C216}" srcOrd="0" destOrd="0" presId="urn:microsoft.com/office/officeart/2005/8/layout/cycle3"/>
     <dgm:cxn modelId="{B11661A5-19DC-428B-B58E-E4CF7C28C9C8}" srcId="{9C2752A8-34BA-4E05-8773-ABCCE12C9ACC}" destId="{699AD6B6-04D7-4BE7-9FD1-2E1594CEAFE6}" srcOrd="0" destOrd="0" parTransId="{2566B3B4-5798-4263-B584-DE8340E07D12}" sibTransId="{88369349-9C8F-4A92-A296-D31DD90197EB}"/>
-    <dgm:cxn modelId="{AFADE9B4-7F8E-4157-BB21-7589DA9E2C1D}" type="presOf" srcId="{10994AB1-A486-474E-B41E-6BD0FA4FE49D}" destId="{B0382A7B-3F18-4593-AFAF-89C63BA1FCB5}" srcOrd="0" destOrd="0" presId="urn:microsoft.com/office/officeart/2005/8/layout/cycle3"/>
+    <dgm:cxn modelId="{E6A2E8BA-F365-42C3-AE1A-475AA6F53D88}" type="presOf" srcId="{BB543259-0A90-4FBA-B083-3E79BCFF34D1}" destId="{303E70AB-80A4-49B8-98E3-97500EC2B14A}" srcOrd="0" destOrd="0" presId="urn:microsoft.com/office/officeart/2005/8/layout/cycle3"/>
     <dgm:cxn modelId="{B42AA3C1-63DB-4D35-A4D6-CBCA10C8243B}" srcId="{9C2752A8-34BA-4E05-8773-ABCCE12C9ACC}" destId="{BB543259-0A90-4FBA-B083-3E79BCFF34D1}" srcOrd="2" destOrd="0" parTransId="{DF7A6897-A9D6-48E8-B789-1B072B4ACA4C}" sibTransId="{47AC89AE-57EF-4471-B422-2B76D98DA0E9}"/>
-    <dgm:cxn modelId="{C06044D7-114D-424C-A0C0-C18885DF49F5}" type="presOf" srcId="{98E802D6-30CD-40F5-85C9-0F5715561E70}" destId="{1924CE38-F438-4C86-8F44-2F0E504D3CC6}" srcOrd="0" destOrd="0" presId="urn:microsoft.com/office/officeart/2005/8/layout/cycle3"/>
-    <dgm:cxn modelId="{1CC8AFE6-2A33-4394-B2CA-81D927066302}" type="presOf" srcId="{722CFC9F-FCF6-46DF-9B17-F59AEBDC954B}" destId="{95F412B7-567C-42A2-B558-62D42D8FF0A5}" srcOrd="0" destOrd="0" presId="urn:microsoft.com/office/officeart/2005/8/layout/cycle3"/>
-    <dgm:cxn modelId="{DA1E01EA-F365-4CD1-A16E-8211D21C09D8}" type="presOf" srcId="{88369349-9C8F-4A92-A296-D31DD90197EB}" destId="{CEDDBC11-4D20-490A-91D2-6B2BDB4F7780}" srcOrd="0" destOrd="0" presId="urn:microsoft.com/office/officeart/2005/8/layout/cycle3"/>
-    <dgm:cxn modelId="{D5436DF2-1A25-4AE1-938B-D80004576FF5}" type="presOf" srcId="{E28BC501-B504-4090-B948-CE5DF3BE171D}" destId="{3C8D0A1E-28A9-4711-8509-E474F348F294}" srcOrd="0" destOrd="0" presId="urn:microsoft.com/office/officeart/2005/8/layout/cycle3"/>
-    <dgm:cxn modelId="{68C850FF-08C1-43AD-B776-FB76AF551776}" type="presOf" srcId="{699AD6B6-04D7-4BE7-9FD1-2E1594CEAFE6}" destId="{F8166350-2618-446E-9FFC-B0904F71D8D1}" srcOrd="0" destOrd="0" presId="urn:microsoft.com/office/officeart/2005/8/layout/cycle3"/>
-    <dgm:cxn modelId="{EDBCACE1-DC34-4BA8-92B7-7F86CF0CD7D9}" type="presParOf" srcId="{B2E7943A-A63D-466A-A8A6-D20558DC4798}" destId="{62A0BCBD-1060-4177-9C9D-CE8A88DB9FC9}" srcOrd="0" destOrd="0" presId="urn:microsoft.com/office/officeart/2005/8/layout/cycle3"/>
-    <dgm:cxn modelId="{00778AE7-58AE-40E7-BFC5-9D5A28ABFC7C}" type="presParOf" srcId="{62A0BCBD-1060-4177-9C9D-CE8A88DB9FC9}" destId="{F8166350-2618-446E-9FFC-B0904F71D8D1}" srcOrd="0" destOrd="0" presId="urn:microsoft.com/office/officeart/2005/8/layout/cycle3"/>
-    <dgm:cxn modelId="{4B992E2B-68FB-4E45-A776-1DBB5FDE3FDD}" type="presParOf" srcId="{62A0BCBD-1060-4177-9C9D-CE8A88DB9FC9}" destId="{CEDDBC11-4D20-490A-91D2-6B2BDB4F7780}" srcOrd="1" destOrd="0" presId="urn:microsoft.com/office/officeart/2005/8/layout/cycle3"/>
-    <dgm:cxn modelId="{3B5FC6EB-B5FA-4242-BECE-9C30BB10C68E}" type="presParOf" srcId="{62A0BCBD-1060-4177-9C9D-CE8A88DB9FC9}" destId="{7F0E38C3-AB2F-400B-8134-2A367D28C216}" srcOrd="2" destOrd="0" presId="urn:microsoft.com/office/officeart/2005/8/layout/cycle3"/>
-    <dgm:cxn modelId="{6F86BCE5-CC03-4568-9AF9-EB13ED861A5E}" type="presParOf" srcId="{62A0BCBD-1060-4177-9C9D-CE8A88DB9FC9}" destId="{303E70AB-80A4-49B8-98E3-97500EC2B14A}" srcOrd="3" destOrd="0" presId="urn:microsoft.com/office/officeart/2005/8/layout/cycle3"/>
-    <dgm:cxn modelId="{DE142BA7-46B3-49BB-AD7E-42B249EE2985}" type="presParOf" srcId="{62A0BCBD-1060-4177-9C9D-CE8A88DB9FC9}" destId="{ABC488EC-0209-46AB-BC9F-728A53D30959}" srcOrd="4" destOrd="0" presId="urn:microsoft.com/office/officeart/2005/8/layout/cycle3"/>
-    <dgm:cxn modelId="{6BA49B54-2A16-44D9-A7DB-4EA086902812}" type="presParOf" srcId="{62A0BCBD-1060-4177-9C9D-CE8A88DB9FC9}" destId="{B0382A7B-3F18-4593-AFAF-89C63BA1FCB5}" srcOrd="5" destOrd="0" presId="urn:microsoft.com/office/officeart/2005/8/layout/cycle3"/>
-    <dgm:cxn modelId="{D44CE3CD-A14C-4C8E-9CAC-EBCC8A2CB88D}" type="presParOf" srcId="{62A0BCBD-1060-4177-9C9D-CE8A88DB9FC9}" destId="{3C8D0A1E-28A9-4711-8509-E474F348F294}" srcOrd="6" destOrd="0" presId="urn:microsoft.com/office/officeart/2005/8/layout/cycle3"/>
-    <dgm:cxn modelId="{82BFE183-8DD2-45B5-ADAA-C2E379921889}" type="presParOf" srcId="{62A0BCBD-1060-4177-9C9D-CE8A88DB9FC9}" destId="{9A976CB4-AA84-4184-918E-43E066D7FEEE}" srcOrd="7" destOrd="0" presId="urn:microsoft.com/office/officeart/2005/8/layout/cycle3"/>
-    <dgm:cxn modelId="{F823DCA3-67C6-458D-97FF-1CA4982F14E7}" type="presParOf" srcId="{62A0BCBD-1060-4177-9C9D-CE8A88DB9FC9}" destId="{1924CE38-F438-4C86-8F44-2F0E504D3CC6}" srcOrd="8" destOrd="0" presId="urn:microsoft.com/office/officeart/2005/8/layout/cycle3"/>
-    <dgm:cxn modelId="{6F81733E-64D1-4EFD-BCB4-D2FDAA447F7F}" type="presParOf" srcId="{62A0BCBD-1060-4177-9C9D-CE8A88DB9FC9}" destId="{95F412B7-567C-42A2-B558-62D42D8FF0A5}" srcOrd="9" destOrd="0" presId="urn:microsoft.com/office/officeart/2005/8/layout/cycle3"/>
+    <dgm:cxn modelId="{760363C3-ADB5-4410-823A-36593F3DB04D}" type="presOf" srcId="{9C2752A8-34BA-4E05-8773-ABCCE12C9ACC}" destId="{B2E7943A-A63D-466A-A8A6-D20558DC4798}" srcOrd="0" destOrd="0" presId="urn:microsoft.com/office/officeart/2005/8/layout/cycle3"/>
+    <dgm:cxn modelId="{933D75E6-B094-4F1C-A11D-4965D1881D2C}" type="presOf" srcId="{10994AB1-A486-474E-B41E-6BD0FA4FE49D}" destId="{B0382A7B-3F18-4593-AFAF-89C63BA1FCB5}" srcOrd="0" destOrd="0" presId="urn:microsoft.com/office/officeart/2005/8/layout/cycle3"/>
+    <dgm:cxn modelId="{94AFBB6C-BE44-4B60-A373-1662E7A22A27}" type="presParOf" srcId="{B2E7943A-A63D-466A-A8A6-D20558DC4798}" destId="{62A0BCBD-1060-4177-9C9D-CE8A88DB9FC9}" srcOrd="0" destOrd="0" presId="urn:microsoft.com/office/officeart/2005/8/layout/cycle3"/>
+    <dgm:cxn modelId="{89315ECF-CDD5-443C-9E12-81A050B67CA6}" type="presParOf" srcId="{62A0BCBD-1060-4177-9C9D-CE8A88DB9FC9}" destId="{F8166350-2618-446E-9FFC-B0904F71D8D1}" srcOrd="0" destOrd="0" presId="urn:microsoft.com/office/officeart/2005/8/layout/cycle3"/>
+    <dgm:cxn modelId="{05383743-E17F-4B34-9C82-2C036EB697DD}" type="presParOf" srcId="{62A0BCBD-1060-4177-9C9D-CE8A88DB9FC9}" destId="{CEDDBC11-4D20-490A-91D2-6B2BDB4F7780}" srcOrd="1" destOrd="0" presId="urn:microsoft.com/office/officeart/2005/8/layout/cycle3"/>
+    <dgm:cxn modelId="{62548D68-78D1-4E6B-B54F-EE6E8A182DC2}" type="presParOf" srcId="{62A0BCBD-1060-4177-9C9D-CE8A88DB9FC9}" destId="{7F0E38C3-AB2F-400B-8134-2A367D28C216}" srcOrd="2" destOrd="0" presId="urn:microsoft.com/office/officeart/2005/8/layout/cycle3"/>
+    <dgm:cxn modelId="{41B65B0A-A250-447F-BDDC-2B0F5D63D81F}" type="presParOf" srcId="{62A0BCBD-1060-4177-9C9D-CE8A88DB9FC9}" destId="{303E70AB-80A4-49B8-98E3-97500EC2B14A}" srcOrd="3" destOrd="0" presId="urn:microsoft.com/office/officeart/2005/8/layout/cycle3"/>
+    <dgm:cxn modelId="{F31A7E17-222C-4714-A91A-58733D1DD0E1}" type="presParOf" srcId="{62A0BCBD-1060-4177-9C9D-CE8A88DB9FC9}" destId="{ABC488EC-0209-46AB-BC9F-728A53D30959}" srcOrd="4" destOrd="0" presId="urn:microsoft.com/office/officeart/2005/8/layout/cycle3"/>
+    <dgm:cxn modelId="{A03828E3-2718-41D5-8020-ABFC1E989054}" type="presParOf" srcId="{62A0BCBD-1060-4177-9C9D-CE8A88DB9FC9}" destId="{B0382A7B-3F18-4593-AFAF-89C63BA1FCB5}" srcOrd="5" destOrd="0" presId="urn:microsoft.com/office/officeart/2005/8/layout/cycle3"/>
+    <dgm:cxn modelId="{EA7B3537-DE23-4F11-AE7F-737BC4E95D08}" type="presParOf" srcId="{62A0BCBD-1060-4177-9C9D-CE8A88DB9FC9}" destId="{3C8D0A1E-28A9-4711-8509-E474F348F294}" srcOrd="6" destOrd="0" presId="urn:microsoft.com/office/officeart/2005/8/layout/cycle3"/>
+    <dgm:cxn modelId="{5F233B6B-4435-4CBA-ACC3-EB3CF5984270}" type="presParOf" srcId="{62A0BCBD-1060-4177-9C9D-CE8A88DB9FC9}" destId="{9A976CB4-AA84-4184-918E-43E066D7FEEE}" srcOrd="7" destOrd="0" presId="urn:microsoft.com/office/officeart/2005/8/layout/cycle3"/>
+    <dgm:cxn modelId="{3D392D3A-F363-46FB-A641-4BE7A8C22940}" type="presParOf" srcId="{62A0BCBD-1060-4177-9C9D-CE8A88DB9FC9}" destId="{1924CE38-F438-4C86-8F44-2F0E504D3CC6}" srcOrd="8" destOrd="0" presId="urn:microsoft.com/office/officeart/2005/8/layout/cycle3"/>
+    <dgm:cxn modelId="{5A397ACF-A1C9-4CB0-93B7-C9521155BD70}" type="presParOf" srcId="{62A0BCBD-1060-4177-9C9D-CE8A88DB9FC9}" destId="{95F412B7-567C-42A2-B558-62D42D8FF0A5}" srcOrd="9" destOrd="0" presId="urn:microsoft.com/office/officeart/2005/8/layout/cycle3"/>
   </dgm:cxnLst>
   <dgm:bg/>
   <dgm:whole/>
@@ -4383,7 +4387,7 @@
           <a:pPr algn="ctr"/>
           <a:r>
             <a:rPr lang="de-DE" dirty="0"/>
-            <a:t>Transfer Lernen</a:t>
+            <a:t>Beschleunigung der Trainingsverfahren, neue Architektur </a:t>
           </a:r>
         </a:p>
       </dgm:t>
@@ -4400,47 +4404,6 @@
       </dgm:t>
     </dgm:pt>
     <dgm:pt modelId="{0E9E771A-06A8-4A95-93CB-A26A62D5EB4C}" type="sibTrans" cxnId="{9B3C201C-89A7-43FA-B6C9-1E91A85BFEC6}">
-      <dgm:prSet/>
-      <dgm:spPr/>
-      <dgm:t>
-        <a:bodyPr/>
-        <a:lstStyle/>
-        <a:p>
-          <a:endParaRPr lang="de-DE"/>
-        </a:p>
-      </dgm:t>
-    </dgm:pt>
-    <dgm:pt modelId="{B9A33C8B-352F-4113-BDFB-D071DD62A05C}">
-      <dgm:prSet/>
-      <dgm:spPr>
-        <a:solidFill>
-          <a:schemeClr val="tx1"/>
-        </a:solidFill>
-      </dgm:spPr>
-      <dgm:t>
-        <a:bodyPr/>
-        <a:lstStyle/>
-        <a:p>
-          <a:pPr algn="ctr"/>
-          <a:r>
-            <a:rPr lang="de-DE" dirty="0"/>
-            <a:t>Beschleunigung der Trainingsverfahren</a:t>
-          </a:r>
-        </a:p>
-      </dgm:t>
-    </dgm:pt>
-    <dgm:pt modelId="{8C5B54C0-D9F6-45C4-AEB8-30EB80E6DD87}" type="parTrans" cxnId="{EA5E4317-88F2-476B-9440-0451E90B8848}">
-      <dgm:prSet/>
-      <dgm:spPr/>
-      <dgm:t>
-        <a:bodyPr/>
-        <a:lstStyle/>
-        <a:p>
-          <a:endParaRPr lang="de-DE"/>
-        </a:p>
-      </dgm:t>
-    </dgm:pt>
-    <dgm:pt modelId="{197AD9F1-0327-476F-9B22-72DD08216E53}" type="sibTrans" cxnId="{EA5E4317-88F2-476B-9440-0451E90B8848}">
       <dgm:prSet/>
       <dgm:spPr/>
       <dgm:t>
@@ -4549,6 +4512,51 @@
         </a:p>
       </dgm:t>
     </dgm:pt>
+    <dgm:pt modelId="{E40CF90B-F2D9-4369-8DA1-4849AE6F75F7}">
+      <dgm:prSet/>
+      <dgm:spPr>
+        <a:solidFill>
+          <a:schemeClr val="tx1"/>
+        </a:solidFill>
+      </dgm:spPr>
+      <dgm:t>
+        <a:bodyPr/>
+        <a:lstStyle/>
+        <a:p>
+          <a:pPr algn="ctr"/>
+          <a:r>
+            <a:rPr lang="de-DE" dirty="0" err="1"/>
+            <a:t>ZeRO</a:t>
+          </a:r>
+          <a:r>
+            <a:rPr lang="de-DE" dirty="0"/>
+            <a:t> Optimizer in tensorflow</a:t>
+          </a:r>
+        </a:p>
+      </dgm:t>
+    </dgm:pt>
+    <dgm:pt modelId="{2E1A93CE-7482-4ABF-AD8D-D79BD1653171}" type="parTrans" cxnId="{E1C4E376-5217-4AFE-AC91-9616E1B675A6}">
+      <dgm:prSet/>
+      <dgm:spPr/>
+      <dgm:t>
+        <a:bodyPr/>
+        <a:lstStyle/>
+        <a:p>
+          <a:endParaRPr lang="de-DE"/>
+        </a:p>
+      </dgm:t>
+    </dgm:pt>
+    <dgm:pt modelId="{7A7BBFBF-206D-4315-A724-8B85D53B1ED3}" type="sibTrans" cxnId="{E1C4E376-5217-4AFE-AC91-9616E1B675A6}">
+      <dgm:prSet/>
+      <dgm:spPr/>
+      <dgm:t>
+        <a:bodyPr/>
+        <a:lstStyle/>
+        <a:p>
+          <a:endParaRPr lang="de-DE"/>
+        </a:p>
+      </dgm:t>
+    </dgm:pt>
     <dgm:pt modelId="{9203152D-252D-4650-BDC7-BE9956E7F2A2}" type="pres">
       <dgm:prSet presAssocID="{1C1E3D64-9864-4C22-A455-3EB3EB24EFDE}" presName="linear" presStyleCnt="0">
         <dgm:presLayoutVars>
@@ -4592,49 +4600,16 @@
       <dgm:prSet presAssocID="{0E9E771A-06A8-4A95-93CB-A26A62D5EB4C}" presName="spaceBetweenRectangles" presStyleCnt="0"/>
       <dgm:spPr/>
     </dgm:pt>
-    <dgm:pt modelId="{B2C82E9D-03A3-450D-801A-3F08703946FF}" type="pres">
-      <dgm:prSet presAssocID="{B9A33C8B-352F-4113-BDFB-D071DD62A05C}" presName="parentLin" presStyleCnt="0"/>
-      <dgm:spPr/>
-    </dgm:pt>
-    <dgm:pt modelId="{AD484B44-EA4A-4BF8-9B7C-ADCC38804561}" type="pres">
-      <dgm:prSet presAssocID="{B9A33C8B-352F-4113-BDFB-D071DD62A05C}" presName="parentLeftMargin" presStyleLbl="node1" presStyleIdx="0" presStyleCnt="4"/>
-      <dgm:spPr/>
-    </dgm:pt>
-    <dgm:pt modelId="{82502594-1156-415E-A53E-4FF7FF7970E1}" type="pres">
-      <dgm:prSet presAssocID="{B9A33C8B-352F-4113-BDFB-D071DD62A05C}" presName="parentText" presStyleLbl="node1" presStyleIdx="1" presStyleCnt="4">
-        <dgm:presLayoutVars>
-          <dgm:chMax val="0"/>
-          <dgm:bulletEnabled val="1"/>
-        </dgm:presLayoutVars>
-      </dgm:prSet>
-      <dgm:spPr/>
-    </dgm:pt>
-    <dgm:pt modelId="{DDCBCFCC-C8EA-4747-8D28-0AC4A93DCEB8}" type="pres">
-      <dgm:prSet presAssocID="{B9A33C8B-352F-4113-BDFB-D071DD62A05C}" presName="negativeSpace" presStyleCnt="0"/>
-      <dgm:spPr/>
-    </dgm:pt>
-    <dgm:pt modelId="{F3E8F1B9-C19C-4F60-98DC-FB0789D90353}" type="pres">
-      <dgm:prSet presAssocID="{B9A33C8B-352F-4113-BDFB-D071DD62A05C}" presName="childText" presStyleLbl="conFgAcc1" presStyleIdx="1" presStyleCnt="4">
-        <dgm:presLayoutVars>
-          <dgm:bulletEnabled val="1"/>
-        </dgm:presLayoutVars>
-      </dgm:prSet>
-      <dgm:spPr/>
-    </dgm:pt>
-    <dgm:pt modelId="{519D2FAA-47A4-4FEF-93F5-3B630CC90093}" type="pres">
-      <dgm:prSet presAssocID="{197AD9F1-0327-476F-9B22-72DD08216E53}" presName="spaceBetweenRectangles" presStyleCnt="0"/>
-      <dgm:spPr/>
-    </dgm:pt>
     <dgm:pt modelId="{C669CA29-68E1-4AF8-8720-D4451B1DF606}" type="pres">
       <dgm:prSet presAssocID="{BE1CFDA3-1A6F-4A0D-95A8-E144234A7A2E}" presName="parentLin" presStyleCnt="0"/>
       <dgm:spPr/>
     </dgm:pt>
     <dgm:pt modelId="{058E470F-CDE6-4BCD-A88B-A35B75005A9A}" type="pres">
-      <dgm:prSet presAssocID="{BE1CFDA3-1A6F-4A0D-95A8-E144234A7A2E}" presName="parentLeftMargin" presStyleLbl="node1" presStyleIdx="1" presStyleCnt="4"/>
+      <dgm:prSet presAssocID="{BE1CFDA3-1A6F-4A0D-95A8-E144234A7A2E}" presName="parentLeftMargin" presStyleLbl="node1" presStyleIdx="0" presStyleCnt="4"/>
       <dgm:spPr/>
     </dgm:pt>
     <dgm:pt modelId="{6DCC6433-9D4B-4E92-BD77-EA072023C9A6}" type="pres">
-      <dgm:prSet presAssocID="{BE1CFDA3-1A6F-4A0D-95A8-E144234A7A2E}" presName="parentText" presStyleLbl="node1" presStyleIdx="2" presStyleCnt="4">
+      <dgm:prSet presAssocID="{BE1CFDA3-1A6F-4A0D-95A8-E144234A7A2E}" presName="parentText" presStyleLbl="node1" presStyleIdx="1" presStyleCnt="4">
         <dgm:presLayoutVars>
           <dgm:chMax val="0"/>
           <dgm:bulletEnabled val="1"/>
@@ -4647,7 +4622,7 @@
       <dgm:spPr/>
     </dgm:pt>
     <dgm:pt modelId="{92AE7A16-D6A3-4571-9402-2849AC22C340}" type="pres">
-      <dgm:prSet presAssocID="{BE1CFDA3-1A6F-4A0D-95A8-E144234A7A2E}" presName="childText" presStyleLbl="conFgAcc1" presStyleIdx="2" presStyleCnt="4">
+      <dgm:prSet presAssocID="{BE1CFDA3-1A6F-4A0D-95A8-E144234A7A2E}" presName="childText" presStyleLbl="conFgAcc1" presStyleIdx="1" presStyleCnt="4">
         <dgm:presLayoutVars>
           <dgm:bulletEnabled val="1"/>
         </dgm:presLayoutVars>
@@ -4656,6 +4631,39 @@
     </dgm:pt>
     <dgm:pt modelId="{BD514A2B-95AB-42BE-80FC-BF86AE8FADEC}" type="pres">
       <dgm:prSet presAssocID="{E74BB72B-B9F5-4888-A26F-E0D153F52BE8}" presName="spaceBetweenRectangles" presStyleCnt="0"/>
+      <dgm:spPr/>
+    </dgm:pt>
+    <dgm:pt modelId="{DF26BBF6-7B62-4853-B309-2A6ABBE409F4}" type="pres">
+      <dgm:prSet presAssocID="{E40CF90B-F2D9-4369-8DA1-4849AE6F75F7}" presName="parentLin" presStyleCnt="0"/>
+      <dgm:spPr/>
+    </dgm:pt>
+    <dgm:pt modelId="{4437384F-7C20-44FF-BDA6-2314DB72C6F1}" type="pres">
+      <dgm:prSet presAssocID="{E40CF90B-F2D9-4369-8DA1-4849AE6F75F7}" presName="parentLeftMargin" presStyleLbl="node1" presStyleIdx="1" presStyleCnt="4"/>
+      <dgm:spPr/>
+    </dgm:pt>
+    <dgm:pt modelId="{6347486D-D45E-4BA0-AEE1-906BA1C7F705}" type="pres">
+      <dgm:prSet presAssocID="{E40CF90B-F2D9-4369-8DA1-4849AE6F75F7}" presName="parentText" presStyleLbl="node1" presStyleIdx="2" presStyleCnt="4" custLinFactNeighborX="-5065">
+        <dgm:presLayoutVars>
+          <dgm:chMax val="0"/>
+          <dgm:bulletEnabled val="1"/>
+        </dgm:presLayoutVars>
+      </dgm:prSet>
+      <dgm:spPr/>
+    </dgm:pt>
+    <dgm:pt modelId="{CF13A6F9-BAB8-44A5-8D7C-068CA42239E6}" type="pres">
+      <dgm:prSet presAssocID="{E40CF90B-F2D9-4369-8DA1-4849AE6F75F7}" presName="negativeSpace" presStyleCnt="0"/>
+      <dgm:spPr/>
+    </dgm:pt>
+    <dgm:pt modelId="{0F203902-E084-4748-AE5C-C85150D79014}" type="pres">
+      <dgm:prSet presAssocID="{E40CF90B-F2D9-4369-8DA1-4849AE6F75F7}" presName="childText" presStyleLbl="conFgAcc1" presStyleIdx="2" presStyleCnt="4">
+        <dgm:presLayoutVars>
+          <dgm:bulletEnabled val="1"/>
+        </dgm:presLayoutVars>
+      </dgm:prSet>
+      <dgm:spPr/>
+    </dgm:pt>
+    <dgm:pt modelId="{CB9798CB-C49F-4545-9A82-56BED53BC794}" type="pres">
+      <dgm:prSet presAssocID="{7A7BBFBF-206D-4315-A724-8B85D53B1ED3}" presName="spaceBetweenRectangles" presStyleCnt="0"/>
       <dgm:spPr/>
     </dgm:pt>
     <dgm:pt modelId="{21E5CF25-AED7-43F2-8782-27A872519CB0}" type="pres">
@@ -4690,36 +4698,36 @@
   </dgm:ptLst>
   <dgm:cxnLst>
     <dgm:cxn modelId="{36040D00-057B-471F-9C2D-2C52AD90B57D}" type="presOf" srcId="{BE1CFDA3-1A6F-4A0D-95A8-E144234A7A2E}" destId="{6DCC6433-9D4B-4E92-BD77-EA072023C9A6}" srcOrd="1" destOrd="0" presId="urn:microsoft.com/office/officeart/2005/8/layout/list1"/>
-    <dgm:cxn modelId="{EA5E4317-88F2-476B-9440-0451E90B8848}" srcId="{1C1E3D64-9864-4C22-A455-3EB3EB24EFDE}" destId="{B9A33C8B-352F-4113-BDFB-D071DD62A05C}" srcOrd="1" destOrd="0" parTransId="{8C5B54C0-D9F6-45C4-AEB8-30EB80E6DD87}" sibTransId="{197AD9F1-0327-476F-9B22-72DD08216E53}"/>
     <dgm:cxn modelId="{9B3C201C-89A7-43FA-B6C9-1E91A85BFEC6}" srcId="{1C1E3D64-9864-4C22-A455-3EB3EB24EFDE}" destId="{B63A2B84-AF41-4613-AD6E-71E19250E35F}" srcOrd="0" destOrd="0" parTransId="{F1AADDD7-1A91-413B-BEED-AEB9B9EE393B}" sibTransId="{0E9E771A-06A8-4A95-93CB-A26A62D5EB4C}"/>
     <dgm:cxn modelId="{90F71227-E88C-47E7-BC7A-01AA50B74A17}" type="presOf" srcId="{D9E7E0CF-C460-42DC-942D-01763BB6B15E}" destId="{6BEB71FC-27A4-4862-9217-4CD6A76CDF2F}" srcOrd="1" destOrd="0" presId="urn:microsoft.com/office/officeart/2005/8/layout/list1"/>
+    <dgm:cxn modelId="{50110D28-4A57-423D-9578-59CE21C5E5B8}" type="presOf" srcId="{E40CF90B-F2D9-4369-8DA1-4849AE6F75F7}" destId="{6347486D-D45E-4BA0-AEE1-906BA1C7F705}" srcOrd="1" destOrd="0" presId="urn:microsoft.com/office/officeart/2005/8/layout/list1"/>
     <dgm:cxn modelId="{F2EF1037-4CBA-43BA-8EA4-C584922A5D4D}" type="presOf" srcId="{B63A2B84-AF41-4613-AD6E-71E19250E35F}" destId="{08569890-0044-4457-938B-2F3DE446AE7E}" srcOrd="1" destOrd="0" presId="urn:microsoft.com/office/officeart/2005/8/layout/list1"/>
-    <dgm:cxn modelId="{DF84AB6C-514D-4AB2-979E-99CE3D842EB1}" type="presOf" srcId="{B9A33C8B-352F-4113-BDFB-D071DD62A05C}" destId="{82502594-1156-415E-A53E-4FF7FF7970E1}" srcOrd="1" destOrd="0" presId="urn:microsoft.com/office/officeart/2005/8/layout/list1"/>
     <dgm:cxn modelId="{9C4DD04D-7F40-4C23-B550-4086EE3CA10D}" srcId="{1C1E3D64-9864-4C22-A455-3EB3EB24EFDE}" destId="{D9E7E0CF-C460-42DC-942D-01763BB6B15E}" srcOrd="3" destOrd="0" parTransId="{9A0D3949-8E85-4B9D-9B08-372AE955AAA5}" sibTransId="{63C6E261-CB84-42E9-9C39-66EF1D611166}"/>
+    <dgm:cxn modelId="{E1C4E376-5217-4AFE-AC91-9616E1B675A6}" srcId="{1C1E3D64-9864-4C22-A455-3EB3EB24EFDE}" destId="{E40CF90B-F2D9-4369-8DA1-4849AE6F75F7}" srcOrd="2" destOrd="0" parTransId="{2E1A93CE-7482-4ABF-AD8D-D79BD1653171}" sibTransId="{7A7BBFBF-206D-4315-A724-8B85D53B1ED3}"/>
+    <dgm:cxn modelId="{6015A179-C2AF-43BD-855E-A8228748368C}" type="presOf" srcId="{E40CF90B-F2D9-4369-8DA1-4849AE6F75F7}" destId="{4437384F-7C20-44FF-BDA6-2314DB72C6F1}" srcOrd="0" destOrd="0" presId="urn:microsoft.com/office/officeart/2005/8/layout/list1"/>
     <dgm:cxn modelId="{EB712A80-C958-4944-9486-33D42B3717DF}" type="presOf" srcId="{BE1CFDA3-1A6F-4A0D-95A8-E144234A7A2E}" destId="{058E470F-CDE6-4BCD-A88B-A35B75005A9A}" srcOrd="0" destOrd="0" presId="urn:microsoft.com/office/officeart/2005/8/layout/list1"/>
     <dgm:cxn modelId="{310BF6BD-ABB1-4A13-845D-B06528788EAB}" type="presOf" srcId="{1C1E3D64-9864-4C22-A455-3EB3EB24EFDE}" destId="{9203152D-252D-4650-BDC7-BE9956E7F2A2}" srcOrd="0" destOrd="0" presId="urn:microsoft.com/office/officeart/2005/8/layout/list1"/>
     <dgm:cxn modelId="{371FC5C1-E7A7-4921-94AE-09E3984E4C86}" type="presOf" srcId="{D9E7E0CF-C460-42DC-942D-01763BB6B15E}" destId="{8229E826-C008-4738-A232-4595AD3D2AEA}" srcOrd="0" destOrd="0" presId="urn:microsoft.com/office/officeart/2005/8/layout/list1"/>
-    <dgm:cxn modelId="{736216C6-B797-4053-9CA3-616E575BB75A}" srcId="{1C1E3D64-9864-4C22-A455-3EB3EB24EFDE}" destId="{BE1CFDA3-1A6F-4A0D-95A8-E144234A7A2E}" srcOrd="2" destOrd="0" parTransId="{CAE07B16-4C20-4657-9B50-221868B1073C}" sibTransId="{E74BB72B-B9F5-4888-A26F-E0D153F52BE8}"/>
+    <dgm:cxn modelId="{736216C6-B797-4053-9CA3-616E575BB75A}" srcId="{1C1E3D64-9864-4C22-A455-3EB3EB24EFDE}" destId="{BE1CFDA3-1A6F-4A0D-95A8-E144234A7A2E}" srcOrd="1" destOrd="0" parTransId="{CAE07B16-4C20-4657-9B50-221868B1073C}" sibTransId="{E74BB72B-B9F5-4888-A26F-E0D153F52BE8}"/>
     <dgm:cxn modelId="{6EE6B8F5-BAEF-4879-B07F-5A303E014BB0}" type="presOf" srcId="{B63A2B84-AF41-4613-AD6E-71E19250E35F}" destId="{3AE18E67-96B2-45CB-BC08-EB93502A372B}" srcOrd="0" destOrd="0" presId="urn:microsoft.com/office/officeart/2005/8/layout/list1"/>
-    <dgm:cxn modelId="{86B583FB-CD30-4477-8C2B-3C904C551704}" type="presOf" srcId="{B9A33C8B-352F-4113-BDFB-D071DD62A05C}" destId="{AD484B44-EA4A-4BF8-9B7C-ADCC38804561}" srcOrd="0" destOrd="0" presId="urn:microsoft.com/office/officeart/2005/8/layout/list1"/>
     <dgm:cxn modelId="{372099A5-4DC9-4EFD-A6A0-A7B9C8AC6359}" type="presParOf" srcId="{9203152D-252D-4650-BDC7-BE9956E7F2A2}" destId="{15FCB1CF-9833-49D5-AE02-98367D7A1BD4}" srcOrd="0" destOrd="0" presId="urn:microsoft.com/office/officeart/2005/8/layout/list1"/>
     <dgm:cxn modelId="{BC0FCA1E-7FAC-4BF3-AB99-7A931274A97C}" type="presParOf" srcId="{15FCB1CF-9833-49D5-AE02-98367D7A1BD4}" destId="{3AE18E67-96B2-45CB-BC08-EB93502A372B}" srcOrd="0" destOrd="0" presId="urn:microsoft.com/office/officeart/2005/8/layout/list1"/>
     <dgm:cxn modelId="{79A537C1-2150-4780-8183-5873A9128BCC}" type="presParOf" srcId="{15FCB1CF-9833-49D5-AE02-98367D7A1BD4}" destId="{08569890-0044-4457-938B-2F3DE446AE7E}" srcOrd="1" destOrd="0" presId="urn:microsoft.com/office/officeart/2005/8/layout/list1"/>
     <dgm:cxn modelId="{C5FBE3D9-7C53-4DF1-9DE6-1975C920150F}" type="presParOf" srcId="{9203152D-252D-4650-BDC7-BE9956E7F2A2}" destId="{FC71AF13-BE9E-4BFF-B598-3CA361613794}" srcOrd="1" destOrd="0" presId="urn:microsoft.com/office/officeart/2005/8/layout/list1"/>
     <dgm:cxn modelId="{808499EC-DBAC-4F1E-ADE6-FF2E846A5F5E}" type="presParOf" srcId="{9203152D-252D-4650-BDC7-BE9956E7F2A2}" destId="{CD74431C-BC6D-413C-87B6-3E1CD0AE2F8D}" srcOrd="2" destOrd="0" presId="urn:microsoft.com/office/officeart/2005/8/layout/list1"/>
     <dgm:cxn modelId="{0F5FE3F1-D151-44AB-90EA-0EE73465EB82}" type="presParOf" srcId="{9203152D-252D-4650-BDC7-BE9956E7F2A2}" destId="{DE3F937D-62F8-47B4-97A2-0B64CF561557}" srcOrd="3" destOrd="0" presId="urn:microsoft.com/office/officeart/2005/8/layout/list1"/>
-    <dgm:cxn modelId="{94AF326F-97A1-4136-9467-82D622F89942}" type="presParOf" srcId="{9203152D-252D-4650-BDC7-BE9956E7F2A2}" destId="{B2C82E9D-03A3-450D-801A-3F08703946FF}" srcOrd="4" destOrd="0" presId="urn:microsoft.com/office/officeart/2005/8/layout/list1"/>
-    <dgm:cxn modelId="{DDE59391-8675-4533-991F-BE08FFFB0FD1}" type="presParOf" srcId="{B2C82E9D-03A3-450D-801A-3F08703946FF}" destId="{AD484B44-EA4A-4BF8-9B7C-ADCC38804561}" srcOrd="0" destOrd="0" presId="urn:microsoft.com/office/officeart/2005/8/layout/list1"/>
-    <dgm:cxn modelId="{CD985660-BA58-419D-898C-353C39539CB6}" type="presParOf" srcId="{B2C82E9D-03A3-450D-801A-3F08703946FF}" destId="{82502594-1156-415E-A53E-4FF7FF7970E1}" srcOrd="1" destOrd="0" presId="urn:microsoft.com/office/officeart/2005/8/layout/list1"/>
-    <dgm:cxn modelId="{BEAFB7BC-AB26-4066-9D2C-2B8580B6F8CD}" type="presParOf" srcId="{9203152D-252D-4650-BDC7-BE9956E7F2A2}" destId="{DDCBCFCC-C8EA-4747-8D28-0AC4A93DCEB8}" srcOrd="5" destOrd="0" presId="urn:microsoft.com/office/officeart/2005/8/layout/list1"/>
-    <dgm:cxn modelId="{AC69C7AF-7ACD-4C9D-81ED-FE58CC6BA58D}" type="presParOf" srcId="{9203152D-252D-4650-BDC7-BE9956E7F2A2}" destId="{F3E8F1B9-C19C-4F60-98DC-FB0789D90353}" srcOrd="6" destOrd="0" presId="urn:microsoft.com/office/officeart/2005/8/layout/list1"/>
-    <dgm:cxn modelId="{4AB73D44-14DA-4566-AA88-B507D4A3758D}" type="presParOf" srcId="{9203152D-252D-4650-BDC7-BE9956E7F2A2}" destId="{519D2FAA-47A4-4FEF-93F5-3B630CC90093}" srcOrd="7" destOrd="0" presId="urn:microsoft.com/office/officeart/2005/8/layout/list1"/>
-    <dgm:cxn modelId="{39B9D1EC-9212-4AD4-B89B-C3415A0D44DF}" type="presParOf" srcId="{9203152D-252D-4650-BDC7-BE9956E7F2A2}" destId="{C669CA29-68E1-4AF8-8720-D4451B1DF606}" srcOrd="8" destOrd="0" presId="urn:microsoft.com/office/officeart/2005/8/layout/list1"/>
+    <dgm:cxn modelId="{39B9D1EC-9212-4AD4-B89B-C3415A0D44DF}" type="presParOf" srcId="{9203152D-252D-4650-BDC7-BE9956E7F2A2}" destId="{C669CA29-68E1-4AF8-8720-D4451B1DF606}" srcOrd="4" destOrd="0" presId="urn:microsoft.com/office/officeart/2005/8/layout/list1"/>
     <dgm:cxn modelId="{BF2C3BCA-6910-4983-85DD-5A9F7D80C5A7}" type="presParOf" srcId="{C669CA29-68E1-4AF8-8720-D4451B1DF606}" destId="{058E470F-CDE6-4BCD-A88B-A35B75005A9A}" srcOrd="0" destOrd="0" presId="urn:microsoft.com/office/officeart/2005/8/layout/list1"/>
     <dgm:cxn modelId="{A9D1C730-EC09-49CF-8843-2ABC5F63147C}" type="presParOf" srcId="{C669CA29-68E1-4AF8-8720-D4451B1DF606}" destId="{6DCC6433-9D4B-4E92-BD77-EA072023C9A6}" srcOrd="1" destOrd="0" presId="urn:microsoft.com/office/officeart/2005/8/layout/list1"/>
-    <dgm:cxn modelId="{FA13B533-224E-4A1D-9CDA-CFFF64C95F46}" type="presParOf" srcId="{9203152D-252D-4650-BDC7-BE9956E7F2A2}" destId="{F6AED2C2-1C24-41CD-ACB1-942A3B713F5A}" srcOrd="9" destOrd="0" presId="urn:microsoft.com/office/officeart/2005/8/layout/list1"/>
-    <dgm:cxn modelId="{CD56AAD1-8BEA-4653-AB58-F9DFBD41B3F2}" type="presParOf" srcId="{9203152D-252D-4650-BDC7-BE9956E7F2A2}" destId="{92AE7A16-D6A3-4571-9402-2849AC22C340}" srcOrd="10" destOrd="0" presId="urn:microsoft.com/office/officeart/2005/8/layout/list1"/>
-    <dgm:cxn modelId="{6E946C21-E74D-4432-883F-4008A8A1BE35}" type="presParOf" srcId="{9203152D-252D-4650-BDC7-BE9956E7F2A2}" destId="{BD514A2B-95AB-42BE-80FC-BF86AE8FADEC}" srcOrd="11" destOrd="0" presId="urn:microsoft.com/office/officeart/2005/8/layout/list1"/>
+    <dgm:cxn modelId="{FA13B533-224E-4A1D-9CDA-CFFF64C95F46}" type="presParOf" srcId="{9203152D-252D-4650-BDC7-BE9956E7F2A2}" destId="{F6AED2C2-1C24-41CD-ACB1-942A3B713F5A}" srcOrd="5" destOrd="0" presId="urn:microsoft.com/office/officeart/2005/8/layout/list1"/>
+    <dgm:cxn modelId="{CD56AAD1-8BEA-4653-AB58-F9DFBD41B3F2}" type="presParOf" srcId="{9203152D-252D-4650-BDC7-BE9956E7F2A2}" destId="{92AE7A16-D6A3-4571-9402-2849AC22C340}" srcOrd="6" destOrd="0" presId="urn:microsoft.com/office/officeart/2005/8/layout/list1"/>
+    <dgm:cxn modelId="{6E946C21-E74D-4432-883F-4008A8A1BE35}" type="presParOf" srcId="{9203152D-252D-4650-BDC7-BE9956E7F2A2}" destId="{BD514A2B-95AB-42BE-80FC-BF86AE8FADEC}" srcOrd="7" destOrd="0" presId="urn:microsoft.com/office/officeart/2005/8/layout/list1"/>
+    <dgm:cxn modelId="{F645414E-DDE8-49B9-A49E-BABD343B8A20}" type="presParOf" srcId="{9203152D-252D-4650-BDC7-BE9956E7F2A2}" destId="{DF26BBF6-7B62-4853-B309-2A6ABBE409F4}" srcOrd="8" destOrd="0" presId="urn:microsoft.com/office/officeart/2005/8/layout/list1"/>
+    <dgm:cxn modelId="{A4D7BB06-C80F-4FD3-A85B-E1CBCD741BEF}" type="presParOf" srcId="{DF26BBF6-7B62-4853-B309-2A6ABBE409F4}" destId="{4437384F-7C20-44FF-BDA6-2314DB72C6F1}" srcOrd="0" destOrd="0" presId="urn:microsoft.com/office/officeart/2005/8/layout/list1"/>
+    <dgm:cxn modelId="{EA49E531-9E30-4ABD-BFEB-88BE0179AAA2}" type="presParOf" srcId="{DF26BBF6-7B62-4853-B309-2A6ABBE409F4}" destId="{6347486D-D45E-4BA0-AEE1-906BA1C7F705}" srcOrd="1" destOrd="0" presId="urn:microsoft.com/office/officeart/2005/8/layout/list1"/>
+    <dgm:cxn modelId="{8EB60304-6453-4819-98B9-9CAE4AB1ADF7}" type="presParOf" srcId="{9203152D-252D-4650-BDC7-BE9956E7F2A2}" destId="{CF13A6F9-BAB8-44A5-8D7C-068CA42239E6}" srcOrd="9" destOrd="0" presId="urn:microsoft.com/office/officeart/2005/8/layout/list1"/>
+    <dgm:cxn modelId="{D345FD90-6989-43FE-B488-B8E8EBC2FCE7}" type="presParOf" srcId="{9203152D-252D-4650-BDC7-BE9956E7F2A2}" destId="{0F203902-E084-4748-AE5C-C85150D79014}" srcOrd="10" destOrd="0" presId="urn:microsoft.com/office/officeart/2005/8/layout/list1"/>
+    <dgm:cxn modelId="{6C059EDF-3627-4E55-9FA6-89566AE37DB8}" type="presParOf" srcId="{9203152D-252D-4650-BDC7-BE9956E7F2A2}" destId="{CB9798CB-C49F-4545-9A82-56BED53BC794}" srcOrd="11" destOrd="0" presId="urn:microsoft.com/office/officeart/2005/8/layout/list1"/>
     <dgm:cxn modelId="{C1AC1685-BE54-44DD-AC4A-479EACA10A2C}" type="presParOf" srcId="{9203152D-252D-4650-BDC7-BE9956E7F2A2}" destId="{21E5CF25-AED7-43F2-8782-27A872519CB0}" srcOrd="12" destOrd="0" presId="urn:microsoft.com/office/officeart/2005/8/layout/list1"/>
     <dgm:cxn modelId="{EEA942D9-513B-4157-9BB9-7F53050EC3C6}" type="presParOf" srcId="{21E5CF25-AED7-43F2-8782-27A872519CB0}" destId="{8229E826-C008-4738-A232-4595AD3D2AEA}" srcOrd="0" destOrd="0" presId="urn:microsoft.com/office/officeart/2005/8/layout/list1"/>
     <dgm:cxn modelId="{2174267E-F248-4773-92A0-F888E440E287}" type="presParOf" srcId="{21E5CF25-AED7-43F2-8782-27A872519CB0}" destId="{6BEB71FC-27A4-4862-9217-4CD6A76CDF2F}" srcOrd="1" destOrd="0" presId="urn:microsoft.com/office/officeart/2005/8/layout/list1"/>
@@ -6269,8 +6277,8 @@
       </dsp:nvSpPr>
       <dsp:spPr>
         <a:xfrm>
-          <a:off x="0" y="417429"/>
-          <a:ext cx="10515600" cy="604800"/>
+          <a:off x="0" y="490689"/>
+          <a:ext cx="10515600" cy="579600"/>
         </a:xfrm>
         <a:prstGeom prst="rect">
           <a:avLst/>
@@ -6318,8 +6326,8 @@
       </dsp:nvSpPr>
       <dsp:spPr>
         <a:xfrm>
-          <a:off x="525780" y="63189"/>
-          <a:ext cx="7360920" cy="708480"/>
+          <a:off x="525780" y="151209"/>
+          <a:ext cx="7360920" cy="678960"/>
         </a:xfrm>
         <a:prstGeom prst="roundRect">
           <a:avLst/>
@@ -6361,7 +6369,7 @@
         </a:bodyPr>
         <a:lstStyle/>
         <a:p>
-          <a:pPr marL="0" lvl="0" indent="0" algn="ctr" defTabSz="1066800">
+          <a:pPr marL="0" lvl="0" indent="0" algn="ctr" defTabSz="1022350">
             <a:lnSpc>
               <a:spcPct val="90000"/>
             </a:lnSpc>
@@ -6374,136 +6382,14 @@
             <a:buNone/>
           </a:pPr>
           <a:r>
-            <a:rPr lang="de-DE" sz="2400" kern="1200" dirty="0"/>
-            <a:t>Transfer Lernen</a:t>
+            <a:rPr lang="de-DE" sz="2300" kern="1200" dirty="0"/>
+            <a:t>Beschleunigung der Trainingsverfahren, neue Architektur </a:t>
           </a:r>
         </a:p>
       </dsp:txBody>
       <dsp:txXfrm>
-        <a:off x="560365" y="97774"/>
-        <a:ext cx="7291750" cy="639310"/>
-      </dsp:txXfrm>
-    </dsp:sp>
-    <dsp:sp modelId="{F3E8F1B9-C19C-4F60-98DC-FB0789D90353}">
-      <dsp:nvSpPr>
-        <dsp:cNvPr id="0" name=""/>
-        <dsp:cNvSpPr/>
-      </dsp:nvSpPr>
-      <dsp:spPr>
-        <a:xfrm>
-          <a:off x="0" y="1506069"/>
-          <a:ext cx="10515600" cy="604800"/>
-        </a:xfrm>
-        <a:prstGeom prst="rect">
-          <a:avLst/>
-        </a:prstGeom>
-        <a:solidFill>
-          <a:schemeClr val="lt1">
-            <a:alpha val="90000"/>
-            <a:hueOff val="0"/>
-            <a:satOff val="0"/>
-            <a:lumOff val="0"/>
-            <a:alphaOff val="0"/>
-          </a:schemeClr>
-        </a:solidFill>
-        <a:ln w="12700" cap="flat" cmpd="sng" algn="ctr">
-          <a:solidFill>
-            <a:schemeClr val="accent1">
-              <a:hueOff val="0"/>
-              <a:satOff val="0"/>
-              <a:lumOff val="0"/>
-              <a:alphaOff val="0"/>
-            </a:schemeClr>
-          </a:solidFill>
-          <a:prstDash val="solid"/>
-          <a:miter lim="800000"/>
-        </a:ln>
-        <a:effectLst/>
-      </dsp:spPr>
-      <dsp:style>
-        <a:lnRef idx="2">
-          <a:scrgbClr r="0" g="0" b="0"/>
-        </a:lnRef>
-        <a:fillRef idx="1">
-          <a:scrgbClr r="0" g="0" b="0"/>
-        </a:fillRef>
-        <a:effectRef idx="0">
-          <a:scrgbClr r="0" g="0" b="0"/>
-        </a:effectRef>
-        <a:fontRef idx="minor"/>
-      </dsp:style>
-    </dsp:sp>
-    <dsp:sp modelId="{82502594-1156-415E-A53E-4FF7FF7970E1}">
-      <dsp:nvSpPr>
-        <dsp:cNvPr id="0" name=""/>
-        <dsp:cNvSpPr/>
-      </dsp:nvSpPr>
-      <dsp:spPr>
-        <a:xfrm>
-          <a:off x="525780" y="1151829"/>
-          <a:ext cx="7360920" cy="708480"/>
-        </a:xfrm>
-        <a:prstGeom prst="roundRect">
-          <a:avLst/>
-        </a:prstGeom>
-        <a:solidFill>
-          <a:schemeClr val="tx1"/>
-        </a:solidFill>
-        <a:ln w="12700" cap="flat" cmpd="sng" algn="ctr">
-          <a:solidFill>
-            <a:schemeClr val="lt1">
-              <a:hueOff val="0"/>
-              <a:satOff val="0"/>
-              <a:lumOff val="0"/>
-              <a:alphaOff val="0"/>
-            </a:schemeClr>
-          </a:solidFill>
-          <a:prstDash val="solid"/>
-          <a:miter lim="800000"/>
-        </a:ln>
-        <a:effectLst/>
-      </dsp:spPr>
-      <dsp:style>
-        <a:lnRef idx="2">
-          <a:scrgbClr r="0" g="0" b="0"/>
-        </a:lnRef>
-        <a:fillRef idx="1">
-          <a:scrgbClr r="0" g="0" b="0"/>
-        </a:fillRef>
-        <a:effectRef idx="0">
-          <a:scrgbClr r="0" g="0" b="0"/>
-        </a:effectRef>
-        <a:fontRef idx="minor">
-          <a:schemeClr val="lt1"/>
-        </a:fontRef>
-      </dsp:style>
-      <dsp:txBody>
-        <a:bodyPr spcFirstLastPara="0" vert="horz" wrap="square" lIns="278225" tIns="0" rIns="278225" bIns="0" numCol="1" spcCol="1270" anchor="ctr" anchorCtr="0">
-          <a:noAutofit/>
-        </a:bodyPr>
-        <a:lstStyle/>
-        <a:p>
-          <a:pPr marL="0" lvl="0" indent="0" algn="ctr" defTabSz="1066800">
-            <a:lnSpc>
-              <a:spcPct val="90000"/>
-            </a:lnSpc>
-            <a:spcBef>
-              <a:spcPct val="0"/>
-            </a:spcBef>
-            <a:spcAft>
-              <a:spcPct val="35000"/>
-            </a:spcAft>
-            <a:buNone/>
-          </a:pPr>
-          <a:r>
-            <a:rPr lang="de-DE" sz="2400" kern="1200" dirty="0"/>
-            <a:t>Beschleunigung der Trainingsverfahren</a:t>
-          </a:r>
-        </a:p>
-      </dsp:txBody>
-      <dsp:txXfrm>
-        <a:off x="560365" y="1186414"/>
-        <a:ext cx="7291750" cy="639310"/>
+        <a:off x="558924" y="184353"/>
+        <a:ext cx="7294632" cy="612672"/>
       </dsp:txXfrm>
     </dsp:sp>
     <dsp:sp modelId="{92AE7A16-D6A3-4571-9402-2849AC22C340}">
@@ -6513,8 +6399,8 @@
       </dsp:nvSpPr>
       <dsp:spPr>
         <a:xfrm>
-          <a:off x="0" y="2594709"/>
-          <a:ext cx="10515600" cy="604800"/>
+          <a:off x="0" y="1533969"/>
+          <a:ext cx="10515600" cy="579600"/>
         </a:xfrm>
         <a:prstGeom prst="rect">
           <a:avLst/>
@@ -6562,8 +6448,8 @@
       </dsp:nvSpPr>
       <dsp:spPr>
         <a:xfrm>
-          <a:off x="525780" y="2240469"/>
-          <a:ext cx="7360920" cy="708480"/>
+          <a:off x="525780" y="1194489"/>
+          <a:ext cx="7360920" cy="678960"/>
         </a:xfrm>
         <a:prstGeom prst="roundRect">
           <a:avLst/>
@@ -6605,7 +6491,7 @@
         </a:bodyPr>
         <a:lstStyle/>
         <a:p>
-          <a:pPr marL="0" lvl="0" indent="0" algn="ctr" defTabSz="1066800">
+          <a:pPr marL="0" lvl="0" indent="0" algn="ctr" defTabSz="1022350">
             <a:lnSpc>
               <a:spcPct val="90000"/>
             </a:lnSpc>
@@ -6618,22 +6504,148 @@
             <a:buNone/>
           </a:pPr>
           <a:r>
-            <a:rPr lang="de-DE" sz="2400" kern="1200" dirty="0"/>
+            <a:rPr lang="de-DE" sz="2300" kern="1200" dirty="0"/>
             <a:t>Neue </a:t>
           </a:r>
           <a:r>
-            <a:rPr lang="de-DE" sz="2400" kern="1200" dirty="0" err="1"/>
+            <a:rPr lang="de-DE" sz="2300" kern="1200" dirty="0" err="1"/>
             <a:t>LearningRateScheduler</a:t>
           </a:r>
           <a:r>
-            <a:rPr lang="de-DE" sz="2400" kern="1200" dirty="0"/>
+            <a:rPr lang="de-DE" sz="2300" kern="1200" dirty="0"/>
             <a:t> </a:t>
           </a:r>
         </a:p>
       </dsp:txBody>
       <dsp:txXfrm>
-        <a:off x="560365" y="2275054"/>
-        <a:ext cx="7291750" cy="639310"/>
+        <a:off x="558924" y="1227633"/>
+        <a:ext cx="7294632" cy="612672"/>
+      </dsp:txXfrm>
+    </dsp:sp>
+    <dsp:sp modelId="{0F203902-E084-4748-AE5C-C85150D79014}">
+      <dsp:nvSpPr>
+        <dsp:cNvPr id="0" name=""/>
+        <dsp:cNvSpPr/>
+      </dsp:nvSpPr>
+      <dsp:spPr>
+        <a:xfrm>
+          <a:off x="0" y="2577249"/>
+          <a:ext cx="10515600" cy="579600"/>
+        </a:xfrm>
+        <a:prstGeom prst="rect">
+          <a:avLst/>
+        </a:prstGeom>
+        <a:solidFill>
+          <a:schemeClr val="lt1">
+            <a:alpha val="90000"/>
+            <a:hueOff val="0"/>
+            <a:satOff val="0"/>
+            <a:lumOff val="0"/>
+            <a:alphaOff val="0"/>
+          </a:schemeClr>
+        </a:solidFill>
+        <a:ln w="12700" cap="flat" cmpd="sng" algn="ctr">
+          <a:solidFill>
+            <a:schemeClr val="accent1">
+              <a:hueOff val="0"/>
+              <a:satOff val="0"/>
+              <a:lumOff val="0"/>
+              <a:alphaOff val="0"/>
+            </a:schemeClr>
+          </a:solidFill>
+          <a:prstDash val="solid"/>
+          <a:miter lim="800000"/>
+        </a:ln>
+        <a:effectLst/>
+      </dsp:spPr>
+      <dsp:style>
+        <a:lnRef idx="2">
+          <a:scrgbClr r="0" g="0" b="0"/>
+        </a:lnRef>
+        <a:fillRef idx="1">
+          <a:scrgbClr r="0" g="0" b="0"/>
+        </a:fillRef>
+        <a:effectRef idx="0">
+          <a:scrgbClr r="0" g="0" b="0"/>
+        </a:effectRef>
+        <a:fontRef idx="minor"/>
+      </dsp:style>
+    </dsp:sp>
+    <dsp:sp modelId="{6347486D-D45E-4BA0-AEE1-906BA1C7F705}">
+      <dsp:nvSpPr>
+        <dsp:cNvPr id="0" name=""/>
+        <dsp:cNvSpPr/>
+      </dsp:nvSpPr>
+      <dsp:spPr>
+        <a:xfrm>
+          <a:off x="499149" y="2237769"/>
+          <a:ext cx="7360920" cy="678960"/>
+        </a:xfrm>
+        <a:prstGeom prst="roundRect">
+          <a:avLst/>
+        </a:prstGeom>
+        <a:solidFill>
+          <a:schemeClr val="tx1"/>
+        </a:solidFill>
+        <a:ln w="12700" cap="flat" cmpd="sng" algn="ctr">
+          <a:solidFill>
+            <a:schemeClr val="lt1">
+              <a:hueOff val="0"/>
+              <a:satOff val="0"/>
+              <a:lumOff val="0"/>
+              <a:alphaOff val="0"/>
+            </a:schemeClr>
+          </a:solidFill>
+          <a:prstDash val="solid"/>
+          <a:miter lim="800000"/>
+        </a:ln>
+        <a:effectLst/>
+      </dsp:spPr>
+      <dsp:style>
+        <a:lnRef idx="2">
+          <a:scrgbClr r="0" g="0" b="0"/>
+        </a:lnRef>
+        <a:fillRef idx="1">
+          <a:scrgbClr r="0" g="0" b="0"/>
+        </a:fillRef>
+        <a:effectRef idx="0">
+          <a:scrgbClr r="0" g="0" b="0"/>
+        </a:effectRef>
+        <a:fontRef idx="minor">
+          <a:schemeClr val="lt1"/>
+        </a:fontRef>
+      </dsp:style>
+      <dsp:txBody>
+        <a:bodyPr spcFirstLastPara="0" vert="horz" wrap="square" lIns="278225" tIns="0" rIns="278225" bIns="0" numCol="1" spcCol="1270" anchor="ctr" anchorCtr="0">
+          <a:noAutofit/>
+        </a:bodyPr>
+        <a:lstStyle/>
+        <a:p>
+          <a:pPr marL="0" lvl="0" indent="0" algn="ctr" defTabSz="1022350">
+            <a:lnSpc>
+              <a:spcPct val="90000"/>
+            </a:lnSpc>
+            <a:spcBef>
+              <a:spcPct val="0"/>
+            </a:spcBef>
+            <a:spcAft>
+              <a:spcPct val="35000"/>
+            </a:spcAft>
+            <a:buNone/>
+          </a:pPr>
+          <a:r>
+            <a:rPr lang="de-DE" sz="2300" kern="1200" dirty="0" err="1"/>
+            <a:t>ZeRO</a:t>
+          </a:r>
+          <a:r>
+            <a:rPr lang="de-DE" sz="2300" kern="1200" dirty="0"/>
+            <a:t> Optimizer in tensorflow</a:t>
+          </a:r>
+        </a:p>
+      </dsp:txBody>
+      <dsp:txXfrm>
+        <a:off x="532293" y="2270913"/>
+        <a:ext cx="7294632" cy="612672"/>
       </dsp:txXfrm>
     </dsp:sp>
     <dsp:sp modelId="{A91FD3D7-1DCC-46BC-A2E0-E3151476F7E6}">
@@ -6643,8 +6655,8 @@
       </dsp:nvSpPr>
       <dsp:spPr>
         <a:xfrm>
-          <a:off x="0" y="3683349"/>
-          <a:ext cx="10515600" cy="604800"/>
+          <a:off x="0" y="3620529"/>
+          <a:ext cx="10515600" cy="579600"/>
         </a:xfrm>
         <a:prstGeom prst="rect">
           <a:avLst/>
@@ -6692,8 +6704,8 @@
       </dsp:nvSpPr>
       <dsp:spPr>
         <a:xfrm>
-          <a:off x="525780" y="3329109"/>
-          <a:ext cx="7360920" cy="708480"/>
+          <a:off x="525780" y="3281049"/>
+          <a:ext cx="7360920" cy="678960"/>
         </a:xfrm>
         <a:prstGeom prst="roundRect">
           <a:avLst/>
@@ -6735,7 +6747,7 @@
         </a:bodyPr>
         <a:lstStyle/>
         <a:p>
-          <a:pPr marL="0" lvl="0" indent="0" algn="ctr" defTabSz="1066800">
+          <a:pPr marL="0" lvl="0" indent="0" algn="ctr" defTabSz="1022350">
             <a:lnSpc>
               <a:spcPct val="90000"/>
             </a:lnSpc>
@@ -6748,22 +6760,22 @@
             <a:buNone/>
           </a:pPr>
           <a:r>
-            <a:rPr lang="de-DE" sz="2400" kern="1200" dirty="0"/>
+            <a:rPr lang="de-DE" sz="2300" kern="1200" dirty="0"/>
             <a:t>Entwicklung einer App, die </a:t>
           </a:r>
           <a:r>
-            <a:rPr lang="de-DE" sz="2400" kern="1200" dirty="0" err="1"/>
+            <a:rPr lang="de-DE" sz="2300" kern="1200" dirty="0" err="1"/>
             <a:t>TemkiNet</a:t>
           </a:r>
           <a:r>
-            <a:rPr lang="de-DE" sz="2400" kern="1200" dirty="0"/>
+            <a:rPr lang="de-DE" sz="2300" kern="1200" dirty="0"/>
             <a:t> verwendet</a:t>
           </a:r>
         </a:p>
       </dsp:txBody>
       <dsp:txXfrm>
-        <a:off x="560365" y="3363694"/>
-        <a:ext cx="7291750" cy="639310"/>
+        <a:off x="558924" y="3314193"/>
+        <a:ext cx="7294632" cy="612672"/>
       </dsp:txXfrm>
     </dsp:sp>
   </dsp:spTree>
@@ -12070,7 +12082,7 @@
           <a:p>
             <a:fld id="{3C58E117-1A65-45DD-B9EB-E4C2918E1629}" type="datetimeFigureOut">
               <a:rPr lang="de-DE" smtClean="0"/>
-              <a:t>12.02.2020</a:t>
+              <a:t>10.03.2020</a:t>
             </a:fld>
             <a:endParaRPr lang="de-DE"/>
           </a:p>
@@ -12405,7 +12417,7 @@
           <a:p>
             <a:fld id="{4B1B13E3-C8CB-454F-A9FE-9705C26646B2}" type="slidenum">
               <a:rPr lang="de-DE" smtClean="0"/>
-              <a:t>2</a:t>
+              <a:t>3</a:t>
             </a:fld>
             <a:endParaRPr lang="de-DE"/>
           </a:p>
@@ -12468,7 +12480,27 @@
           <a:bodyPr/>
           <a:lstStyle/>
           <a:p>
-            <a:endParaRPr lang="de-DE" dirty="0"/>
+            <a:pPr marL="0" marR="0" lvl="0" indent="0" algn="l" defTabSz="914400" rtl="0" eaLnBrk="1" fontAlgn="auto" latinLnBrk="0" hangingPunct="1">
+              <a:lnSpc>
+                <a:spcPct val="100000"/>
+              </a:lnSpc>
+              <a:spcBef>
+                <a:spcPts val="0"/>
+              </a:spcBef>
+              <a:spcAft>
+                <a:spcPts val="0"/>
+              </a:spcAft>
+              <a:buClrTx/>
+              <a:buSzTx/>
+              <a:buFontTx/>
+              <a:buNone/>
+              <a:tabLst/>
+              <a:defRPr/>
+            </a:pPr>
+            <a:r>
+              <a:rPr lang="de-DE" dirty="0"/>
+              <a:t>Weniger Speicherbedarf:</a:t>
+            </a:r>
           </a:p>
         </p:txBody>
       </p:sp>
@@ -12489,7 +12521,102 @@
           <a:p>
             <a:fld id="{4B1B13E3-C8CB-454F-A9FE-9705C26646B2}" type="slidenum">
               <a:rPr lang="de-DE" smtClean="0"/>
-              <a:t>23</a:t>
+              <a:t>4</a:t>
+            </a:fld>
+            <a:endParaRPr lang="de-DE"/>
+          </a:p>
+        </p:txBody>
+      </p:sp>
+    </p:spTree>
+    <p:extLst>
+      <p:ext uri="{BB962C8B-B14F-4D97-AF65-F5344CB8AC3E}">
+        <p14:creationId xmlns:p14="http://schemas.microsoft.com/office/powerpoint/2010/main" val="1592872109"/>
+      </p:ext>
+    </p:extLst>
+  </p:cSld>
+  <p:clrMapOvr>
+    <a:masterClrMapping/>
+  </p:clrMapOvr>
+</p:notes>
+</file>
+
+<file path=ppt/notesSlides/notesSlide3.xml><?xml version="1.0" encoding="utf-8"?>
+<p:notes xmlns:a="http://schemas.openxmlformats.org/drawingml/2006/main" xmlns:r="http://schemas.openxmlformats.org/officeDocument/2006/relationships" xmlns:p="http://schemas.openxmlformats.org/presentationml/2006/main">
+  <p:cSld>
+    <p:spTree>
+      <p:nvGrpSpPr>
+        <p:cNvPr id="1" name=""/>
+        <p:cNvGrpSpPr/>
+        <p:nvPr/>
+      </p:nvGrpSpPr>
+      <p:grpSpPr>
+        <a:xfrm>
+          <a:off x="0" y="0"/>
+          <a:ext cx="0" cy="0"/>
+          <a:chOff x="0" y="0"/>
+          <a:chExt cx="0" cy="0"/>
+        </a:xfrm>
+      </p:grpSpPr>
+      <p:sp>
+        <p:nvSpPr>
+          <p:cNvPr id="2" name="Folienbildplatzhalter 1"/>
+          <p:cNvSpPr>
+            <a:spLocks noGrp="1" noRot="1" noChangeAspect="1"/>
+          </p:cNvSpPr>
+          <p:nvPr>
+            <p:ph type="sldImg"/>
+          </p:nvPr>
+        </p:nvSpPr>
+        <p:spPr/>
+      </p:sp>
+      <p:sp>
+        <p:nvSpPr>
+          <p:cNvPr id="3" name="Notizenplatzhalter 2"/>
+          <p:cNvSpPr>
+            <a:spLocks noGrp="1"/>
+          </p:cNvSpPr>
+          <p:nvPr>
+            <p:ph type="body" idx="1"/>
+          </p:nvPr>
+        </p:nvSpPr>
+        <p:spPr/>
+        <p:txBody>
+          <a:bodyPr/>
+          <a:lstStyle/>
+          <a:p>
+            <a:r>
+              <a:rPr lang="de-DE" dirty="0"/>
+              <a:t>Kleine Modelle arbeiten besser mit </a:t>
+            </a:r>
+            <a:r>
+              <a:rPr lang="de-DE" dirty="0" err="1"/>
+              <a:t>größen</a:t>
+            </a:r>
+            <a:r>
+              <a:rPr lang="de-DE" dirty="0"/>
+              <a:t> Bildern </a:t>
+            </a:r>
+          </a:p>
+        </p:txBody>
+      </p:sp>
+      <p:sp>
+        <p:nvSpPr>
+          <p:cNvPr id="4" name="Foliennummernplatzhalter 3"/>
+          <p:cNvSpPr>
+            <a:spLocks noGrp="1"/>
+          </p:cNvSpPr>
+          <p:nvPr>
+            <p:ph type="sldNum" sz="quarter" idx="5"/>
+          </p:nvPr>
+        </p:nvSpPr>
+        <p:spPr/>
+        <p:txBody>
+          <a:bodyPr/>
+          <a:lstStyle/>
+          <a:p>
+            <a:fld id="{4B1B13E3-C8CB-454F-A9FE-9705C26646B2}" type="slidenum">
+              <a:rPr lang="de-DE" smtClean="0"/>
+              <a:t>25</a:t>
             </a:fld>
             <a:endParaRPr lang="de-DE"/>
           </a:p>
@@ -12499,6 +12626,90 @@
     <p:extLst>
       <p:ext uri="{BB962C8B-B14F-4D97-AF65-F5344CB8AC3E}">
         <p14:creationId xmlns:p14="http://schemas.microsoft.com/office/powerpoint/2010/main" val="3406217768"/>
+      </p:ext>
+    </p:extLst>
+  </p:cSld>
+  <p:clrMapOvr>
+    <a:masterClrMapping/>
+  </p:clrMapOvr>
+</p:notes>
+</file>
+
+<file path=ppt/notesSlides/notesSlide4.xml><?xml version="1.0" encoding="utf-8"?>
+<p:notes xmlns:a="http://schemas.openxmlformats.org/drawingml/2006/main" xmlns:r="http://schemas.openxmlformats.org/officeDocument/2006/relationships" xmlns:p="http://schemas.openxmlformats.org/presentationml/2006/main">
+  <p:cSld>
+    <p:spTree>
+      <p:nvGrpSpPr>
+        <p:cNvPr id="1" name=""/>
+        <p:cNvGrpSpPr/>
+        <p:nvPr/>
+      </p:nvGrpSpPr>
+      <p:grpSpPr>
+        <a:xfrm>
+          <a:off x="0" y="0"/>
+          <a:ext cx="0" cy="0"/>
+          <a:chOff x="0" y="0"/>
+          <a:chExt cx="0" cy="0"/>
+        </a:xfrm>
+      </p:grpSpPr>
+      <p:sp>
+        <p:nvSpPr>
+          <p:cNvPr id="2" name="Folienbildplatzhalter 1"/>
+          <p:cNvSpPr>
+            <a:spLocks noGrp="1" noRot="1" noChangeAspect="1"/>
+          </p:cNvSpPr>
+          <p:nvPr>
+            <p:ph type="sldImg"/>
+          </p:nvPr>
+        </p:nvSpPr>
+        <p:spPr/>
+      </p:sp>
+      <p:sp>
+        <p:nvSpPr>
+          <p:cNvPr id="3" name="Notizenplatzhalter 2"/>
+          <p:cNvSpPr>
+            <a:spLocks noGrp="1"/>
+          </p:cNvSpPr>
+          <p:nvPr>
+            <p:ph type="body" idx="1"/>
+          </p:nvPr>
+        </p:nvSpPr>
+        <p:spPr/>
+        <p:txBody>
+          <a:bodyPr/>
+          <a:lstStyle/>
+          <a:p>
+            <a:endParaRPr lang="de-DE" dirty="0"/>
+          </a:p>
+        </p:txBody>
+      </p:sp>
+      <p:sp>
+        <p:nvSpPr>
+          <p:cNvPr id="4" name="Foliennummernplatzhalter 3"/>
+          <p:cNvSpPr>
+            <a:spLocks noGrp="1"/>
+          </p:cNvSpPr>
+          <p:nvPr>
+            <p:ph type="sldNum" sz="quarter" idx="5"/>
+          </p:nvPr>
+        </p:nvSpPr>
+        <p:spPr/>
+        <p:txBody>
+          <a:bodyPr/>
+          <a:lstStyle/>
+          <a:p>
+            <a:fld id="{4B1B13E3-C8CB-454F-A9FE-9705C26646B2}" type="slidenum">
+              <a:rPr lang="de-DE" smtClean="0"/>
+              <a:t>29</a:t>
+            </a:fld>
+            <a:endParaRPr lang="de-DE"/>
+          </a:p>
+        </p:txBody>
+      </p:sp>
+    </p:spTree>
+    <p:extLst>
+      <p:ext uri="{BB962C8B-B14F-4D97-AF65-F5344CB8AC3E}">
+        <p14:creationId xmlns:p14="http://schemas.microsoft.com/office/powerpoint/2010/main" val="1831739180"/>
       </p:ext>
     </p:extLst>
   </p:cSld>
@@ -16047,6 +16258,284 @@
 </file>
 
 <file path=ppt/slides/slide10.xml><?xml version="1.0" encoding="utf-8"?>
+<p:sld xmlns:a="http://schemas.openxmlformats.org/drawingml/2006/main" xmlns:r="http://schemas.openxmlformats.org/officeDocument/2006/relationships" xmlns:p="http://schemas.openxmlformats.org/presentationml/2006/main">
+  <p:cSld>
+    <p:bg>
+      <p:bgPr>
+        <a:solidFill>
+          <a:schemeClr val="bg1"/>
+        </a:solidFill>
+        <a:effectLst/>
+      </p:bgPr>
+    </p:bg>
+    <p:spTree>
+      <p:nvGrpSpPr>
+        <p:cNvPr id="1" name=""/>
+        <p:cNvGrpSpPr/>
+        <p:nvPr/>
+      </p:nvGrpSpPr>
+      <p:grpSpPr>
+        <a:xfrm>
+          <a:off x="0" y="0"/>
+          <a:ext cx="0" cy="0"/>
+          <a:chOff x="0" y="0"/>
+          <a:chExt cx="0" cy="0"/>
+        </a:xfrm>
+      </p:grpSpPr>
+      <p:sp>
+        <p:nvSpPr>
+          <p:cNvPr id="2" name="Titel 1">
+            <a:extLst>
+              <a:ext uri="{FF2B5EF4-FFF2-40B4-BE49-F238E27FC236}">
+                <a16:creationId xmlns:a16="http://schemas.microsoft.com/office/drawing/2014/main" id="{924CBE4C-A85A-40F2-ADD9-56E767C8B07D}"/>
+              </a:ext>
+            </a:extLst>
+          </p:cNvPr>
+          <p:cNvSpPr>
+            <a:spLocks noGrp="1"/>
+          </p:cNvSpPr>
+          <p:nvPr>
+            <p:ph type="title"/>
+          </p:nvPr>
+        </p:nvSpPr>
+        <p:spPr>
+          <a:xfrm>
+            <a:off x="0" y="0"/>
+            <a:ext cx="12192000" cy="1690689"/>
+          </a:xfrm>
+          <a:solidFill>
+            <a:schemeClr val="tx1"/>
+          </a:solidFill>
+        </p:spPr>
+        <p:txBody>
+          <a:bodyPr>
+            <a:normAutofit/>
+          </a:bodyPr>
+          <a:lstStyle/>
+          <a:p>
+            <a:pPr algn="ctr"/>
+            <a:r>
+              <a:rPr lang="de-DE" sz="5400" dirty="0">
+                <a:solidFill>
+                  <a:srgbClr val="FFFF00"/>
+                </a:solidFill>
+              </a:rPr>
+              <a:t>Data Augmentation</a:t>
+            </a:r>
+          </a:p>
+        </p:txBody>
+      </p:sp>
+      <p:sp>
+        <p:nvSpPr>
+          <p:cNvPr id="12" name="Content Placeholder 11">
+            <a:extLst>
+              <a:ext uri="{FF2B5EF4-FFF2-40B4-BE49-F238E27FC236}">
+                <a16:creationId xmlns:a16="http://schemas.microsoft.com/office/drawing/2014/main" id="{CA03610A-A4DE-4854-BFC7-BC790FDD441E}"/>
+              </a:ext>
+            </a:extLst>
+          </p:cNvPr>
+          <p:cNvSpPr>
+            <a:spLocks noGrp="1"/>
+          </p:cNvSpPr>
+          <p:nvPr>
+            <p:ph idx="1"/>
+          </p:nvPr>
+        </p:nvSpPr>
+        <p:spPr>
+          <a:xfrm>
+            <a:off x="838200" y="1825625"/>
+            <a:ext cx="3797807" cy="4351338"/>
+          </a:xfrm>
+        </p:spPr>
+        <p:txBody>
+          <a:bodyPr>
+            <a:normAutofit/>
+          </a:bodyPr>
+          <a:lstStyle/>
+          <a:p>
+            <a:endParaRPr lang="en-US" sz="2000"/>
+          </a:p>
+        </p:txBody>
+      </p:sp>
+      <p:pic>
+        <p:nvPicPr>
+          <p:cNvPr id="5" name="Inhaltsplatzhalter 4" descr="Ein Bild, das Essen, Vogel enthält.&#10;&#10;Automatisch generierte Beschreibung">
+            <a:extLst>
+              <a:ext uri="{FF2B5EF4-FFF2-40B4-BE49-F238E27FC236}">
+                <a16:creationId xmlns:a16="http://schemas.microsoft.com/office/drawing/2014/main" id="{EFF2B84D-F1E9-4A55-911A-29724A1C8277}"/>
+              </a:ext>
+            </a:extLst>
+          </p:cNvPr>
+          <p:cNvPicPr>
+            <a:picLocks noChangeAspect="1"/>
+          </p:cNvPicPr>
+          <p:nvPr/>
+        </p:nvPicPr>
+        <p:blipFill rotWithShape="1">
+          <a:blip r:embed="rId2">
+            <a:extLst>
+              <a:ext uri="{28A0092B-C50C-407E-A947-70E740481C1C}">
+                <a14:useLocalDpi xmlns:a14="http://schemas.microsoft.com/office/drawing/2010/main" val="0"/>
+              </a:ext>
+            </a:extLst>
+          </a:blip>
+          <a:srcRect l="1142" r="692" b="2"/>
+          <a:stretch/>
+        </p:blipFill>
+        <p:spPr>
+          <a:xfrm>
+            <a:off x="5120640" y="1904281"/>
+            <a:ext cx="6233160" cy="4272681"/>
+          </a:xfrm>
+          <a:prstGeom prst="rect">
+            <a:avLst/>
+          </a:prstGeom>
+        </p:spPr>
+      </p:pic>
+      <p:sp>
+        <p:nvSpPr>
+          <p:cNvPr id="6" name="Datumsplatzhalter 5">
+            <a:extLst>
+              <a:ext uri="{FF2B5EF4-FFF2-40B4-BE49-F238E27FC236}">
+                <a16:creationId xmlns:a16="http://schemas.microsoft.com/office/drawing/2014/main" id="{D5EF2B27-9CE2-479B-89F7-31337CB934E9}"/>
+              </a:ext>
+            </a:extLst>
+          </p:cNvPr>
+          <p:cNvSpPr>
+            <a:spLocks noGrp="1"/>
+          </p:cNvSpPr>
+          <p:nvPr>
+            <p:ph type="dt" sz="half" idx="10"/>
+          </p:nvPr>
+        </p:nvSpPr>
+        <p:spPr>
+          <a:xfrm>
+            <a:off x="838200" y="6356350"/>
+            <a:ext cx="2743200" cy="365125"/>
+          </a:xfrm>
+        </p:spPr>
+        <p:txBody>
+          <a:bodyPr>
+            <a:normAutofit/>
+          </a:bodyPr>
+          <a:lstStyle/>
+          <a:p>
+            <a:pPr>
+              <a:spcAft>
+                <a:spcPts val="600"/>
+              </a:spcAft>
+            </a:pPr>
+            <a:r>
+              <a:rPr lang="de-DE"/>
+              <a:t>Universität Augsburg</a:t>
+            </a:r>
+          </a:p>
+        </p:txBody>
+      </p:sp>
+      <p:sp>
+        <p:nvSpPr>
+          <p:cNvPr id="7" name="Fußzeilenplatzhalter 6">
+            <a:extLst>
+              <a:ext uri="{FF2B5EF4-FFF2-40B4-BE49-F238E27FC236}">
+                <a16:creationId xmlns:a16="http://schemas.microsoft.com/office/drawing/2014/main" id="{A9CC2ADD-DFE0-45D7-A376-799040CE77DB}"/>
+              </a:ext>
+            </a:extLst>
+          </p:cNvPr>
+          <p:cNvSpPr>
+            <a:spLocks noGrp="1"/>
+          </p:cNvSpPr>
+          <p:nvPr>
+            <p:ph type="ftr" sz="quarter" idx="11"/>
+          </p:nvPr>
+        </p:nvSpPr>
+        <p:spPr>
+          <a:xfrm>
+            <a:off x="4038600" y="6356350"/>
+            <a:ext cx="4114800" cy="365125"/>
+          </a:xfrm>
+        </p:spPr>
+        <p:txBody>
+          <a:bodyPr>
+            <a:normAutofit/>
+          </a:bodyPr>
+          <a:lstStyle/>
+          <a:p>
+            <a:pPr>
+              <a:lnSpc>
+                <a:spcPct val="90000"/>
+              </a:lnSpc>
+              <a:spcAft>
+                <a:spcPts val="600"/>
+              </a:spcAft>
+            </a:pPr>
+            <a:r>
+              <a:rPr lang="en-US" sz="900"/>
+              <a:t>Efficient convolutional neural network with extremely limted ressource for klassifikation of large-scale image set</a:t>
+            </a:r>
+            <a:endParaRPr lang="de-DE" sz="900"/>
+          </a:p>
+        </p:txBody>
+      </p:sp>
+      <p:sp>
+        <p:nvSpPr>
+          <p:cNvPr id="8" name="Foliennummernplatzhalter 7">
+            <a:extLst>
+              <a:ext uri="{FF2B5EF4-FFF2-40B4-BE49-F238E27FC236}">
+                <a16:creationId xmlns:a16="http://schemas.microsoft.com/office/drawing/2014/main" id="{51466158-0B0A-40A0-8D9D-A2842F5C44AA}"/>
+              </a:ext>
+            </a:extLst>
+          </p:cNvPr>
+          <p:cNvSpPr>
+            <a:spLocks noGrp="1"/>
+          </p:cNvSpPr>
+          <p:nvPr>
+            <p:ph type="sldNum" sz="quarter" idx="12"/>
+          </p:nvPr>
+        </p:nvSpPr>
+        <p:spPr>
+          <a:xfrm>
+            <a:off x="8610600" y="6356350"/>
+            <a:ext cx="2743200" cy="365125"/>
+          </a:xfrm>
+        </p:spPr>
+        <p:txBody>
+          <a:bodyPr>
+            <a:normAutofit/>
+          </a:bodyPr>
+          <a:lstStyle/>
+          <a:p>
+            <a:pPr>
+              <a:spcAft>
+                <a:spcPts val="600"/>
+              </a:spcAft>
+            </a:pPr>
+            <a:fld id="{03657754-5E9E-462B-9D24-F189FB2DC94E}" type="slidenum">
+              <a:rPr lang="de-DE" smtClean="0"/>
+              <a:pPr>
+                <a:spcAft>
+                  <a:spcPts val="600"/>
+                </a:spcAft>
+              </a:pPr>
+              <a:t>10</a:t>
+            </a:fld>
+            <a:endParaRPr lang="de-DE"/>
+          </a:p>
+        </p:txBody>
+      </p:sp>
+    </p:spTree>
+    <p:extLst>
+      <p:ext uri="{BB962C8B-B14F-4D97-AF65-F5344CB8AC3E}">
+        <p14:creationId xmlns:p14="http://schemas.microsoft.com/office/powerpoint/2010/main" val="1628615076"/>
+      </p:ext>
+    </p:extLst>
+  </p:cSld>
+  <p:clrMapOvr>
+    <a:masterClrMapping/>
+  </p:clrMapOvr>
+</p:sld>
+</file>
+
+<file path=ppt/slides/slide11.xml><?xml version="1.0" encoding="utf-8"?>
 <p:sld xmlns:a="http://schemas.openxmlformats.org/drawingml/2006/main" xmlns:r="http://schemas.openxmlformats.org/officeDocument/2006/relationships" xmlns:p="http://schemas.openxmlformats.org/presentationml/2006/main">
   <p:cSld>
     <p:spTree>
@@ -16738,7 +17227,7 @@
           <a:p>
             <a:fld id="{03657754-5E9E-462B-9D24-F189FB2DC94E}" type="slidenum">
               <a:rPr lang="de-DE" smtClean="0"/>
-              <a:t>10</a:t>
+              <a:t>11</a:t>
             </a:fld>
             <a:endParaRPr lang="de-DE"/>
           </a:p>
@@ -16757,7 +17246,7 @@
 </p:sld>
 </file>
 
-<file path=ppt/slides/slide11.xml><?xml version="1.0" encoding="utf-8"?>
+<file path=ppt/slides/slide12.xml><?xml version="1.0" encoding="utf-8"?>
 <p:sld xmlns:a="http://schemas.openxmlformats.org/drawingml/2006/main" xmlns:r="http://schemas.openxmlformats.org/officeDocument/2006/relationships" xmlns:p="http://schemas.openxmlformats.org/presentationml/2006/main">
   <p:cSld>
     <p:spTree>
@@ -17304,7 +17793,7 @@
           <a:p>
             <a:fld id="{03657754-5E9E-462B-9D24-F189FB2DC94E}" type="slidenum">
               <a:rPr lang="de-DE" smtClean="0"/>
-              <a:t>11</a:t>
+              <a:t>12</a:t>
             </a:fld>
             <a:endParaRPr lang="de-DE"/>
           </a:p>
@@ -17323,7 +17812,7 @@
 </p:sld>
 </file>
 
-<file path=ppt/slides/slide12.xml><?xml version="1.0" encoding="utf-8"?>
+<file path=ppt/slides/slide13.xml><?xml version="1.0" encoding="utf-8"?>
 <p:sld xmlns:a="http://schemas.openxmlformats.org/drawingml/2006/main" xmlns:r="http://schemas.openxmlformats.org/officeDocument/2006/relationships" xmlns:p="http://schemas.openxmlformats.org/presentationml/2006/main">
   <p:cSld>
     <p:spTree>
@@ -18199,7 +18688,7 @@
           <a:p>
             <a:fld id="{03657754-5E9E-462B-9D24-F189FB2DC94E}" type="slidenum">
               <a:rPr lang="de-DE" smtClean="0"/>
-              <a:t>12</a:t>
+              <a:t>13</a:t>
             </a:fld>
             <a:endParaRPr lang="de-DE"/>
           </a:p>
@@ -18218,7 +18707,7 @@
 </p:sld>
 </file>
 
-<file path=ppt/slides/slide13.xml><?xml version="1.0" encoding="utf-8"?>
+<file path=ppt/slides/slide14.xml><?xml version="1.0" encoding="utf-8"?>
 <p:sld xmlns:a="http://schemas.openxmlformats.org/drawingml/2006/main" xmlns:r="http://schemas.openxmlformats.org/officeDocument/2006/relationships" xmlns:p="http://schemas.openxmlformats.org/presentationml/2006/main">
   <p:cSld>
     <p:bg>
@@ -18719,7 +19208,7 @@
           <a:p>
             <a:fld id="{03657754-5E9E-462B-9D24-F189FB2DC94E}" type="slidenum">
               <a:rPr lang="de-DE" smtClean="0"/>
-              <a:t>13</a:t>
+              <a:t>14</a:t>
             </a:fld>
             <a:endParaRPr lang="de-DE"/>
           </a:p>
@@ -18738,7 +19227,7 @@
 </p:sld>
 </file>
 
-<file path=ppt/slides/slide14.xml><?xml version="1.0" encoding="utf-8"?>
+<file path=ppt/slides/slide15.xml><?xml version="1.0" encoding="utf-8"?>
 <p:sld xmlns:a="http://schemas.openxmlformats.org/drawingml/2006/main" xmlns:r="http://schemas.openxmlformats.org/officeDocument/2006/relationships" xmlns:p="http://schemas.openxmlformats.org/presentationml/2006/main">
   <p:cSld>
     <p:bg>
@@ -18879,7 +19368,7 @@
           <a:p>
             <a:fld id="{03657754-5E9E-462B-9D24-F189FB2DC94E}" type="slidenum">
               <a:rPr lang="de-DE" smtClean="0"/>
-              <a:t>14</a:t>
+              <a:t>15</a:t>
             </a:fld>
             <a:endParaRPr lang="de-DE"/>
           </a:p>
@@ -18898,7 +19387,7 @@
 </p:sld>
 </file>
 
-<file path=ppt/slides/slide15.xml><?xml version="1.0" encoding="utf-8"?>
+<file path=ppt/slides/slide16.xml><?xml version="1.0" encoding="utf-8"?>
 <p:sld xmlns:a="http://schemas.openxmlformats.org/drawingml/2006/main" xmlns:r="http://schemas.openxmlformats.org/officeDocument/2006/relationships" xmlns:p="http://schemas.openxmlformats.org/presentationml/2006/main">
   <p:cSld>
     <p:bg>
@@ -19069,13 +19558,13 @@
             <p:ph sz="quarter" idx="4"/>
             <p:extLst>
               <p:ext uri="{D42A27DB-BD31-4B8C-83A1-F6EECF244321}">
-                <p14:modId xmlns:p14="http://schemas.microsoft.com/office/powerpoint/2010/main" val="1683262351"/>
+                <p14:modId xmlns:p14="http://schemas.microsoft.com/office/powerpoint/2010/main" val="3286497604"/>
               </p:ext>
             </p:extLst>
           </p:nvPr>
         </p:nvGraphicFramePr>
         <p:xfrm>
-          <a:off x="6197599" y="2767012"/>
+          <a:off x="6096000" y="2311553"/>
           <a:ext cx="5774440" cy="3684590"/>
         </p:xfrm>
         <a:graphic>
@@ -19561,7 +20050,7 @@
           <a:p>
             <a:fld id="{03657754-5E9E-462B-9D24-F189FB2DC94E}" type="slidenum">
               <a:rPr lang="de-DE" smtClean="0"/>
-              <a:t>15</a:t>
+              <a:t>16</a:t>
             </a:fld>
             <a:endParaRPr lang="de-DE"/>
           </a:p>
@@ -19580,7 +20069,304 @@
 </p:sld>
 </file>
 
-<file path=ppt/slides/slide16.xml><?xml version="1.0" encoding="utf-8"?>
+<file path=ppt/slides/slide17.xml><?xml version="1.0" encoding="utf-8"?>
+<p:sld xmlns:a="http://schemas.openxmlformats.org/drawingml/2006/main" xmlns:r="http://schemas.openxmlformats.org/officeDocument/2006/relationships" xmlns:p="http://schemas.openxmlformats.org/presentationml/2006/main">
+  <p:cSld>
+    <p:spTree>
+      <p:nvGrpSpPr>
+        <p:cNvPr id="1" name=""/>
+        <p:cNvGrpSpPr/>
+        <p:nvPr/>
+      </p:nvGrpSpPr>
+      <p:grpSpPr>
+        <a:xfrm>
+          <a:off x="0" y="0"/>
+          <a:ext cx="0" cy="0"/>
+          <a:chOff x="0" y="0"/>
+          <a:chExt cx="0" cy="0"/>
+        </a:xfrm>
+      </p:grpSpPr>
+      <p:sp>
+        <p:nvSpPr>
+          <p:cNvPr id="2" name="Titel 1">
+            <a:extLst>
+              <a:ext uri="{FF2B5EF4-FFF2-40B4-BE49-F238E27FC236}">
+                <a16:creationId xmlns:a16="http://schemas.microsoft.com/office/drawing/2014/main" id="{D4413E94-3333-4844-94B5-FDA61899ED34}"/>
+              </a:ext>
+            </a:extLst>
+          </p:cNvPr>
+          <p:cNvSpPr>
+            <a:spLocks noGrp="1"/>
+          </p:cNvSpPr>
+          <p:nvPr>
+            <p:ph type="title"/>
+          </p:nvPr>
+        </p:nvSpPr>
+        <p:spPr>
+          <a:xfrm>
+            <a:off x="0" y="1"/>
+            <a:ext cx="12192000" cy="1690688"/>
+          </a:xfrm>
+          <a:solidFill>
+            <a:schemeClr val="tx1"/>
+          </a:solidFill>
+        </p:spPr>
+        <p:txBody>
+          <a:bodyPr>
+            <a:normAutofit/>
+          </a:bodyPr>
+          <a:lstStyle/>
+          <a:p>
+            <a:pPr algn="ctr"/>
+            <a:r>
+              <a:rPr lang="de-DE" sz="5400" dirty="0">
+                <a:solidFill>
+                  <a:srgbClr val="FFFF00"/>
+                </a:solidFill>
+              </a:rPr>
+              <a:t>Hyperparameter</a:t>
+            </a:r>
+          </a:p>
+        </p:txBody>
+      </p:sp>
+      <p:sp>
+        <p:nvSpPr>
+          <p:cNvPr id="3" name="Inhaltsplatzhalter 2">
+            <a:extLst>
+              <a:ext uri="{FF2B5EF4-FFF2-40B4-BE49-F238E27FC236}">
+                <a16:creationId xmlns:a16="http://schemas.microsoft.com/office/drawing/2014/main" id="{A56CE33C-C405-48BB-91DB-B35E5C892EFB}"/>
+              </a:ext>
+            </a:extLst>
+          </p:cNvPr>
+          <p:cNvSpPr>
+            <a:spLocks noGrp="1"/>
+          </p:cNvSpPr>
+          <p:nvPr>
+            <p:ph idx="1"/>
+          </p:nvPr>
+        </p:nvSpPr>
+        <p:spPr/>
+        <p:txBody>
+          <a:bodyPr anchor="ctr">
+            <a:normAutofit/>
+          </a:bodyPr>
+          <a:lstStyle/>
+          <a:p>
+            <a:r>
+              <a:rPr lang="de-DE" dirty="0"/>
+              <a:t>Aktivierungsfunktion.</a:t>
+            </a:r>
+          </a:p>
+          <a:p>
+            <a:pPr lvl="1"/>
+            <a:r>
+              <a:rPr lang="de-DE" dirty="0" err="1"/>
+              <a:t>Tanh</a:t>
+            </a:r>
+            <a:r>
+              <a:rPr lang="de-DE" dirty="0"/>
+              <a:t>, </a:t>
+            </a:r>
+            <a:r>
+              <a:rPr lang="de-DE" dirty="0" err="1"/>
+              <a:t>ReLU</a:t>
+            </a:r>
+            <a:r>
+              <a:rPr lang="de-DE" dirty="0"/>
+              <a:t>, </a:t>
+            </a:r>
+            <a:r>
+              <a:rPr lang="de-DE" dirty="0" err="1"/>
+              <a:t>PReLU</a:t>
+            </a:r>
+            <a:r>
+              <a:rPr lang="de-DE" dirty="0"/>
+              <a:t>, </a:t>
+            </a:r>
+            <a:r>
+              <a:rPr lang="de-DE" dirty="0" err="1">
+                <a:highlight>
+                  <a:srgbClr val="FFFF00"/>
+                </a:highlight>
+              </a:rPr>
+              <a:t>LeakyReLU</a:t>
+            </a:r>
+            <a:endParaRPr lang="de-DE" dirty="0">
+              <a:highlight>
+                <a:srgbClr val="FFFF00"/>
+              </a:highlight>
+            </a:endParaRPr>
+          </a:p>
+          <a:p>
+            <a:r>
+              <a:rPr lang="de-DE" dirty="0"/>
+              <a:t>Optimierer.</a:t>
+            </a:r>
+          </a:p>
+          <a:p>
+            <a:pPr lvl="1"/>
+            <a:r>
+              <a:rPr lang="de-DE" dirty="0" err="1"/>
+              <a:t>Adagrad</a:t>
+            </a:r>
+            <a:r>
+              <a:rPr lang="de-DE" dirty="0"/>
+              <a:t>, SGD, </a:t>
+            </a:r>
+            <a:r>
+              <a:rPr lang="de-DE" dirty="0" err="1"/>
+              <a:t>Rmsprop</a:t>
+            </a:r>
+            <a:r>
+              <a:rPr lang="de-DE" dirty="0"/>
+              <a:t>, </a:t>
+            </a:r>
+            <a:r>
+              <a:rPr lang="de-DE" dirty="0">
+                <a:highlight>
+                  <a:srgbClr val="FFFF00"/>
+                </a:highlight>
+              </a:rPr>
+              <a:t>Adam</a:t>
+            </a:r>
+          </a:p>
+          <a:p>
+            <a:r>
+              <a:rPr lang="de-DE" dirty="0"/>
+              <a:t>Lernrate.</a:t>
+            </a:r>
+          </a:p>
+          <a:p>
+            <a:pPr lvl="1"/>
+            <a:r>
+              <a:rPr lang="de-DE" dirty="0"/>
+              <a:t>0.001 , 0.0005, </a:t>
+            </a:r>
+            <a:r>
+              <a:rPr lang="de-DE" dirty="0">
+                <a:highlight>
+                  <a:srgbClr val="FFFF00"/>
+                </a:highlight>
+              </a:rPr>
+              <a:t>0.0001</a:t>
+            </a:r>
+            <a:r>
+              <a:rPr lang="de-DE" dirty="0"/>
+              <a:t>, 0.00005.</a:t>
+            </a:r>
+          </a:p>
+          <a:p>
+            <a:r>
+              <a:rPr lang="de-DE" dirty="0" err="1"/>
+              <a:t>Batch_Normalisierung</a:t>
+            </a:r>
+            <a:r>
+              <a:rPr lang="de-DE" dirty="0"/>
+              <a:t>.</a:t>
+            </a:r>
+          </a:p>
+        </p:txBody>
+      </p:sp>
+      <p:sp>
+        <p:nvSpPr>
+          <p:cNvPr id="4" name="Datumsplatzhalter 3">
+            <a:extLst>
+              <a:ext uri="{FF2B5EF4-FFF2-40B4-BE49-F238E27FC236}">
+                <a16:creationId xmlns:a16="http://schemas.microsoft.com/office/drawing/2014/main" id="{CDEEDFD3-7F9F-45EA-BEFE-79D36633D1AD}"/>
+              </a:ext>
+            </a:extLst>
+          </p:cNvPr>
+          <p:cNvSpPr>
+            <a:spLocks noGrp="1"/>
+          </p:cNvSpPr>
+          <p:nvPr>
+            <p:ph type="dt" sz="half" idx="10"/>
+          </p:nvPr>
+        </p:nvSpPr>
+        <p:spPr/>
+        <p:txBody>
+          <a:bodyPr/>
+          <a:lstStyle/>
+          <a:p>
+            <a:r>
+              <a:rPr lang="de-DE"/>
+              <a:t>Universität Augsburg</a:t>
+            </a:r>
+          </a:p>
+        </p:txBody>
+      </p:sp>
+      <p:sp>
+        <p:nvSpPr>
+          <p:cNvPr id="5" name="Fußzeilenplatzhalter 4">
+            <a:extLst>
+              <a:ext uri="{FF2B5EF4-FFF2-40B4-BE49-F238E27FC236}">
+                <a16:creationId xmlns:a16="http://schemas.microsoft.com/office/drawing/2014/main" id="{76522E81-DA72-4BA3-A031-341B3704D0D4}"/>
+              </a:ext>
+            </a:extLst>
+          </p:cNvPr>
+          <p:cNvSpPr>
+            <a:spLocks noGrp="1"/>
+          </p:cNvSpPr>
+          <p:nvPr>
+            <p:ph type="ftr" sz="quarter" idx="11"/>
+          </p:nvPr>
+        </p:nvSpPr>
+        <p:spPr/>
+        <p:txBody>
+          <a:bodyPr/>
+          <a:lstStyle/>
+          <a:p>
+            <a:r>
+              <a:rPr lang="en-US"/>
+              <a:t>Efficient convolutional neural network with extremely limted ressource for klassifikation of large-scale image set</a:t>
+            </a:r>
+            <a:endParaRPr lang="de-DE"/>
+          </a:p>
+        </p:txBody>
+      </p:sp>
+      <p:sp>
+        <p:nvSpPr>
+          <p:cNvPr id="6" name="Foliennummernplatzhalter 5">
+            <a:extLst>
+              <a:ext uri="{FF2B5EF4-FFF2-40B4-BE49-F238E27FC236}">
+                <a16:creationId xmlns:a16="http://schemas.microsoft.com/office/drawing/2014/main" id="{CEEDA2E6-4E52-42AA-8238-7C43307F0943}"/>
+              </a:ext>
+            </a:extLst>
+          </p:cNvPr>
+          <p:cNvSpPr>
+            <a:spLocks noGrp="1"/>
+          </p:cNvSpPr>
+          <p:nvPr>
+            <p:ph type="sldNum" sz="quarter" idx="12"/>
+          </p:nvPr>
+        </p:nvSpPr>
+        <p:spPr/>
+        <p:txBody>
+          <a:bodyPr/>
+          <a:lstStyle/>
+          <a:p>
+            <a:fld id="{03657754-5E9E-462B-9D24-F189FB2DC94E}" type="slidenum">
+              <a:rPr lang="de-DE" smtClean="0"/>
+              <a:t>17</a:t>
+            </a:fld>
+            <a:endParaRPr lang="de-DE"/>
+          </a:p>
+        </p:txBody>
+      </p:sp>
+    </p:spTree>
+    <p:extLst>
+      <p:ext uri="{BB962C8B-B14F-4D97-AF65-F5344CB8AC3E}">
+        <p14:creationId xmlns:p14="http://schemas.microsoft.com/office/powerpoint/2010/main" val="2211943825"/>
+      </p:ext>
+    </p:extLst>
+  </p:cSld>
+  <p:clrMapOvr>
+    <a:masterClrMapping/>
+  </p:clrMapOvr>
+</p:sld>
+</file>
+
+<file path=ppt/slides/slide18.xml><?xml version="1.0" encoding="utf-8"?>
 <p:sld xmlns:a="http://schemas.openxmlformats.org/drawingml/2006/main" xmlns:r="http://schemas.openxmlformats.org/officeDocument/2006/relationships" xmlns:p="http://schemas.openxmlformats.org/presentationml/2006/main">
   <p:cSld>
     <p:spTree>
@@ -19633,7 +20419,7 @@
                   <a:srgbClr val="FFFF00"/>
                 </a:solidFill>
               </a:rPr>
-              <a:t>Anzahl der Einheiten pro Schicht.</a:t>
+              <a:t>Anzahl der Feature-Maps pro Schicht.</a:t>
             </a:r>
           </a:p>
         </p:txBody>
@@ -19674,7 +20460,7 @@
           <a:p>
             <a:r>
               <a:rPr lang="de-DE" sz="2400" dirty="0"/>
-              <a:t>Zu viel Speicherplatz </a:t>
+              <a:t>Zu viel Speicherplatz : 2.3x, 4.2x</a:t>
             </a:r>
           </a:p>
         </p:txBody>
@@ -19695,14 +20481,14 @@
             <p:ph sz="quarter" idx="4"/>
             <p:extLst>
               <p:ext uri="{D42A27DB-BD31-4B8C-83A1-F6EECF244321}">
-                <p14:modId xmlns:p14="http://schemas.microsoft.com/office/powerpoint/2010/main" val="1582066521"/>
+                <p14:modId xmlns:p14="http://schemas.microsoft.com/office/powerpoint/2010/main" val="1958761997"/>
               </p:ext>
             </p:extLst>
           </p:nvPr>
         </p:nvGraphicFramePr>
         <p:xfrm>
-          <a:off x="6325385" y="2505075"/>
-          <a:ext cx="5649798" cy="2434569"/>
+          <a:off x="6325387" y="2505075"/>
+          <a:ext cx="5649800" cy="2812649"/>
         </p:xfrm>
         <a:graphic>
           <a:graphicData uri="http://schemas.openxmlformats.org/drawingml/2006/table">
@@ -19711,21 +20497,28 @@
                 <a:tableStyleId>{073A0DAA-6AF3-43AB-8588-CEC1D06C72B9}</a:tableStyleId>
               </a:tblPr>
               <a:tblGrid>
-                <a:gridCol w="1883266">
+                <a:gridCol w="1412450">
                   <a:extLst>
                     <a:ext uri="{9D8B030D-6E8A-4147-A177-3AD203B41FA5}">
                       <a16:colId xmlns:a16="http://schemas.microsoft.com/office/drawing/2014/main" val="2871478961"/>
                     </a:ext>
                   </a:extLst>
                 </a:gridCol>
-                <a:gridCol w="1883266">
+                <a:gridCol w="1412450">
                   <a:extLst>
                     <a:ext uri="{9D8B030D-6E8A-4147-A177-3AD203B41FA5}">
                       <a16:colId xmlns:a16="http://schemas.microsoft.com/office/drawing/2014/main" val="1706326502"/>
                     </a:ext>
                   </a:extLst>
                 </a:gridCol>
-                <a:gridCol w="1883266">
+                <a:gridCol w="1412450">
+                  <a:extLst>
+                    <a:ext uri="{9D8B030D-6E8A-4147-A177-3AD203B41FA5}">
+                      <a16:colId xmlns:a16="http://schemas.microsoft.com/office/drawing/2014/main" val="428915304"/>
+                    </a:ext>
+                  </a:extLst>
+                </a:gridCol>
+                <a:gridCol w="1412450">
                   <a:extLst>
                     <a:ext uri="{9D8B030D-6E8A-4147-A177-3AD203B41FA5}">
                       <a16:colId xmlns:a16="http://schemas.microsoft.com/office/drawing/2014/main" val="615641714"/>
@@ -19733,7 +20526,7 @@
                   </a:extLst>
                 </a:gridCol>
               </a:tblGrid>
-              <a:tr h="891732">
+              <a:tr h="1030215">
                 <a:tc>
                   <a:txBody>
                     <a:bodyPr/>
@@ -19770,6 +20563,27 @@
                       <a:pPr algn="ctr"/>
                       <a:r>
                         <a:rPr lang="de-DE" dirty="0"/>
+                        <a:t>Modellgröße</a:t>
+                      </a:r>
+                    </a:p>
+                    <a:p>
+                      <a:pPr algn="ctr"/>
+                      <a:r>
+                        <a:rPr lang="de-DE" dirty="0"/>
+                        <a:t>(.h5)</a:t>
+                      </a:r>
+                    </a:p>
+                  </a:txBody>
+                  <a:tcPr anchor="ctr"/>
+                </a:tc>
+                <a:tc>
+                  <a:txBody>
+                    <a:bodyPr/>
+                    <a:lstStyle/>
+                    <a:p>
+                      <a:pPr algn="ctr"/>
+                      <a:r>
+                        <a:rPr lang="de-DE" dirty="0"/>
                         <a:t>Genauigkeit</a:t>
                       </a:r>
                     </a:p>
@@ -19782,7 +20596,7 @@
                   </a:ext>
                 </a:extLst>
               </a:tr>
-              <a:tr h="516638">
+              <a:tr h="596870">
                 <a:tc>
                   <a:txBody>
                     <a:bodyPr/>
@@ -19819,7 +20633,21 @@
                       <a:pPr algn="ctr"/>
                       <a:r>
                         <a:rPr lang="de-DE" dirty="0"/>
-                        <a:t>60.52%</a:t>
+                        <a:t>16.9 MB</a:t>
+                      </a:r>
+                    </a:p>
+                  </a:txBody>
+                  <a:tcPr anchor="ctr"/>
+                </a:tc>
+                <a:tc>
+                  <a:txBody>
+                    <a:bodyPr/>
+                    <a:lstStyle/>
+                    <a:p>
+                      <a:pPr algn="ctr"/>
+                      <a:r>
+                        <a:rPr lang="de-DE" dirty="0"/>
+                        <a:t>61.82%</a:t>
                       </a:r>
                     </a:p>
                   </a:txBody>
@@ -19831,7 +20659,7 @@
                   </a:ext>
                 </a:extLst>
               </a:tr>
-              <a:tr h="516638">
+              <a:tr h="596870">
                 <a:tc>
                   <a:txBody>
                     <a:bodyPr/>
@@ -19841,6 +20669,69 @@
                       <a:r>
                         <a:rPr lang="de-DE" dirty="0"/>
                         <a:t>202</a:t>
+                      </a:r>
+                    </a:p>
+                  </a:txBody>
+                  <a:tcPr anchor="ctr"/>
+                </a:tc>
+                <a:tc>
+                  <a:txBody>
+                    <a:bodyPr/>
+                    <a:lstStyle/>
+                    <a:p>
+                      <a:pPr algn="ctr"/>
+                      <a:r>
+                        <a:rPr lang="de-DE" dirty="0"/>
+                        <a:t>2.725.555</a:t>
+                      </a:r>
+                    </a:p>
+                  </a:txBody>
+                  <a:tcPr anchor="ctr"/>
+                </a:tc>
+                <a:tc>
+                  <a:txBody>
+                    <a:bodyPr/>
+                    <a:lstStyle/>
+                    <a:p>
+                      <a:pPr algn="ctr"/>
+                      <a:r>
+                        <a:rPr lang="de-DE" dirty="0"/>
+                        <a:t>40.1 MB</a:t>
+                      </a:r>
+                    </a:p>
+                  </a:txBody>
+                  <a:tcPr anchor="ctr"/>
+                </a:tc>
+                <a:tc>
+                  <a:txBody>
+                    <a:bodyPr/>
+                    <a:lstStyle/>
+                    <a:p>
+                      <a:pPr algn="ctr"/>
+                      <a:r>
+                        <a:rPr lang="de-DE" dirty="0"/>
+                        <a:t>64.48%</a:t>
+                      </a:r>
+                    </a:p>
+                  </a:txBody>
+                  <a:tcPr anchor="ctr"/>
+                </a:tc>
+                <a:extLst>
+                  <a:ext uri="{0D108BD9-81ED-4DB2-BD59-A6C34878D82A}">
+                    <a16:rowId xmlns:a16="http://schemas.microsoft.com/office/drawing/2014/main" val="1789261876"/>
+                  </a:ext>
+                </a:extLst>
+              </a:tr>
+              <a:tr h="588694">
+                <a:tc>
+                  <a:txBody>
+                    <a:bodyPr/>
+                    <a:lstStyle/>
+                    <a:p>
+                      <a:pPr algn="ctr"/>
+                      <a:r>
+                        <a:rPr lang="de-DE" dirty="0"/>
+                        <a:t>303</a:t>
                       </a:r>
                     </a:p>
                   </a:txBody>
@@ -19858,7 +20749,7 @@
                       <a:pPr algn="ctr"/>
                       <a:r>
                         <a:rPr lang="de-DE" dirty="0"/>
-                        <a:t>2.725.555</a:t>
+                        <a:t>4.554.261</a:t>
                       </a:r>
                     </a:p>
                   </a:txBody>
@@ -19876,7 +20767,7 @@
                       <a:pPr algn="ctr"/>
                       <a:r>
                         <a:rPr lang="de-DE" dirty="0"/>
-                        <a:t>62.12%</a:t>
+                        <a:t>71 MB</a:t>
                       </a:r>
                     </a:p>
                   </a:txBody>
@@ -19885,41 +20776,6 @@
                       <a:srgbClr val="FFC000"/>
                     </a:solidFill>
                   </a:tcPr>
-                </a:tc>
-                <a:extLst>
-                  <a:ext uri="{0D108BD9-81ED-4DB2-BD59-A6C34878D82A}">
-                    <a16:rowId xmlns:a16="http://schemas.microsoft.com/office/drawing/2014/main" val="1789261876"/>
-                  </a:ext>
-                </a:extLst>
-              </a:tr>
-              <a:tr h="509561">
-                <a:tc>
-                  <a:txBody>
-                    <a:bodyPr/>
-                    <a:lstStyle/>
-                    <a:p>
-                      <a:pPr algn="ctr"/>
-                      <a:r>
-                        <a:rPr lang="de-DE" dirty="0"/>
-                        <a:t>303</a:t>
-                      </a:r>
-                    </a:p>
-                  </a:txBody>
-                  <a:tcPr anchor="ctr"/>
-                </a:tc>
-                <a:tc>
-                  <a:txBody>
-                    <a:bodyPr/>
-                    <a:lstStyle/>
-                    <a:p>
-                      <a:pPr algn="ctr"/>
-                      <a:r>
-                        <a:rPr lang="de-DE" dirty="0"/>
-                        <a:t>4.554.261</a:t>
-                      </a:r>
-                    </a:p>
-                  </a:txBody>
-                  <a:tcPr anchor="ctr"/>
                 </a:tc>
                 <a:tc>
                   <a:txBody>
@@ -19945,11 +20801,15 @@
                       </a:pPr>
                       <a:r>
                         <a:rPr lang="de-DE" dirty="0"/>
-                        <a:t>61.53%</a:t>
+                        <a:t>65.28%</a:t>
                       </a:r>
                     </a:p>
                   </a:txBody>
-                  <a:tcPr anchor="ctr"/>
+                  <a:tcPr anchor="ctr">
+                    <a:solidFill>
+                      <a:srgbClr val="FFC000"/>
+                    </a:solidFill>
+                  </a:tcPr>
                 </a:tc>
                 <a:extLst>
                   <a:ext uri="{0D108BD9-81ED-4DB2-BD59-A6C34878D82A}">
@@ -20041,7 +20901,7 @@
           <a:p>
             <a:fld id="{03657754-5E9E-462B-9D24-F189FB2DC94E}" type="slidenum">
               <a:rPr lang="de-DE" smtClean="0"/>
-              <a:t>16</a:t>
+              <a:t>18</a:t>
             </a:fld>
             <a:endParaRPr lang="de-DE"/>
           </a:p>
@@ -20060,7 +20920,7 @@
 </p:sld>
 </file>
 
-<file path=ppt/slides/slide17.xml><?xml version="1.0" encoding="utf-8"?>
+<file path=ppt/slides/slide19.xml><?xml version="1.0" encoding="utf-8"?>
 <p:sld xmlns:a="http://schemas.openxmlformats.org/drawingml/2006/main" xmlns:r="http://schemas.openxmlformats.org/officeDocument/2006/relationships" xmlns:p="http://schemas.openxmlformats.org/presentationml/2006/main">
   <p:cSld>
     <p:spTree>
@@ -20571,7 +21431,7 @@
           <a:p>
             <a:fld id="{03657754-5E9E-462B-9D24-F189FB2DC94E}" type="slidenum">
               <a:rPr lang="de-DE" smtClean="0"/>
-              <a:t>17</a:t>
+              <a:t>19</a:t>
             </a:fld>
             <a:endParaRPr lang="de-DE"/>
           </a:p>
@@ -20590,7 +21450,256 @@
 </p:sld>
 </file>
 
-<file path=ppt/slides/slide18.xml><?xml version="1.0" encoding="utf-8"?>
+<file path=ppt/slides/slide2.xml><?xml version="1.0" encoding="utf-8"?>
+<p:sld xmlns:a="http://schemas.openxmlformats.org/drawingml/2006/main" xmlns:r="http://schemas.openxmlformats.org/officeDocument/2006/relationships" xmlns:p="http://schemas.openxmlformats.org/presentationml/2006/main">
+  <p:cSld>
+    <p:spTree>
+      <p:nvGrpSpPr>
+        <p:cNvPr id="1" name=""/>
+        <p:cNvGrpSpPr/>
+        <p:nvPr/>
+      </p:nvGrpSpPr>
+      <p:grpSpPr>
+        <a:xfrm>
+          <a:off x="0" y="0"/>
+          <a:ext cx="0" cy="0"/>
+          <a:chOff x="0" y="0"/>
+          <a:chExt cx="0" cy="0"/>
+        </a:xfrm>
+      </p:grpSpPr>
+      <p:sp>
+        <p:nvSpPr>
+          <p:cNvPr id="2" name="Titel 1">
+            <a:extLst>
+              <a:ext uri="{FF2B5EF4-FFF2-40B4-BE49-F238E27FC236}">
+                <a16:creationId xmlns:a16="http://schemas.microsoft.com/office/drawing/2014/main" id="{5C271C98-BF0C-4B70-9E46-244D3C7D9436}"/>
+              </a:ext>
+            </a:extLst>
+          </p:cNvPr>
+          <p:cNvSpPr>
+            <a:spLocks noGrp="1"/>
+          </p:cNvSpPr>
+          <p:nvPr>
+            <p:ph type="title"/>
+          </p:nvPr>
+        </p:nvSpPr>
+        <p:spPr>
+          <a:xfrm>
+            <a:off x="0" y="0"/>
+            <a:ext cx="12192000" cy="1690689"/>
+          </a:xfrm>
+          <a:solidFill>
+            <a:schemeClr val="tx1"/>
+          </a:solidFill>
+        </p:spPr>
+        <p:txBody>
+          <a:bodyPr/>
+          <a:lstStyle/>
+          <a:p>
+            <a:pPr algn="ctr"/>
+            <a:r>
+              <a:rPr lang="de-DE" dirty="0">
+                <a:solidFill>
+                  <a:srgbClr val="FFFF00"/>
+                </a:solidFill>
+              </a:rPr>
+              <a:t>Gliederung</a:t>
+            </a:r>
+          </a:p>
+        </p:txBody>
+      </p:sp>
+      <p:sp>
+        <p:nvSpPr>
+          <p:cNvPr id="3" name="Inhaltsplatzhalter 2">
+            <a:extLst>
+              <a:ext uri="{FF2B5EF4-FFF2-40B4-BE49-F238E27FC236}">
+                <a16:creationId xmlns:a16="http://schemas.microsoft.com/office/drawing/2014/main" id="{2BFF1C12-1326-42FC-BE65-97C207463C1E}"/>
+              </a:ext>
+            </a:extLst>
+          </p:cNvPr>
+          <p:cNvSpPr>
+            <a:spLocks noGrp="1"/>
+          </p:cNvSpPr>
+          <p:nvPr>
+            <p:ph idx="1"/>
+          </p:nvPr>
+        </p:nvSpPr>
+        <p:spPr/>
+        <p:txBody>
+          <a:bodyPr anchor="ctr"/>
+          <a:lstStyle/>
+          <a:p>
+            <a:pPr marL="514350" indent="-514350">
+              <a:buFont typeface="+mj-lt"/>
+              <a:buAutoNum type="arabicParenR"/>
+            </a:pPr>
+            <a:r>
+              <a:rPr lang="de-DE" dirty="0"/>
+              <a:t>Motivation und Ziel der Arbeit.</a:t>
+            </a:r>
+          </a:p>
+          <a:p>
+            <a:pPr marL="514350" indent="-514350">
+              <a:buFont typeface="+mj-lt"/>
+              <a:buAutoNum type="arabicParenR"/>
+            </a:pPr>
+            <a:r>
+              <a:rPr lang="de-DE" dirty="0"/>
+              <a:t>Entwurf des neuronalen Faltungsnetzes (CNN).</a:t>
+            </a:r>
+          </a:p>
+          <a:p>
+            <a:pPr marL="514350" indent="-514350">
+              <a:buFont typeface="+mj-lt"/>
+              <a:buAutoNum type="arabicParenR"/>
+            </a:pPr>
+            <a:r>
+              <a:rPr lang="de-DE" dirty="0"/>
+              <a:t>Vergleich unseres CNN mit Standard CNN.</a:t>
+            </a:r>
+          </a:p>
+          <a:p>
+            <a:pPr marL="514350" indent="-514350">
+              <a:buFont typeface="+mj-lt"/>
+              <a:buAutoNum type="arabicParenR"/>
+            </a:pPr>
+            <a:r>
+              <a:rPr lang="de-DE" dirty="0"/>
+              <a:t>Technik zur Verbesserung der CNN Leistung.</a:t>
+            </a:r>
+          </a:p>
+          <a:p>
+            <a:pPr marL="514350" indent="-514350">
+              <a:buFont typeface="+mj-lt"/>
+              <a:buAutoNum type="arabicParenR"/>
+            </a:pPr>
+            <a:r>
+              <a:rPr lang="de-DE" dirty="0"/>
+              <a:t>Modellkompression</a:t>
+            </a:r>
+          </a:p>
+          <a:p>
+            <a:pPr marL="514350" indent="-514350">
+              <a:buFont typeface="+mj-lt"/>
+              <a:buAutoNum type="arabicParenR"/>
+            </a:pPr>
+            <a:r>
+              <a:rPr lang="de-DE" dirty="0"/>
+              <a:t>Transfer-Lernen.</a:t>
+            </a:r>
+          </a:p>
+          <a:p>
+            <a:pPr marL="514350" indent="-514350">
+              <a:buFont typeface="+mj-lt"/>
+              <a:buAutoNum type="arabicParenR"/>
+            </a:pPr>
+            <a:r>
+              <a:rPr lang="de-DE" dirty="0"/>
+              <a:t>Fazit und Ausblick.</a:t>
+            </a:r>
+          </a:p>
+        </p:txBody>
+      </p:sp>
+      <p:sp>
+        <p:nvSpPr>
+          <p:cNvPr id="4" name="Datumsplatzhalter 3">
+            <a:extLst>
+              <a:ext uri="{FF2B5EF4-FFF2-40B4-BE49-F238E27FC236}">
+                <a16:creationId xmlns:a16="http://schemas.microsoft.com/office/drawing/2014/main" id="{725DAE17-6345-4ABB-B749-B85FE31F7DA5}"/>
+              </a:ext>
+            </a:extLst>
+          </p:cNvPr>
+          <p:cNvSpPr>
+            <a:spLocks noGrp="1"/>
+          </p:cNvSpPr>
+          <p:nvPr>
+            <p:ph type="dt" sz="half" idx="10"/>
+          </p:nvPr>
+        </p:nvSpPr>
+        <p:spPr/>
+        <p:txBody>
+          <a:bodyPr/>
+          <a:lstStyle/>
+          <a:p>
+            <a:r>
+              <a:rPr lang="de-DE"/>
+              <a:t>Universität Augsburg</a:t>
+            </a:r>
+          </a:p>
+        </p:txBody>
+      </p:sp>
+      <p:sp>
+        <p:nvSpPr>
+          <p:cNvPr id="5" name="Fußzeilenplatzhalter 4">
+            <a:extLst>
+              <a:ext uri="{FF2B5EF4-FFF2-40B4-BE49-F238E27FC236}">
+                <a16:creationId xmlns:a16="http://schemas.microsoft.com/office/drawing/2014/main" id="{F8FDB469-F7A3-4D42-980C-2A79A02A4C97}"/>
+              </a:ext>
+            </a:extLst>
+          </p:cNvPr>
+          <p:cNvSpPr>
+            <a:spLocks noGrp="1"/>
+          </p:cNvSpPr>
+          <p:nvPr>
+            <p:ph type="ftr" sz="quarter" idx="11"/>
+          </p:nvPr>
+        </p:nvSpPr>
+        <p:spPr/>
+        <p:txBody>
+          <a:bodyPr/>
+          <a:lstStyle/>
+          <a:p>
+            <a:r>
+              <a:rPr lang="en-US"/>
+              <a:t>Efficient convolutional neural network with extremely limted ressource for klassifikation of large-scale image set</a:t>
+            </a:r>
+            <a:endParaRPr lang="de-DE"/>
+          </a:p>
+        </p:txBody>
+      </p:sp>
+      <p:sp>
+        <p:nvSpPr>
+          <p:cNvPr id="6" name="Foliennummernplatzhalter 5">
+            <a:extLst>
+              <a:ext uri="{FF2B5EF4-FFF2-40B4-BE49-F238E27FC236}">
+                <a16:creationId xmlns:a16="http://schemas.microsoft.com/office/drawing/2014/main" id="{128DEA34-6799-4C71-8CE9-D5B87829E24D}"/>
+              </a:ext>
+            </a:extLst>
+          </p:cNvPr>
+          <p:cNvSpPr>
+            <a:spLocks noGrp="1"/>
+          </p:cNvSpPr>
+          <p:nvPr>
+            <p:ph type="sldNum" sz="quarter" idx="12"/>
+          </p:nvPr>
+        </p:nvSpPr>
+        <p:spPr/>
+        <p:txBody>
+          <a:bodyPr/>
+          <a:lstStyle/>
+          <a:p>
+            <a:fld id="{03657754-5E9E-462B-9D24-F189FB2DC94E}" type="slidenum">
+              <a:rPr lang="de-DE" smtClean="0"/>
+              <a:t>2</a:t>
+            </a:fld>
+            <a:endParaRPr lang="de-DE"/>
+          </a:p>
+        </p:txBody>
+      </p:sp>
+    </p:spTree>
+    <p:extLst>
+      <p:ext uri="{BB962C8B-B14F-4D97-AF65-F5344CB8AC3E}">
+        <p14:creationId xmlns:p14="http://schemas.microsoft.com/office/powerpoint/2010/main" val="762206486"/>
+      </p:ext>
+    </p:extLst>
+  </p:cSld>
+  <p:clrMapOvr>
+    <a:masterClrMapping/>
+  </p:clrMapOvr>
+</p:sld>
+</file>
+
+<file path=ppt/slides/slide20.xml><?xml version="1.0" encoding="utf-8"?>
 <p:sld xmlns:a="http://schemas.openxmlformats.org/drawingml/2006/main" xmlns:r="http://schemas.openxmlformats.org/officeDocument/2006/relationships" xmlns:p="http://schemas.openxmlformats.org/presentationml/2006/main">
   <p:cSld>
     <p:spTree>
@@ -20834,7 +21943,7 @@
           <a:p>
             <a:fld id="{03657754-5E9E-462B-9D24-F189FB2DC94E}" type="slidenum">
               <a:rPr lang="de-DE" smtClean="0"/>
-              <a:t>18</a:t>
+              <a:t>20</a:t>
             </a:fld>
             <a:endParaRPr lang="de-DE"/>
           </a:p>
@@ -20853,7 +21962,7 @@
 </p:sld>
 </file>
 
-<file path=ppt/slides/slide19.xml><?xml version="1.0" encoding="utf-8"?>
+<file path=ppt/slides/slide21.xml><?xml version="1.0" encoding="utf-8"?>
 <p:sld xmlns:a="http://schemas.openxmlformats.org/drawingml/2006/main" xmlns:r="http://schemas.openxmlformats.org/officeDocument/2006/relationships" xmlns:p="http://schemas.openxmlformats.org/presentationml/2006/main">
   <p:cSld>
     <p:spTree>
@@ -21230,7 +22339,7 @@
           <a:p>
             <a:fld id="{03657754-5E9E-462B-9D24-F189FB2DC94E}" type="slidenum">
               <a:rPr lang="de-DE" smtClean="0"/>
-              <a:t>19</a:t>
+              <a:t>21</a:t>
             </a:fld>
             <a:endParaRPr lang="de-DE"/>
           </a:p>
@@ -21249,682 +22358,7 @@
 </p:sld>
 </file>
 
-<file path=ppt/slides/slide2.xml><?xml version="1.0" encoding="utf-8"?>
-<p:sld xmlns:a="http://schemas.openxmlformats.org/drawingml/2006/main" xmlns:r="http://schemas.openxmlformats.org/officeDocument/2006/relationships" xmlns:p="http://schemas.openxmlformats.org/presentationml/2006/main">
-  <p:cSld>
-    <p:bg>
-      <p:bgPr>
-        <a:solidFill>
-          <a:schemeClr val="bg1"/>
-        </a:solidFill>
-        <a:effectLst/>
-      </p:bgPr>
-    </p:bg>
-    <p:spTree>
-      <p:nvGrpSpPr>
-        <p:cNvPr id="1" name=""/>
-        <p:cNvGrpSpPr/>
-        <p:nvPr/>
-      </p:nvGrpSpPr>
-      <p:grpSpPr>
-        <a:xfrm>
-          <a:off x="0" y="0"/>
-          <a:ext cx="0" cy="0"/>
-          <a:chOff x="0" y="0"/>
-          <a:chExt cx="0" cy="0"/>
-        </a:xfrm>
-      </p:grpSpPr>
-      <p:sp>
-        <p:nvSpPr>
-          <p:cNvPr id="10" name="Freeform: Shape 9">
-            <a:extLst>
-              <a:ext uri="{FF2B5EF4-FFF2-40B4-BE49-F238E27FC236}">
-                <a16:creationId xmlns:a16="http://schemas.microsoft.com/office/drawing/2014/main" id="{46C2E80F-49A6-4372-B103-219D417A55ED}"/>
-              </a:ext>
-              <a:ext uri="{C183D7F6-B498-43B3-948B-1728B52AA6E4}">
-                <adec:decorative xmlns:adec="http://schemas.microsoft.com/office/drawing/2017/decorative" val="1"/>
-              </a:ext>
-            </a:extLst>
-          </p:cNvPr>
-          <p:cNvSpPr>
-            <a:spLocks noGrp="1" noRot="1" noChangeAspect="1" noMove="1" noResize="1" noEditPoints="1" noAdjustHandles="1" noChangeArrowheads="1" noChangeShapeType="1" noTextEdit="1"/>
-          </p:cNvSpPr>
-          <p:nvPr>
-            <p:extLst>
-              <p:ext uri="{386F3935-93C4-4BCD-93E2-E3B085C9AB24}">
-                <p16:designElem xmlns:p16="http://schemas.microsoft.com/office/powerpoint/2015/main" val="1"/>
-              </p:ext>
-            </p:extLst>
-          </p:nvPr>
-        </p:nvSpPr>
-        <p:spPr>
-          <a:xfrm>
-            <a:off x="484096" y="470925"/>
-            <a:ext cx="4381009" cy="5892104"/>
-          </a:xfrm>
-          <a:custGeom>
-            <a:avLst/>
-            <a:gdLst>
-              <a:gd name="connsiteX0" fmla="*/ 0 w 4381009"/>
-              <a:gd name="connsiteY0" fmla="*/ 0 h 5892104"/>
-              <a:gd name="connsiteX1" fmla="*/ 4157628 w 4381009"/>
-              <a:gd name="connsiteY1" fmla="*/ 0 h 5892104"/>
-              <a:gd name="connsiteX2" fmla="*/ 4169302 w 4381009"/>
-              <a:gd name="connsiteY2" fmla="*/ 68659 h 5892104"/>
-              <a:gd name="connsiteX3" fmla="*/ 4191571 w 4381009"/>
-              <a:gd name="connsiteY3" fmla="*/ 205472 h 5892104"/>
-              <a:gd name="connsiteX4" fmla="*/ 4213368 w 4381009"/>
-              <a:gd name="connsiteY4" fmla="*/ 342890 h 5892104"/>
-              <a:gd name="connsiteX5" fmla="*/ 4232030 w 4381009"/>
-              <a:gd name="connsiteY5" fmla="*/ 480913 h 5892104"/>
-              <a:gd name="connsiteX6" fmla="*/ 4250848 w 4381009"/>
-              <a:gd name="connsiteY6" fmla="*/ 618332 h 5892104"/>
-              <a:gd name="connsiteX7" fmla="*/ 4268412 w 4381009"/>
-              <a:gd name="connsiteY7" fmla="*/ 756355 h 5892104"/>
-              <a:gd name="connsiteX8" fmla="*/ 4283467 w 4381009"/>
-              <a:gd name="connsiteY8" fmla="*/ 892563 h 5892104"/>
-              <a:gd name="connsiteX9" fmla="*/ 4297737 w 4381009"/>
-              <a:gd name="connsiteY9" fmla="*/ 1030587 h 5892104"/>
-              <a:gd name="connsiteX10" fmla="*/ 4310754 w 4381009"/>
-              <a:gd name="connsiteY10" fmla="*/ 1168005 h 5892104"/>
-              <a:gd name="connsiteX11" fmla="*/ 4322045 w 4381009"/>
-              <a:gd name="connsiteY11" fmla="*/ 1303002 h 5892104"/>
-              <a:gd name="connsiteX12" fmla="*/ 4333336 w 4381009"/>
-              <a:gd name="connsiteY12" fmla="*/ 1439815 h 5892104"/>
-              <a:gd name="connsiteX13" fmla="*/ 4342745 w 4381009"/>
-              <a:gd name="connsiteY13" fmla="*/ 1574812 h 5892104"/>
-              <a:gd name="connsiteX14" fmla="*/ 4350115 w 4381009"/>
-              <a:gd name="connsiteY14" fmla="*/ 1709808 h 5892104"/>
-              <a:gd name="connsiteX15" fmla="*/ 4357799 w 4381009"/>
-              <a:gd name="connsiteY15" fmla="*/ 1844200 h 5892104"/>
-              <a:gd name="connsiteX16" fmla="*/ 4364229 w 4381009"/>
-              <a:gd name="connsiteY16" fmla="*/ 1977381 h 5892104"/>
-              <a:gd name="connsiteX17" fmla="*/ 4368777 w 4381009"/>
-              <a:gd name="connsiteY17" fmla="*/ 2109351 h 5892104"/>
-              <a:gd name="connsiteX18" fmla="*/ 4372697 w 4381009"/>
-              <a:gd name="connsiteY18" fmla="*/ 2241321 h 5892104"/>
-              <a:gd name="connsiteX19" fmla="*/ 4376461 w 4381009"/>
-              <a:gd name="connsiteY19" fmla="*/ 2372080 h 5892104"/>
-              <a:gd name="connsiteX20" fmla="*/ 4378186 w 4381009"/>
-              <a:gd name="connsiteY20" fmla="*/ 2501023 h 5892104"/>
-              <a:gd name="connsiteX21" fmla="*/ 4380068 w 4381009"/>
-              <a:gd name="connsiteY21" fmla="*/ 2629966 h 5892104"/>
-              <a:gd name="connsiteX22" fmla="*/ 4381009 w 4381009"/>
-              <a:gd name="connsiteY22" fmla="*/ 2757093 h 5892104"/>
-              <a:gd name="connsiteX23" fmla="*/ 4380068 w 4381009"/>
-              <a:gd name="connsiteY23" fmla="*/ 2883010 h 5892104"/>
-              <a:gd name="connsiteX24" fmla="*/ 4380068 w 4381009"/>
-              <a:gd name="connsiteY24" fmla="*/ 3007715 h 5892104"/>
-              <a:gd name="connsiteX25" fmla="*/ 4378186 w 4381009"/>
-              <a:gd name="connsiteY25" fmla="*/ 3131210 h 5892104"/>
-              <a:gd name="connsiteX26" fmla="*/ 4375363 w 4381009"/>
-              <a:gd name="connsiteY26" fmla="*/ 3252283 h 5892104"/>
-              <a:gd name="connsiteX27" fmla="*/ 4372697 w 4381009"/>
-              <a:gd name="connsiteY27" fmla="*/ 3372146 h 5892104"/>
-              <a:gd name="connsiteX28" fmla="*/ 4369718 w 4381009"/>
-              <a:gd name="connsiteY28" fmla="*/ 3489587 h 5892104"/>
-              <a:gd name="connsiteX29" fmla="*/ 4365170 w 4381009"/>
-              <a:gd name="connsiteY29" fmla="*/ 3606423 h 5892104"/>
-              <a:gd name="connsiteX30" fmla="*/ 4360309 w 4381009"/>
-              <a:gd name="connsiteY30" fmla="*/ 3721443 h 5892104"/>
-              <a:gd name="connsiteX31" fmla="*/ 4355918 w 4381009"/>
-              <a:gd name="connsiteY31" fmla="*/ 3834041 h 5892104"/>
-              <a:gd name="connsiteX32" fmla="*/ 4343529 w 4381009"/>
-              <a:gd name="connsiteY32" fmla="*/ 4053789 h 5892104"/>
-              <a:gd name="connsiteX33" fmla="*/ 4330356 w 4381009"/>
-              <a:gd name="connsiteY33" fmla="*/ 4264457 h 5892104"/>
-              <a:gd name="connsiteX34" fmla="*/ 4316556 w 4381009"/>
-              <a:gd name="connsiteY34" fmla="*/ 4466650 h 5892104"/>
-              <a:gd name="connsiteX35" fmla="*/ 4301344 w 4381009"/>
-              <a:gd name="connsiteY35" fmla="*/ 4657946 h 5892104"/>
-              <a:gd name="connsiteX36" fmla="*/ 4285506 w 4381009"/>
-              <a:gd name="connsiteY36" fmla="*/ 4840767 h 5892104"/>
-              <a:gd name="connsiteX37" fmla="*/ 4268412 w 4381009"/>
-              <a:gd name="connsiteY37" fmla="*/ 5010269 h 5892104"/>
-              <a:gd name="connsiteX38" fmla="*/ 4251633 w 4381009"/>
-              <a:gd name="connsiteY38" fmla="*/ 5169481 h 5892104"/>
-              <a:gd name="connsiteX39" fmla="*/ 4234853 w 4381009"/>
-              <a:gd name="connsiteY39" fmla="*/ 5315980 h 5892104"/>
-              <a:gd name="connsiteX40" fmla="*/ 4219014 w 4381009"/>
-              <a:gd name="connsiteY40" fmla="*/ 5450371 h 5892104"/>
-              <a:gd name="connsiteX41" fmla="*/ 4203959 w 4381009"/>
-              <a:gd name="connsiteY41" fmla="*/ 5569628 h 5892104"/>
-              <a:gd name="connsiteX42" fmla="*/ 4189689 w 4381009"/>
-              <a:gd name="connsiteY42" fmla="*/ 5677384 h 5892104"/>
-              <a:gd name="connsiteX43" fmla="*/ 4177770 w 4381009"/>
-              <a:gd name="connsiteY43" fmla="*/ 5768189 h 5892104"/>
-              <a:gd name="connsiteX44" fmla="*/ 4166479 w 4381009"/>
-              <a:gd name="connsiteY44" fmla="*/ 5844465 h 5892104"/>
-              <a:gd name="connsiteX45" fmla="*/ 4159132 w 4381009"/>
-              <a:gd name="connsiteY45" fmla="*/ 5892104 h 5892104"/>
-              <a:gd name="connsiteX46" fmla="*/ 0 w 4381009"/>
-              <a:gd name="connsiteY46" fmla="*/ 5892104 h 5892104"/>
-            </a:gdLst>
-            <a:ahLst/>
-            <a:cxnLst>
-              <a:cxn ang="0">
-                <a:pos x="connsiteX0" y="connsiteY0"/>
-              </a:cxn>
-              <a:cxn ang="0">
-                <a:pos x="connsiteX1" y="connsiteY1"/>
-              </a:cxn>
-              <a:cxn ang="0">
-                <a:pos x="connsiteX2" y="connsiteY2"/>
-              </a:cxn>
-              <a:cxn ang="0">
-                <a:pos x="connsiteX3" y="connsiteY3"/>
-              </a:cxn>
-              <a:cxn ang="0">
-                <a:pos x="connsiteX4" y="connsiteY4"/>
-              </a:cxn>
-              <a:cxn ang="0">
-                <a:pos x="connsiteX5" y="connsiteY5"/>
-              </a:cxn>
-              <a:cxn ang="0">
-                <a:pos x="connsiteX6" y="connsiteY6"/>
-              </a:cxn>
-              <a:cxn ang="0">
-                <a:pos x="connsiteX7" y="connsiteY7"/>
-              </a:cxn>
-              <a:cxn ang="0">
-                <a:pos x="connsiteX8" y="connsiteY8"/>
-              </a:cxn>
-              <a:cxn ang="0">
-                <a:pos x="connsiteX9" y="connsiteY9"/>
-              </a:cxn>
-              <a:cxn ang="0">
-                <a:pos x="connsiteX10" y="connsiteY10"/>
-              </a:cxn>
-              <a:cxn ang="0">
-                <a:pos x="connsiteX11" y="connsiteY11"/>
-              </a:cxn>
-              <a:cxn ang="0">
-                <a:pos x="connsiteX12" y="connsiteY12"/>
-              </a:cxn>
-              <a:cxn ang="0">
-                <a:pos x="connsiteX13" y="connsiteY13"/>
-              </a:cxn>
-              <a:cxn ang="0">
-                <a:pos x="connsiteX14" y="connsiteY14"/>
-              </a:cxn>
-              <a:cxn ang="0">
-                <a:pos x="connsiteX15" y="connsiteY15"/>
-              </a:cxn>
-              <a:cxn ang="0">
-                <a:pos x="connsiteX16" y="connsiteY16"/>
-              </a:cxn>
-              <a:cxn ang="0">
-                <a:pos x="connsiteX17" y="connsiteY17"/>
-              </a:cxn>
-              <a:cxn ang="0">
-                <a:pos x="connsiteX18" y="connsiteY18"/>
-              </a:cxn>
-              <a:cxn ang="0">
-                <a:pos x="connsiteX19" y="connsiteY19"/>
-              </a:cxn>
-              <a:cxn ang="0">
-                <a:pos x="connsiteX20" y="connsiteY20"/>
-              </a:cxn>
-              <a:cxn ang="0">
-                <a:pos x="connsiteX21" y="connsiteY21"/>
-              </a:cxn>
-              <a:cxn ang="0">
-                <a:pos x="connsiteX22" y="connsiteY22"/>
-              </a:cxn>
-              <a:cxn ang="0">
-                <a:pos x="connsiteX23" y="connsiteY23"/>
-              </a:cxn>
-              <a:cxn ang="0">
-                <a:pos x="connsiteX24" y="connsiteY24"/>
-              </a:cxn>
-              <a:cxn ang="0">
-                <a:pos x="connsiteX25" y="connsiteY25"/>
-              </a:cxn>
-              <a:cxn ang="0">
-                <a:pos x="connsiteX26" y="connsiteY26"/>
-              </a:cxn>
-              <a:cxn ang="0">
-                <a:pos x="connsiteX27" y="connsiteY27"/>
-              </a:cxn>
-              <a:cxn ang="0">
-                <a:pos x="connsiteX28" y="connsiteY28"/>
-              </a:cxn>
-              <a:cxn ang="0">
-                <a:pos x="connsiteX29" y="connsiteY29"/>
-              </a:cxn>
-              <a:cxn ang="0">
-                <a:pos x="connsiteX30" y="connsiteY30"/>
-              </a:cxn>
-              <a:cxn ang="0">
-                <a:pos x="connsiteX31" y="connsiteY31"/>
-              </a:cxn>
-              <a:cxn ang="0">
-                <a:pos x="connsiteX32" y="connsiteY32"/>
-              </a:cxn>
-              <a:cxn ang="0">
-                <a:pos x="connsiteX33" y="connsiteY33"/>
-              </a:cxn>
-              <a:cxn ang="0">
-                <a:pos x="connsiteX34" y="connsiteY34"/>
-              </a:cxn>
-              <a:cxn ang="0">
-                <a:pos x="connsiteX35" y="connsiteY35"/>
-              </a:cxn>
-              <a:cxn ang="0">
-                <a:pos x="connsiteX36" y="connsiteY36"/>
-              </a:cxn>
-              <a:cxn ang="0">
-                <a:pos x="connsiteX37" y="connsiteY37"/>
-              </a:cxn>
-              <a:cxn ang="0">
-                <a:pos x="connsiteX38" y="connsiteY38"/>
-              </a:cxn>
-              <a:cxn ang="0">
-                <a:pos x="connsiteX39" y="connsiteY39"/>
-              </a:cxn>
-              <a:cxn ang="0">
-                <a:pos x="connsiteX40" y="connsiteY40"/>
-              </a:cxn>
-              <a:cxn ang="0">
-                <a:pos x="connsiteX41" y="connsiteY41"/>
-              </a:cxn>
-              <a:cxn ang="0">
-                <a:pos x="connsiteX42" y="connsiteY42"/>
-              </a:cxn>
-              <a:cxn ang="0">
-                <a:pos x="connsiteX43" y="connsiteY43"/>
-              </a:cxn>
-              <a:cxn ang="0">
-                <a:pos x="connsiteX44" y="connsiteY44"/>
-              </a:cxn>
-              <a:cxn ang="0">
-                <a:pos x="connsiteX45" y="connsiteY45"/>
-              </a:cxn>
-              <a:cxn ang="0">
-                <a:pos x="connsiteX46" y="connsiteY46"/>
-              </a:cxn>
-            </a:cxnLst>
-            <a:rect l="l" t="t" r="r" b="b"/>
-            <a:pathLst>
-              <a:path w="4381009" h="5892104">
-                <a:moveTo>
-                  <a:pt x="0" y="0"/>
-                </a:moveTo>
-                <a:lnTo>
-                  <a:pt x="4157628" y="0"/>
-                </a:lnTo>
-                <a:lnTo>
-                  <a:pt x="4169302" y="68659"/>
-                </a:lnTo>
-                <a:lnTo>
-                  <a:pt x="4191571" y="205472"/>
-                </a:lnTo>
-                <a:lnTo>
-                  <a:pt x="4213368" y="342890"/>
-                </a:lnTo>
-                <a:lnTo>
-                  <a:pt x="4232030" y="480913"/>
-                </a:lnTo>
-                <a:lnTo>
-                  <a:pt x="4250848" y="618332"/>
-                </a:lnTo>
-                <a:lnTo>
-                  <a:pt x="4268412" y="756355"/>
-                </a:lnTo>
-                <a:lnTo>
-                  <a:pt x="4283467" y="892563"/>
-                </a:lnTo>
-                <a:lnTo>
-                  <a:pt x="4297737" y="1030587"/>
-                </a:lnTo>
-                <a:lnTo>
-                  <a:pt x="4310754" y="1168005"/>
-                </a:lnTo>
-                <a:lnTo>
-                  <a:pt x="4322045" y="1303002"/>
-                </a:lnTo>
-                <a:lnTo>
-                  <a:pt x="4333336" y="1439815"/>
-                </a:lnTo>
-                <a:lnTo>
-                  <a:pt x="4342745" y="1574812"/>
-                </a:lnTo>
-                <a:lnTo>
-                  <a:pt x="4350115" y="1709808"/>
-                </a:lnTo>
-                <a:lnTo>
-                  <a:pt x="4357799" y="1844200"/>
-                </a:lnTo>
-                <a:lnTo>
-                  <a:pt x="4364229" y="1977381"/>
-                </a:lnTo>
-                <a:lnTo>
-                  <a:pt x="4368777" y="2109351"/>
-                </a:lnTo>
-                <a:lnTo>
-                  <a:pt x="4372697" y="2241321"/>
-                </a:lnTo>
-                <a:lnTo>
-                  <a:pt x="4376461" y="2372080"/>
-                </a:lnTo>
-                <a:lnTo>
-                  <a:pt x="4378186" y="2501023"/>
-                </a:lnTo>
-                <a:lnTo>
-                  <a:pt x="4380068" y="2629966"/>
-                </a:lnTo>
-                <a:lnTo>
-                  <a:pt x="4381009" y="2757093"/>
-                </a:lnTo>
-                <a:lnTo>
-                  <a:pt x="4380068" y="2883010"/>
-                </a:lnTo>
-                <a:lnTo>
-                  <a:pt x="4380068" y="3007715"/>
-                </a:lnTo>
-                <a:lnTo>
-                  <a:pt x="4378186" y="3131210"/>
-                </a:lnTo>
-                <a:lnTo>
-                  <a:pt x="4375363" y="3252283"/>
-                </a:lnTo>
-                <a:lnTo>
-                  <a:pt x="4372697" y="3372146"/>
-                </a:lnTo>
-                <a:lnTo>
-                  <a:pt x="4369718" y="3489587"/>
-                </a:lnTo>
-                <a:lnTo>
-                  <a:pt x="4365170" y="3606423"/>
-                </a:lnTo>
-                <a:lnTo>
-                  <a:pt x="4360309" y="3721443"/>
-                </a:lnTo>
-                <a:lnTo>
-                  <a:pt x="4355918" y="3834041"/>
-                </a:lnTo>
-                <a:lnTo>
-                  <a:pt x="4343529" y="4053789"/>
-                </a:lnTo>
-                <a:lnTo>
-                  <a:pt x="4330356" y="4264457"/>
-                </a:lnTo>
-                <a:lnTo>
-                  <a:pt x="4316556" y="4466650"/>
-                </a:lnTo>
-                <a:lnTo>
-                  <a:pt x="4301344" y="4657946"/>
-                </a:lnTo>
-                <a:lnTo>
-                  <a:pt x="4285506" y="4840767"/>
-                </a:lnTo>
-                <a:lnTo>
-                  <a:pt x="4268412" y="5010269"/>
-                </a:lnTo>
-                <a:lnTo>
-                  <a:pt x="4251633" y="5169481"/>
-                </a:lnTo>
-                <a:lnTo>
-                  <a:pt x="4234853" y="5315980"/>
-                </a:lnTo>
-                <a:lnTo>
-                  <a:pt x="4219014" y="5450371"/>
-                </a:lnTo>
-                <a:lnTo>
-                  <a:pt x="4203959" y="5569628"/>
-                </a:lnTo>
-                <a:lnTo>
-                  <a:pt x="4189689" y="5677384"/>
-                </a:lnTo>
-                <a:lnTo>
-                  <a:pt x="4177770" y="5768189"/>
-                </a:lnTo>
-                <a:lnTo>
-                  <a:pt x="4166479" y="5844465"/>
-                </a:lnTo>
-                <a:lnTo>
-                  <a:pt x="4159132" y="5892104"/>
-                </a:lnTo>
-                <a:lnTo>
-                  <a:pt x="0" y="5892104"/>
-                </a:lnTo>
-                <a:close/>
-              </a:path>
-            </a:pathLst>
-          </a:custGeom>
-          <a:solidFill>
-            <a:srgbClr val="404040"/>
-          </a:solidFill>
-          <a:ln>
-            <a:noFill/>
-          </a:ln>
-        </p:spPr>
-        <p:style>
-          <a:lnRef idx="2">
-            <a:schemeClr val="accent1">
-              <a:shade val="50000"/>
-            </a:schemeClr>
-          </a:lnRef>
-          <a:fillRef idx="1">
-            <a:schemeClr val="accent1"/>
-          </a:fillRef>
-          <a:effectRef idx="0">
-            <a:schemeClr val="accent1"/>
-          </a:effectRef>
-          <a:fontRef idx="minor">
-            <a:schemeClr val="lt1"/>
-          </a:fontRef>
-        </p:style>
-        <p:txBody>
-          <a:bodyPr wrap="square" rtlCol="0" anchor="ctr">
-            <a:noAutofit/>
-          </a:bodyPr>
-          <a:lstStyle/>
-          <a:p>
-            <a:pPr marL="0" marR="0" lvl="0" indent="0" algn="ctr" defTabSz="457200" rtl="0" eaLnBrk="1" fontAlgn="auto" latinLnBrk="0" hangingPunct="1">
-              <a:lnSpc>
-                <a:spcPct val="100000"/>
-              </a:lnSpc>
-              <a:spcBef>
-                <a:spcPts val="0"/>
-              </a:spcBef>
-              <a:spcAft>
-                <a:spcPts val="0"/>
-              </a:spcAft>
-              <a:buClrTx/>
-              <a:buSzTx/>
-              <a:buFontTx/>
-              <a:buNone/>
-              <a:tabLst/>
-              <a:defRPr/>
-            </a:pPr>
-            <a:endParaRPr kumimoji="0" lang="en-US" sz="1800" b="0" i="0" u="none" strike="noStrike" kern="1200" cap="none" spc="0" normalizeH="0" baseline="0" noProof="0">
-              <a:ln>
-                <a:noFill/>
-              </a:ln>
-              <a:solidFill>
-                <a:prstClr val="white"/>
-              </a:solidFill>
-              <a:effectLst/>
-              <a:uLnTx/>
-              <a:uFillTx/>
-              <a:latin typeface="Calibri" panose="020F0502020204030204"/>
-              <a:ea typeface="+mn-ea"/>
-              <a:cs typeface="+mn-cs"/>
-            </a:endParaRPr>
-          </a:p>
-        </p:txBody>
-      </p:sp>
-      <p:sp>
-        <p:nvSpPr>
-          <p:cNvPr id="2" name="Titel 1">
-            <a:extLst>
-              <a:ext uri="{FF2B5EF4-FFF2-40B4-BE49-F238E27FC236}">
-                <a16:creationId xmlns:a16="http://schemas.microsoft.com/office/drawing/2014/main" id="{3E7E3BE7-FE32-4663-AC07-9996E9BF6D81}"/>
-              </a:ext>
-            </a:extLst>
-          </p:cNvPr>
-          <p:cNvSpPr>
-            <a:spLocks noGrp="1"/>
-          </p:cNvSpPr>
-          <p:nvPr>
-            <p:ph type="title"/>
-          </p:nvPr>
-        </p:nvSpPr>
-        <p:spPr>
-          <a:xfrm>
-            <a:off x="863029" y="1012004"/>
-            <a:ext cx="3416158" cy="4795408"/>
-          </a:xfrm>
-        </p:spPr>
-        <p:txBody>
-          <a:bodyPr>
-            <a:normAutofit/>
-          </a:bodyPr>
-          <a:lstStyle/>
-          <a:p>
-            <a:r>
-              <a:rPr lang="de-DE" dirty="0">
-                <a:solidFill>
-                  <a:srgbClr val="FFFFFF"/>
-                </a:solidFill>
-              </a:rPr>
-              <a:t>Motivation und Ziel der Arbeit.</a:t>
-            </a:r>
-          </a:p>
-        </p:txBody>
-      </p:sp>
-      <p:graphicFrame>
-        <p:nvGraphicFramePr>
-          <p:cNvPr id="5" name="Inhaltsplatzhalter 2">
-            <a:extLst>
-              <a:ext uri="{FF2B5EF4-FFF2-40B4-BE49-F238E27FC236}">
-                <a16:creationId xmlns:a16="http://schemas.microsoft.com/office/drawing/2014/main" id="{599B8127-0F76-464F-B828-5F3F0D6381DF}"/>
-              </a:ext>
-            </a:extLst>
-          </p:cNvPr>
-          <p:cNvGraphicFramePr>
-            <a:graphicFrameLocks noGrp="1"/>
-          </p:cNvGraphicFramePr>
-          <p:nvPr>
-            <p:ph idx="1"/>
-            <p:extLst>
-              <p:ext uri="{D42A27DB-BD31-4B8C-83A1-F6EECF244321}">
-                <p14:modId xmlns:p14="http://schemas.microsoft.com/office/powerpoint/2010/main" val="1914596737"/>
-              </p:ext>
-            </p:extLst>
-          </p:nvPr>
-        </p:nvGraphicFramePr>
-        <p:xfrm>
-          <a:off x="5194300" y="470924"/>
-          <a:ext cx="6513604" cy="5885426"/>
-        </p:xfrm>
-        <a:graphic>
-          <a:graphicData uri="http://schemas.openxmlformats.org/drawingml/2006/diagram">
-            <dgm:relIds xmlns:dgm="http://schemas.openxmlformats.org/drawingml/2006/diagram" xmlns:r="http://schemas.openxmlformats.org/officeDocument/2006/relationships" r:dm="rId3" r:lo="rId4" r:qs="rId5" r:cs="rId6"/>
-          </a:graphicData>
-        </a:graphic>
-      </p:graphicFrame>
-      <p:sp>
-        <p:nvSpPr>
-          <p:cNvPr id="3" name="Datumsplatzhalter 2">
-            <a:extLst>
-              <a:ext uri="{FF2B5EF4-FFF2-40B4-BE49-F238E27FC236}">
-                <a16:creationId xmlns:a16="http://schemas.microsoft.com/office/drawing/2014/main" id="{C376886E-5FB5-4C7F-9AD0-B92BB2D34C2B}"/>
-              </a:ext>
-            </a:extLst>
-          </p:cNvPr>
-          <p:cNvSpPr>
-            <a:spLocks noGrp="1"/>
-          </p:cNvSpPr>
-          <p:nvPr>
-            <p:ph type="dt" sz="half" idx="10"/>
-          </p:nvPr>
-        </p:nvSpPr>
-        <p:spPr/>
-        <p:txBody>
-          <a:bodyPr/>
-          <a:lstStyle/>
-          <a:p>
-            <a:r>
-              <a:rPr lang="de-DE"/>
-              <a:t>Universität Augsburg</a:t>
-            </a:r>
-          </a:p>
-        </p:txBody>
-      </p:sp>
-      <p:sp>
-        <p:nvSpPr>
-          <p:cNvPr id="4" name="Fußzeilenplatzhalter 3">
-            <a:extLst>
-              <a:ext uri="{FF2B5EF4-FFF2-40B4-BE49-F238E27FC236}">
-                <a16:creationId xmlns:a16="http://schemas.microsoft.com/office/drawing/2014/main" id="{A76207E4-CB3E-4FAE-A132-483D7BDD11A8}"/>
-              </a:ext>
-            </a:extLst>
-          </p:cNvPr>
-          <p:cNvSpPr>
-            <a:spLocks noGrp="1"/>
-          </p:cNvSpPr>
-          <p:nvPr>
-            <p:ph type="ftr" sz="quarter" idx="11"/>
-          </p:nvPr>
-        </p:nvSpPr>
-        <p:spPr/>
-        <p:txBody>
-          <a:bodyPr/>
-          <a:lstStyle/>
-          <a:p>
-            <a:r>
-              <a:rPr lang="en-US"/>
-              <a:t>Efficient convolutional neural network with extremely limted ressource for klassifikation of large-scale image set</a:t>
-            </a:r>
-            <a:endParaRPr lang="de-DE"/>
-          </a:p>
-        </p:txBody>
-      </p:sp>
-      <p:sp>
-        <p:nvSpPr>
-          <p:cNvPr id="6" name="Foliennummernplatzhalter 5">
-            <a:extLst>
-              <a:ext uri="{FF2B5EF4-FFF2-40B4-BE49-F238E27FC236}">
-                <a16:creationId xmlns:a16="http://schemas.microsoft.com/office/drawing/2014/main" id="{8C46113D-B175-4BE2-BF3E-FDC3211E896C}"/>
-              </a:ext>
-            </a:extLst>
-          </p:cNvPr>
-          <p:cNvSpPr>
-            <a:spLocks noGrp="1"/>
-          </p:cNvSpPr>
-          <p:nvPr>
-            <p:ph type="sldNum" sz="quarter" idx="12"/>
-          </p:nvPr>
-        </p:nvSpPr>
-        <p:spPr/>
-        <p:txBody>
-          <a:bodyPr/>
-          <a:lstStyle/>
-          <a:p>
-            <a:fld id="{03657754-5E9E-462B-9D24-F189FB2DC94E}" type="slidenum">
-              <a:rPr lang="de-DE" smtClean="0"/>
-              <a:t>2</a:t>
-            </a:fld>
-            <a:endParaRPr lang="de-DE"/>
-          </a:p>
-        </p:txBody>
-      </p:sp>
-    </p:spTree>
-    <p:extLst>
-      <p:ext uri="{BB962C8B-B14F-4D97-AF65-F5344CB8AC3E}">
-        <p14:creationId xmlns:p14="http://schemas.microsoft.com/office/powerpoint/2010/main" val="189013748"/>
-      </p:ext>
-    </p:extLst>
-  </p:cSld>
-  <p:clrMapOvr>
-    <a:masterClrMapping/>
-  </p:clrMapOvr>
-</p:sld>
-</file>
-
-<file path=ppt/slides/slide20.xml><?xml version="1.0" encoding="utf-8"?>
+<file path=ppt/slides/slide22.xml><?xml version="1.0" encoding="utf-8"?>
 <p:sld xmlns:a="http://schemas.openxmlformats.org/drawingml/2006/main" xmlns:r="http://schemas.openxmlformats.org/officeDocument/2006/relationships" xmlns:p="http://schemas.openxmlformats.org/presentationml/2006/main">
   <p:cSld>
     <p:spTree>
@@ -22097,7 +22531,7 @@
           <a:p>
             <a:fld id="{03657754-5E9E-462B-9D24-F189FB2DC94E}" type="slidenum">
               <a:rPr lang="de-DE" smtClean="0"/>
-              <a:t>20</a:t>
+              <a:t>22</a:t>
             </a:fld>
             <a:endParaRPr lang="de-DE"/>
           </a:p>
@@ -22116,7 +22550,7 @@
 </p:sld>
 </file>
 
-<file path=ppt/slides/slide21.xml><?xml version="1.0" encoding="utf-8"?>
+<file path=ppt/slides/slide23.xml><?xml version="1.0" encoding="utf-8"?>
 <p:sld xmlns:a="http://schemas.openxmlformats.org/drawingml/2006/main" xmlns:r="http://schemas.openxmlformats.org/officeDocument/2006/relationships" xmlns:p="http://schemas.openxmlformats.org/presentationml/2006/main">
   <p:cSld>
     <p:spTree>
@@ -22916,7 +23350,7 @@
           <a:p>
             <a:fld id="{03657754-5E9E-462B-9D24-F189FB2DC94E}" type="slidenum">
               <a:rPr lang="de-DE" smtClean="0"/>
-              <a:t>21</a:t>
+              <a:t>23</a:t>
             </a:fld>
             <a:endParaRPr lang="de-DE"/>
           </a:p>
@@ -22935,7 +23369,7 @@
 </p:sld>
 </file>
 
-<file path=ppt/slides/slide22.xml><?xml version="1.0" encoding="utf-8"?>
+<file path=ppt/slides/slide24.xml><?xml version="1.0" encoding="utf-8"?>
 <p:sld xmlns:a="http://schemas.openxmlformats.org/drawingml/2006/main" xmlns:r="http://schemas.openxmlformats.org/officeDocument/2006/relationships" xmlns:p="http://schemas.openxmlformats.org/presentationml/2006/main">
   <p:cSld>
     <p:spTree>
@@ -23045,7 +23479,7 @@
 </p:sld>
 </file>
 
-<file path=ppt/slides/slide23.xml><?xml version="1.0" encoding="utf-8"?>
+<file path=ppt/slides/slide25.xml><?xml version="1.0" encoding="utf-8"?>
 <p:sld xmlns:a="http://schemas.openxmlformats.org/drawingml/2006/main" xmlns:r="http://schemas.openxmlformats.org/officeDocument/2006/relationships" xmlns:p="http://schemas.openxmlformats.org/presentationml/2006/main">
   <p:cSld>
     <p:spTree>
@@ -23121,14 +23555,14 @@
             <p:ph idx="1"/>
             <p:extLst>
               <p:ext uri="{D42A27DB-BD31-4B8C-83A1-F6EECF244321}">
-                <p14:modId xmlns:p14="http://schemas.microsoft.com/office/powerpoint/2010/main" val="290374500"/>
+                <p14:modId xmlns:p14="http://schemas.microsoft.com/office/powerpoint/2010/main" val="179534450"/>
               </p:ext>
             </p:extLst>
           </p:nvPr>
         </p:nvGraphicFramePr>
         <p:xfrm>
-          <a:off x="5778631" y="1727851"/>
-          <a:ext cx="6139364" cy="4295480"/>
+          <a:off x="5674936" y="1341266"/>
+          <a:ext cx="6340712" cy="4965290"/>
         </p:xfrm>
         <a:graphic>
           <a:graphicData uri="http://schemas.openxmlformats.org/drawingml/2006/table">
@@ -23137,28 +23571,28 @@
                 <a:tableStyleId>{073A0DAA-6AF3-43AB-8588-CEC1D06C72B9}</a:tableStyleId>
               </a:tblPr>
               <a:tblGrid>
-                <a:gridCol w="1828800">
+                <a:gridCol w="1888778">
                   <a:extLst>
                     <a:ext uri="{9D8B030D-6E8A-4147-A177-3AD203B41FA5}">
                       <a16:colId xmlns:a16="http://schemas.microsoft.com/office/drawing/2014/main" val="122826773"/>
                     </a:ext>
                   </a:extLst>
                 </a:gridCol>
-                <a:gridCol w="1240882">
+                <a:gridCol w="1281578">
                   <a:extLst>
                     <a:ext uri="{9D8B030D-6E8A-4147-A177-3AD203B41FA5}">
                       <a16:colId xmlns:a16="http://schemas.microsoft.com/office/drawing/2014/main" val="3447561515"/>
                     </a:ext>
                   </a:extLst>
                 </a:gridCol>
-                <a:gridCol w="1534841">
+                <a:gridCol w="1585178">
                   <a:extLst>
                     <a:ext uri="{9D8B030D-6E8A-4147-A177-3AD203B41FA5}">
                       <a16:colId xmlns:a16="http://schemas.microsoft.com/office/drawing/2014/main" val="1442811806"/>
                     </a:ext>
                   </a:extLst>
                 </a:gridCol>
-                <a:gridCol w="1534841">
+                <a:gridCol w="1585178">
                   <a:extLst>
                     <a:ext uri="{9D8B030D-6E8A-4147-A177-3AD203B41FA5}">
                       <a16:colId xmlns:a16="http://schemas.microsoft.com/office/drawing/2014/main" val="2723456702"/>
@@ -23166,7 +23600,7 @@
                   </a:extLst>
                 </a:gridCol>
               </a:tblGrid>
-              <a:tr h="536935">
+              <a:tr h="496529">
                 <a:tc>
                   <a:txBody>
                     <a:bodyPr/>
@@ -23229,7 +23663,7 @@
                   </a:ext>
                 </a:extLst>
               </a:tr>
-              <a:tr h="536935">
+              <a:tr h="496529">
                 <a:tc>
                   <a:txBody>
                     <a:bodyPr/>
@@ -23237,10 +23671,9 @@
                     <a:p>
                       <a:pPr algn="ctr"/>
                       <a:r>
-                        <a:rPr lang="de-DE"/>
-                        <a:t>TemkiNet</a:t>
+                        <a:rPr lang="de-DE" dirty="0"/>
+                        <a:t>TemkiNet_1_1028</a:t>
                       </a:r>
-                      <a:endParaRPr lang="de-DE" dirty="0"/>
                     </a:p>
                   </a:txBody>
                   <a:tcPr anchor="ctr"/>
@@ -23310,7 +23743,7 @@
                   </a:ext>
                 </a:extLst>
               </a:tr>
-              <a:tr h="536935">
+              <a:tr h="496529">
                 <a:tc>
                   <a:txBody>
                     <a:bodyPr/>
@@ -23324,7 +23757,11 @@
                       <a:endParaRPr lang="de-DE" dirty="0"/>
                     </a:p>
                   </a:txBody>
-                  <a:tcPr anchor="ctr"/>
+                  <a:tcPr anchor="ctr">
+                    <a:solidFill>
+                      <a:srgbClr val="FF0000"/>
+                    </a:solidFill>
+                  </a:tcPr>
                 </a:tc>
                 <a:tc>
                   <a:txBody>
@@ -23339,7 +23776,11 @@
                       <a:endParaRPr lang="de-DE" dirty="0"/>
                     </a:p>
                   </a:txBody>
-                  <a:tcPr anchor="ctr"/>
+                  <a:tcPr anchor="ctr">
+                    <a:solidFill>
+                      <a:srgbClr val="FF0000"/>
+                    </a:solidFill>
+                  </a:tcPr>
                 </a:tc>
                 <a:tc>
                   <a:txBody>
@@ -23353,7 +23794,11 @@
                       </a:r>
                     </a:p>
                   </a:txBody>
-                  <a:tcPr anchor="ctr"/>
+                  <a:tcPr anchor="ctr">
+                    <a:solidFill>
+                      <a:srgbClr val="FF0000"/>
+                    </a:solidFill>
+                  </a:tcPr>
                 </a:tc>
                 <a:tc>
                   <a:txBody>
@@ -23383,7 +23828,11 @@
                       </a:r>
                     </a:p>
                   </a:txBody>
-                  <a:tcPr anchor="ctr"/>
+                  <a:tcPr anchor="ctr">
+                    <a:solidFill>
+                      <a:srgbClr val="FF0000"/>
+                    </a:solidFill>
+                  </a:tcPr>
                 </a:tc>
                 <a:extLst>
                   <a:ext uri="{0D108BD9-81ED-4DB2-BD59-A6C34878D82A}">
@@ -23391,7 +23840,7 @@
                   </a:ext>
                 </a:extLst>
               </a:tr>
-              <a:tr h="536935">
+              <a:tr h="496529">
                 <a:tc>
                   <a:txBody>
                     <a:bodyPr/>
@@ -23443,7 +23892,7 @@
                       <a:pPr algn="ctr"/>
                       <a:r>
                         <a:rPr lang="de-DE" dirty="0"/>
-                        <a:t>60.78%</a:t>
+                        <a:t>61.01%</a:t>
                       </a:r>
                     </a:p>
                   </a:txBody>
@@ -23455,7 +23904,7 @@
                   </a:ext>
                 </a:extLst>
               </a:tr>
-              <a:tr h="536935">
+              <a:tr h="496529">
                 <a:tc>
                   <a:txBody>
                     <a:bodyPr/>
@@ -23507,7 +23956,7 @@
                       <a:pPr algn="ctr"/>
                       <a:r>
                         <a:rPr lang="de-DE" dirty="0"/>
-                        <a:t>59.66%</a:t>
+                        <a:t>61.60%</a:t>
                       </a:r>
                     </a:p>
                   </a:txBody>
@@ -23519,7 +23968,7 @@
                   </a:ext>
                 </a:extLst>
               </a:tr>
-              <a:tr h="536935">
+              <a:tr h="496529">
                 <a:tc>
                   <a:txBody>
                     <a:bodyPr/>
@@ -23528,7 +23977,7 @@
                       <a:pPr algn="ctr"/>
                       <a:r>
                         <a:rPr lang="de-DE" dirty="0"/>
-                        <a:t>TemkiNet_3_202</a:t>
+                        <a:t>TemkiNet_3_303</a:t>
                       </a:r>
                     </a:p>
                   </a:txBody>
@@ -23556,7 +24005,7 @@
                       <a:pPr algn="ctr"/>
                       <a:r>
                         <a:rPr lang="de-DE" dirty="0"/>
-                        <a:t>504.899</a:t>
+                        <a:t>624.281</a:t>
                       </a:r>
                     </a:p>
                   </a:txBody>
@@ -23570,7 +24019,7 @@
                       <a:pPr algn="ctr"/>
                       <a:r>
                         <a:rPr lang="de-DE" dirty="0"/>
-                        <a:t>60.90%</a:t>
+                        <a:t>59.96%</a:t>
                       </a:r>
                     </a:p>
                   </a:txBody>
@@ -23582,7 +24031,7 @@
                   </a:ext>
                 </a:extLst>
               </a:tr>
-              <a:tr h="536935">
+              <a:tr h="496529">
                 <a:tc>
                   <a:txBody>
                     <a:bodyPr/>
@@ -23590,10 +24039,9 @@
                     <a:p>
                       <a:pPr algn="ctr"/>
                       <a:r>
-                        <a:rPr lang="de-DE" dirty="0" err="1"/>
-                        <a:t>TemkiNet</a:t>
+                        <a:rPr lang="de-DE" dirty="0"/>
+                        <a:t>TemkiNet_1_1028</a:t>
                       </a:r>
-                      <a:endParaRPr lang="de-DE" dirty="0"/>
                     </a:p>
                   </a:txBody>
                   <a:tcPr anchor="ctr"/>
@@ -23606,7 +24054,7 @@
                       <a:pPr algn="ctr"/>
                       <a:r>
                         <a:rPr lang="de-DE" dirty="0"/>
-                        <a:t>150x150</a:t>
+                        <a:t>150 x 150</a:t>
                       </a:r>
                     </a:p>
                   </a:txBody>
@@ -23646,7 +24094,7 @@
                   </a:ext>
                 </a:extLst>
               </a:tr>
-              <a:tr h="536935">
+              <a:tr h="496529">
                 <a:tc>
                   <a:txBody>
                     <a:bodyPr/>
@@ -23675,7 +24123,14 @@
                       </a:r>
                     </a:p>
                   </a:txBody>
-                  <a:tcPr anchor="ctr"/>
+                  <a:tcPr anchor="ctr">
+                    <a:solidFill>
+                      <a:schemeClr val="accent4">
+                        <a:lumMod val="60000"/>
+                        <a:lumOff val="40000"/>
+                      </a:schemeClr>
+                    </a:solidFill>
+                  </a:tcPr>
                 </a:tc>
                 <a:tc>
                   <a:txBody>
@@ -23685,11 +24140,18 @@
                       <a:pPr algn="ctr"/>
                       <a:r>
                         <a:rPr lang="de-DE" dirty="0"/>
-                        <a:t>150x150</a:t>
+                        <a:t>150 x 150</a:t>
                       </a:r>
                     </a:p>
                   </a:txBody>
-                  <a:tcPr anchor="ctr"/>
+                  <a:tcPr anchor="ctr">
+                    <a:solidFill>
+                      <a:schemeClr val="accent4">
+                        <a:lumMod val="60000"/>
+                        <a:lumOff val="40000"/>
+                      </a:schemeClr>
+                    </a:solidFill>
+                  </a:tcPr>
                 </a:tc>
                 <a:tc>
                   <a:txBody>
@@ -23719,6 +24181,71 @@
                       </a:r>
                     </a:p>
                   </a:txBody>
+                  <a:tcPr anchor="ctr">
+                    <a:solidFill>
+                      <a:schemeClr val="accent4">
+                        <a:lumMod val="60000"/>
+                        <a:lumOff val="40000"/>
+                      </a:schemeClr>
+                    </a:solidFill>
+                  </a:tcPr>
+                </a:tc>
+                <a:tc>
+                  <a:txBody>
+                    <a:bodyPr/>
+                    <a:lstStyle/>
+                    <a:p>
+                      <a:pPr algn="ctr"/>
+                      <a:r>
+                        <a:rPr lang="de-DE" dirty="0"/>
+                        <a:t>64.67%</a:t>
+                      </a:r>
+                    </a:p>
+                  </a:txBody>
+                  <a:tcPr anchor="ctr">
+                    <a:solidFill>
+                      <a:schemeClr val="accent4">
+                        <a:lumMod val="60000"/>
+                        <a:lumOff val="40000"/>
+                      </a:schemeClr>
+                    </a:solidFill>
+                  </a:tcPr>
+                </a:tc>
+                <a:extLst>
+                  <a:ext uri="{0D108BD9-81ED-4DB2-BD59-A6C34878D82A}">
+                    <a16:rowId xmlns:a16="http://schemas.microsoft.com/office/drawing/2014/main" val="3842886014"/>
+                  </a:ext>
+                </a:extLst>
+              </a:tr>
+              <a:tr h="496529">
+                <a:tc>
+                  <a:txBody>
+                    <a:bodyPr/>
+                    <a:lstStyle/>
+                    <a:p>
+                      <a:pPr marL="0" marR="0" lvl="0" indent="0" algn="ctr" defTabSz="914400" rtl="0" eaLnBrk="1" fontAlgn="auto" latinLnBrk="0" hangingPunct="1">
+                        <a:lnSpc>
+                          <a:spcPct val="100000"/>
+                        </a:lnSpc>
+                        <a:spcBef>
+                          <a:spcPts val="0"/>
+                        </a:spcBef>
+                        <a:spcAft>
+                          <a:spcPts val="0"/>
+                        </a:spcAft>
+                        <a:buClrTx/>
+                        <a:buSzTx/>
+                        <a:buFontTx/>
+                        <a:buNone/>
+                        <a:tabLst/>
+                        <a:defRPr/>
+                      </a:pPr>
+                      <a:r>
+                        <a:rPr lang="de-DE" dirty="0"/>
+                        <a:t>TemkiNet_1_1028</a:t>
+                      </a:r>
+                    </a:p>
+                  </a:txBody>
                   <a:tcPr anchor="ctr"/>
                 </a:tc>
                 <a:tc>
@@ -23729,7 +24256,35 @@
                       <a:pPr algn="ctr"/>
                       <a:r>
                         <a:rPr lang="de-DE" dirty="0"/>
-                        <a:t>64.88%</a:t>
+                        <a:t>224 x 224</a:t>
+                      </a:r>
+                    </a:p>
+                  </a:txBody>
+                  <a:tcPr anchor="ctr"/>
+                </a:tc>
+                <a:tc>
+                  <a:txBody>
+                    <a:bodyPr/>
+                    <a:lstStyle/>
+                    <a:p>
+                      <a:pPr algn="ctr"/>
+                      <a:r>
+                        <a:rPr lang="de-DE" dirty="0"/>
+                        <a:t>5.546.659</a:t>
+                      </a:r>
+                    </a:p>
+                  </a:txBody>
+                  <a:tcPr anchor="ctr"/>
+                </a:tc>
+                <a:tc>
+                  <a:txBody>
+                    <a:bodyPr/>
+                    <a:lstStyle/>
+                    <a:p>
+                      <a:pPr algn="ctr"/>
+                      <a:r>
+                        <a:rPr lang="de-DE" dirty="0"/>
+                        <a:t>73.74%</a:t>
                       </a:r>
                     </a:p>
                   </a:txBody>
@@ -23737,7 +24292,98 @@
                 </a:tc>
                 <a:extLst>
                   <a:ext uri="{0D108BD9-81ED-4DB2-BD59-A6C34878D82A}">
-                    <a16:rowId xmlns:a16="http://schemas.microsoft.com/office/drawing/2014/main" val="3842886014"/>
+                    <a16:rowId xmlns:a16="http://schemas.microsoft.com/office/drawing/2014/main" val="3318486310"/>
+                  </a:ext>
+                </a:extLst>
+              </a:tr>
+              <a:tr h="496529">
+                <a:tc>
+                  <a:txBody>
+                    <a:bodyPr/>
+                    <a:lstStyle/>
+                    <a:p>
+                      <a:pPr algn="ctr"/>
+                      <a:r>
+                        <a:rPr lang="de-DE" dirty="0"/>
+                        <a:t>TemkiNet_2_404</a:t>
+                      </a:r>
+                    </a:p>
+                  </a:txBody>
+                  <a:tcPr anchor="ctr">
+                    <a:solidFill>
+                      <a:schemeClr val="accent4">
+                        <a:lumMod val="60000"/>
+                        <a:lumOff val="40000"/>
+                      </a:schemeClr>
+                    </a:solidFill>
+                  </a:tcPr>
+                </a:tc>
+                <a:tc>
+                  <a:txBody>
+                    <a:bodyPr/>
+                    <a:lstStyle/>
+                    <a:p>
+                      <a:pPr algn="ctr"/>
+                      <a:r>
+                        <a:rPr lang="de-DE" dirty="0"/>
+                        <a:t>224 × 224</a:t>
+                      </a:r>
+                    </a:p>
+                  </a:txBody>
+                  <a:tcPr anchor="ctr">
+                    <a:solidFill>
+                      <a:schemeClr val="accent4">
+                        <a:lumMod val="60000"/>
+                        <a:lumOff val="40000"/>
+                      </a:schemeClr>
+                    </a:solidFill>
+                  </a:tcPr>
+                </a:tc>
+                <a:tc>
+                  <a:txBody>
+                    <a:bodyPr/>
+                    <a:lstStyle/>
+                    <a:p>
+                      <a:pPr algn="ctr"/>
+                      <a:r>
+                        <a:rPr lang="de-DE" dirty="0"/>
+                        <a:t>668.721</a:t>
+                      </a:r>
+                    </a:p>
+                  </a:txBody>
+                  <a:tcPr anchor="ctr">
+                    <a:solidFill>
+                      <a:schemeClr val="accent4">
+                        <a:lumMod val="60000"/>
+                        <a:lumOff val="40000"/>
+                      </a:schemeClr>
+                    </a:solidFill>
+                  </a:tcPr>
+                </a:tc>
+                <a:tc>
+                  <a:txBody>
+                    <a:bodyPr/>
+                    <a:lstStyle/>
+                    <a:p>
+                      <a:pPr algn="ctr"/>
+                      <a:r>
+                        <a:rPr lang="de-DE" dirty="0"/>
+                        <a:t>73.80%</a:t>
+                      </a:r>
+                    </a:p>
+                  </a:txBody>
+                  <a:tcPr anchor="ctr">
+                    <a:solidFill>
+                      <a:schemeClr val="accent4">
+                        <a:lumMod val="60000"/>
+                        <a:lumOff val="40000"/>
+                      </a:schemeClr>
+                    </a:solidFill>
+                  </a:tcPr>
+                </a:tc>
+                <a:extLst>
+                  <a:ext uri="{0D108BD9-81ED-4DB2-BD59-A6C34878D82A}">
+                    <a16:rowId xmlns:a16="http://schemas.microsoft.com/office/drawing/2014/main" val="2707569147"/>
                   </a:ext>
                 </a:extLst>
               </a:tr>
@@ -23773,7 +24419,7 @@
           </a:bodyPr>
           <a:lstStyle/>
           <a:p>
-            <a:pPr marL="285750" indent="-285750">
+            <a:pPr marL="342900" indent="-342900">
               <a:buFont typeface="Arial" panose="020B0604020202020204" pitchFamily="34" charset="0"/>
               <a:buChar char="•"/>
             </a:pPr>
@@ -23795,7 +24441,7 @@
             </a:r>
           </a:p>
           <a:p>
-            <a:pPr marL="285750" indent="-285750">
+            <a:pPr marL="342900" indent="-342900">
               <a:buFont typeface="Arial" panose="020B0604020202020204" pitchFamily="34" charset="0"/>
               <a:buChar char="•"/>
             </a:pPr>
@@ -23805,7 +24451,7 @@
             </a:r>
           </a:p>
           <a:p>
-            <a:pPr marL="285750" indent="-285750">
+            <a:pPr marL="342900" indent="-342900">
               <a:buFont typeface="Arial" panose="020B0604020202020204" pitchFamily="34" charset="0"/>
               <a:buChar char="•"/>
             </a:pPr>
@@ -23831,9 +24477,12 @@
             </a:r>
           </a:p>
           <a:p>
-            <a:pPr marL="285750" indent="-285750">
-              <a:buFont typeface="Arial" panose="020B0604020202020204" pitchFamily="34" charset="0"/>
-              <a:buChar char="•"/>
+            <a:endParaRPr lang="de-DE" sz="2200" dirty="0"/>
+          </a:p>
+          <a:p>
+            <a:pPr marL="342900" indent="-342900">
+              <a:buFont typeface="Calibri" panose="020F0502020204030204" pitchFamily="34" charset="0"/>
+              <a:buChar char="₊"/>
             </a:pPr>
             <a:r>
               <a:rPr lang="de-DE" sz="2200" dirty="0"/>
@@ -23841,9 +24490,9 @@
             </a:r>
           </a:p>
           <a:p>
-            <a:pPr marL="285750" indent="-285750">
-              <a:buFont typeface="Arial" panose="020B0604020202020204" pitchFamily="34" charset="0"/>
-              <a:buChar char="•"/>
+            <a:pPr marL="342900" indent="-342900">
+              <a:buFont typeface="Calibri" panose="020F0502020204030204" pitchFamily="34" charset="0"/>
+              <a:buChar char="₊"/>
             </a:pPr>
             <a:r>
               <a:rPr lang="de-DE" sz="2200" dirty="0"/>
@@ -23851,13 +24500,13 @@
             </a:r>
           </a:p>
           <a:p>
-            <a:pPr marL="285750" indent="-285750">
-              <a:buFont typeface="Arial" panose="020B0604020202020204" pitchFamily="34" charset="0"/>
-              <a:buChar char="•"/>
+            <a:pPr marL="342900" indent="-342900">
+              <a:buFont typeface="Symbol" panose="05050102010706020507" pitchFamily="18" charset="2"/>
+              <a:buChar char="-"/>
             </a:pPr>
             <a:r>
               <a:rPr lang="de-DE" sz="2200" dirty="0"/>
-              <a:t>Kleiner Verlust der Genauigkeit.</a:t>
+              <a:t>Vernachlässigbarer Verlust der Genauigkeit.</a:t>
             </a:r>
           </a:p>
           <a:p>
@@ -23949,7 +24598,7 @@
           <a:p>
             <a:fld id="{03657754-5E9E-462B-9D24-F189FB2DC94E}" type="slidenum">
               <a:rPr lang="de-DE" smtClean="0"/>
-              <a:t>23</a:t>
+              <a:t>25</a:t>
             </a:fld>
             <a:endParaRPr lang="de-DE"/>
           </a:p>
@@ -23968,7 +24617,7 @@
 </p:sld>
 </file>
 
-<file path=ppt/slides/slide24.xml><?xml version="1.0" encoding="utf-8"?>
+<file path=ppt/slides/slide26.xml><?xml version="1.0" encoding="utf-8"?>
 <p:sld xmlns:a="http://schemas.openxmlformats.org/drawingml/2006/main" xmlns:r="http://schemas.openxmlformats.org/officeDocument/2006/relationships" xmlns:p="http://schemas.openxmlformats.org/presentationml/2006/main">
   <p:cSld>
     <p:spTree>
@@ -24139,7 +24788,7 @@
           <a:p>
             <a:fld id="{03657754-5E9E-462B-9D24-F189FB2DC94E}" type="slidenum">
               <a:rPr lang="de-DE" smtClean="0"/>
-              <a:t>24</a:t>
+              <a:t>26</a:t>
             </a:fld>
             <a:endParaRPr lang="de-DE"/>
           </a:p>
@@ -24158,7 +24807,7 @@
 </p:sld>
 </file>
 
-<file path=ppt/slides/slide25.xml><?xml version="1.0" encoding="utf-8"?>
+<file path=ppt/slides/slide27.xml><?xml version="1.0" encoding="utf-8"?>
 <p:sld xmlns:a="http://schemas.openxmlformats.org/drawingml/2006/main" xmlns:r="http://schemas.openxmlformats.org/officeDocument/2006/relationships" xmlns:p="http://schemas.openxmlformats.org/presentationml/2006/main">
   <p:cSld>
     <p:spTree>
@@ -24234,26 +24883,47 @@
             <p:ph sz="half" idx="1"/>
           </p:nvPr>
         </p:nvSpPr>
-        <p:spPr/>
+        <p:spPr>
+          <a:xfrm>
+            <a:off x="462698" y="1847850"/>
+            <a:ext cx="3494203" cy="4351338"/>
+          </a:xfrm>
+        </p:spPr>
         <p:txBody>
-          <a:bodyPr anchor="ctr"/>
+          <a:bodyPr anchor="ctr">
+            <a:normAutofit/>
+          </a:bodyPr>
           <a:lstStyle/>
           <a:p>
             <a:r>
-              <a:rPr lang="de-DE" dirty="0"/>
+              <a:rPr lang="de-DE" sz="2000" dirty="0"/>
               <a:t>Reduktion der Modellgröße.</a:t>
             </a:r>
           </a:p>
           <a:p>
             <a:r>
-              <a:rPr lang="de-DE" dirty="0"/>
-              <a:t>Bessere Inferenzzeit.</a:t>
-            </a:r>
-          </a:p>
-          <a:p>
-            <a:r>
-              <a:rPr lang="de-DE" dirty="0"/>
-              <a:t>Kleine Genauigkeitsverlust.</a:t>
+              <a:rPr lang="de-DE" sz="2000" dirty="0"/>
+              <a:t>Inferenzzeit.</a:t>
+            </a:r>
+          </a:p>
+          <a:p>
+            <a:pPr lvl="1"/>
+            <a:r>
+              <a:rPr lang="de-DE" sz="1600" dirty="0"/>
+              <a:t>Keine Beschleunigung mit Tensorflow Modell.</a:t>
+            </a:r>
+          </a:p>
+          <a:p>
+            <a:pPr lvl="1"/>
+            <a:r>
+              <a:rPr lang="de-DE" sz="1600" dirty="0"/>
+              <a:t>Beschleunigung mit Mobile Anwendung </a:t>
+            </a:r>
+          </a:p>
+          <a:p>
+            <a:r>
+              <a:rPr lang="de-DE" sz="2000" dirty="0"/>
+              <a:t>Kleine Verbesserung der  Genauigkeit.</a:t>
             </a:r>
           </a:p>
         </p:txBody>
@@ -24274,14 +24944,14 @@
             <p:ph sz="half" idx="2"/>
             <p:extLst>
               <p:ext uri="{D42A27DB-BD31-4B8C-83A1-F6EECF244321}">
-                <p14:modId xmlns:p14="http://schemas.microsoft.com/office/powerpoint/2010/main" val="3988469491"/>
+                <p14:modId xmlns:p14="http://schemas.microsoft.com/office/powerpoint/2010/main" val="3223583527"/>
               </p:ext>
             </p:extLst>
           </p:nvPr>
         </p:nvGraphicFramePr>
         <p:xfrm>
-          <a:off x="6417297" y="3259614"/>
-          <a:ext cx="5181600" cy="1483360"/>
+          <a:off x="4260129" y="2154550"/>
+          <a:ext cx="7786541" cy="3693160"/>
         </p:xfrm>
         <a:graphic>
           <a:graphicData uri="http://schemas.openxmlformats.org/drawingml/2006/table">
@@ -24290,24 +24960,52 @@
                 <a:tableStyleId>{073A0DAA-6AF3-43AB-8588-CEC1D06C72B9}</a:tableStyleId>
               </a:tblPr>
               <a:tblGrid>
-                <a:gridCol w="1727200">
+                <a:gridCol w="1112363">
                   <a:extLst>
                     <a:ext uri="{9D8B030D-6E8A-4147-A177-3AD203B41FA5}">
                       <a16:colId xmlns:a16="http://schemas.microsoft.com/office/drawing/2014/main" val="1193211320"/>
                     </a:ext>
                   </a:extLst>
                 </a:gridCol>
-                <a:gridCol w="1727200">
+                <a:gridCol w="1112363">
                   <a:extLst>
                     <a:ext uri="{9D8B030D-6E8A-4147-A177-3AD203B41FA5}">
                       <a16:colId xmlns:a16="http://schemas.microsoft.com/office/drawing/2014/main" val="2613505421"/>
                     </a:ext>
                   </a:extLst>
                 </a:gridCol>
-                <a:gridCol w="1727200">
+                <a:gridCol w="1112363">
+                  <a:extLst>
+                    <a:ext uri="{9D8B030D-6E8A-4147-A177-3AD203B41FA5}">
+                      <a16:colId xmlns:a16="http://schemas.microsoft.com/office/drawing/2014/main" val="1124563099"/>
+                    </a:ext>
+                  </a:extLst>
+                </a:gridCol>
+                <a:gridCol w="1112363">
                   <a:extLst>
                     <a:ext uri="{9D8B030D-6E8A-4147-A177-3AD203B41FA5}">
                       <a16:colId xmlns:a16="http://schemas.microsoft.com/office/drawing/2014/main" val="822289431"/>
+                    </a:ext>
+                  </a:extLst>
+                </a:gridCol>
+                <a:gridCol w="1168923">
+                  <a:extLst>
+                    <a:ext uri="{9D8B030D-6E8A-4147-A177-3AD203B41FA5}">
+                      <a16:colId xmlns:a16="http://schemas.microsoft.com/office/drawing/2014/main" val="1970755200"/>
+                    </a:ext>
+                  </a:extLst>
+                </a:gridCol>
+                <a:gridCol w="1055803">
+                  <a:extLst>
+                    <a:ext uri="{9D8B030D-6E8A-4147-A177-3AD203B41FA5}">
+                      <a16:colId xmlns:a16="http://schemas.microsoft.com/office/drawing/2014/main" val="1996679184"/>
+                    </a:ext>
+                  </a:extLst>
+                </a:gridCol>
+                <a:gridCol w="1112363">
+                  <a:extLst>
+                    <a:ext uri="{9D8B030D-6E8A-4147-A177-3AD203B41FA5}">
+                      <a16:colId xmlns:a16="http://schemas.microsoft.com/office/drawing/2014/main" val="2760576055"/>
                     </a:ext>
                   </a:extLst>
                 </a:gridCol>
@@ -24320,7 +25018,7 @@
                     <a:p>
                       <a:pPr algn="ctr"/>
                       <a:r>
-                        <a:rPr lang="de-DE" dirty="0"/>
+                        <a:rPr lang="de-DE" sz="1400" dirty="0"/>
                         <a:t>Prune</a:t>
                       </a:r>
                     </a:p>
@@ -24334,8 +25032,8 @@
                     <a:p>
                       <a:pPr algn="ctr"/>
                       <a:r>
-                        <a:rPr lang="de-DE" dirty="0"/>
-                        <a:t>Genauigkeit</a:t>
+                        <a:rPr lang="de-DE" sz="1400" dirty="0"/>
+                        <a:t>Parameter</a:t>
                       </a:r>
                     </a:p>
                   </a:txBody>
@@ -24348,8 +25046,106 @@
                     <a:p>
                       <a:pPr algn="ctr"/>
                       <a:r>
-                        <a:rPr lang="de-DE" dirty="0"/>
+                        <a:rPr lang="de-DE" sz="1400" dirty="0"/>
+                        <a:t>Modelgröße vor </a:t>
+                      </a:r>
+                      <a:r>
+                        <a:rPr lang="de-DE" sz="1400" dirty="0" err="1"/>
+                        <a:t>Pruning</a:t>
+                      </a:r>
+                      <a:r>
+                        <a:rPr lang="de-DE" sz="1400" dirty="0"/>
+                        <a:t>(.h5)</a:t>
+                      </a:r>
+                    </a:p>
+                  </a:txBody>
+                  <a:tcPr anchor="ctr"/>
+                </a:tc>
+                <a:tc>
+                  <a:txBody>
+                    <a:bodyPr/>
+                    <a:lstStyle/>
+                    <a:p>
+                      <a:pPr algn="ctr"/>
+                      <a:r>
+                        <a:rPr lang="de-DE" sz="1400" dirty="0"/>
                         <a:t>Modelgröße</a:t>
+                      </a:r>
+                    </a:p>
+                    <a:p>
+                      <a:pPr algn="ctr"/>
+                      <a:r>
+                        <a:rPr lang="de-DE" sz="1400" dirty="0"/>
+                        <a:t>Nach </a:t>
+                      </a:r>
+                      <a:r>
+                        <a:rPr lang="de-DE" sz="1400" dirty="0" err="1"/>
+                        <a:t>Pruning</a:t>
+                      </a:r>
+                      <a:r>
+                        <a:rPr lang="de-DE" sz="1400" dirty="0"/>
+                        <a:t>(.h5)</a:t>
+                      </a:r>
+                    </a:p>
+                  </a:txBody>
+                  <a:tcPr anchor="ctr"/>
+                </a:tc>
+                <a:tc>
+                  <a:txBody>
+                    <a:bodyPr/>
+                    <a:lstStyle/>
+                    <a:p>
+                      <a:pPr algn="ctr"/>
+                      <a:r>
+                        <a:rPr lang="de-DE" sz="1400" dirty="0"/>
+                        <a:t>Modellgröße</a:t>
+                      </a:r>
+                    </a:p>
+                    <a:p>
+                      <a:pPr algn="ctr"/>
+                      <a:r>
+                        <a:rPr lang="de-DE" sz="1400" dirty="0"/>
+                        <a:t>In</a:t>
+                      </a:r>
+                    </a:p>
+                    <a:p>
+                      <a:pPr algn="ctr"/>
+                      <a:r>
+                        <a:rPr lang="de-DE" sz="1400" dirty="0"/>
+                        <a:t>.</a:t>
+                      </a:r>
+                      <a:r>
+                        <a:rPr lang="de-DE" sz="1400" dirty="0" err="1"/>
+                        <a:t>zip</a:t>
+                      </a:r>
+                      <a:endParaRPr lang="de-DE" sz="1400" dirty="0"/>
+                    </a:p>
+                  </a:txBody>
+                  <a:tcPr anchor="ctr"/>
+                </a:tc>
+                <a:tc>
+                  <a:txBody>
+                    <a:bodyPr/>
+                    <a:lstStyle/>
+                    <a:p>
+                      <a:pPr algn="ctr"/>
+                      <a:r>
+                        <a:rPr lang="de-DE" sz="1400" dirty="0"/>
+                        <a:t>#Epoche</a:t>
+                      </a:r>
+                    </a:p>
+                  </a:txBody>
+                  <a:tcPr anchor="ctr"/>
+                </a:tc>
+                <a:tc>
+                  <a:txBody>
+                    <a:bodyPr/>
+                    <a:lstStyle/>
+                    <a:p>
+                      <a:pPr algn="ctr"/>
+                      <a:r>
+                        <a:rPr lang="de-DE" sz="1400" dirty="0"/>
+                        <a:t>Genauigkeit</a:t>
                       </a:r>
                     </a:p>
                   </a:txBody>
@@ -24361,7 +25157,7 @@
                   </a:ext>
                 </a:extLst>
               </a:tr>
-              <a:tr h="370840">
+              <a:tr h="0">
                 <a:tc>
                   <a:txBody>
                     <a:bodyPr/>
@@ -24384,7 +25180,7 @@
                       <a:pPr algn="ctr"/>
                       <a:r>
                         <a:rPr lang="de-DE" dirty="0"/>
-                        <a:t>67.08%</a:t>
+                        <a:t>1.420.534</a:t>
                       </a:r>
                     </a:p>
                   </a:txBody>
@@ -24398,7 +25194,63 @@
                       <a:pPr algn="ctr"/>
                       <a:r>
                         <a:rPr lang="de-DE" dirty="0"/>
-                        <a:t>16.9 MB</a:t>
+                        <a:t>16.87 MB</a:t>
+                      </a:r>
+                    </a:p>
+                  </a:txBody>
+                  <a:tcPr anchor="ctr"/>
+                </a:tc>
+                <a:tc>
+                  <a:txBody>
+                    <a:bodyPr/>
+                    <a:lstStyle/>
+                    <a:p>
+                      <a:pPr algn="ctr"/>
+                      <a:r>
+                        <a:rPr lang="de-DE" dirty="0"/>
+                        <a:t>16.87 MB</a:t>
+                      </a:r>
+                    </a:p>
+                  </a:txBody>
+                  <a:tcPr anchor="ctr"/>
+                </a:tc>
+                <a:tc>
+                  <a:txBody>
+                    <a:bodyPr/>
+                    <a:lstStyle/>
+                    <a:p>
+                      <a:pPr algn="ctr"/>
+                      <a:r>
+                        <a:rPr lang="de-DE" dirty="0"/>
+                        <a:t>15.11 MB</a:t>
+                      </a:r>
+                    </a:p>
+                  </a:txBody>
+                  <a:tcPr anchor="ctr"/>
+                </a:tc>
+                <a:tc>
+                  <a:txBody>
+                    <a:bodyPr/>
+                    <a:lstStyle/>
+                    <a:p>
+                      <a:pPr algn="ctr"/>
+                      <a:r>
+                        <a:rPr lang="de-DE" dirty="0"/>
+                        <a:t>Etwa 700</a:t>
+                      </a:r>
+                    </a:p>
+                  </a:txBody>
+                  <a:tcPr anchor="ctr"/>
+                </a:tc>
+                <a:tc>
+                  <a:txBody>
+                    <a:bodyPr/>
+                    <a:lstStyle/>
+                    <a:p>
+                      <a:pPr algn="ctr"/>
+                      <a:r>
+                        <a:rPr lang="de-DE" dirty="0"/>
+                        <a:t>67.30%</a:t>
                       </a:r>
                     </a:p>
                   </a:txBody>
@@ -24430,10 +25282,40 @@
                     <a:bodyPr/>
                     <a:lstStyle/>
                     <a:p>
+                      <a:pPr marL="0" marR="0" lvl="0" indent="0" algn="ctr" defTabSz="914400" rtl="0" eaLnBrk="1" fontAlgn="auto" latinLnBrk="0" hangingPunct="1">
+                        <a:lnSpc>
+                          <a:spcPct val="100000"/>
+                        </a:lnSpc>
+                        <a:spcBef>
+                          <a:spcPts val="0"/>
+                        </a:spcBef>
+                        <a:spcAft>
+                          <a:spcPts val="0"/>
+                        </a:spcAft>
+                        <a:buClrTx/>
+                        <a:buSzTx/>
+                        <a:buFontTx/>
+                        <a:buNone/>
+                        <a:tabLst/>
+                        <a:defRPr/>
+                      </a:pPr>
+                      <a:r>
+                        <a:rPr lang="de-DE" dirty="0"/>
+                        <a:t>1.420.534</a:t>
+                      </a:r>
+                    </a:p>
+                  </a:txBody>
+                  <a:tcPr anchor="ctr"/>
+                </a:tc>
+                <a:tc>
+                  <a:txBody>
+                    <a:bodyPr/>
+                    <a:lstStyle/>
+                    <a:p>
                       <a:pPr algn="ctr"/>
                       <a:r>
                         <a:rPr lang="de-DE" dirty="0"/>
-                        <a:t>67.01%</a:t>
+                        <a:t>16.87 MB</a:t>
                       </a:r>
                     </a:p>
                   </a:txBody>
@@ -24448,6 +25330,53 @@
                       <a:r>
                         <a:rPr lang="de-DE" dirty="0"/>
                         <a:t>5.8 MB</a:t>
+                      </a:r>
+                    </a:p>
+                  </a:txBody>
+                  <a:tcPr anchor="ctr"/>
+                </a:tc>
+                <a:tc>
+                  <a:txBody>
+                    <a:bodyPr/>
+                    <a:lstStyle/>
+                    <a:p>
+                      <a:pPr algn="ctr"/>
+                      <a:r>
+                        <a:rPr lang="de-DE" dirty="0"/>
+                        <a:t>4.7 MB</a:t>
+                      </a:r>
+                    </a:p>
+                  </a:txBody>
+                  <a:tcPr anchor="ctr"/>
+                </a:tc>
+                <a:tc>
+                  <a:txBody>
+                    <a:bodyPr/>
+                    <a:lstStyle/>
+                    <a:p>
+                      <a:pPr algn="ctr"/>
+                      <a:r>
+                        <a:rPr lang="de-DE" dirty="0"/>
+                        <a:t>100 </a:t>
+                      </a:r>
+                      <a:r>
+                        <a:rPr lang="de-DE" dirty="0" err="1"/>
+                        <a:t>Pre</a:t>
+                      </a:r>
+                      <a:endParaRPr lang="de-DE" dirty="0"/>
+                    </a:p>
+                  </a:txBody>
+                  <a:tcPr anchor="ctr"/>
+                </a:tc>
+                <a:tc>
+                  <a:txBody>
+                    <a:bodyPr/>
+                    <a:lstStyle/>
+                    <a:p>
+                      <a:pPr algn="ctr"/>
+                      <a:r>
+                        <a:rPr lang="de-DE" dirty="0"/>
+                        <a:t>67.01%</a:t>
                       </a:r>
                     </a:p>
                   </a:txBody>
@@ -24479,10 +25408,40 @@
                     <a:bodyPr/>
                     <a:lstStyle/>
                     <a:p>
+                      <a:pPr marL="0" marR="0" lvl="0" indent="0" algn="ctr" defTabSz="914400" rtl="0" eaLnBrk="1" fontAlgn="auto" latinLnBrk="0" hangingPunct="1">
+                        <a:lnSpc>
+                          <a:spcPct val="100000"/>
+                        </a:lnSpc>
+                        <a:spcBef>
+                          <a:spcPts val="0"/>
+                        </a:spcBef>
+                        <a:spcAft>
+                          <a:spcPts val="0"/>
+                        </a:spcAft>
+                        <a:buClrTx/>
+                        <a:buSzTx/>
+                        <a:buFontTx/>
+                        <a:buNone/>
+                        <a:tabLst/>
+                        <a:defRPr/>
+                      </a:pPr>
+                      <a:r>
+                        <a:rPr lang="de-DE" dirty="0"/>
+                        <a:t>1.420.534</a:t>
+                      </a:r>
+                    </a:p>
+                  </a:txBody>
+                  <a:tcPr anchor="ctr"/>
+                </a:tc>
+                <a:tc>
+                  <a:txBody>
+                    <a:bodyPr/>
+                    <a:lstStyle/>
+                    <a:p>
                       <a:pPr algn="ctr"/>
                       <a:r>
                         <a:rPr lang="de-DE" dirty="0"/>
-                        <a:t>64.45%</a:t>
+                        <a:t>16.87 MB</a:t>
                       </a:r>
                     </a:p>
                   </a:txBody>
@@ -24502,9 +25461,629 @@
                   </a:txBody>
                   <a:tcPr anchor="ctr"/>
                 </a:tc>
+                <a:tc>
+                  <a:txBody>
+                    <a:bodyPr/>
+                    <a:lstStyle/>
+                    <a:p>
+                      <a:pPr algn="ctr"/>
+                      <a:r>
+                        <a:rPr lang="de-DE" dirty="0"/>
+                        <a:t>4.36 MB</a:t>
+                      </a:r>
+                    </a:p>
+                  </a:txBody>
+                  <a:tcPr anchor="ctr"/>
+                </a:tc>
+                <a:tc>
+                  <a:txBody>
+                    <a:bodyPr/>
+                    <a:lstStyle/>
+                    <a:p>
+                      <a:pPr algn="ctr"/>
+                      <a:r>
+                        <a:rPr lang="de-DE" dirty="0"/>
+                        <a:t>100 </a:t>
+                      </a:r>
+                      <a:r>
+                        <a:rPr lang="de-DE" dirty="0" err="1"/>
+                        <a:t>Pre</a:t>
+                      </a:r>
+                      <a:endParaRPr lang="de-DE" dirty="0"/>
+                    </a:p>
+                  </a:txBody>
+                  <a:tcPr anchor="ctr"/>
+                </a:tc>
+                <a:tc>
+                  <a:txBody>
+                    <a:bodyPr/>
+                    <a:lstStyle/>
+                    <a:p>
+                      <a:pPr algn="ctr"/>
+                      <a:r>
+                        <a:rPr lang="de-DE" dirty="0"/>
+                        <a:t>64.45%</a:t>
+                      </a:r>
+                    </a:p>
+                  </a:txBody>
+                  <a:tcPr anchor="ctr"/>
+                </a:tc>
                 <a:extLst>
                   <a:ext uri="{0D108BD9-81ED-4DB2-BD59-A6C34878D82A}">
                     <a16:rowId xmlns:a16="http://schemas.microsoft.com/office/drawing/2014/main" val="3426768067"/>
+                  </a:ext>
+                </a:extLst>
+              </a:tr>
+              <a:tr h="370840">
+                <a:tc>
+                  <a:txBody>
+                    <a:bodyPr/>
+                    <a:lstStyle/>
+                    <a:p>
+                      <a:pPr algn="ctr"/>
+                      <a:r>
+                        <a:rPr lang="de-DE" dirty="0"/>
+                        <a:t>20%</a:t>
+                      </a:r>
+                    </a:p>
+                  </a:txBody>
+                  <a:tcPr anchor="ctr"/>
+                </a:tc>
+                <a:tc>
+                  <a:txBody>
+                    <a:bodyPr/>
+                    <a:lstStyle/>
+                    <a:p>
+                      <a:pPr marL="0" marR="0" lvl="0" indent="0" algn="ctr" defTabSz="914400" rtl="0" eaLnBrk="1" fontAlgn="auto" latinLnBrk="0" hangingPunct="1">
+                        <a:lnSpc>
+                          <a:spcPct val="100000"/>
+                        </a:lnSpc>
+                        <a:spcBef>
+                          <a:spcPts val="0"/>
+                        </a:spcBef>
+                        <a:spcAft>
+                          <a:spcPts val="0"/>
+                        </a:spcAft>
+                        <a:buClrTx/>
+                        <a:buSzTx/>
+                        <a:buFontTx/>
+                        <a:buNone/>
+                        <a:tabLst/>
+                        <a:defRPr/>
+                      </a:pPr>
+                      <a:r>
+                        <a:rPr lang="de-DE" dirty="0"/>
+                        <a:t>1.420.534</a:t>
+                      </a:r>
+                    </a:p>
+                  </a:txBody>
+                  <a:tcPr anchor="ctr"/>
+                </a:tc>
+                <a:tc>
+                  <a:txBody>
+                    <a:bodyPr/>
+                    <a:lstStyle/>
+                    <a:p>
+                      <a:pPr algn="ctr"/>
+                      <a:r>
+                        <a:rPr lang="de-DE" dirty="0"/>
+                        <a:t>16.87 MB</a:t>
+                      </a:r>
+                    </a:p>
+                  </a:txBody>
+                  <a:tcPr anchor="ctr"/>
+                </a:tc>
+                <a:tc>
+                  <a:txBody>
+                    <a:bodyPr/>
+                    <a:lstStyle/>
+                    <a:p>
+                      <a:pPr algn="ctr"/>
+                      <a:r>
+                        <a:rPr lang="de-DE" dirty="0"/>
+                        <a:t>5.8 MB</a:t>
+                      </a:r>
+                    </a:p>
+                  </a:txBody>
+                  <a:tcPr anchor="ctr"/>
+                </a:tc>
+                <a:tc>
+                  <a:txBody>
+                    <a:bodyPr/>
+                    <a:lstStyle/>
+                    <a:p>
+                      <a:pPr algn="ctr"/>
+                      <a:r>
+                        <a:rPr lang="de-DE" dirty="0"/>
+                        <a:t>4.36 MB</a:t>
+                      </a:r>
+                    </a:p>
+                  </a:txBody>
+                  <a:tcPr anchor="ctr"/>
+                </a:tc>
+                <a:tc>
+                  <a:txBody>
+                    <a:bodyPr/>
+                    <a:lstStyle/>
+                    <a:p>
+                      <a:pPr algn="ctr"/>
+                      <a:r>
+                        <a:rPr lang="de-DE" dirty="0"/>
+                        <a:t>200 </a:t>
+                      </a:r>
+                      <a:r>
+                        <a:rPr lang="de-DE" dirty="0" err="1"/>
+                        <a:t>Pre</a:t>
+                      </a:r>
+                      <a:endParaRPr lang="de-DE" dirty="0"/>
+                    </a:p>
+                  </a:txBody>
+                  <a:tcPr anchor="ctr"/>
+                </a:tc>
+                <a:tc>
+                  <a:txBody>
+                    <a:bodyPr/>
+                    <a:lstStyle/>
+                    <a:p>
+                      <a:pPr algn="ctr"/>
+                      <a:r>
+                        <a:rPr lang="de-DE" dirty="0"/>
+                        <a:t>67.32%</a:t>
+                      </a:r>
+                    </a:p>
+                  </a:txBody>
+                  <a:tcPr anchor="ctr"/>
+                </a:tc>
+                <a:extLst>
+                  <a:ext uri="{0D108BD9-81ED-4DB2-BD59-A6C34878D82A}">
+                    <a16:rowId xmlns:a16="http://schemas.microsoft.com/office/drawing/2014/main" val="2713789108"/>
+                  </a:ext>
+                </a:extLst>
+              </a:tr>
+              <a:tr h="370840">
+                <a:tc>
+                  <a:txBody>
+                    <a:bodyPr/>
+                    <a:lstStyle/>
+                    <a:p>
+                      <a:pPr algn="ctr"/>
+                      <a:endParaRPr lang="de-DE" dirty="0"/>
+                    </a:p>
+                  </a:txBody>
+                  <a:tcPr anchor="ctr"/>
+                </a:tc>
+                <a:tc>
+                  <a:txBody>
+                    <a:bodyPr/>
+                    <a:lstStyle/>
+                    <a:p>
+                      <a:pPr marL="0" marR="0" lvl="0" indent="0" algn="ctr" defTabSz="914400" rtl="0" eaLnBrk="1" fontAlgn="auto" latinLnBrk="0" hangingPunct="1">
+                        <a:lnSpc>
+                          <a:spcPct val="100000"/>
+                        </a:lnSpc>
+                        <a:spcBef>
+                          <a:spcPts val="0"/>
+                        </a:spcBef>
+                        <a:spcAft>
+                          <a:spcPts val="0"/>
+                        </a:spcAft>
+                        <a:buClrTx/>
+                        <a:buSzTx/>
+                        <a:buFontTx/>
+                        <a:buNone/>
+                        <a:tabLst/>
+                        <a:defRPr/>
+                      </a:pPr>
+                      <a:endParaRPr lang="de-DE" dirty="0"/>
+                    </a:p>
+                  </a:txBody>
+                  <a:tcPr anchor="ctr"/>
+                </a:tc>
+                <a:tc>
+                  <a:txBody>
+                    <a:bodyPr/>
+                    <a:lstStyle/>
+                    <a:p>
+                      <a:pPr algn="ctr"/>
+                      <a:endParaRPr lang="de-DE" dirty="0"/>
+                    </a:p>
+                  </a:txBody>
+                  <a:tcPr anchor="ctr"/>
+                </a:tc>
+                <a:tc>
+                  <a:txBody>
+                    <a:bodyPr/>
+                    <a:lstStyle/>
+                    <a:p>
+                      <a:pPr algn="ctr"/>
+                      <a:endParaRPr lang="de-DE" dirty="0"/>
+                    </a:p>
+                  </a:txBody>
+                  <a:tcPr anchor="ctr"/>
+                </a:tc>
+                <a:tc>
+                  <a:txBody>
+                    <a:bodyPr/>
+                    <a:lstStyle/>
+                    <a:p>
+                      <a:pPr algn="ctr"/>
+                      <a:endParaRPr lang="de-DE" dirty="0"/>
+                    </a:p>
+                  </a:txBody>
+                  <a:tcPr anchor="ctr"/>
+                </a:tc>
+                <a:tc>
+                  <a:txBody>
+                    <a:bodyPr/>
+                    <a:lstStyle/>
+                    <a:p>
+                      <a:pPr algn="ctr"/>
+                      <a:endParaRPr lang="de-DE" dirty="0"/>
+                    </a:p>
+                  </a:txBody>
+                  <a:tcPr anchor="ctr"/>
+                </a:tc>
+                <a:tc>
+                  <a:txBody>
+                    <a:bodyPr/>
+                    <a:lstStyle/>
+                    <a:p>
+                      <a:pPr algn="ctr"/>
+                      <a:endParaRPr lang="de-DE" dirty="0"/>
+                    </a:p>
+                  </a:txBody>
+                  <a:tcPr anchor="ctr"/>
+                </a:tc>
+                <a:extLst>
+                  <a:ext uri="{0D108BD9-81ED-4DB2-BD59-A6C34878D82A}">
+                    <a16:rowId xmlns:a16="http://schemas.microsoft.com/office/drawing/2014/main" val="4067148056"/>
+                  </a:ext>
+                </a:extLst>
+              </a:tr>
+              <a:tr h="370840">
+                <a:tc>
+                  <a:txBody>
+                    <a:bodyPr/>
+                    <a:lstStyle/>
+                    <a:p>
+                      <a:pPr algn="ctr"/>
+                      <a:r>
+                        <a:rPr lang="de-DE" dirty="0"/>
+                        <a:t>00%</a:t>
+                      </a:r>
+                    </a:p>
+                  </a:txBody>
+                  <a:tcPr anchor="ctr"/>
+                </a:tc>
+                <a:tc>
+                  <a:txBody>
+                    <a:bodyPr/>
+                    <a:lstStyle/>
+                    <a:p>
+                      <a:pPr algn="ctr"/>
+                      <a:r>
+                        <a:rPr lang="de-DE" dirty="0"/>
+                        <a:t>623.776</a:t>
+                      </a:r>
+                    </a:p>
+                  </a:txBody>
+                  <a:tcPr anchor="ctr"/>
+                </a:tc>
+                <a:tc>
+                  <a:txBody>
+                    <a:bodyPr/>
+                    <a:lstStyle/>
+                    <a:p>
+                      <a:pPr algn="ctr"/>
+                      <a:r>
+                        <a:rPr lang="de-DE" dirty="0"/>
+                        <a:t>8.34 MB</a:t>
+                      </a:r>
+                    </a:p>
+                  </a:txBody>
+                  <a:tcPr anchor="ctr"/>
+                </a:tc>
+                <a:tc>
+                  <a:txBody>
+                    <a:bodyPr/>
+                    <a:lstStyle/>
+                    <a:p>
+                      <a:pPr algn="ctr"/>
+                      <a:r>
+                        <a:rPr lang="de-DE" dirty="0"/>
+                        <a:t>8.34 MB</a:t>
+                      </a:r>
+                    </a:p>
+                  </a:txBody>
+                  <a:tcPr anchor="ctr"/>
+                </a:tc>
+                <a:tc>
+                  <a:txBody>
+                    <a:bodyPr/>
+                    <a:lstStyle/>
+                    <a:p>
+                      <a:pPr algn="ctr"/>
+                      <a:r>
+                        <a:rPr lang="de-DE" dirty="0"/>
+                        <a:t>7.02 MB</a:t>
+                      </a:r>
+                    </a:p>
+                  </a:txBody>
+                  <a:tcPr anchor="ctr"/>
+                </a:tc>
+                <a:tc>
+                  <a:txBody>
+                    <a:bodyPr/>
+                    <a:lstStyle/>
+                    <a:p>
+                      <a:pPr algn="ctr"/>
+                      <a:r>
+                        <a:rPr lang="de-DE" dirty="0"/>
+                        <a:t>920</a:t>
+                      </a:r>
+                    </a:p>
+                  </a:txBody>
+                  <a:tcPr anchor="ctr"/>
+                </a:tc>
+                <a:tc>
+                  <a:txBody>
+                    <a:bodyPr/>
+                    <a:lstStyle/>
+                    <a:p>
+                      <a:pPr algn="ctr"/>
+                      <a:r>
+                        <a:rPr lang="de-DE" dirty="0"/>
+                        <a:t>61.01%</a:t>
+                      </a:r>
+                    </a:p>
+                  </a:txBody>
+                  <a:tcPr anchor="ctr"/>
+                </a:tc>
+                <a:extLst>
+                  <a:ext uri="{0D108BD9-81ED-4DB2-BD59-A6C34878D82A}">
+                    <a16:rowId xmlns:a16="http://schemas.microsoft.com/office/drawing/2014/main" val="3359272009"/>
+                  </a:ext>
+                </a:extLst>
+              </a:tr>
+              <a:tr h="370840">
+                <a:tc>
+                  <a:txBody>
+                    <a:bodyPr/>
+                    <a:lstStyle/>
+                    <a:p>
+                      <a:pPr algn="ctr"/>
+                      <a:r>
+                        <a:rPr lang="de-DE" dirty="0"/>
+                        <a:t>50%</a:t>
+                      </a:r>
+                    </a:p>
+                  </a:txBody>
+                  <a:tcPr anchor="ctr"/>
+                </a:tc>
+                <a:tc>
+                  <a:txBody>
+                    <a:bodyPr/>
+                    <a:lstStyle/>
+                    <a:p>
+                      <a:pPr marL="0" marR="0" lvl="0" indent="0" algn="ctr" defTabSz="914400" rtl="0" eaLnBrk="1" fontAlgn="auto" latinLnBrk="0" hangingPunct="1">
+                        <a:lnSpc>
+                          <a:spcPct val="100000"/>
+                        </a:lnSpc>
+                        <a:spcBef>
+                          <a:spcPts val="0"/>
+                        </a:spcBef>
+                        <a:spcAft>
+                          <a:spcPts val="0"/>
+                        </a:spcAft>
+                        <a:buClrTx/>
+                        <a:buSzTx/>
+                        <a:buFontTx/>
+                        <a:buNone/>
+                        <a:tabLst/>
+                        <a:defRPr/>
+                      </a:pPr>
+                      <a:r>
+                        <a:rPr lang="de-DE" dirty="0"/>
+                        <a:t>623.776</a:t>
+                      </a:r>
+                    </a:p>
+                  </a:txBody>
+                  <a:tcPr anchor="ctr"/>
+                </a:tc>
+                <a:tc>
+                  <a:txBody>
+                    <a:bodyPr/>
+                    <a:lstStyle/>
+                    <a:p>
+                      <a:pPr algn="ctr"/>
+                      <a:r>
+                        <a:rPr lang="de-DE" dirty="0"/>
+                        <a:t>8.34 MB</a:t>
+                      </a:r>
+                    </a:p>
+                  </a:txBody>
+                  <a:tcPr anchor="ctr"/>
+                </a:tc>
+                <a:tc>
+                  <a:txBody>
+                    <a:bodyPr/>
+                    <a:lstStyle/>
+                    <a:p>
+                      <a:pPr algn="ctr"/>
+                      <a:r>
+                        <a:rPr lang="de-DE" dirty="0"/>
+                        <a:t>2.74 MB</a:t>
+                      </a:r>
+                    </a:p>
+                  </a:txBody>
+                  <a:tcPr anchor="ctr"/>
+                </a:tc>
+                <a:tc>
+                  <a:txBody>
+                    <a:bodyPr/>
+                    <a:lstStyle/>
+                    <a:p>
+                      <a:pPr algn="ctr"/>
+                      <a:r>
+                        <a:rPr lang="de-DE" dirty="0"/>
+                        <a:t>1.46  MB</a:t>
+                      </a:r>
+                    </a:p>
+                  </a:txBody>
+                  <a:tcPr anchor="ctr"/>
+                </a:tc>
+                <a:tc>
+                  <a:txBody>
+                    <a:bodyPr/>
+                    <a:lstStyle/>
+                    <a:p>
+                      <a:pPr algn="ctr"/>
+                      <a:r>
+                        <a:rPr lang="de-DE" dirty="0"/>
+                        <a:t>700</a:t>
+                      </a:r>
+                    </a:p>
+                  </a:txBody>
+                  <a:tcPr anchor="ctr"/>
+                </a:tc>
+                <a:tc>
+                  <a:txBody>
+                    <a:bodyPr/>
+                    <a:lstStyle/>
+                    <a:p>
+                      <a:pPr algn="ctr"/>
+                      <a:r>
+                        <a:rPr lang="de-DE" b="0" dirty="0"/>
+                        <a:t>60.75%</a:t>
+                      </a:r>
+                    </a:p>
+                  </a:txBody>
+                  <a:tcPr anchor="ctr"/>
+                </a:tc>
+                <a:extLst>
+                  <a:ext uri="{0D108BD9-81ED-4DB2-BD59-A6C34878D82A}">
+                    <a16:rowId xmlns:a16="http://schemas.microsoft.com/office/drawing/2014/main" val="3086510010"/>
+                  </a:ext>
+                </a:extLst>
+              </a:tr>
+              <a:tr h="370840">
+                <a:tc>
+                  <a:txBody>
+                    <a:bodyPr/>
+                    <a:lstStyle/>
+                    <a:p>
+                      <a:pPr algn="ctr"/>
+                      <a:r>
+                        <a:rPr lang="de-DE" dirty="0"/>
+                        <a:t>50%</a:t>
+                      </a:r>
+                    </a:p>
+                  </a:txBody>
+                  <a:tcPr anchor="ctr"/>
+                </a:tc>
+                <a:tc>
+                  <a:txBody>
+                    <a:bodyPr/>
+                    <a:lstStyle/>
+                    <a:p>
+                      <a:pPr marL="0" marR="0" lvl="0" indent="0" algn="ctr" defTabSz="914400" rtl="0" eaLnBrk="1" fontAlgn="auto" latinLnBrk="0" hangingPunct="1">
+                        <a:lnSpc>
+                          <a:spcPct val="100000"/>
+                        </a:lnSpc>
+                        <a:spcBef>
+                          <a:spcPts val="0"/>
+                        </a:spcBef>
+                        <a:spcAft>
+                          <a:spcPts val="0"/>
+                        </a:spcAft>
+                        <a:buClrTx/>
+                        <a:buSzTx/>
+                        <a:buFontTx/>
+                        <a:buNone/>
+                        <a:tabLst/>
+                        <a:defRPr/>
+                      </a:pPr>
+                      <a:r>
+                        <a:rPr lang="de-DE" dirty="0"/>
+                        <a:t>623.776</a:t>
+                      </a:r>
+                    </a:p>
+                  </a:txBody>
+                  <a:tcPr anchor="ctr"/>
+                </a:tc>
+                <a:tc>
+                  <a:txBody>
+                    <a:bodyPr/>
+                    <a:lstStyle/>
+                    <a:p>
+                      <a:pPr algn="ctr"/>
+                      <a:r>
+                        <a:rPr lang="de-DE" dirty="0"/>
+                        <a:t>8.34 MB</a:t>
+                      </a:r>
+                    </a:p>
+                  </a:txBody>
+                  <a:tcPr anchor="ctr"/>
+                </a:tc>
+                <a:tc>
+                  <a:txBody>
+                    <a:bodyPr/>
+                    <a:lstStyle/>
+                    <a:p>
+                      <a:pPr algn="ctr"/>
+                      <a:r>
+                        <a:rPr lang="de-DE" dirty="0"/>
+                        <a:t>2.74 MB</a:t>
+                      </a:r>
+                    </a:p>
+                  </a:txBody>
+                  <a:tcPr anchor="ctr"/>
+                </a:tc>
+                <a:tc>
+                  <a:txBody>
+                    <a:bodyPr/>
+                    <a:lstStyle/>
+                    <a:p>
+                      <a:pPr algn="ctr"/>
+                      <a:r>
+                        <a:rPr lang="de-DE" dirty="0"/>
+                        <a:t>1.46  MB</a:t>
+                      </a:r>
+                    </a:p>
+                  </a:txBody>
+                  <a:tcPr anchor="ctr"/>
+                </a:tc>
+                <a:tc>
+                  <a:txBody>
+                    <a:bodyPr/>
+                    <a:lstStyle/>
+                    <a:p>
+                      <a:pPr algn="ctr"/>
+                      <a:r>
+                        <a:rPr lang="de-DE" dirty="0"/>
+                        <a:t>1000</a:t>
+                      </a:r>
+                    </a:p>
+                  </a:txBody>
+                  <a:tcPr anchor="ctr"/>
+                </a:tc>
+                <a:tc>
+                  <a:txBody>
+                    <a:bodyPr/>
+                    <a:lstStyle/>
+                    <a:p>
+                      <a:pPr algn="ctr"/>
+                      <a:r>
+                        <a:rPr lang="de-DE" b="0" dirty="0"/>
+                        <a:t>61.46%</a:t>
+                      </a:r>
+                    </a:p>
+                  </a:txBody>
+                  <a:tcPr anchor="ctr"/>
+                </a:tc>
+                <a:extLst>
+                  <a:ext uri="{0D108BD9-81ED-4DB2-BD59-A6C34878D82A}">
+                    <a16:rowId xmlns:a16="http://schemas.microsoft.com/office/drawing/2014/main" val="1180177058"/>
                   </a:ext>
                 </a:extLst>
               </a:tr>
@@ -24592,7 +26171,7 @@
           <a:p>
             <a:fld id="{03657754-5E9E-462B-9D24-F189FB2DC94E}" type="slidenum">
               <a:rPr lang="de-DE" smtClean="0"/>
-              <a:t>25</a:t>
+              <a:t>27</a:t>
             </a:fld>
             <a:endParaRPr lang="de-DE"/>
           </a:p>
@@ -24611,7 +26190,7 @@
 </p:sld>
 </file>
 
-<file path=ppt/slides/slide26.xml><?xml version="1.0" encoding="utf-8"?>
+<file path=ppt/slides/slide28.xml><?xml version="1.0" encoding="utf-8"?>
 <p:sld xmlns:a="http://schemas.openxmlformats.org/drawingml/2006/main" xmlns:r="http://schemas.openxmlformats.org/officeDocument/2006/relationships" xmlns:p="http://schemas.openxmlformats.org/presentationml/2006/main">
   <p:cSld>
     <p:spTree>
@@ -24786,7 +26365,7 @@
           <a:p>
             <a:fld id="{03657754-5E9E-462B-9D24-F189FB2DC94E}" type="slidenum">
               <a:rPr lang="de-DE" smtClean="0"/>
-              <a:t>26</a:t>
+              <a:t>28</a:t>
             </a:fld>
             <a:endParaRPr lang="de-DE"/>
           </a:p>
@@ -24843,7 +26422,7 @@
 </p:sld>
 </file>
 
-<file path=ppt/slides/slide27.xml><?xml version="1.0" encoding="utf-8"?>
+<file path=ppt/slides/slide29.xml><?xml version="1.0" encoding="utf-8"?>
 <p:sld xmlns:a="http://schemas.openxmlformats.org/drawingml/2006/main" xmlns:r="http://schemas.openxmlformats.org/officeDocument/2006/relationships" xmlns:p="http://schemas.openxmlformats.org/presentationml/2006/main">
   <p:cSld>
     <p:spTree>
@@ -24925,83 +26504,87 @@
         </p:nvSpPr>
         <p:spPr>
           <a:xfrm>
-            <a:off x="838200" y="1825625"/>
-            <a:ext cx="5515466" cy="4351338"/>
+            <a:off x="207390" y="1847850"/>
+            <a:ext cx="6221691" cy="4351338"/>
           </a:xfrm>
         </p:spPr>
         <p:txBody>
           <a:bodyPr anchor="ctr">
-            <a:normAutofit/>
+            <a:normAutofit fontScale="92500" lnSpcReduction="10000"/>
           </a:bodyPr>
           <a:lstStyle/>
           <a:p>
             <a:r>
               <a:rPr lang="de-DE" sz="2200" dirty="0"/>
-              <a:t>Reduktion des Speicherbedarfs</a:t>
+              <a:t>+Reduktion des Speicherbedarfs</a:t>
             </a:r>
           </a:p>
           <a:p>
             <a:pPr lvl="1"/>
             <a:r>
               <a:rPr lang="de-DE" sz="2200" dirty="0"/>
-              <a:t>Fast 4x kleineres Modell</a:t>
-            </a:r>
-          </a:p>
-          <a:p>
+              <a:t>Konvertierung in .</a:t>
+            </a:r>
+            <a:r>
+              <a:rPr lang="de-DE" sz="2200" dirty="0" err="1"/>
+              <a:t>tflite</a:t>
+            </a:r>
             <a:r>
               <a:rPr lang="de-DE" sz="2200" dirty="0"/>
-              <a:t>Reduktion des Inferenzzeit.</a:t>
+              <a:t>: Mehr als 3x kleineres Modell</a:t>
             </a:r>
           </a:p>
           <a:p>
             <a:pPr lvl="1"/>
             <a:r>
               <a:rPr lang="de-DE" sz="2200" dirty="0"/>
-              <a:t>Integer Operationen sind  schneller als </a:t>
-            </a:r>
-            <a:r>
-              <a:rPr lang="de-DE" sz="2200" dirty="0" err="1"/>
-              <a:t>Float</a:t>
-            </a:r>
+              <a:t>16 Bits: Mehr als 2x kleineres Modell</a:t>
+            </a:r>
+          </a:p>
+          <a:p>
+            <a:pPr lvl="1"/>
             <a:r>
               <a:rPr lang="de-DE" sz="2200" dirty="0"/>
-              <a:t> Operationen durchführbar.</a:t>
+              <a:t>8   Bits: Mehr als 4x kleineres Modell</a:t>
             </a:r>
           </a:p>
           <a:p>
             <a:r>
               <a:rPr lang="de-DE" sz="2200" dirty="0"/>
-              <a:t>Reduktion der Energieverbrauch.</a:t>
+              <a:t>+Vernachlässigbarer Verlust der Genauigkeit.</a:t>
+            </a:r>
+          </a:p>
+          <a:p>
+            <a:r>
+              <a:rPr lang="de-DE" sz="2200" dirty="0"/>
+              <a:t>-Erhöhung der Inferenzzeit.</a:t>
             </a:r>
           </a:p>
           <a:p>
             <a:pPr lvl="1"/>
             <a:r>
-              <a:rPr lang="de-DE" sz="1800" dirty="0"/>
+              <a:rPr lang="de-DE" sz="2100" dirty="0"/>
+              <a:t>Bei mobilen CPUs kann jedoch eine beträchtliche Beschleunigung beobachtet werden</a:t>
+            </a:r>
+          </a:p>
+          <a:p>
+            <a:pPr lvl="1"/>
+            <a:r>
+              <a:rPr lang="de-DE" sz="2100" dirty="0"/>
+              <a:t>Integer Operationen sind  schneller als Floate Operationen durchführbar.</a:t>
+            </a:r>
+          </a:p>
+          <a:p>
+            <a:r>
+              <a:rPr lang="de-DE" sz="2200" dirty="0"/>
+              <a:t>+Reduktion der Energieverbrauch.</a:t>
+            </a:r>
+          </a:p>
+          <a:p>
+            <a:pPr lvl="1"/>
+            <a:r>
+              <a:rPr lang="de-DE" sz="2200" dirty="0"/>
               <a:t>Integer Operation verbrauchen weniger.</a:t>
-            </a:r>
-          </a:p>
-          <a:p>
-            <a:r>
-              <a:rPr lang="de-DE" sz="2200" dirty="0"/>
-              <a:t>Kleiner Verlust der Genauigkeit.</a:t>
-            </a:r>
-          </a:p>
-          <a:p>
-            <a:pPr lvl="1"/>
-            <a:endParaRPr lang="de-DE" sz="2200" dirty="0"/>
-          </a:p>
-          <a:p>
-            <a:pPr lvl="1"/>
-            <a:endParaRPr lang="de-DE" sz="2200" dirty="0"/>
-          </a:p>
-          <a:p>
-            <a:pPr marL="457200" lvl="1" indent="0">
-              <a:buNone/>
-            </a:pPr>
-            <a:r>
-              <a:rPr lang="de-DE" sz="2200" dirty="0"/>
-              <a:t> </a:t>
             </a:r>
           </a:p>
         </p:txBody>
@@ -25022,14 +26605,14 @@
             <p:ph sz="half" idx="2"/>
             <p:extLst>
               <p:ext uri="{D42A27DB-BD31-4B8C-83A1-F6EECF244321}">
-                <p14:modId xmlns:p14="http://schemas.microsoft.com/office/powerpoint/2010/main" val="2247942426"/>
+                <p14:modId xmlns:p14="http://schemas.microsoft.com/office/powerpoint/2010/main" val="3972839082"/>
               </p:ext>
             </p:extLst>
           </p:nvPr>
         </p:nvGraphicFramePr>
         <p:xfrm>
-          <a:off x="6460504" y="2457221"/>
-          <a:ext cx="5731496" cy="2143060"/>
+          <a:off x="6353666" y="1977566"/>
+          <a:ext cx="5731496" cy="3992950"/>
         </p:xfrm>
         <a:graphic>
           <a:graphicData uri="http://schemas.openxmlformats.org/drawingml/2006/table">
@@ -25067,7 +26650,7 @@
                   </a:extLst>
                 </a:gridCol>
               </a:tblGrid>
-              <a:tr h="782683">
+              <a:tr h="502042">
                 <a:tc>
                   <a:txBody>
                     <a:bodyPr/>
@@ -25075,7 +26658,7 @@
                     <a:p>
                       <a:pPr algn="ctr"/>
                       <a:r>
-                        <a:rPr lang="de-DE" dirty="0"/>
+                        <a:rPr lang="de-DE" sz="1600" dirty="0"/>
                         <a:t>#Bits</a:t>
                       </a:r>
                     </a:p>
@@ -25089,7 +26672,7 @@
                     <a:p>
                       <a:pPr algn="ctr"/>
                       <a:r>
-                        <a:rPr lang="de-DE" dirty="0"/>
+                        <a:rPr lang="de-DE" sz="1600" dirty="0"/>
                         <a:t>Genauigkeit</a:t>
                       </a:r>
                     </a:p>
@@ -25103,8 +26686,62 @@
                     <a:p>
                       <a:pPr algn="ctr"/>
                       <a:r>
-                        <a:rPr lang="de-DE" dirty="0"/>
+                        <a:rPr lang="de-DE" sz="1600" dirty="0"/>
                         <a:t>Modellgröße</a:t>
+                      </a:r>
+                    </a:p>
+                    <a:p>
+                      <a:pPr algn="ctr"/>
+                      <a:r>
+                        <a:rPr lang="de-DE" sz="1600" dirty="0"/>
+                        <a:t>.</a:t>
+                      </a:r>
+                      <a:r>
+                        <a:rPr lang="de-DE" sz="1600" dirty="0" err="1"/>
+                        <a:t>tflite</a:t>
+                      </a:r>
+                      <a:endParaRPr lang="de-DE" sz="1600" dirty="0"/>
+                    </a:p>
+                  </a:txBody>
+                  <a:tcPr anchor="ctr"/>
+                </a:tc>
+                <a:tc>
+                  <a:txBody>
+                    <a:bodyPr/>
+                    <a:lstStyle/>
+                    <a:p>
+                      <a:pPr algn="ctr"/>
+                      <a:r>
+                        <a:rPr lang="de-DE" sz="1600" dirty="0"/>
+                        <a:t>Inferenz</a:t>
+                      </a:r>
+                    </a:p>
+                    <a:p>
+                      <a:pPr algn="ctr"/>
+                      <a:r>
+                        <a:rPr lang="de-DE" sz="1600" dirty="0"/>
+                        <a:t>(Images/s)</a:t>
+                      </a:r>
+                    </a:p>
+                  </a:txBody>
+                  <a:tcPr anchor="ctr"/>
+                </a:tc>
+                <a:extLst>
+                  <a:ext uri="{0D108BD9-81ED-4DB2-BD59-A6C34878D82A}">
+                    <a16:rowId xmlns:a16="http://schemas.microsoft.com/office/drawing/2014/main" val="3463869480"/>
+                  </a:ext>
+                </a:extLst>
+              </a:tr>
+              <a:tr h="341383">
+                <a:tc>
+                  <a:txBody>
+                    <a:bodyPr/>
+                    <a:lstStyle/>
+                    <a:p>
+                      <a:pPr algn="ctr"/>
+                      <a:r>
+                        <a:rPr lang="de-DE" sz="1600" dirty="0"/>
+                        <a:t>32 </a:t>
                       </a:r>
                     </a:p>
                   </a:txBody>
@@ -25117,15 +26754,36 @@
                     <a:p>
                       <a:pPr algn="ctr"/>
                       <a:r>
-                        <a:rPr lang="de-DE" dirty="0"/>
-                        <a:t>Inferenz</a:t>
+                        <a:rPr lang="de-DE" sz="1600" dirty="0"/>
+                        <a:t>61.57%</a:t>
                       </a:r>
                     </a:p>
+                  </a:txBody>
+                  <a:tcPr anchor="ctr"/>
+                </a:tc>
+                <a:tc>
+                  <a:txBody>
+                    <a:bodyPr/>
+                    <a:lstStyle/>
                     <a:p>
                       <a:pPr algn="ctr"/>
                       <a:r>
-                        <a:rPr lang="de-DE" dirty="0"/>
-                        <a:t>(Images/s)</a:t>
+                        <a:rPr lang="de-DE" sz="1600" dirty="0"/>
+                        <a:t>8.34 MB(.h5)</a:t>
+                      </a:r>
+                    </a:p>
+                  </a:txBody>
+                  <a:tcPr anchor="ctr"/>
+                </a:tc>
+                <a:tc>
+                  <a:txBody>
+                    <a:bodyPr/>
+                    <a:lstStyle/>
+                    <a:p>
+                      <a:pPr algn="ctr"/>
+                      <a:r>
+                        <a:rPr lang="de-DE" sz="1600" dirty="0"/>
+                        <a:t>207</a:t>
                       </a:r>
                     </a:p>
                   </a:txBody>
@@ -25133,11 +26791,11 @@
                 </a:tc>
                 <a:extLst>
                   <a:ext uri="{0D108BD9-81ED-4DB2-BD59-A6C34878D82A}">
-                    <a16:rowId xmlns:a16="http://schemas.microsoft.com/office/drawing/2014/main" val="3463869480"/>
+                    <a16:rowId xmlns:a16="http://schemas.microsoft.com/office/drawing/2014/main" val="711120179"/>
                   </a:ext>
                 </a:extLst>
               </a:tr>
-              <a:tr h="453459">
+              <a:tr h="341383">
                 <a:tc>
                   <a:txBody>
                     <a:bodyPr/>
@@ -25145,7 +26803,7 @@
                     <a:p>
                       <a:pPr algn="ctr"/>
                       <a:r>
-                        <a:rPr lang="de-DE" dirty="0"/>
+                        <a:rPr lang="de-DE" sz="1600" dirty="0"/>
                         <a:t>32</a:t>
                       </a:r>
                     </a:p>
@@ -25159,8 +26817,8 @@
                     <a:p>
                       <a:pPr algn="ctr"/>
                       <a:r>
-                        <a:rPr lang="de-DE" dirty="0"/>
-                        <a:t>67.69%</a:t>
+                        <a:rPr lang="de-DE" sz="1600" dirty="0"/>
+                        <a:t>61.44%</a:t>
                       </a:r>
                     </a:p>
                   </a:txBody>
@@ -25173,8 +26831,8 @@
                     <a:p>
                       <a:pPr algn="ctr"/>
                       <a:r>
-                        <a:rPr lang="de-DE" dirty="0"/>
-                        <a:t>21.2 MB</a:t>
+                        <a:rPr lang="de-DE" sz="1600" dirty="0"/>
+                        <a:t>2.53 MB</a:t>
                       </a:r>
                     </a:p>
                   </a:txBody>
@@ -25187,8 +26845,8 @@
                     <a:p>
                       <a:pPr algn="ctr"/>
                       <a:r>
-                        <a:rPr lang="de-DE" dirty="0"/>
-                        <a:t>1</a:t>
+                        <a:rPr lang="de-DE" sz="1600" dirty="0"/>
+                        <a:t>9</a:t>
                       </a:r>
                     </a:p>
                   </a:txBody>
@@ -25196,11 +26854,11 @@
                 </a:tc>
                 <a:extLst>
                   <a:ext uri="{0D108BD9-81ED-4DB2-BD59-A6C34878D82A}">
-                    <a16:rowId xmlns:a16="http://schemas.microsoft.com/office/drawing/2014/main" val="2434528738"/>
+                    <a16:rowId xmlns:a16="http://schemas.microsoft.com/office/drawing/2014/main" val="2789525121"/>
                   </a:ext>
                 </a:extLst>
               </a:tr>
-              <a:tr h="453459">
+              <a:tr h="341383">
                 <a:tc>
                   <a:txBody>
                     <a:bodyPr/>
@@ -25208,8 +26866,38 @@
                     <a:p>
                       <a:pPr algn="ctr"/>
                       <a:r>
-                        <a:rPr lang="de-DE" dirty="0"/>
-                        <a:t>16</a:t>
+                        <a:rPr lang="de-DE" sz="1600" dirty="0"/>
+                        <a:t>32 D</a:t>
+                      </a:r>
+                    </a:p>
+                  </a:txBody>
+                  <a:tcPr anchor="ctr"/>
+                </a:tc>
+                <a:tc>
+                  <a:txBody>
+                    <a:bodyPr/>
+                    <a:lstStyle/>
+                    <a:p>
+                      <a:pPr marL="0" marR="0" lvl="0" indent="0" algn="ctr" defTabSz="914400" rtl="0" eaLnBrk="1" fontAlgn="auto" latinLnBrk="0" hangingPunct="1">
+                        <a:lnSpc>
+                          <a:spcPct val="100000"/>
+                        </a:lnSpc>
+                        <a:spcBef>
+                          <a:spcPts val="0"/>
+                        </a:spcBef>
+                        <a:spcAft>
+                          <a:spcPts val="0"/>
+                        </a:spcAft>
+                        <a:buClrTx/>
+                        <a:buSzTx/>
+                        <a:buFontTx/>
+                        <a:buNone/>
+                        <a:tabLst/>
+                        <a:defRPr/>
+                      </a:pPr>
+                      <a:r>
+                        <a:rPr lang="de-DE" sz="1600" b="0" dirty="0"/>
+                        <a:t>61.46%</a:t>
                       </a:r>
                     </a:p>
                   </a:txBody>
@@ -25222,8 +26910,8 @@
                     <a:p>
                       <a:pPr algn="ctr"/>
                       <a:r>
-                        <a:rPr lang="de-DE" dirty="0"/>
-                        <a:t>66.90%</a:t>
+                        <a:rPr lang="de-DE" sz="1600" dirty="0"/>
+                        <a:t>2.74 MB(.h5)</a:t>
                       </a:r>
                     </a:p>
                   </a:txBody>
@@ -25236,8 +26924,29 @@
                     <a:p>
                       <a:pPr algn="ctr"/>
                       <a:r>
-                        <a:rPr lang="de-DE" dirty="0"/>
-                        <a:t>5.4 MB</a:t>
+                        <a:rPr lang="de-DE" sz="1600" dirty="0"/>
+                        <a:t>140</a:t>
+                      </a:r>
+                    </a:p>
+                  </a:txBody>
+                  <a:tcPr anchor="ctr"/>
+                </a:tc>
+                <a:extLst>
+                  <a:ext uri="{0D108BD9-81ED-4DB2-BD59-A6C34878D82A}">
+                    <a16:rowId xmlns:a16="http://schemas.microsoft.com/office/drawing/2014/main" val="375904615"/>
+                  </a:ext>
+                </a:extLst>
+              </a:tr>
+              <a:tr h="341383">
+                <a:tc>
+                  <a:txBody>
+                    <a:bodyPr/>
+                    <a:lstStyle/>
+                    <a:p>
+                      <a:pPr algn="ctr"/>
+                      <a:r>
+                        <a:rPr lang="de-DE" sz="1600" dirty="0"/>
+                        <a:t>32 D</a:t>
                       </a:r>
                     </a:p>
                   </a:txBody>
@@ -25250,8 +26959,150 @@
                     <a:p>
                       <a:pPr algn="ctr"/>
                       <a:r>
-                        <a:rPr lang="de-DE" dirty="0"/>
-                        <a:t>2</a:t>
+                        <a:rPr lang="de-DE" sz="1600" dirty="0"/>
+                        <a:t>62.50%</a:t>
+                      </a:r>
+                    </a:p>
+                  </a:txBody>
+                  <a:tcPr anchor="ctr"/>
+                </a:tc>
+                <a:tc>
+                  <a:txBody>
+                    <a:bodyPr/>
+                    <a:lstStyle/>
+                    <a:p>
+                      <a:pPr algn="ctr"/>
+                      <a:r>
+                        <a:rPr lang="de-DE" sz="1600" dirty="0"/>
+                        <a:t>2.36 MB</a:t>
+                      </a:r>
+                    </a:p>
+                  </a:txBody>
+                  <a:tcPr anchor="ctr"/>
+                </a:tc>
+                <a:tc>
+                  <a:txBody>
+                    <a:bodyPr/>
+                    <a:lstStyle/>
+                    <a:p>
+                      <a:pPr algn="ctr"/>
+                      <a:r>
+                        <a:rPr lang="de-DE" sz="1600" dirty="0"/>
+                        <a:t>9</a:t>
+                      </a:r>
+                    </a:p>
+                  </a:txBody>
+                  <a:tcPr anchor="ctr"/>
+                </a:tc>
+                <a:extLst>
+                  <a:ext uri="{0D108BD9-81ED-4DB2-BD59-A6C34878D82A}">
+                    <a16:rowId xmlns:a16="http://schemas.microsoft.com/office/drawing/2014/main" val="2475368938"/>
+                  </a:ext>
+                </a:extLst>
+              </a:tr>
+              <a:tr h="341383">
+                <a:tc>
+                  <a:txBody>
+                    <a:bodyPr/>
+                    <a:lstStyle/>
+                    <a:p>
+                      <a:pPr algn="ctr"/>
+                      <a:endParaRPr lang="de-DE" sz="1600" dirty="0"/>
+                    </a:p>
+                  </a:txBody>
+                  <a:tcPr anchor="ctr"/>
+                </a:tc>
+                <a:tc>
+                  <a:txBody>
+                    <a:bodyPr/>
+                    <a:lstStyle/>
+                    <a:p>
+                      <a:pPr algn="ctr"/>
+                      <a:endParaRPr lang="de-DE" sz="1600" dirty="0"/>
+                    </a:p>
+                  </a:txBody>
+                  <a:tcPr anchor="ctr"/>
+                </a:tc>
+                <a:tc>
+                  <a:txBody>
+                    <a:bodyPr/>
+                    <a:lstStyle/>
+                    <a:p>
+                      <a:pPr algn="ctr"/>
+                      <a:endParaRPr lang="de-DE" sz="1600" dirty="0"/>
+                    </a:p>
+                  </a:txBody>
+                  <a:tcPr anchor="ctr"/>
+                </a:tc>
+                <a:tc>
+                  <a:txBody>
+                    <a:bodyPr/>
+                    <a:lstStyle/>
+                    <a:p>
+                      <a:pPr algn="ctr"/>
+                      <a:endParaRPr lang="de-DE" sz="1600" dirty="0"/>
+                    </a:p>
+                  </a:txBody>
+                  <a:tcPr anchor="ctr"/>
+                </a:tc>
+                <a:extLst>
+                  <a:ext uri="{0D108BD9-81ED-4DB2-BD59-A6C34878D82A}">
+                    <a16:rowId xmlns:a16="http://schemas.microsoft.com/office/drawing/2014/main" val="2150167036"/>
+                  </a:ext>
+                </a:extLst>
+              </a:tr>
+              <a:tr h="341383">
+                <a:tc>
+                  <a:txBody>
+                    <a:bodyPr/>
+                    <a:lstStyle/>
+                    <a:p>
+                      <a:pPr algn="ctr"/>
+                      <a:r>
+                        <a:rPr lang="de-DE" sz="1600" dirty="0"/>
+                        <a:t>16 Q</a:t>
+                      </a:r>
+                    </a:p>
+                  </a:txBody>
+                  <a:tcPr anchor="ctr"/>
+                </a:tc>
+                <a:tc>
+                  <a:txBody>
+                    <a:bodyPr/>
+                    <a:lstStyle/>
+                    <a:p>
+                      <a:pPr algn="ctr"/>
+                      <a:r>
+                        <a:rPr lang="de-DE" sz="1600" dirty="0"/>
+                        <a:t>61.03%</a:t>
+                      </a:r>
+                    </a:p>
+                  </a:txBody>
+                  <a:tcPr anchor="ctr"/>
+                </a:tc>
+                <a:tc>
+                  <a:txBody>
+                    <a:bodyPr/>
+                    <a:lstStyle/>
+                    <a:p>
+                      <a:pPr algn="ctr"/>
+                      <a:r>
+                        <a:rPr lang="de-DE" sz="1600" dirty="0"/>
+                        <a:t>1.29 MB</a:t>
+                      </a:r>
+                    </a:p>
+                  </a:txBody>
+                  <a:tcPr anchor="ctr"/>
+                </a:tc>
+                <a:tc>
+                  <a:txBody>
+                    <a:bodyPr/>
+                    <a:lstStyle/>
+                    <a:p>
+                      <a:pPr algn="ctr"/>
+                      <a:r>
+                        <a:rPr lang="de-DE" sz="1600" dirty="0"/>
+                        <a:t>1</a:t>
                       </a:r>
                     </a:p>
                   </a:txBody>
@@ -25263,7 +27114,7 @@
                   </a:ext>
                 </a:extLst>
               </a:tr>
-              <a:tr h="453459">
+              <a:tr h="341383">
                 <a:tc>
                   <a:txBody>
                     <a:bodyPr/>
@@ -25271,16 +27122,12 @@
                     <a:p>
                       <a:pPr algn="ctr"/>
                       <a:r>
-                        <a:rPr lang="de-DE" dirty="0"/>
-                        <a:t>8</a:t>
+                        <a:rPr lang="de-DE" sz="1600" dirty="0"/>
+                        <a:t>16 D + Q</a:t>
                       </a:r>
                     </a:p>
                   </a:txBody>
-                  <a:tcPr anchor="ctr">
-                    <a:solidFill>
-                      <a:srgbClr val="FFC000"/>
-                    </a:solidFill>
-                  </a:tcPr>
+                  <a:tcPr anchor="ctr"/>
                 </a:tc>
                 <a:tc>
                   <a:txBody>
@@ -25289,16 +27136,12 @@
                     <a:p>
                       <a:pPr algn="ctr"/>
                       <a:r>
-                        <a:rPr lang="de-DE" dirty="0"/>
-                        <a:t>67.20%</a:t>
+                        <a:rPr lang="de-DE" sz="1600" dirty="0"/>
+                        <a:t>61.15%</a:t>
                       </a:r>
                     </a:p>
                   </a:txBody>
-                  <a:tcPr anchor="ctr">
-                    <a:solidFill>
-                      <a:srgbClr val="FFC000"/>
-                    </a:solidFill>
-                  </a:tcPr>
+                  <a:tcPr anchor="ctr"/>
                 </a:tc>
                 <a:tc>
                   <a:txBody>
@@ -25307,16 +27150,12 @@
                     <a:p>
                       <a:pPr algn="ctr"/>
                       <a:r>
-                        <a:rPr lang="de-DE" dirty="0"/>
-                        <a:t>5.4 MB</a:t>
+                        <a:rPr lang="de-DE" sz="1600" dirty="0"/>
+                        <a:t>1.21 MB</a:t>
                       </a:r>
                     </a:p>
                   </a:txBody>
-                  <a:tcPr anchor="ctr">
-                    <a:solidFill>
-                      <a:srgbClr val="FFC000"/>
-                    </a:solidFill>
-                  </a:tcPr>
+                  <a:tcPr anchor="ctr"/>
                 </a:tc>
                 <a:tc>
                   <a:txBody>
@@ -25325,20 +27164,193 @@
                     <a:p>
                       <a:pPr algn="ctr"/>
                       <a:r>
-                        <a:rPr lang="de-DE" dirty="0"/>
-                        <a:t>9</a:t>
+                        <a:rPr lang="de-DE" sz="1600" dirty="0"/>
+                        <a:t>1</a:t>
                       </a:r>
                     </a:p>
                   </a:txBody>
-                  <a:tcPr anchor="ctr">
-                    <a:solidFill>
-                      <a:srgbClr val="FFC000"/>
-                    </a:solidFill>
-                  </a:tcPr>
+                  <a:tcPr anchor="ctr"/>
+                </a:tc>
+                <a:extLst>
+                  <a:ext uri="{0D108BD9-81ED-4DB2-BD59-A6C34878D82A}">
+                    <a16:rowId xmlns:a16="http://schemas.microsoft.com/office/drawing/2014/main" val="1901632407"/>
+                  </a:ext>
+                </a:extLst>
+              </a:tr>
+              <a:tr h="341383">
+                <a:tc>
+                  <a:txBody>
+                    <a:bodyPr/>
+                    <a:lstStyle/>
+                    <a:p>
+                      <a:pPr algn="ctr"/>
+                      <a:endParaRPr lang="de-DE" sz="1600" dirty="0"/>
+                    </a:p>
+                  </a:txBody>
+                  <a:tcPr anchor="ctr"/>
+                </a:tc>
+                <a:tc>
+                  <a:txBody>
+                    <a:bodyPr/>
+                    <a:lstStyle/>
+                    <a:p>
+                      <a:pPr algn="ctr"/>
+                      <a:endParaRPr lang="de-DE" sz="1600" dirty="0"/>
+                    </a:p>
+                  </a:txBody>
+                  <a:tcPr anchor="ctr"/>
+                </a:tc>
+                <a:tc>
+                  <a:txBody>
+                    <a:bodyPr/>
+                    <a:lstStyle/>
+                    <a:p>
+                      <a:pPr algn="ctr"/>
+                      <a:endParaRPr lang="de-DE" sz="1600" dirty="0"/>
+                    </a:p>
+                  </a:txBody>
+                  <a:tcPr anchor="ctr"/>
+                </a:tc>
+                <a:tc>
+                  <a:txBody>
+                    <a:bodyPr/>
+                    <a:lstStyle/>
+                    <a:p>
+                      <a:pPr algn="ctr"/>
+                      <a:endParaRPr lang="de-DE" sz="1600" dirty="0"/>
+                    </a:p>
+                  </a:txBody>
+                  <a:tcPr anchor="ctr"/>
+                </a:tc>
+                <a:extLst>
+                  <a:ext uri="{0D108BD9-81ED-4DB2-BD59-A6C34878D82A}">
+                    <a16:rowId xmlns:a16="http://schemas.microsoft.com/office/drawing/2014/main" val="2973514155"/>
+                  </a:ext>
+                </a:extLst>
+              </a:tr>
+              <a:tr h="341383">
+                <a:tc>
+                  <a:txBody>
+                    <a:bodyPr/>
+                    <a:lstStyle/>
+                    <a:p>
+                      <a:pPr algn="ctr"/>
+                      <a:r>
+                        <a:rPr lang="de-DE" sz="1600" dirty="0"/>
+                        <a:t>8 Q</a:t>
+                      </a:r>
+                    </a:p>
+                  </a:txBody>
+                  <a:tcPr anchor="ctr"/>
+                </a:tc>
+                <a:tc>
+                  <a:txBody>
+                    <a:bodyPr/>
+                    <a:lstStyle/>
+                    <a:p>
+                      <a:pPr algn="ctr"/>
+                      <a:r>
+                        <a:rPr lang="de-DE" sz="1600" dirty="0"/>
+                        <a:t>61.15%</a:t>
+                      </a:r>
+                    </a:p>
+                  </a:txBody>
+                  <a:tcPr anchor="ctr"/>
+                </a:tc>
+                <a:tc>
+                  <a:txBody>
+                    <a:bodyPr/>
+                    <a:lstStyle/>
+                    <a:p>
+                      <a:pPr algn="ctr"/>
+                      <a:r>
+                        <a:rPr lang="de-DE" sz="1600" dirty="0"/>
+                        <a:t>0.73 MB</a:t>
+                      </a:r>
+                    </a:p>
+                  </a:txBody>
+                  <a:tcPr anchor="ctr"/>
+                </a:tc>
+                <a:tc>
+                  <a:txBody>
+                    <a:bodyPr/>
+                    <a:lstStyle/>
+                    <a:p>
+                      <a:pPr algn="ctr"/>
+                      <a:r>
+                        <a:rPr lang="de-DE" sz="1600" dirty="0"/>
+                        <a:t>1</a:t>
+                      </a:r>
+                    </a:p>
+                  </a:txBody>
+                  <a:tcPr anchor="ctr"/>
                 </a:tc>
                 <a:extLst>
                   <a:ext uri="{0D108BD9-81ED-4DB2-BD59-A6C34878D82A}">
                     <a16:rowId xmlns:a16="http://schemas.microsoft.com/office/drawing/2014/main" val="4137760616"/>
+                  </a:ext>
+                </a:extLst>
+              </a:tr>
+              <a:tr h="341383">
+                <a:tc>
+                  <a:txBody>
+                    <a:bodyPr/>
+                    <a:lstStyle/>
+                    <a:p>
+                      <a:pPr algn="ctr"/>
+                      <a:r>
+                        <a:rPr lang="de-DE" sz="1600" dirty="0"/>
+                        <a:t>8 D +Q</a:t>
+                      </a:r>
+                    </a:p>
+                  </a:txBody>
+                  <a:tcPr anchor="ctr"/>
+                </a:tc>
+                <a:tc>
+                  <a:txBody>
+                    <a:bodyPr/>
+                    <a:lstStyle/>
+                    <a:p>
+                      <a:pPr algn="ctr"/>
+                      <a:r>
+                        <a:rPr lang="de-DE" sz="1600" dirty="0"/>
+                        <a:t>61.27%</a:t>
+                      </a:r>
+                    </a:p>
+                  </a:txBody>
+                  <a:tcPr anchor="ctr"/>
+                </a:tc>
+                <a:tc>
+                  <a:txBody>
+                    <a:bodyPr/>
+                    <a:lstStyle/>
+                    <a:p>
+                      <a:pPr algn="ctr"/>
+                      <a:r>
+                        <a:rPr lang="de-DE" sz="1600" dirty="0"/>
+                        <a:t>0.68 MB</a:t>
+                      </a:r>
+                    </a:p>
+                  </a:txBody>
+                  <a:tcPr anchor="ctr"/>
+                </a:tc>
+                <a:tc>
+                  <a:txBody>
+                    <a:bodyPr/>
+                    <a:lstStyle/>
+                    <a:p>
+                      <a:pPr algn="ctr"/>
+                      <a:r>
+                        <a:rPr lang="de-DE" sz="1600" dirty="0"/>
+                        <a:t>1</a:t>
+                      </a:r>
+                    </a:p>
+                  </a:txBody>
+                  <a:tcPr anchor="ctr"/>
+                </a:tc>
+                <a:extLst>
+                  <a:ext uri="{0D108BD9-81ED-4DB2-BD59-A6C34878D82A}">
+                    <a16:rowId xmlns:a16="http://schemas.microsoft.com/office/drawing/2014/main" val="4250689485"/>
                   </a:ext>
                 </a:extLst>
               </a:tr>
@@ -25426,9 +27438,44 @@
           <a:p>
             <a:fld id="{03657754-5E9E-462B-9D24-F189FB2DC94E}" type="slidenum">
               <a:rPr lang="de-DE" smtClean="0"/>
-              <a:t>27</a:t>
+              <a:t>29</a:t>
             </a:fld>
             <a:endParaRPr lang="de-DE"/>
+          </a:p>
+        </p:txBody>
+      </p:sp>
+      <p:sp>
+        <p:nvSpPr>
+          <p:cNvPr id="11" name="Textfeld 10">
+            <a:extLst>
+              <a:ext uri="{FF2B5EF4-FFF2-40B4-BE49-F238E27FC236}">
+                <a16:creationId xmlns:a16="http://schemas.microsoft.com/office/drawing/2014/main" id="{EA93E089-3A7C-4A33-A453-246D0CD929AA}"/>
+              </a:ext>
+            </a:extLst>
+          </p:cNvPr>
+          <p:cNvSpPr txBox="1"/>
+          <p:nvPr/>
+        </p:nvSpPr>
+        <p:spPr>
+          <a:xfrm>
+            <a:off x="8721919" y="1640959"/>
+            <a:ext cx="1366080" cy="369332"/>
+          </a:xfrm>
+          <a:prstGeom prst="rect">
+            <a:avLst/>
+          </a:prstGeom>
+          <a:noFill/>
+        </p:spPr>
+        <p:txBody>
+          <a:bodyPr wrap="none" rtlCol="0">
+            <a:spAutoFit/>
+          </a:bodyPr>
+          <a:lstStyle/>
+          <a:p>
+            <a:r>
+              <a:rPr lang="de-DE" dirty="0"/>
+              <a:t>(100, 100, 3)</a:t>
+            </a:r>
           </a:p>
         </p:txBody>
       </p:sp>
@@ -25445,7 +27492,2052 @@
 </p:sld>
 </file>
 
-<file path=ppt/slides/slide28.xml><?xml version="1.0" encoding="utf-8"?>
+<file path=ppt/slides/slide3.xml><?xml version="1.0" encoding="utf-8"?>
+<p:sld xmlns:a="http://schemas.openxmlformats.org/drawingml/2006/main" xmlns:r="http://schemas.openxmlformats.org/officeDocument/2006/relationships" xmlns:p="http://schemas.openxmlformats.org/presentationml/2006/main">
+  <p:cSld>
+    <p:bg>
+      <p:bgPr>
+        <a:solidFill>
+          <a:schemeClr val="bg1"/>
+        </a:solidFill>
+        <a:effectLst/>
+      </p:bgPr>
+    </p:bg>
+    <p:spTree>
+      <p:nvGrpSpPr>
+        <p:cNvPr id="1" name=""/>
+        <p:cNvGrpSpPr/>
+        <p:nvPr/>
+      </p:nvGrpSpPr>
+      <p:grpSpPr>
+        <a:xfrm>
+          <a:off x="0" y="0"/>
+          <a:ext cx="0" cy="0"/>
+          <a:chOff x="0" y="0"/>
+          <a:chExt cx="0" cy="0"/>
+        </a:xfrm>
+      </p:grpSpPr>
+      <p:sp>
+        <p:nvSpPr>
+          <p:cNvPr id="10" name="Freeform: Shape 9">
+            <a:extLst>
+              <a:ext uri="{FF2B5EF4-FFF2-40B4-BE49-F238E27FC236}">
+                <a16:creationId xmlns:a16="http://schemas.microsoft.com/office/drawing/2014/main" id="{46C2E80F-49A6-4372-B103-219D417A55ED}"/>
+              </a:ext>
+              <a:ext uri="{C183D7F6-B498-43B3-948B-1728B52AA6E4}">
+                <adec:decorative xmlns:adec="http://schemas.microsoft.com/office/drawing/2017/decorative" val="1"/>
+              </a:ext>
+            </a:extLst>
+          </p:cNvPr>
+          <p:cNvSpPr>
+            <a:spLocks noGrp="1" noRot="1" noChangeAspect="1" noMove="1" noResize="1" noEditPoints="1" noAdjustHandles="1" noChangeArrowheads="1" noChangeShapeType="1" noTextEdit="1"/>
+          </p:cNvSpPr>
+          <p:nvPr>
+            <p:extLst>
+              <p:ext uri="{386F3935-93C4-4BCD-93E2-E3B085C9AB24}">
+                <p16:designElem xmlns:p16="http://schemas.microsoft.com/office/powerpoint/2015/main" val="1"/>
+              </p:ext>
+            </p:extLst>
+          </p:nvPr>
+        </p:nvSpPr>
+        <p:spPr>
+          <a:xfrm>
+            <a:off x="484096" y="470925"/>
+            <a:ext cx="4381009" cy="5892104"/>
+          </a:xfrm>
+          <a:custGeom>
+            <a:avLst/>
+            <a:gdLst>
+              <a:gd name="connsiteX0" fmla="*/ 0 w 4381009"/>
+              <a:gd name="connsiteY0" fmla="*/ 0 h 5892104"/>
+              <a:gd name="connsiteX1" fmla="*/ 4157628 w 4381009"/>
+              <a:gd name="connsiteY1" fmla="*/ 0 h 5892104"/>
+              <a:gd name="connsiteX2" fmla="*/ 4169302 w 4381009"/>
+              <a:gd name="connsiteY2" fmla="*/ 68659 h 5892104"/>
+              <a:gd name="connsiteX3" fmla="*/ 4191571 w 4381009"/>
+              <a:gd name="connsiteY3" fmla="*/ 205472 h 5892104"/>
+              <a:gd name="connsiteX4" fmla="*/ 4213368 w 4381009"/>
+              <a:gd name="connsiteY4" fmla="*/ 342890 h 5892104"/>
+              <a:gd name="connsiteX5" fmla="*/ 4232030 w 4381009"/>
+              <a:gd name="connsiteY5" fmla="*/ 480913 h 5892104"/>
+              <a:gd name="connsiteX6" fmla="*/ 4250848 w 4381009"/>
+              <a:gd name="connsiteY6" fmla="*/ 618332 h 5892104"/>
+              <a:gd name="connsiteX7" fmla="*/ 4268412 w 4381009"/>
+              <a:gd name="connsiteY7" fmla="*/ 756355 h 5892104"/>
+              <a:gd name="connsiteX8" fmla="*/ 4283467 w 4381009"/>
+              <a:gd name="connsiteY8" fmla="*/ 892563 h 5892104"/>
+              <a:gd name="connsiteX9" fmla="*/ 4297737 w 4381009"/>
+              <a:gd name="connsiteY9" fmla="*/ 1030587 h 5892104"/>
+              <a:gd name="connsiteX10" fmla="*/ 4310754 w 4381009"/>
+              <a:gd name="connsiteY10" fmla="*/ 1168005 h 5892104"/>
+              <a:gd name="connsiteX11" fmla="*/ 4322045 w 4381009"/>
+              <a:gd name="connsiteY11" fmla="*/ 1303002 h 5892104"/>
+              <a:gd name="connsiteX12" fmla="*/ 4333336 w 4381009"/>
+              <a:gd name="connsiteY12" fmla="*/ 1439815 h 5892104"/>
+              <a:gd name="connsiteX13" fmla="*/ 4342745 w 4381009"/>
+              <a:gd name="connsiteY13" fmla="*/ 1574812 h 5892104"/>
+              <a:gd name="connsiteX14" fmla="*/ 4350115 w 4381009"/>
+              <a:gd name="connsiteY14" fmla="*/ 1709808 h 5892104"/>
+              <a:gd name="connsiteX15" fmla="*/ 4357799 w 4381009"/>
+              <a:gd name="connsiteY15" fmla="*/ 1844200 h 5892104"/>
+              <a:gd name="connsiteX16" fmla="*/ 4364229 w 4381009"/>
+              <a:gd name="connsiteY16" fmla="*/ 1977381 h 5892104"/>
+              <a:gd name="connsiteX17" fmla="*/ 4368777 w 4381009"/>
+              <a:gd name="connsiteY17" fmla="*/ 2109351 h 5892104"/>
+              <a:gd name="connsiteX18" fmla="*/ 4372697 w 4381009"/>
+              <a:gd name="connsiteY18" fmla="*/ 2241321 h 5892104"/>
+              <a:gd name="connsiteX19" fmla="*/ 4376461 w 4381009"/>
+              <a:gd name="connsiteY19" fmla="*/ 2372080 h 5892104"/>
+              <a:gd name="connsiteX20" fmla="*/ 4378186 w 4381009"/>
+              <a:gd name="connsiteY20" fmla="*/ 2501023 h 5892104"/>
+              <a:gd name="connsiteX21" fmla="*/ 4380068 w 4381009"/>
+              <a:gd name="connsiteY21" fmla="*/ 2629966 h 5892104"/>
+              <a:gd name="connsiteX22" fmla="*/ 4381009 w 4381009"/>
+              <a:gd name="connsiteY22" fmla="*/ 2757093 h 5892104"/>
+              <a:gd name="connsiteX23" fmla="*/ 4380068 w 4381009"/>
+              <a:gd name="connsiteY23" fmla="*/ 2883010 h 5892104"/>
+              <a:gd name="connsiteX24" fmla="*/ 4380068 w 4381009"/>
+              <a:gd name="connsiteY24" fmla="*/ 3007715 h 5892104"/>
+              <a:gd name="connsiteX25" fmla="*/ 4378186 w 4381009"/>
+              <a:gd name="connsiteY25" fmla="*/ 3131210 h 5892104"/>
+              <a:gd name="connsiteX26" fmla="*/ 4375363 w 4381009"/>
+              <a:gd name="connsiteY26" fmla="*/ 3252283 h 5892104"/>
+              <a:gd name="connsiteX27" fmla="*/ 4372697 w 4381009"/>
+              <a:gd name="connsiteY27" fmla="*/ 3372146 h 5892104"/>
+              <a:gd name="connsiteX28" fmla="*/ 4369718 w 4381009"/>
+              <a:gd name="connsiteY28" fmla="*/ 3489587 h 5892104"/>
+              <a:gd name="connsiteX29" fmla="*/ 4365170 w 4381009"/>
+              <a:gd name="connsiteY29" fmla="*/ 3606423 h 5892104"/>
+              <a:gd name="connsiteX30" fmla="*/ 4360309 w 4381009"/>
+              <a:gd name="connsiteY30" fmla="*/ 3721443 h 5892104"/>
+              <a:gd name="connsiteX31" fmla="*/ 4355918 w 4381009"/>
+              <a:gd name="connsiteY31" fmla="*/ 3834041 h 5892104"/>
+              <a:gd name="connsiteX32" fmla="*/ 4343529 w 4381009"/>
+              <a:gd name="connsiteY32" fmla="*/ 4053789 h 5892104"/>
+              <a:gd name="connsiteX33" fmla="*/ 4330356 w 4381009"/>
+              <a:gd name="connsiteY33" fmla="*/ 4264457 h 5892104"/>
+              <a:gd name="connsiteX34" fmla="*/ 4316556 w 4381009"/>
+              <a:gd name="connsiteY34" fmla="*/ 4466650 h 5892104"/>
+              <a:gd name="connsiteX35" fmla="*/ 4301344 w 4381009"/>
+              <a:gd name="connsiteY35" fmla="*/ 4657946 h 5892104"/>
+              <a:gd name="connsiteX36" fmla="*/ 4285506 w 4381009"/>
+              <a:gd name="connsiteY36" fmla="*/ 4840767 h 5892104"/>
+              <a:gd name="connsiteX37" fmla="*/ 4268412 w 4381009"/>
+              <a:gd name="connsiteY37" fmla="*/ 5010269 h 5892104"/>
+              <a:gd name="connsiteX38" fmla="*/ 4251633 w 4381009"/>
+              <a:gd name="connsiteY38" fmla="*/ 5169481 h 5892104"/>
+              <a:gd name="connsiteX39" fmla="*/ 4234853 w 4381009"/>
+              <a:gd name="connsiteY39" fmla="*/ 5315980 h 5892104"/>
+              <a:gd name="connsiteX40" fmla="*/ 4219014 w 4381009"/>
+              <a:gd name="connsiteY40" fmla="*/ 5450371 h 5892104"/>
+              <a:gd name="connsiteX41" fmla="*/ 4203959 w 4381009"/>
+              <a:gd name="connsiteY41" fmla="*/ 5569628 h 5892104"/>
+              <a:gd name="connsiteX42" fmla="*/ 4189689 w 4381009"/>
+              <a:gd name="connsiteY42" fmla="*/ 5677384 h 5892104"/>
+              <a:gd name="connsiteX43" fmla="*/ 4177770 w 4381009"/>
+              <a:gd name="connsiteY43" fmla="*/ 5768189 h 5892104"/>
+              <a:gd name="connsiteX44" fmla="*/ 4166479 w 4381009"/>
+              <a:gd name="connsiteY44" fmla="*/ 5844465 h 5892104"/>
+              <a:gd name="connsiteX45" fmla="*/ 4159132 w 4381009"/>
+              <a:gd name="connsiteY45" fmla="*/ 5892104 h 5892104"/>
+              <a:gd name="connsiteX46" fmla="*/ 0 w 4381009"/>
+              <a:gd name="connsiteY46" fmla="*/ 5892104 h 5892104"/>
+            </a:gdLst>
+            <a:ahLst/>
+            <a:cxnLst>
+              <a:cxn ang="0">
+                <a:pos x="connsiteX0" y="connsiteY0"/>
+              </a:cxn>
+              <a:cxn ang="0">
+                <a:pos x="connsiteX1" y="connsiteY1"/>
+              </a:cxn>
+              <a:cxn ang="0">
+                <a:pos x="connsiteX2" y="connsiteY2"/>
+              </a:cxn>
+              <a:cxn ang="0">
+                <a:pos x="connsiteX3" y="connsiteY3"/>
+              </a:cxn>
+              <a:cxn ang="0">
+                <a:pos x="connsiteX4" y="connsiteY4"/>
+              </a:cxn>
+              <a:cxn ang="0">
+                <a:pos x="connsiteX5" y="connsiteY5"/>
+              </a:cxn>
+              <a:cxn ang="0">
+                <a:pos x="connsiteX6" y="connsiteY6"/>
+              </a:cxn>
+              <a:cxn ang="0">
+                <a:pos x="connsiteX7" y="connsiteY7"/>
+              </a:cxn>
+              <a:cxn ang="0">
+                <a:pos x="connsiteX8" y="connsiteY8"/>
+              </a:cxn>
+              <a:cxn ang="0">
+                <a:pos x="connsiteX9" y="connsiteY9"/>
+              </a:cxn>
+              <a:cxn ang="0">
+                <a:pos x="connsiteX10" y="connsiteY10"/>
+              </a:cxn>
+              <a:cxn ang="0">
+                <a:pos x="connsiteX11" y="connsiteY11"/>
+              </a:cxn>
+              <a:cxn ang="0">
+                <a:pos x="connsiteX12" y="connsiteY12"/>
+              </a:cxn>
+              <a:cxn ang="0">
+                <a:pos x="connsiteX13" y="connsiteY13"/>
+              </a:cxn>
+              <a:cxn ang="0">
+                <a:pos x="connsiteX14" y="connsiteY14"/>
+              </a:cxn>
+              <a:cxn ang="0">
+                <a:pos x="connsiteX15" y="connsiteY15"/>
+              </a:cxn>
+              <a:cxn ang="0">
+                <a:pos x="connsiteX16" y="connsiteY16"/>
+              </a:cxn>
+              <a:cxn ang="0">
+                <a:pos x="connsiteX17" y="connsiteY17"/>
+              </a:cxn>
+              <a:cxn ang="0">
+                <a:pos x="connsiteX18" y="connsiteY18"/>
+              </a:cxn>
+              <a:cxn ang="0">
+                <a:pos x="connsiteX19" y="connsiteY19"/>
+              </a:cxn>
+              <a:cxn ang="0">
+                <a:pos x="connsiteX20" y="connsiteY20"/>
+              </a:cxn>
+              <a:cxn ang="0">
+                <a:pos x="connsiteX21" y="connsiteY21"/>
+              </a:cxn>
+              <a:cxn ang="0">
+                <a:pos x="connsiteX22" y="connsiteY22"/>
+              </a:cxn>
+              <a:cxn ang="0">
+                <a:pos x="connsiteX23" y="connsiteY23"/>
+              </a:cxn>
+              <a:cxn ang="0">
+                <a:pos x="connsiteX24" y="connsiteY24"/>
+              </a:cxn>
+              <a:cxn ang="0">
+                <a:pos x="connsiteX25" y="connsiteY25"/>
+              </a:cxn>
+              <a:cxn ang="0">
+                <a:pos x="connsiteX26" y="connsiteY26"/>
+              </a:cxn>
+              <a:cxn ang="0">
+                <a:pos x="connsiteX27" y="connsiteY27"/>
+              </a:cxn>
+              <a:cxn ang="0">
+                <a:pos x="connsiteX28" y="connsiteY28"/>
+              </a:cxn>
+              <a:cxn ang="0">
+                <a:pos x="connsiteX29" y="connsiteY29"/>
+              </a:cxn>
+              <a:cxn ang="0">
+                <a:pos x="connsiteX30" y="connsiteY30"/>
+              </a:cxn>
+              <a:cxn ang="0">
+                <a:pos x="connsiteX31" y="connsiteY31"/>
+              </a:cxn>
+              <a:cxn ang="0">
+                <a:pos x="connsiteX32" y="connsiteY32"/>
+              </a:cxn>
+              <a:cxn ang="0">
+                <a:pos x="connsiteX33" y="connsiteY33"/>
+              </a:cxn>
+              <a:cxn ang="0">
+                <a:pos x="connsiteX34" y="connsiteY34"/>
+              </a:cxn>
+              <a:cxn ang="0">
+                <a:pos x="connsiteX35" y="connsiteY35"/>
+              </a:cxn>
+              <a:cxn ang="0">
+                <a:pos x="connsiteX36" y="connsiteY36"/>
+              </a:cxn>
+              <a:cxn ang="0">
+                <a:pos x="connsiteX37" y="connsiteY37"/>
+              </a:cxn>
+              <a:cxn ang="0">
+                <a:pos x="connsiteX38" y="connsiteY38"/>
+              </a:cxn>
+              <a:cxn ang="0">
+                <a:pos x="connsiteX39" y="connsiteY39"/>
+              </a:cxn>
+              <a:cxn ang="0">
+                <a:pos x="connsiteX40" y="connsiteY40"/>
+              </a:cxn>
+              <a:cxn ang="0">
+                <a:pos x="connsiteX41" y="connsiteY41"/>
+              </a:cxn>
+              <a:cxn ang="0">
+                <a:pos x="connsiteX42" y="connsiteY42"/>
+              </a:cxn>
+              <a:cxn ang="0">
+                <a:pos x="connsiteX43" y="connsiteY43"/>
+              </a:cxn>
+              <a:cxn ang="0">
+                <a:pos x="connsiteX44" y="connsiteY44"/>
+              </a:cxn>
+              <a:cxn ang="0">
+                <a:pos x="connsiteX45" y="connsiteY45"/>
+              </a:cxn>
+              <a:cxn ang="0">
+                <a:pos x="connsiteX46" y="connsiteY46"/>
+              </a:cxn>
+            </a:cxnLst>
+            <a:rect l="l" t="t" r="r" b="b"/>
+            <a:pathLst>
+              <a:path w="4381009" h="5892104">
+                <a:moveTo>
+                  <a:pt x="0" y="0"/>
+                </a:moveTo>
+                <a:lnTo>
+                  <a:pt x="4157628" y="0"/>
+                </a:lnTo>
+                <a:lnTo>
+                  <a:pt x="4169302" y="68659"/>
+                </a:lnTo>
+                <a:lnTo>
+                  <a:pt x="4191571" y="205472"/>
+                </a:lnTo>
+                <a:lnTo>
+                  <a:pt x="4213368" y="342890"/>
+                </a:lnTo>
+                <a:lnTo>
+                  <a:pt x="4232030" y="480913"/>
+                </a:lnTo>
+                <a:lnTo>
+                  <a:pt x="4250848" y="618332"/>
+                </a:lnTo>
+                <a:lnTo>
+                  <a:pt x="4268412" y="756355"/>
+                </a:lnTo>
+                <a:lnTo>
+                  <a:pt x="4283467" y="892563"/>
+                </a:lnTo>
+                <a:lnTo>
+                  <a:pt x="4297737" y="1030587"/>
+                </a:lnTo>
+                <a:lnTo>
+                  <a:pt x="4310754" y="1168005"/>
+                </a:lnTo>
+                <a:lnTo>
+                  <a:pt x="4322045" y="1303002"/>
+                </a:lnTo>
+                <a:lnTo>
+                  <a:pt x="4333336" y="1439815"/>
+                </a:lnTo>
+                <a:lnTo>
+                  <a:pt x="4342745" y="1574812"/>
+                </a:lnTo>
+                <a:lnTo>
+                  <a:pt x="4350115" y="1709808"/>
+                </a:lnTo>
+                <a:lnTo>
+                  <a:pt x="4357799" y="1844200"/>
+                </a:lnTo>
+                <a:lnTo>
+                  <a:pt x="4364229" y="1977381"/>
+                </a:lnTo>
+                <a:lnTo>
+                  <a:pt x="4368777" y="2109351"/>
+                </a:lnTo>
+                <a:lnTo>
+                  <a:pt x="4372697" y="2241321"/>
+                </a:lnTo>
+                <a:lnTo>
+                  <a:pt x="4376461" y="2372080"/>
+                </a:lnTo>
+                <a:lnTo>
+                  <a:pt x="4378186" y="2501023"/>
+                </a:lnTo>
+                <a:lnTo>
+                  <a:pt x="4380068" y="2629966"/>
+                </a:lnTo>
+                <a:lnTo>
+                  <a:pt x="4381009" y="2757093"/>
+                </a:lnTo>
+                <a:lnTo>
+                  <a:pt x="4380068" y="2883010"/>
+                </a:lnTo>
+                <a:lnTo>
+                  <a:pt x="4380068" y="3007715"/>
+                </a:lnTo>
+                <a:lnTo>
+                  <a:pt x="4378186" y="3131210"/>
+                </a:lnTo>
+                <a:lnTo>
+                  <a:pt x="4375363" y="3252283"/>
+                </a:lnTo>
+                <a:lnTo>
+                  <a:pt x="4372697" y="3372146"/>
+                </a:lnTo>
+                <a:lnTo>
+                  <a:pt x="4369718" y="3489587"/>
+                </a:lnTo>
+                <a:lnTo>
+                  <a:pt x="4365170" y="3606423"/>
+                </a:lnTo>
+                <a:lnTo>
+                  <a:pt x="4360309" y="3721443"/>
+                </a:lnTo>
+                <a:lnTo>
+                  <a:pt x="4355918" y="3834041"/>
+                </a:lnTo>
+                <a:lnTo>
+                  <a:pt x="4343529" y="4053789"/>
+                </a:lnTo>
+                <a:lnTo>
+                  <a:pt x="4330356" y="4264457"/>
+                </a:lnTo>
+                <a:lnTo>
+                  <a:pt x="4316556" y="4466650"/>
+                </a:lnTo>
+                <a:lnTo>
+                  <a:pt x="4301344" y="4657946"/>
+                </a:lnTo>
+                <a:lnTo>
+                  <a:pt x="4285506" y="4840767"/>
+                </a:lnTo>
+                <a:lnTo>
+                  <a:pt x="4268412" y="5010269"/>
+                </a:lnTo>
+                <a:lnTo>
+                  <a:pt x="4251633" y="5169481"/>
+                </a:lnTo>
+                <a:lnTo>
+                  <a:pt x="4234853" y="5315980"/>
+                </a:lnTo>
+                <a:lnTo>
+                  <a:pt x="4219014" y="5450371"/>
+                </a:lnTo>
+                <a:lnTo>
+                  <a:pt x="4203959" y="5569628"/>
+                </a:lnTo>
+                <a:lnTo>
+                  <a:pt x="4189689" y="5677384"/>
+                </a:lnTo>
+                <a:lnTo>
+                  <a:pt x="4177770" y="5768189"/>
+                </a:lnTo>
+                <a:lnTo>
+                  <a:pt x="4166479" y="5844465"/>
+                </a:lnTo>
+                <a:lnTo>
+                  <a:pt x="4159132" y="5892104"/>
+                </a:lnTo>
+                <a:lnTo>
+                  <a:pt x="0" y="5892104"/>
+                </a:lnTo>
+                <a:close/>
+              </a:path>
+            </a:pathLst>
+          </a:custGeom>
+          <a:solidFill>
+            <a:srgbClr val="404040"/>
+          </a:solidFill>
+          <a:ln>
+            <a:noFill/>
+          </a:ln>
+        </p:spPr>
+        <p:style>
+          <a:lnRef idx="2">
+            <a:schemeClr val="accent1">
+              <a:shade val="50000"/>
+            </a:schemeClr>
+          </a:lnRef>
+          <a:fillRef idx="1">
+            <a:schemeClr val="accent1"/>
+          </a:fillRef>
+          <a:effectRef idx="0">
+            <a:schemeClr val="accent1"/>
+          </a:effectRef>
+          <a:fontRef idx="minor">
+            <a:schemeClr val="lt1"/>
+          </a:fontRef>
+        </p:style>
+        <p:txBody>
+          <a:bodyPr wrap="square" rtlCol="0" anchor="ctr">
+            <a:noAutofit/>
+          </a:bodyPr>
+          <a:lstStyle/>
+          <a:p>
+            <a:pPr marL="0" marR="0" lvl="0" indent="0" algn="ctr" defTabSz="457200" rtl="0" eaLnBrk="1" fontAlgn="auto" latinLnBrk="0" hangingPunct="1">
+              <a:lnSpc>
+                <a:spcPct val="100000"/>
+              </a:lnSpc>
+              <a:spcBef>
+                <a:spcPts val="0"/>
+              </a:spcBef>
+              <a:spcAft>
+                <a:spcPts val="0"/>
+              </a:spcAft>
+              <a:buClrTx/>
+              <a:buSzTx/>
+              <a:buFontTx/>
+              <a:buNone/>
+              <a:tabLst/>
+              <a:defRPr/>
+            </a:pPr>
+            <a:endParaRPr kumimoji="0" lang="en-US" sz="1800" b="0" i="0" u="none" strike="noStrike" kern="1200" cap="none" spc="0" normalizeH="0" baseline="0" noProof="0">
+              <a:ln>
+                <a:noFill/>
+              </a:ln>
+              <a:solidFill>
+                <a:prstClr val="white"/>
+              </a:solidFill>
+              <a:effectLst/>
+              <a:uLnTx/>
+              <a:uFillTx/>
+              <a:latin typeface="Calibri" panose="020F0502020204030204"/>
+              <a:ea typeface="+mn-ea"/>
+              <a:cs typeface="+mn-cs"/>
+            </a:endParaRPr>
+          </a:p>
+        </p:txBody>
+      </p:sp>
+      <p:sp>
+        <p:nvSpPr>
+          <p:cNvPr id="2" name="Titel 1">
+            <a:extLst>
+              <a:ext uri="{FF2B5EF4-FFF2-40B4-BE49-F238E27FC236}">
+                <a16:creationId xmlns:a16="http://schemas.microsoft.com/office/drawing/2014/main" id="{3E7E3BE7-FE32-4663-AC07-9996E9BF6D81}"/>
+              </a:ext>
+            </a:extLst>
+          </p:cNvPr>
+          <p:cNvSpPr>
+            <a:spLocks noGrp="1"/>
+          </p:cNvSpPr>
+          <p:nvPr>
+            <p:ph type="title"/>
+          </p:nvPr>
+        </p:nvSpPr>
+        <p:spPr>
+          <a:xfrm>
+            <a:off x="863029" y="1012004"/>
+            <a:ext cx="3416158" cy="4795408"/>
+          </a:xfrm>
+        </p:spPr>
+        <p:txBody>
+          <a:bodyPr>
+            <a:normAutofit/>
+          </a:bodyPr>
+          <a:lstStyle/>
+          <a:p>
+            <a:r>
+              <a:rPr lang="de-DE" dirty="0">
+                <a:solidFill>
+                  <a:srgbClr val="FFFFFF"/>
+                </a:solidFill>
+              </a:rPr>
+              <a:t>Motivation und Ziel der Arbeit.</a:t>
+            </a:r>
+          </a:p>
+        </p:txBody>
+      </p:sp>
+      <p:graphicFrame>
+        <p:nvGraphicFramePr>
+          <p:cNvPr id="5" name="Inhaltsplatzhalter 2">
+            <a:extLst>
+              <a:ext uri="{FF2B5EF4-FFF2-40B4-BE49-F238E27FC236}">
+                <a16:creationId xmlns:a16="http://schemas.microsoft.com/office/drawing/2014/main" id="{599B8127-0F76-464F-B828-5F3F0D6381DF}"/>
+              </a:ext>
+            </a:extLst>
+          </p:cNvPr>
+          <p:cNvGraphicFramePr>
+            <a:graphicFrameLocks noGrp="1"/>
+          </p:cNvGraphicFramePr>
+          <p:nvPr>
+            <p:ph idx="1"/>
+            <p:extLst>
+              <p:ext uri="{D42A27DB-BD31-4B8C-83A1-F6EECF244321}">
+                <p14:modId xmlns:p14="http://schemas.microsoft.com/office/powerpoint/2010/main" val="1914596737"/>
+              </p:ext>
+            </p:extLst>
+          </p:nvPr>
+        </p:nvGraphicFramePr>
+        <p:xfrm>
+          <a:off x="5194300" y="470924"/>
+          <a:ext cx="6513604" cy="5885426"/>
+        </p:xfrm>
+        <a:graphic>
+          <a:graphicData uri="http://schemas.openxmlformats.org/drawingml/2006/diagram">
+            <dgm:relIds xmlns:dgm="http://schemas.openxmlformats.org/drawingml/2006/diagram" xmlns:r="http://schemas.openxmlformats.org/officeDocument/2006/relationships" r:dm="rId3" r:lo="rId4" r:qs="rId5" r:cs="rId6"/>
+          </a:graphicData>
+        </a:graphic>
+      </p:graphicFrame>
+      <p:sp>
+        <p:nvSpPr>
+          <p:cNvPr id="3" name="Datumsplatzhalter 2">
+            <a:extLst>
+              <a:ext uri="{FF2B5EF4-FFF2-40B4-BE49-F238E27FC236}">
+                <a16:creationId xmlns:a16="http://schemas.microsoft.com/office/drawing/2014/main" id="{C376886E-5FB5-4C7F-9AD0-B92BB2D34C2B}"/>
+              </a:ext>
+            </a:extLst>
+          </p:cNvPr>
+          <p:cNvSpPr>
+            <a:spLocks noGrp="1"/>
+          </p:cNvSpPr>
+          <p:nvPr>
+            <p:ph type="dt" sz="half" idx="10"/>
+          </p:nvPr>
+        </p:nvSpPr>
+        <p:spPr/>
+        <p:txBody>
+          <a:bodyPr/>
+          <a:lstStyle/>
+          <a:p>
+            <a:r>
+              <a:rPr lang="de-DE"/>
+              <a:t>Universität Augsburg</a:t>
+            </a:r>
+          </a:p>
+        </p:txBody>
+      </p:sp>
+      <p:sp>
+        <p:nvSpPr>
+          <p:cNvPr id="4" name="Fußzeilenplatzhalter 3">
+            <a:extLst>
+              <a:ext uri="{FF2B5EF4-FFF2-40B4-BE49-F238E27FC236}">
+                <a16:creationId xmlns:a16="http://schemas.microsoft.com/office/drawing/2014/main" id="{A76207E4-CB3E-4FAE-A132-483D7BDD11A8}"/>
+              </a:ext>
+            </a:extLst>
+          </p:cNvPr>
+          <p:cNvSpPr>
+            <a:spLocks noGrp="1"/>
+          </p:cNvSpPr>
+          <p:nvPr>
+            <p:ph type="ftr" sz="quarter" idx="11"/>
+          </p:nvPr>
+        </p:nvSpPr>
+        <p:spPr/>
+        <p:txBody>
+          <a:bodyPr/>
+          <a:lstStyle/>
+          <a:p>
+            <a:r>
+              <a:rPr lang="en-US"/>
+              <a:t>Efficient convolutional neural network with extremely limted ressource for klassifikation of large-scale image set</a:t>
+            </a:r>
+            <a:endParaRPr lang="de-DE"/>
+          </a:p>
+        </p:txBody>
+      </p:sp>
+      <p:sp>
+        <p:nvSpPr>
+          <p:cNvPr id="6" name="Foliennummernplatzhalter 5">
+            <a:extLst>
+              <a:ext uri="{FF2B5EF4-FFF2-40B4-BE49-F238E27FC236}">
+                <a16:creationId xmlns:a16="http://schemas.microsoft.com/office/drawing/2014/main" id="{8C46113D-B175-4BE2-BF3E-FDC3211E896C}"/>
+              </a:ext>
+            </a:extLst>
+          </p:cNvPr>
+          <p:cNvSpPr>
+            <a:spLocks noGrp="1"/>
+          </p:cNvSpPr>
+          <p:nvPr>
+            <p:ph type="sldNum" sz="quarter" idx="12"/>
+          </p:nvPr>
+        </p:nvSpPr>
+        <p:spPr/>
+        <p:txBody>
+          <a:bodyPr/>
+          <a:lstStyle/>
+          <a:p>
+            <a:fld id="{03657754-5E9E-462B-9D24-F189FB2DC94E}" type="slidenum">
+              <a:rPr lang="de-DE" smtClean="0"/>
+              <a:t>3</a:t>
+            </a:fld>
+            <a:endParaRPr lang="de-DE"/>
+          </a:p>
+        </p:txBody>
+      </p:sp>
+    </p:spTree>
+    <p:extLst>
+      <p:ext uri="{BB962C8B-B14F-4D97-AF65-F5344CB8AC3E}">
+        <p14:creationId xmlns:p14="http://schemas.microsoft.com/office/powerpoint/2010/main" val="189013748"/>
+      </p:ext>
+    </p:extLst>
+  </p:cSld>
+  <p:clrMapOvr>
+    <a:masterClrMapping/>
+  </p:clrMapOvr>
+</p:sld>
+</file>
+
+<file path=ppt/slides/slide30.xml><?xml version="1.0" encoding="utf-8"?>
+<p:sld xmlns:a="http://schemas.openxmlformats.org/drawingml/2006/main" xmlns:r="http://schemas.openxmlformats.org/officeDocument/2006/relationships" xmlns:p="http://schemas.openxmlformats.org/presentationml/2006/main">
+  <p:cSld>
+    <p:spTree>
+      <p:nvGrpSpPr>
+        <p:cNvPr id="1" name=""/>
+        <p:cNvGrpSpPr/>
+        <p:nvPr/>
+      </p:nvGrpSpPr>
+      <p:grpSpPr>
+        <a:xfrm>
+          <a:off x="0" y="0"/>
+          <a:ext cx="0" cy="0"/>
+          <a:chOff x="0" y="0"/>
+          <a:chExt cx="0" cy="0"/>
+        </a:xfrm>
+      </p:grpSpPr>
+      <p:sp>
+        <p:nvSpPr>
+          <p:cNvPr id="2" name="Titel 1">
+            <a:extLst>
+              <a:ext uri="{FF2B5EF4-FFF2-40B4-BE49-F238E27FC236}">
+                <a16:creationId xmlns:a16="http://schemas.microsoft.com/office/drawing/2014/main" id="{CF51310F-0AFB-4FFC-9670-25445C194265}"/>
+              </a:ext>
+            </a:extLst>
+          </p:cNvPr>
+          <p:cNvSpPr>
+            <a:spLocks noGrp="1"/>
+          </p:cNvSpPr>
+          <p:nvPr>
+            <p:ph type="title"/>
+          </p:nvPr>
+        </p:nvSpPr>
+        <p:spPr>
+          <a:xfrm>
+            <a:off x="0" y="0"/>
+            <a:ext cx="12192000" cy="1690689"/>
+          </a:xfrm>
+          <a:solidFill>
+            <a:schemeClr val="tx1"/>
+          </a:solidFill>
+        </p:spPr>
+        <p:txBody>
+          <a:bodyPr/>
+          <a:lstStyle/>
+          <a:p>
+            <a:pPr algn="ctr"/>
+            <a:r>
+              <a:rPr lang="de-DE" dirty="0">
+                <a:solidFill>
+                  <a:srgbClr val="FFFF00"/>
+                </a:solidFill>
+              </a:rPr>
+              <a:t>Transfer-Lernen</a:t>
+            </a:r>
+          </a:p>
+        </p:txBody>
+      </p:sp>
+      <mc:AlternateContent xmlns:mc="http://schemas.openxmlformats.org/markup-compatibility/2006" xmlns:a14="http://schemas.microsoft.com/office/drawing/2010/main">
+        <mc:Choice Requires="a14">
+          <p:sp>
+            <p:nvSpPr>
+              <p:cNvPr id="3" name="Inhaltsplatzhalter 2">
+                <a:extLst>
+                  <a:ext uri="{FF2B5EF4-FFF2-40B4-BE49-F238E27FC236}">
+                    <a16:creationId xmlns:a16="http://schemas.microsoft.com/office/drawing/2014/main" id="{A2EE547A-0A22-4C8D-9F5C-979D4178B701}"/>
+                  </a:ext>
+                </a:extLst>
+              </p:cNvPr>
+              <p:cNvSpPr>
+                <a:spLocks noGrp="1"/>
+              </p:cNvSpPr>
+              <p:nvPr>
+                <p:ph sz="half" idx="1"/>
+              </p:nvPr>
+            </p:nvSpPr>
+            <p:spPr/>
+            <p:txBody>
+              <a:bodyPr anchor="ctr"/>
+              <a:lstStyle/>
+              <a:p>
+                <a:r>
+                  <a:rPr lang="de-DE" dirty="0"/>
+                  <a:t>S := 2.895t</a:t>
+                </a:r>
+              </a:p>
+              <a:p>
+                <a:r>
+                  <a:rPr lang="de-DE" dirty="0"/>
+                  <a:t>Eingesparte Trainingszeit:</a:t>
+                </a:r>
+              </a:p>
+              <a:p>
+                <a:pPr lvl="1"/>
+                <a:r>
+                  <a:rPr lang="de-DE" dirty="0"/>
+                  <a:t>100x100: </a:t>
+                </a:r>
+                <a14:m>
+                  <m:oMath xmlns:m="http://schemas.openxmlformats.org/officeDocument/2006/math">
+                    <m:r>
+                      <a:rPr lang="de-DE" b="0" i="1" smtClean="0">
+                        <a:latin typeface="Cambria Math" panose="02040503050406030204" pitchFamily="18" charset="0"/>
+                      </a:rPr>
+                      <m:t>∼17%</m:t>
+                    </m:r>
+                  </m:oMath>
+                </a14:m>
+                <a:endParaRPr lang="de-DE" dirty="0"/>
+              </a:p>
+              <a:p>
+                <a:pPr lvl="1"/>
+                <a:r>
+                  <a:rPr lang="de-DE" dirty="0"/>
+                  <a:t>224x224: </a:t>
+                </a:r>
+                <a14:m>
+                  <m:oMath xmlns:m="http://schemas.openxmlformats.org/officeDocument/2006/math">
+                    <m:r>
+                      <a:rPr lang="de-DE" b="0" i="1" smtClean="0">
+                        <a:latin typeface="Cambria Math" panose="02040503050406030204" pitchFamily="18" charset="0"/>
+                      </a:rPr>
+                      <m:t>∼39%</m:t>
+                    </m:r>
+                  </m:oMath>
+                </a14:m>
+                <a:endParaRPr lang="de-DE" dirty="0"/>
+              </a:p>
+            </p:txBody>
+          </p:sp>
+        </mc:Choice>
+        <mc:Fallback xmlns="">
+          <p:sp>
+            <p:nvSpPr>
+              <p:cNvPr id="3" name="Inhaltsplatzhalter 2">
+                <a:extLst>
+                  <a:ext uri="{FF2B5EF4-FFF2-40B4-BE49-F238E27FC236}">
+                    <a16:creationId xmlns:a16="http://schemas.microsoft.com/office/drawing/2014/main" id="{A2EE547A-0A22-4C8D-9F5C-979D4178B701}"/>
+                  </a:ext>
+                </a:extLst>
+              </p:cNvPr>
+              <p:cNvSpPr>
+                <a:spLocks noGrp="1" noRot="1" noChangeAspect="1" noMove="1" noResize="1" noEditPoints="1" noAdjustHandles="1" noChangeArrowheads="1" noChangeShapeType="1" noTextEdit="1"/>
+              </p:cNvSpPr>
+              <p:nvPr>
+                <p:ph sz="half" idx="1"/>
+              </p:nvPr>
+            </p:nvSpPr>
+            <p:spPr>
+              <a:blipFill>
+                <a:blip r:embed="rId2"/>
+                <a:stretch>
+                  <a:fillRect l="-2118"/>
+                </a:stretch>
+              </a:blipFill>
+            </p:spPr>
+            <p:txBody>
+              <a:bodyPr/>
+              <a:lstStyle/>
+              <a:p>
+                <a:r>
+                  <a:rPr lang="de-DE">
+                    <a:noFill/>
+                  </a:rPr>
+                  <a:t> </a:t>
+                </a:r>
+              </a:p>
+            </p:txBody>
+          </p:sp>
+        </mc:Fallback>
+      </mc:AlternateContent>
+      <mc:AlternateContent xmlns:mc="http://schemas.openxmlformats.org/markup-compatibility/2006" xmlns:a14="http://schemas.microsoft.com/office/drawing/2010/main">
+        <mc:Choice Requires="a14">
+          <p:graphicFrame>
+            <p:nvGraphicFramePr>
+              <p:cNvPr id="8" name="Tabelle 8">
+                <a:extLst>
+                  <a:ext uri="{FF2B5EF4-FFF2-40B4-BE49-F238E27FC236}">
+                    <a16:creationId xmlns:a16="http://schemas.microsoft.com/office/drawing/2014/main" id="{B2DD1C18-25A4-4DA4-AE7A-1E30E2F35DD2}"/>
+                  </a:ext>
+                </a:extLst>
+              </p:cNvPr>
+              <p:cNvGraphicFramePr>
+                <a:graphicFrameLocks noGrp="1"/>
+              </p:cNvGraphicFramePr>
+              <p:nvPr>
+                <p:ph sz="half" idx="2"/>
+                <p:extLst>
+                  <p:ext uri="{D42A27DB-BD31-4B8C-83A1-F6EECF244321}">
+                    <p14:modId xmlns:p14="http://schemas.microsoft.com/office/powerpoint/2010/main" val="1685169102"/>
+                  </p:ext>
+                </p:extLst>
+              </p:nvPr>
+            </p:nvGraphicFramePr>
+            <p:xfrm>
+              <a:off x="6172202" y="2835465"/>
+              <a:ext cx="5620732" cy="2331657"/>
+            </p:xfrm>
+            <a:graphic>
+              <a:graphicData uri="http://schemas.openxmlformats.org/drawingml/2006/table">
+                <a:tbl>
+                  <a:tblPr firstRow="1" bandRow="1">
+                    <a:tableStyleId>{073A0DAA-6AF3-43AB-8588-CEC1D06C72B9}</a:tableStyleId>
+                  </a:tblPr>
+                  <a:tblGrid>
+                    <a:gridCol w="1405183">
+                      <a:extLst>
+                        <a:ext uri="{9D8B030D-6E8A-4147-A177-3AD203B41FA5}">
+                          <a16:colId xmlns:a16="http://schemas.microsoft.com/office/drawing/2014/main" val="2186228558"/>
+                        </a:ext>
+                      </a:extLst>
+                    </a:gridCol>
+                    <a:gridCol w="1405183">
+                      <a:extLst>
+                        <a:ext uri="{9D8B030D-6E8A-4147-A177-3AD203B41FA5}">
+                          <a16:colId xmlns:a16="http://schemas.microsoft.com/office/drawing/2014/main" val="504147417"/>
+                        </a:ext>
+                      </a:extLst>
+                    </a:gridCol>
+                    <a:gridCol w="1405183">
+                      <a:extLst>
+                        <a:ext uri="{9D8B030D-6E8A-4147-A177-3AD203B41FA5}">
+                          <a16:colId xmlns:a16="http://schemas.microsoft.com/office/drawing/2014/main" val="1503610857"/>
+                        </a:ext>
+                      </a:extLst>
+                    </a:gridCol>
+                    <a:gridCol w="1405183">
+                      <a:extLst>
+                        <a:ext uri="{9D8B030D-6E8A-4147-A177-3AD203B41FA5}">
+                          <a16:colId xmlns:a16="http://schemas.microsoft.com/office/drawing/2014/main" val="3766764327"/>
+                        </a:ext>
+                      </a:extLst>
+                    </a:gridCol>
+                  </a:tblGrid>
+                  <a:tr h="370840">
+                    <a:tc>
+                      <a:txBody>
+                        <a:bodyPr/>
+                        <a:lstStyle/>
+                        <a:p>
+                          <a:pPr algn="ctr"/>
+                          <a:r>
+                            <a:rPr lang="de-DE" dirty="0"/>
+                            <a:t>Transfer</a:t>
+                          </a:r>
+                        </a:p>
+                      </a:txBody>
+                      <a:tcPr anchor="ctr"/>
+                    </a:tc>
+                    <a:tc>
+                      <a:txBody>
+                        <a:bodyPr/>
+                        <a:lstStyle/>
+                        <a:p>
+                          <a:pPr algn="ctr"/>
+                          <a:r>
+                            <a:rPr lang="de-DE" dirty="0"/>
+                            <a:t>Bildgröße</a:t>
+                          </a:r>
+                        </a:p>
+                      </a:txBody>
+                      <a:tcPr anchor="ctr"/>
+                    </a:tc>
+                    <a:tc>
+                      <a:txBody>
+                        <a:bodyPr/>
+                        <a:lstStyle/>
+                        <a:p>
+                          <a:pPr algn="ctr"/>
+                          <a:r>
+                            <a:rPr lang="de-DE" dirty="0"/>
+                            <a:t>Trainingszeit</a:t>
+                          </a:r>
+                        </a:p>
+                      </a:txBody>
+                      <a:tcPr anchor="ctr"/>
+                    </a:tc>
+                    <a:tc>
+                      <a:txBody>
+                        <a:bodyPr/>
+                        <a:lstStyle/>
+                        <a:p>
+                          <a:pPr algn="ctr"/>
+                          <a:r>
+                            <a:rPr lang="de-DE" dirty="0"/>
+                            <a:t>Genauigkeit</a:t>
+                          </a:r>
+                        </a:p>
+                      </a:txBody>
+                      <a:tcPr anchor="ctr"/>
+                    </a:tc>
+                    <a:extLst>
+                      <a:ext uri="{0D108BD9-81ED-4DB2-BD59-A6C34878D82A}">
+                        <a16:rowId xmlns:a16="http://schemas.microsoft.com/office/drawing/2014/main" val="184275402"/>
+                      </a:ext>
+                    </a:extLst>
+                  </a:tr>
+                  <a:tr h="370840">
+                    <a:tc>
+                      <a:txBody>
+                        <a:bodyPr/>
+                        <a:lstStyle/>
+                        <a:p>
+                          <a:pPr algn="ctr"/>
+                          <a:r>
+                            <a:rPr lang="de-DE" dirty="0"/>
+                            <a:t>Nein</a:t>
+                          </a:r>
+                        </a:p>
+                      </a:txBody>
+                      <a:tcPr anchor="ctr"/>
+                    </a:tc>
+                    <a:tc>
+                      <a:txBody>
+                        <a:bodyPr/>
+                        <a:lstStyle/>
+                        <a:p>
+                          <a:pPr algn="ctr"/>
+                          <a:r>
+                            <a:rPr lang="de-DE" dirty="0"/>
+                            <a:t>100x100</a:t>
+                          </a:r>
+                        </a:p>
+                      </a:txBody>
+                      <a:tcPr anchor="ctr"/>
+                    </a:tc>
+                    <a:tc>
+                      <a:txBody>
+                        <a:bodyPr/>
+                        <a:lstStyle/>
+                        <a:p>
+                          <a:pPr algn="ctr"/>
+                          <a:r>
+                            <a:rPr lang="de-DE" dirty="0"/>
+                            <a:t>t</a:t>
+                          </a:r>
+                        </a:p>
+                      </a:txBody>
+                      <a:tcPr anchor="ctr"/>
+                    </a:tc>
+                    <a:tc>
+                      <a:txBody>
+                        <a:bodyPr/>
+                        <a:lstStyle/>
+                        <a:p>
+                          <a:pPr algn="ctr"/>
+                          <a:r>
+                            <a:rPr lang="de-DE" dirty="0"/>
+                            <a:t>67.30%</a:t>
+                          </a:r>
+                        </a:p>
+                      </a:txBody>
+                      <a:tcPr anchor="ctr"/>
+                    </a:tc>
+                    <a:extLst>
+                      <a:ext uri="{0D108BD9-81ED-4DB2-BD59-A6C34878D82A}">
+                        <a16:rowId xmlns:a16="http://schemas.microsoft.com/office/drawing/2014/main" val="23497627"/>
+                      </a:ext>
+                    </a:extLst>
+                  </a:tr>
+                  <a:tr h="370840">
+                    <a:tc>
+                      <a:txBody>
+                        <a:bodyPr/>
+                        <a:lstStyle/>
+                        <a:p>
+                          <a:pPr algn="ctr"/>
+                          <a:r>
+                            <a:rPr lang="de-DE" dirty="0"/>
+                            <a:t>Ja</a:t>
+                          </a:r>
+                        </a:p>
+                      </a:txBody>
+                      <a:tcPr anchor="ctr">
+                        <a:solidFill>
+                          <a:srgbClr val="FFC000"/>
+                        </a:solidFill>
+                      </a:tcPr>
+                    </a:tc>
+                    <a:tc>
+                      <a:txBody>
+                        <a:bodyPr/>
+                        <a:lstStyle/>
+                        <a:p>
+                          <a:pPr algn="ctr"/>
+                          <a:r>
+                            <a:rPr lang="de-DE" dirty="0"/>
+                            <a:t>100x100</a:t>
+                          </a:r>
+                        </a:p>
+                      </a:txBody>
+                      <a:tcPr anchor="ctr">
+                        <a:solidFill>
+                          <a:srgbClr val="FFC000"/>
+                        </a:solidFill>
+                      </a:tcPr>
+                    </a:tc>
+                    <a:tc>
+                      <a:txBody>
+                        <a:bodyPr/>
+                        <a:lstStyle/>
+                        <a:p>
+                          <a:pPr algn="ctr"/>
+                          <a14:m>
+                            <m:oMathPara xmlns:m="http://schemas.openxmlformats.org/officeDocument/2006/math">
+                              <m:oMathParaPr>
+                                <m:jc m:val="centerGroup"/>
+                              </m:oMathParaPr>
+                              <m:oMath xmlns:m="http://schemas.openxmlformats.org/officeDocument/2006/math">
+                                <m:f>
+                                  <m:fPr>
+                                    <m:ctrlPr>
+                                      <a:rPr lang="de-DE" i="1" smtClean="0">
+                                        <a:latin typeface="Cambria Math" panose="02040503050406030204" pitchFamily="18" charset="0"/>
+                                      </a:rPr>
+                                    </m:ctrlPr>
+                                  </m:fPr>
+                                  <m:num>
+                                    <m:r>
+                                      <a:rPr lang="de-DE" smtClean="0">
+                                        <a:latin typeface="Cambria Math" panose="02040503050406030204" pitchFamily="18" charset="0"/>
+                                      </a:rPr>
+                                      <m:t>5</m:t>
+                                    </m:r>
+                                    <m:r>
+                                      <a:rPr lang="de-DE" smtClean="0">
+                                        <a:latin typeface="Cambria Math" panose="02040503050406030204" pitchFamily="18" charset="0"/>
+                                      </a:rPr>
+                                      <m:t>𝑡</m:t>
+                                    </m:r>
+                                  </m:num>
+                                  <m:den>
+                                    <m:r>
+                                      <a:rPr lang="de-DE" smtClean="0">
+                                        <a:latin typeface="Cambria Math" panose="02040503050406030204" pitchFamily="18" charset="0"/>
+                                      </a:rPr>
+                                      <m:t>6</m:t>
+                                    </m:r>
+                                  </m:den>
+                                </m:f>
+                              </m:oMath>
+                            </m:oMathPara>
+                          </a14:m>
+                          <a:endParaRPr lang="de-DE" b="0" dirty="0"/>
+                        </a:p>
+                      </a:txBody>
+                      <a:tcPr anchor="ctr">
+                        <a:solidFill>
+                          <a:srgbClr val="FFC000"/>
+                        </a:solidFill>
+                      </a:tcPr>
+                    </a:tc>
+                    <a:tc>
+                      <a:txBody>
+                        <a:bodyPr/>
+                        <a:lstStyle/>
+                        <a:p>
+                          <a:pPr algn="ctr"/>
+                          <a:r>
+                            <a:rPr lang="de-DE" dirty="0"/>
+                            <a:t>66.65%</a:t>
+                          </a:r>
+                        </a:p>
+                      </a:txBody>
+                      <a:tcPr anchor="ctr">
+                        <a:solidFill>
+                          <a:srgbClr val="FFC000"/>
+                        </a:solidFill>
+                      </a:tcPr>
+                    </a:tc>
+                    <a:extLst>
+                      <a:ext uri="{0D108BD9-81ED-4DB2-BD59-A6C34878D82A}">
+                        <a16:rowId xmlns:a16="http://schemas.microsoft.com/office/drawing/2014/main" val="1581428380"/>
+                      </a:ext>
+                    </a:extLst>
+                  </a:tr>
+                  <a:tr h="370840">
+                    <a:tc>
+                      <a:txBody>
+                        <a:bodyPr/>
+                        <a:lstStyle/>
+                        <a:p>
+                          <a:pPr algn="ctr"/>
+                          <a:r>
+                            <a:rPr lang="de-DE" dirty="0"/>
+                            <a:t>Nein</a:t>
+                          </a:r>
+                        </a:p>
+                      </a:txBody>
+                      <a:tcPr anchor="ctr"/>
+                    </a:tc>
+                    <a:tc>
+                      <a:txBody>
+                        <a:bodyPr/>
+                        <a:lstStyle/>
+                        <a:p>
+                          <a:pPr algn="ctr"/>
+                          <a:r>
+                            <a:rPr lang="de-DE" dirty="0"/>
+                            <a:t>224x224</a:t>
+                          </a:r>
+                        </a:p>
+                      </a:txBody>
+                      <a:tcPr anchor="ctr"/>
+                    </a:tc>
+                    <a:tc>
+                      <a:txBody>
+                        <a:bodyPr/>
+                        <a:lstStyle/>
+                        <a:p>
+                          <a:pPr algn="ctr"/>
+                          <a:r>
+                            <a:rPr lang="de-DE" dirty="0"/>
+                            <a:t> s</a:t>
+                          </a:r>
+                        </a:p>
+                      </a:txBody>
+                      <a:tcPr anchor="ctr"/>
+                    </a:tc>
+                    <a:tc>
+                      <a:txBody>
+                        <a:bodyPr/>
+                        <a:lstStyle/>
+                        <a:p>
+                          <a:pPr algn="ctr"/>
+                          <a:r>
+                            <a:rPr lang="de-DE" dirty="0"/>
+                            <a:t>73.69%</a:t>
+                          </a:r>
+                        </a:p>
+                      </a:txBody>
+                      <a:tcPr anchor="ctr"/>
+                    </a:tc>
+                    <a:extLst>
+                      <a:ext uri="{0D108BD9-81ED-4DB2-BD59-A6C34878D82A}">
+                        <a16:rowId xmlns:a16="http://schemas.microsoft.com/office/drawing/2014/main" val="2331023517"/>
+                      </a:ext>
+                    </a:extLst>
+                  </a:tr>
+                  <a:tr h="370840">
+                    <a:tc>
+                      <a:txBody>
+                        <a:bodyPr/>
+                        <a:lstStyle/>
+                        <a:p>
+                          <a:pPr algn="ctr"/>
+                          <a:r>
+                            <a:rPr lang="de-DE" dirty="0"/>
+                            <a:t>Ja</a:t>
+                          </a:r>
+                        </a:p>
+                      </a:txBody>
+                      <a:tcPr anchor="ctr">
+                        <a:solidFill>
+                          <a:srgbClr val="FFC000"/>
+                        </a:solidFill>
+                      </a:tcPr>
+                    </a:tc>
+                    <a:tc>
+                      <a:txBody>
+                        <a:bodyPr/>
+                        <a:lstStyle/>
+                        <a:p>
+                          <a:pPr algn="ctr"/>
+                          <a:r>
+                            <a:rPr lang="de-DE" dirty="0"/>
+                            <a:t>224x224</a:t>
+                          </a:r>
+                        </a:p>
+                      </a:txBody>
+                      <a:tcPr anchor="ctr">
+                        <a:solidFill>
+                          <a:srgbClr val="FFC000"/>
+                        </a:solidFill>
+                      </a:tcPr>
+                    </a:tc>
+                    <a:tc>
+                      <a:txBody>
+                        <a:bodyPr/>
+                        <a:lstStyle/>
+                        <a:p>
+                          <a:pPr algn="ctr"/>
+                          <a14:m>
+                            <m:oMathPara xmlns:m="http://schemas.openxmlformats.org/officeDocument/2006/math">
+                              <m:oMathParaPr>
+                                <m:jc m:val="centerGroup"/>
+                              </m:oMathParaPr>
+                              <m:oMath xmlns:m="http://schemas.openxmlformats.org/officeDocument/2006/math">
+                                <m:r>
+                                  <a:rPr lang="de-DE" smtClean="0">
+                                    <a:latin typeface="Cambria Math" panose="02040503050406030204" pitchFamily="18" charset="0"/>
+                                  </a:rPr>
+                                  <m:t>∼</m:t>
+                                </m:r>
+                                <m:f>
+                                  <m:fPr>
+                                    <m:ctrlPr>
+                                      <a:rPr lang="de-DE" i="1" smtClean="0">
+                                        <a:latin typeface="Cambria Math" panose="02040503050406030204" pitchFamily="18" charset="0"/>
+                                      </a:rPr>
+                                    </m:ctrlPr>
+                                  </m:fPr>
+                                  <m:num>
+                                    <m:r>
+                                      <a:rPr lang="de-DE" smtClean="0">
+                                        <a:latin typeface="Cambria Math" panose="02040503050406030204" pitchFamily="18" charset="0"/>
+                                      </a:rPr>
+                                      <m:t>11</m:t>
+                                    </m:r>
+                                    <m:r>
+                                      <a:rPr lang="de-DE" smtClean="0">
+                                        <a:latin typeface="Cambria Math" panose="02040503050406030204" pitchFamily="18" charset="0"/>
+                                      </a:rPr>
+                                      <m:t>𝑠</m:t>
+                                    </m:r>
+                                  </m:num>
+                                  <m:den>
+                                    <m:r>
+                                      <a:rPr lang="de-DE" smtClean="0">
+                                        <a:latin typeface="Cambria Math" panose="02040503050406030204" pitchFamily="18" charset="0"/>
+                                      </a:rPr>
+                                      <m:t>18</m:t>
+                                    </m:r>
+                                  </m:den>
+                                </m:f>
+                              </m:oMath>
+                            </m:oMathPara>
+                          </a14:m>
+                          <a:endParaRPr lang="de-DE" b="0" dirty="0"/>
+                        </a:p>
+                      </a:txBody>
+                      <a:tcPr anchor="ctr">
+                        <a:solidFill>
+                          <a:srgbClr val="FFC000"/>
+                        </a:solidFill>
+                      </a:tcPr>
+                    </a:tc>
+                    <a:tc>
+                      <a:txBody>
+                        <a:bodyPr/>
+                        <a:lstStyle/>
+                        <a:p>
+                          <a:pPr algn="ctr"/>
+                          <a:r>
+                            <a:rPr lang="de-DE" dirty="0"/>
+                            <a:t>73.04%</a:t>
+                          </a:r>
+                        </a:p>
+                      </a:txBody>
+                      <a:tcPr anchor="ctr">
+                        <a:solidFill>
+                          <a:srgbClr val="FFC000"/>
+                        </a:solidFill>
+                      </a:tcPr>
+                    </a:tc>
+                    <a:extLst>
+                      <a:ext uri="{0D108BD9-81ED-4DB2-BD59-A6C34878D82A}">
+                        <a16:rowId xmlns:a16="http://schemas.microsoft.com/office/drawing/2014/main" val="1267171032"/>
+                      </a:ext>
+                    </a:extLst>
+                  </a:tr>
+                </a:tbl>
+              </a:graphicData>
+            </a:graphic>
+          </p:graphicFrame>
+        </mc:Choice>
+        <mc:Fallback xmlns="">
+          <p:graphicFrame>
+            <p:nvGraphicFramePr>
+              <p:cNvPr id="8" name="Tabelle 8">
+                <a:extLst>
+                  <a:ext uri="{FF2B5EF4-FFF2-40B4-BE49-F238E27FC236}">
+                    <a16:creationId xmlns:a16="http://schemas.microsoft.com/office/drawing/2014/main" id="{B2DD1C18-25A4-4DA4-AE7A-1E30E2F35DD2}"/>
+                  </a:ext>
+                </a:extLst>
+              </p:cNvPr>
+              <p:cNvGraphicFramePr>
+                <a:graphicFrameLocks noGrp="1"/>
+              </p:cNvGraphicFramePr>
+              <p:nvPr>
+                <p:ph sz="half" idx="2"/>
+                <p:extLst>
+                  <p:ext uri="{D42A27DB-BD31-4B8C-83A1-F6EECF244321}">
+                    <p14:modId xmlns:p14="http://schemas.microsoft.com/office/powerpoint/2010/main" val="1685169102"/>
+                  </p:ext>
+                </p:extLst>
+              </p:nvPr>
+            </p:nvGraphicFramePr>
+            <p:xfrm>
+              <a:off x="6172202" y="2835465"/>
+              <a:ext cx="5620732" cy="2331657"/>
+            </p:xfrm>
+            <a:graphic>
+              <a:graphicData uri="http://schemas.openxmlformats.org/drawingml/2006/table">
+                <a:tbl>
+                  <a:tblPr firstRow="1" bandRow="1">
+                    <a:tableStyleId>{073A0DAA-6AF3-43AB-8588-CEC1D06C72B9}</a:tableStyleId>
+                  </a:tblPr>
+                  <a:tblGrid>
+                    <a:gridCol w="1405183">
+                      <a:extLst>
+                        <a:ext uri="{9D8B030D-6E8A-4147-A177-3AD203B41FA5}">
+                          <a16:colId xmlns:a16="http://schemas.microsoft.com/office/drawing/2014/main" val="2186228558"/>
+                        </a:ext>
+                      </a:extLst>
+                    </a:gridCol>
+                    <a:gridCol w="1405183">
+                      <a:extLst>
+                        <a:ext uri="{9D8B030D-6E8A-4147-A177-3AD203B41FA5}">
+                          <a16:colId xmlns:a16="http://schemas.microsoft.com/office/drawing/2014/main" val="504147417"/>
+                        </a:ext>
+                      </a:extLst>
+                    </a:gridCol>
+                    <a:gridCol w="1405183">
+                      <a:extLst>
+                        <a:ext uri="{9D8B030D-6E8A-4147-A177-3AD203B41FA5}">
+                          <a16:colId xmlns:a16="http://schemas.microsoft.com/office/drawing/2014/main" val="1503610857"/>
+                        </a:ext>
+                      </a:extLst>
+                    </a:gridCol>
+                    <a:gridCol w="1405183">
+                      <a:extLst>
+                        <a:ext uri="{9D8B030D-6E8A-4147-A177-3AD203B41FA5}">
+                          <a16:colId xmlns:a16="http://schemas.microsoft.com/office/drawing/2014/main" val="3766764327"/>
+                        </a:ext>
+                      </a:extLst>
+                    </a:gridCol>
+                  </a:tblGrid>
+                  <a:tr h="370840">
+                    <a:tc>
+                      <a:txBody>
+                        <a:bodyPr/>
+                        <a:lstStyle/>
+                        <a:p>
+                          <a:pPr algn="ctr"/>
+                          <a:r>
+                            <a:rPr lang="de-DE" dirty="0"/>
+                            <a:t>Transfer</a:t>
+                          </a:r>
+                        </a:p>
+                      </a:txBody>
+                      <a:tcPr anchor="ctr"/>
+                    </a:tc>
+                    <a:tc>
+                      <a:txBody>
+                        <a:bodyPr/>
+                        <a:lstStyle/>
+                        <a:p>
+                          <a:pPr algn="ctr"/>
+                          <a:r>
+                            <a:rPr lang="de-DE" dirty="0"/>
+                            <a:t>Bildgröße</a:t>
+                          </a:r>
+                        </a:p>
+                      </a:txBody>
+                      <a:tcPr anchor="ctr"/>
+                    </a:tc>
+                    <a:tc>
+                      <a:txBody>
+                        <a:bodyPr/>
+                        <a:lstStyle/>
+                        <a:p>
+                          <a:pPr algn="ctr"/>
+                          <a:r>
+                            <a:rPr lang="de-DE" dirty="0"/>
+                            <a:t>Trainingszeit</a:t>
+                          </a:r>
+                        </a:p>
+                      </a:txBody>
+                      <a:tcPr anchor="ctr"/>
+                    </a:tc>
+                    <a:tc>
+                      <a:txBody>
+                        <a:bodyPr/>
+                        <a:lstStyle/>
+                        <a:p>
+                          <a:pPr algn="ctr"/>
+                          <a:r>
+                            <a:rPr lang="de-DE" dirty="0"/>
+                            <a:t>Genauigkeit</a:t>
+                          </a:r>
+                        </a:p>
+                      </a:txBody>
+                      <a:tcPr anchor="ctr"/>
+                    </a:tc>
+                    <a:extLst>
+                      <a:ext uri="{0D108BD9-81ED-4DB2-BD59-A6C34878D82A}">
+                        <a16:rowId xmlns:a16="http://schemas.microsoft.com/office/drawing/2014/main" val="184275402"/>
+                      </a:ext>
+                    </a:extLst>
+                  </a:tr>
+                  <a:tr h="370840">
+                    <a:tc>
+                      <a:txBody>
+                        <a:bodyPr/>
+                        <a:lstStyle/>
+                        <a:p>
+                          <a:pPr algn="ctr"/>
+                          <a:r>
+                            <a:rPr lang="de-DE" dirty="0"/>
+                            <a:t>Nein</a:t>
+                          </a:r>
+                        </a:p>
+                      </a:txBody>
+                      <a:tcPr anchor="ctr"/>
+                    </a:tc>
+                    <a:tc>
+                      <a:txBody>
+                        <a:bodyPr/>
+                        <a:lstStyle/>
+                        <a:p>
+                          <a:pPr algn="ctr"/>
+                          <a:r>
+                            <a:rPr lang="de-DE" dirty="0"/>
+                            <a:t>100x100</a:t>
+                          </a:r>
+                        </a:p>
+                      </a:txBody>
+                      <a:tcPr anchor="ctr"/>
+                    </a:tc>
+                    <a:tc>
+                      <a:txBody>
+                        <a:bodyPr/>
+                        <a:lstStyle/>
+                        <a:p>
+                          <a:pPr algn="ctr"/>
+                          <a:r>
+                            <a:rPr lang="de-DE" dirty="0"/>
+                            <a:t>t</a:t>
+                          </a:r>
+                        </a:p>
+                      </a:txBody>
+                      <a:tcPr anchor="ctr"/>
+                    </a:tc>
+                    <a:tc>
+                      <a:txBody>
+                        <a:bodyPr/>
+                        <a:lstStyle/>
+                        <a:p>
+                          <a:pPr algn="ctr"/>
+                          <a:r>
+                            <a:rPr lang="de-DE" dirty="0"/>
+                            <a:t>67.30%</a:t>
+                          </a:r>
+                        </a:p>
+                      </a:txBody>
+                      <a:tcPr anchor="ctr"/>
+                    </a:tc>
+                    <a:extLst>
+                      <a:ext uri="{0D108BD9-81ED-4DB2-BD59-A6C34878D82A}">
+                        <a16:rowId xmlns:a16="http://schemas.microsoft.com/office/drawing/2014/main" val="23497627"/>
+                      </a:ext>
+                    </a:extLst>
+                  </a:tr>
+                  <a:tr h="612331">
+                    <a:tc>
+                      <a:txBody>
+                        <a:bodyPr/>
+                        <a:lstStyle/>
+                        <a:p>
+                          <a:pPr algn="ctr"/>
+                          <a:r>
+                            <a:rPr lang="de-DE" dirty="0"/>
+                            <a:t>Ja</a:t>
+                          </a:r>
+                        </a:p>
+                      </a:txBody>
+                      <a:tcPr anchor="ctr">
+                        <a:solidFill>
+                          <a:srgbClr val="FFC000"/>
+                        </a:solidFill>
+                      </a:tcPr>
+                    </a:tc>
+                    <a:tc>
+                      <a:txBody>
+                        <a:bodyPr/>
+                        <a:lstStyle/>
+                        <a:p>
+                          <a:pPr algn="ctr"/>
+                          <a:r>
+                            <a:rPr lang="de-DE" dirty="0"/>
+                            <a:t>100x100</a:t>
+                          </a:r>
+                        </a:p>
+                      </a:txBody>
+                      <a:tcPr anchor="ctr">
+                        <a:solidFill>
+                          <a:srgbClr val="FFC000"/>
+                        </a:solidFill>
+                      </a:tcPr>
+                    </a:tc>
+                    <a:tc>
+                      <a:txBody>
+                        <a:bodyPr/>
+                        <a:lstStyle/>
+                        <a:p>
+                          <a:endParaRPr lang="de-DE"/>
+                        </a:p>
+                      </a:txBody>
+                      <a:tcPr anchor="ctr">
+                        <a:blipFill>
+                          <a:blip r:embed="rId3"/>
+                          <a:stretch>
+                            <a:fillRect l="-201304" t="-127000" r="-102174" b="-163000"/>
+                          </a:stretch>
+                        </a:blipFill>
+                      </a:tcPr>
+                    </a:tc>
+                    <a:tc>
+                      <a:txBody>
+                        <a:bodyPr/>
+                        <a:lstStyle/>
+                        <a:p>
+                          <a:pPr algn="ctr"/>
+                          <a:r>
+                            <a:rPr lang="de-DE" dirty="0"/>
+                            <a:t>66.65%</a:t>
+                          </a:r>
+                        </a:p>
+                      </a:txBody>
+                      <a:tcPr anchor="ctr">
+                        <a:solidFill>
+                          <a:srgbClr val="FFC000"/>
+                        </a:solidFill>
+                      </a:tcPr>
+                    </a:tc>
+                    <a:extLst>
+                      <a:ext uri="{0D108BD9-81ED-4DB2-BD59-A6C34878D82A}">
+                        <a16:rowId xmlns:a16="http://schemas.microsoft.com/office/drawing/2014/main" val="1581428380"/>
+                      </a:ext>
+                    </a:extLst>
+                  </a:tr>
+                  <a:tr h="370840">
+                    <a:tc>
+                      <a:txBody>
+                        <a:bodyPr/>
+                        <a:lstStyle/>
+                        <a:p>
+                          <a:pPr algn="ctr"/>
+                          <a:r>
+                            <a:rPr lang="de-DE" dirty="0"/>
+                            <a:t>Nein</a:t>
+                          </a:r>
+                        </a:p>
+                      </a:txBody>
+                      <a:tcPr anchor="ctr"/>
+                    </a:tc>
+                    <a:tc>
+                      <a:txBody>
+                        <a:bodyPr/>
+                        <a:lstStyle/>
+                        <a:p>
+                          <a:pPr algn="ctr"/>
+                          <a:r>
+                            <a:rPr lang="de-DE" dirty="0"/>
+                            <a:t>224x224</a:t>
+                          </a:r>
+                        </a:p>
+                      </a:txBody>
+                      <a:tcPr anchor="ctr"/>
+                    </a:tc>
+                    <a:tc>
+                      <a:txBody>
+                        <a:bodyPr/>
+                        <a:lstStyle/>
+                        <a:p>
+                          <a:pPr algn="ctr"/>
+                          <a:r>
+                            <a:rPr lang="de-DE" dirty="0"/>
+                            <a:t> s</a:t>
+                          </a:r>
+                        </a:p>
+                      </a:txBody>
+                      <a:tcPr anchor="ctr"/>
+                    </a:tc>
+                    <a:tc>
+                      <a:txBody>
+                        <a:bodyPr/>
+                        <a:lstStyle/>
+                        <a:p>
+                          <a:pPr algn="ctr"/>
+                          <a:r>
+                            <a:rPr lang="de-DE" dirty="0"/>
+                            <a:t>73.69%</a:t>
+                          </a:r>
+                        </a:p>
+                      </a:txBody>
+                      <a:tcPr anchor="ctr"/>
+                    </a:tc>
+                    <a:extLst>
+                      <a:ext uri="{0D108BD9-81ED-4DB2-BD59-A6C34878D82A}">
+                        <a16:rowId xmlns:a16="http://schemas.microsoft.com/office/drawing/2014/main" val="2331023517"/>
+                      </a:ext>
+                    </a:extLst>
+                  </a:tr>
+                  <a:tr h="606806">
+                    <a:tc>
+                      <a:txBody>
+                        <a:bodyPr/>
+                        <a:lstStyle/>
+                        <a:p>
+                          <a:pPr algn="ctr"/>
+                          <a:r>
+                            <a:rPr lang="de-DE" dirty="0"/>
+                            <a:t>Ja</a:t>
+                          </a:r>
+                        </a:p>
+                      </a:txBody>
+                      <a:tcPr anchor="ctr">
+                        <a:solidFill>
+                          <a:srgbClr val="FFC000"/>
+                        </a:solidFill>
+                      </a:tcPr>
+                    </a:tc>
+                    <a:tc>
+                      <a:txBody>
+                        <a:bodyPr/>
+                        <a:lstStyle/>
+                        <a:p>
+                          <a:pPr algn="ctr"/>
+                          <a:r>
+                            <a:rPr lang="de-DE" dirty="0"/>
+                            <a:t>224x224</a:t>
+                          </a:r>
+                        </a:p>
+                      </a:txBody>
+                      <a:tcPr anchor="ctr">
+                        <a:solidFill>
+                          <a:srgbClr val="FFC000"/>
+                        </a:solidFill>
+                      </a:tcPr>
+                    </a:tc>
+                    <a:tc>
+                      <a:txBody>
+                        <a:bodyPr/>
+                        <a:lstStyle/>
+                        <a:p>
+                          <a:endParaRPr lang="de-DE"/>
+                        </a:p>
+                      </a:txBody>
+                      <a:tcPr anchor="ctr">
+                        <a:blipFill>
+                          <a:blip r:embed="rId3"/>
+                          <a:stretch>
+                            <a:fillRect l="-201304" t="-288000" r="-102174" b="-2000"/>
+                          </a:stretch>
+                        </a:blipFill>
+                      </a:tcPr>
+                    </a:tc>
+                    <a:tc>
+                      <a:txBody>
+                        <a:bodyPr/>
+                        <a:lstStyle/>
+                        <a:p>
+                          <a:pPr algn="ctr"/>
+                          <a:r>
+                            <a:rPr lang="de-DE" dirty="0"/>
+                            <a:t>73.04%</a:t>
+                          </a:r>
+                        </a:p>
+                      </a:txBody>
+                      <a:tcPr anchor="ctr">
+                        <a:solidFill>
+                          <a:srgbClr val="FFC000"/>
+                        </a:solidFill>
+                      </a:tcPr>
+                    </a:tc>
+                    <a:extLst>
+                      <a:ext uri="{0D108BD9-81ED-4DB2-BD59-A6C34878D82A}">
+                        <a16:rowId xmlns:a16="http://schemas.microsoft.com/office/drawing/2014/main" val="1267171032"/>
+                      </a:ext>
+                    </a:extLst>
+                  </a:tr>
+                </a:tbl>
+              </a:graphicData>
+            </a:graphic>
+          </p:graphicFrame>
+        </mc:Fallback>
+      </mc:AlternateContent>
+      <p:sp>
+        <p:nvSpPr>
+          <p:cNvPr id="5" name="Datumsplatzhalter 4">
+            <a:extLst>
+              <a:ext uri="{FF2B5EF4-FFF2-40B4-BE49-F238E27FC236}">
+                <a16:creationId xmlns:a16="http://schemas.microsoft.com/office/drawing/2014/main" id="{C3A1412C-3C65-4F54-8276-23AED78CE2A9}"/>
+              </a:ext>
+            </a:extLst>
+          </p:cNvPr>
+          <p:cNvSpPr>
+            <a:spLocks noGrp="1"/>
+          </p:cNvSpPr>
+          <p:nvPr>
+            <p:ph type="dt" sz="half" idx="10"/>
+          </p:nvPr>
+        </p:nvSpPr>
+        <p:spPr/>
+        <p:txBody>
+          <a:bodyPr/>
+          <a:lstStyle/>
+          <a:p>
+            <a:r>
+              <a:rPr lang="de-DE"/>
+              <a:t>Universität Augsburg</a:t>
+            </a:r>
+          </a:p>
+        </p:txBody>
+      </p:sp>
+      <p:sp>
+        <p:nvSpPr>
+          <p:cNvPr id="6" name="Fußzeilenplatzhalter 5">
+            <a:extLst>
+              <a:ext uri="{FF2B5EF4-FFF2-40B4-BE49-F238E27FC236}">
+                <a16:creationId xmlns:a16="http://schemas.microsoft.com/office/drawing/2014/main" id="{AC7A17C1-A9A8-42A2-8F1F-201D448C54A4}"/>
+              </a:ext>
+            </a:extLst>
+          </p:cNvPr>
+          <p:cNvSpPr>
+            <a:spLocks noGrp="1"/>
+          </p:cNvSpPr>
+          <p:nvPr>
+            <p:ph type="ftr" sz="quarter" idx="11"/>
+          </p:nvPr>
+        </p:nvSpPr>
+        <p:spPr/>
+        <p:txBody>
+          <a:bodyPr/>
+          <a:lstStyle/>
+          <a:p>
+            <a:r>
+              <a:rPr lang="en-US"/>
+              <a:t>Efficient convolutional neural network with extremely limted ressource for klassifikation of large-scale image set</a:t>
+            </a:r>
+            <a:endParaRPr lang="de-DE"/>
+          </a:p>
+        </p:txBody>
+      </p:sp>
+      <p:sp>
+        <p:nvSpPr>
+          <p:cNvPr id="7" name="Foliennummernplatzhalter 6">
+            <a:extLst>
+              <a:ext uri="{FF2B5EF4-FFF2-40B4-BE49-F238E27FC236}">
+                <a16:creationId xmlns:a16="http://schemas.microsoft.com/office/drawing/2014/main" id="{1300AE81-6D6F-4972-BC75-AC9E6ED2E32D}"/>
+              </a:ext>
+            </a:extLst>
+          </p:cNvPr>
+          <p:cNvSpPr>
+            <a:spLocks noGrp="1"/>
+          </p:cNvSpPr>
+          <p:nvPr>
+            <p:ph type="sldNum" sz="quarter" idx="12"/>
+          </p:nvPr>
+        </p:nvSpPr>
+        <p:spPr/>
+        <p:txBody>
+          <a:bodyPr/>
+          <a:lstStyle/>
+          <a:p>
+            <a:fld id="{03657754-5E9E-462B-9D24-F189FB2DC94E}" type="slidenum">
+              <a:rPr lang="de-DE" smtClean="0"/>
+              <a:t>30</a:t>
+            </a:fld>
+            <a:endParaRPr lang="de-DE"/>
+          </a:p>
+        </p:txBody>
+      </p:sp>
+    </p:spTree>
+    <p:extLst>
+      <p:ext uri="{BB962C8B-B14F-4D97-AF65-F5344CB8AC3E}">
+        <p14:creationId xmlns:p14="http://schemas.microsoft.com/office/powerpoint/2010/main" val="1930315288"/>
+      </p:ext>
+    </p:extLst>
+  </p:cSld>
+  <p:clrMapOvr>
+    <a:masterClrMapping/>
+  </p:clrMapOvr>
+</p:sld>
+</file>
+
+<file path=ppt/slides/slide31.xml><?xml version="1.0" encoding="utf-8"?>
+<p:sld xmlns:a="http://schemas.openxmlformats.org/drawingml/2006/main" xmlns:r="http://schemas.openxmlformats.org/officeDocument/2006/relationships" xmlns:p="http://schemas.openxmlformats.org/presentationml/2006/main">
+  <p:cSld>
+    <p:spTree>
+      <p:nvGrpSpPr>
+        <p:cNvPr id="1" name=""/>
+        <p:cNvGrpSpPr/>
+        <p:nvPr/>
+      </p:nvGrpSpPr>
+      <p:grpSpPr>
+        <a:xfrm>
+          <a:off x="0" y="0"/>
+          <a:ext cx="0" cy="0"/>
+          <a:chOff x="0" y="0"/>
+          <a:chExt cx="0" cy="0"/>
+        </a:xfrm>
+      </p:grpSpPr>
+      <p:sp>
+        <p:nvSpPr>
+          <p:cNvPr id="2" name="Titel 1">
+            <a:extLst>
+              <a:ext uri="{FF2B5EF4-FFF2-40B4-BE49-F238E27FC236}">
+                <a16:creationId xmlns:a16="http://schemas.microsoft.com/office/drawing/2014/main" id="{CF51310F-0AFB-4FFC-9670-25445C194265}"/>
+              </a:ext>
+            </a:extLst>
+          </p:cNvPr>
+          <p:cNvSpPr>
+            <a:spLocks noGrp="1"/>
+          </p:cNvSpPr>
+          <p:nvPr>
+            <p:ph type="title"/>
+          </p:nvPr>
+        </p:nvSpPr>
+        <p:spPr>
+          <a:xfrm>
+            <a:off x="0" y="1"/>
+            <a:ext cx="12192000" cy="1690688"/>
+          </a:xfrm>
+          <a:solidFill>
+            <a:schemeClr val="tx1"/>
+          </a:solidFill>
+        </p:spPr>
+        <p:txBody>
+          <a:bodyPr/>
+          <a:lstStyle/>
+          <a:p>
+            <a:pPr algn="ctr"/>
+            <a:r>
+              <a:rPr lang="de-DE" dirty="0">
+                <a:solidFill>
+                  <a:srgbClr val="FFFF00"/>
+                </a:solidFill>
+              </a:rPr>
+              <a:t>Transfer-Lernen</a:t>
+            </a:r>
+          </a:p>
+        </p:txBody>
+      </p:sp>
+      <p:pic>
+        <p:nvPicPr>
+          <p:cNvPr id="9" name="Inhaltsplatzhalter 8" descr="Ein Bild, das Text, Karte enthält.&#10;&#10;Automatisch generierte Beschreibung">
+            <a:extLst>
+              <a:ext uri="{FF2B5EF4-FFF2-40B4-BE49-F238E27FC236}">
+                <a16:creationId xmlns:a16="http://schemas.microsoft.com/office/drawing/2014/main" id="{86B7BA78-BD4A-466C-8D7D-26E4E11FCD35}"/>
+              </a:ext>
+            </a:extLst>
+          </p:cNvPr>
+          <p:cNvPicPr>
+            <a:picLocks noGrp="1" noChangeAspect="1"/>
+          </p:cNvPicPr>
+          <p:nvPr>
+            <p:ph idx="1"/>
+          </p:nvPr>
+        </p:nvPicPr>
+        <p:blipFill>
+          <a:blip r:embed="rId2">
+            <a:extLst>
+              <a:ext uri="{28A0092B-C50C-407E-A947-70E740481C1C}">
+                <a14:useLocalDpi xmlns:a14="http://schemas.microsoft.com/office/drawing/2010/main" val="0"/>
+              </a:ext>
+            </a:extLst>
+          </a:blip>
+          <a:stretch>
+            <a:fillRect/>
+          </a:stretch>
+        </p:blipFill>
+        <p:spPr>
+          <a:xfrm>
+            <a:off x="209551" y="1379984"/>
+            <a:ext cx="11895808" cy="4796979"/>
+          </a:xfrm>
+        </p:spPr>
+      </p:pic>
+      <p:sp>
+        <p:nvSpPr>
+          <p:cNvPr id="5" name="Datumsplatzhalter 4">
+            <a:extLst>
+              <a:ext uri="{FF2B5EF4-FFF2-40B4-BE49-F238E27FC236}">
+                <a16:creationId xmlns:a16="http://schemas.microsoft.com/office/drawing/2014/main" id="{C3A1412C-3C65-4F54-8276-23AED78CE2A9}"/>
+              </a:ext>
+            </a:extLst>
+          </p:cNvPr>
+          <p:cNvSpPr>
+            <a:spLocks noGrp="1"/>
+          </p:cNvSpPr>
+          <p:nvPr>
+            <p:ph type="dt" sz="half" idx="10"/>
+          </p:nvPr>
+        </p:nvSpPr>
+        <p:spPr/>
+        <p:txBody>
+          <a:bodyPr/>
+          <a:lstStyle/>
+          <a:p>
+            <a:r>
+              <a:rPr lang="de-DE"/>
+              <a:t>Universität Augsburg</a:t>
+            </a:r>
+          </a:p>
+        </p:txBody>
+      </p:sp>
+      <p:sp>
+        <p:nvSpPr>
+          <p:cNvPr id="6" name="Fußzeilenplatzhalter 5">
+            <a:extLst>
+              <a:ext uri="{FF2B5EF4-FFF2-40B4-BE49-F238E27FC236}">
+                <a16:creationId xmlns:a16="http://schemas.microsoft.com/office/drawing/2014/main" id="{AC7A17C1-A9A8-42A2-8F1F-201D448C54A4}"/>
+              </a:ext>
+            </a:extLst>
+          </p:cNvPr>
+          <p:cNvSpPr>
+            <a:spLocks noGrp="1"/>
+          </p:cNvSpPr>
+          <p:nvPr>
+            <p:ph type="ftr" sz="quarter" idx="11"/>
+          </p:nvPr>
+        </p:nvSpPr>
+        <p:spPr/>
+        <p:txBody>
+          <a:bodyPr/>
+          <a:lstStyle/>
+          <a:p>
+            <a:r>
+              <a:rPr lang="en-US"/>
+              <a:t>Efficient convolutional neural network with extremely limted ressource for klassifikation of large-scale image set</a:t>
+            </a:r>
+            <a:endParaRPr lang="de-DE"/>
+          </a:p>
+        </p:txBody>
+      </p:sp>
+      <p:sp>
+        <p:nvSpPr>
+          <p:cNvPr id="7" name="Foliennummernplatzhalter 6">
+            <a:extLst>
+              <a:ext uri="{FF2B5EF4-FFF2-40B4-BE49-F238E27FC236}">
+                <a16:creationId xmlns:a16="http://schemas.microsoft.com/office/drawing/2014/main" id="{1300AE81-6D6F-4972-BC75-AC9E6ED2E32D}"/>
+              </a:ext>
+            </a:extLst>
+          </p:cNvPr>
+          <p:cNvSpPr>
+            <a:spLocks noGrp="1"/>
+          </p:cNvSpPr>
+          <p:nvPr>
+            <p:ph type="sldNum" sz="quarter" idx="12"/>
+          </p:nvPr>
+        </p:nvSpPr>
+        <p:spPr/>
+        <p:txBody>
+          <a:bodyPr/>
+          <a:lstStyle/>
+          <a:p>
+            <a:fld id="{03657754-5E9E-462B-9D24-F189FB2DC94E}" type="slidenum">
+              <a:rPr lang="de-DE" smtClean="0"/>
+              <a:t>31</a:t>
+            </a:fld>
+            <a:endParaRPr lang="de-DE"/>
+          </a:p>
+        </p:txBody>
+      </p:sp>
+    </p:spTree>
+    <p:extLst>
+      <p:ext uri="{BB962C8B-B14F-4D97-AF65-F5344CB8AC3E}">
+        <p14:creationId xmlns:p14="http://schemas.microsoft.com/office/powerpoint/2010/main" val="3161796750"/>
+      </p:ext>
+    </p:extLst>
+  </p:cSld>
+  <p:clrMapOvr>
+    <a:masterClrMapping/>
+  </p:clrMapOvr>
+</p:sld>
+</file>
+
+<file path=ppt/slides/slide32.xml><?xml version="1.0" encoding="utf-8"?>
 <p:sld xmlns:a="http://schemas.openxmlformats.org/drawingml/2006/main" xmlns:r="http://schemas.openxmlformats.org/officeDocument/2006/relationships" xmlns:p="http://schemas.openxmlformats.org/presentationml/2006/main">
   <p:cSld>
     <p:spTree>
@@ -25480,7 +29572,7 @@
         </p:nvSpPr>
         <p:spPr>
           <a:xfrm>
-            <a:off x="0" y="0"/>
+            <a:off x="62144" y="0"/>
             <a:ext cx="12192000" cy="1690689"/>
           </a:xfrm>
           <a:solidFill>
@@ -25521,7 +29613,7 @@
             <p:ph idx="1"/>
             <p:extLst>
               <p:ext uri="{D42A27DB-BD31-4B8C-83A1-F6EECF244321}">
-                <p14:modId xmlns:p14="http://schemas.microsoft.com/office/powerpoint/2010/main" val="2900284287"/>
+                <p14:modId xmlns:p14="http://schemas.microsoft.com/office/powerpoint/2010/main" val="3154363238"/>
               </p:ext>
             </p:extLst>
           </p:nvPr>
@@ -25640,7 +29732,7 @@
           <a:p>
             <a:fld id="{03657754-5E9E-462B-9D24-F189FB2DC94E}" type="slidenum">
               <a:rPr lang="de-DE" smtClean="0"/>
-              <a:t>28</a:t>
+              <a:t>32</a:t>
             </a:fld>
             <a:endParaRPr lang="de-DE"/>
           </a:p>
@@ -25659,7 +29751,7 @@
 </p:sld>
 </file>
 
-<file path=ppt/slides/slide29.xml><?xml version="1.0" encoding="utf-8"?>
+<file path=ppt/slides/slide33.xml><?xml version="1.0" encoding="utf-8"?>
 <p:sld xmlns:a="http://schemas.openxmlformats.org/drawingml/2006/main" xmlns:r="http://schemas.openxmlformats.org/officeDocument/2006/relationships" xmlns:p="http://schemas.openxmlformats.org/presentationml/2006/main">
   <p:cSld>
     <p:spTree>
@@ -25756,7 +29848,7 @@
           <a:p>
             <a:fld id="{03657754-5E9E-462B-9D24-F189FB2DC94E}" type="slidenum">
               <a:rPr lang="de-DE" smtClean="0"/>
-              <a:t>29</a:t>
+              <a:t>33</a:t>
             </a:fld>
             <a:endParaRPr lang="de-DE"/>
           </a:p>
@@ -25830,551 +29922,6 @@
     <p:extLst>
       <p:ext uri="{BB962C8B-B14F-4D97-AF65-F5344CB8AC3E}">
         <p14:creationId xmlns:p14="http://schemas.microsoft.com/office/powerpoint/2010/main" val="3422191160"/>
-      </p:ext>
-    </p:extLst>
-  </p:cSld>
-  <p:clrMapOvr>
-    <a:masterClrMapping/>
-  </p:clrMapOvr>
-</p:sld>
-</file>
-
-<file path=ppt/slides/slide3.xml><?xml version="1.0" encoding="utf-8"?>
-<p:sld xmlns:a="http://schemas.openxmlformats.org/drawingml/2006/main" xmlns:r="http://schemas.openxmlformats.org/officeDocument/2006/relationships" xmlns:p="http://schemas.openxmlformats.org/presentationml/2006/main">
-  <p:cSld>
-    <p:bg>
-      <p:bgPr>
-        <a:solidFill>
-          <a:schemeClr val="bg1"/>
-        </a:solidFill>
-        <a:effectLst/>
-      </p:bgPr>
-    </p:bg>
-    <p:spTree>
-      <p:nvGrpSpPr>
-        <p:cNvPr id="1" name=""/>
-        <p:cNvGrpSpPr/>
-        <p:nvPr/>
-      </p:nvGrpSpPr>
-      <p:grpSpPr>
-        <a:xfrm>
-          <a:off x="0" y="0"/>
-          <a:ext cx="0" cy="0"/>
-          <a:chOff x="0" y="0"/>
-          <a:chExt cx="0" cy="0"/>
-        </a:xfrm>
-      </p:grpSpPr>
-      <p:sp>
-        <p:nvSpPr>
-          <p:cNvPr id="11" name="Rectangle 10">
-            <a:extLst>
-              <a:ext uri="{FF2B5EF4-FFF2-40B4-BE49-F238E27FC236}">
-                <a16:creationId xmlns:a16="http://schemas.microsoft.com/office/drawing/2014/main" id="{CEB41C5C-0F34-4DDA-9D7C-5E717F35F60C}"/>
-              </a:ext>
-              <a:ext uri="{C183D7F6-B498-43B3-948B-1728B52AA6E4}">
-                <adec:decorative xmlns:adec="http://schemas.microsoft.com/office/drawing/2017/decorative" val="1"/>
-              </a:ext>
-            </a:extLst>
-          </p:cNvPr>
-          <p:cNvSpPr>
-            <a:spLocks noGrp="1" noRot="1" noChangeAspect="1" noMove="1" noResize="1" noEditPoints="1" noAdjustHandles="1" noChangeArrowheads="1" noChangeShapeType="1" noTextEdit="1"/>
-          </p:cNvSpPr>
-          <p:nvPr>
-            <p:extLst>
-              <p:ext uri="{386F3935-93C4-4BCD-93E2-E3B085C9AB24}">
-                <p16:designElem xmlns:p16="http://schemas.microsoft.com/office/powerpoint/2015/main" val="1"/>
-              </p:ext>
-            </p:extLst>
-          </p:nvPr>
-        </p:nvSpPr>
-        <p:spPr bwMode="ltGray">
-          <a:xfrm>
-            <a:off x="336384" y="303591"/>
-            <a:ext cx="4334256" cy="5896743"/>
-          </a:xfrm>
-          <a:prstGeom prst="rect">
-            <a:avLst/>
-          </a:prstGeom>
-          <a:solidFill>
-            <a:schemeClr val="tx1">
-              <a:lumMod val="75000"/>
-              <a:lumOff val="25000"/>
-            </a:schemeClr>
-          </a:solidFill>
-          <a:ln w="127000" cap="sq" cmpd="thinThick">
-            <a:solidFill>
-              <a:schemeClr val="tx1">
-                <a:lumMod val="75000"/>
-                <a:lumOff val="25000"/>
-              </a:schemeClr>
-            </a:solidFill>
-          </a:ln>
-        </p:spPr>
-        <p:style>
-          <a:lnRef idx="2">
-            <a:schemeClr val="accent1">
-              <a:shade val="50000"/>
-            </a:schemeClr>
-          </a:lnRef>
-          <a:fillRef idx="1">
-            <a:schemeClr val="accent1"/>
-          </a:fillRef>
-          <a:effectRef idx="0">
-            <a:schemeClr val="accent1"/>
-          </a:effectRef>
-          <a:fontRef idx="minor">
-            <a:schemeClr val="lt1"/>
-          </a:fontRef>
-        </p:style>
-        <p:txBody>
-          <a:bodyPr rtlCol="0" anchor="ctr"/>
-          <a:lstStyle/>
-          <a:p>
-            <a:pPr algn="ctr"/>
-            <a:endParaRPr lang="en-US"/>
-          </a:p>
-        </p:txBody>
-      </p:sp>
-      <p:sp>
-        <p:nvSpPr>
-          <p:cNvPr id="2" name="Titel 1">
-            <a:extLst>
-              <a:ext uri="{FF2B5EF4-FFF2-40B4-BE49-F238E27FC236}">
-                <a16:creationId xmlns:a16="http://schemas.microsoft.com/office/drawing/2014/main" id="{4CDFB545-59AC-4D67-9624-92B4CBFF3ED5}"/>
-              </a:ext>
-            </a:extLst>
-          </p:cNvPr>
-          <p:cNvSpPr>
-            <a:spLocks noGrp="1"/>
-          </p:cNvSpPr>
-          <p:nvPr>
-            <p:ph type="title"/>
-          </p:nvPr>
-        </p:nvSpPr>
-        <p:spPr>
-          <a:xfrm>
-            <a:off x="594360" y="640263"/>
-            <a:ext cx="3822192" cy="1344975"/>
-          </a:xfrm>
-          <a:solidFill>
-            <a:schemeClr val="tx1"/>
-          </a:solidFill>
-        </p:spPr>
-        <p:txBody>
-          <a:bodyPr vert="horz" lIns="91440" tIns="45720" rIns="91440" bIns="45720" rtlCol="0" anchor="ctr">
-            <a:normAutofit/>
-          </a:bodyPr>
-          <a:lstStyle/>
-          <a:p>
-            <a:pPr algn="ctr"/>
-            <a:r>
-              <a:rPr lang="en-US" sz="3600" dirty="0" err="1">
-                <a:solidFill>
-                  <a:schemeClr val="bg1"/>
-                </a:solidFill>
-              </a:rPr>
-              <a:t>Vorstellung</a:t>
-            </a:r>
-            <a:r>
-              <a:rPr lang="en-US" sz="3600" dirty="0">
-                <a:solidFill>
-                  <a:schemeClr val="bg1"/>
-                </a:solidFill>
-              </a:rPr>
-              <a:t> </a:t>
-            </a:r>
-            <a:r>
-              <a:rPr lang="en-US" sz="3600" dirty="0" err="1">
-                <a:solidFill>
-                  <a:schemeClr val="bg1"/>
-                </a:solidFill>
-              </a:rPr>
-              <a:t>einiger</a:t>
-            </a:r>
-            <a:r>
-              <a:rPr lang="en-US" sz="3600" dirty="0">
-                <a:solidFill>
-                  <a:schemeClr val="bg1"/>
-                </a:solidFill>
-              </a:rPr>
-              <a:t> CNN-</a:t>
-            </a:r>
-            <a:r>
-              <a:rPr lang="en-US" sz="3600" dirty="0" err="1">
-                <a:solidFill>
-                  <a:schemeClr val="bg1"/>
-                </a:solidFill>
-              </a:rPr>
-              <a:t>Architekturen</a:t>
-            </a:r>
-            <a:r>
-              <a:rPr lang="en-US" sz="3600" dirty="0">
-                <a:solidFill>
-                  <a:schemeClr val="bg1"/>
-                </a:solidFill>
-              </a:rPr>
-              <a:t>.</a:t>
-            </a:r>
-            <a:endParaRPr lang="en-US" sz="3600" kern="1200" dirty="0">
-              <a:solidFill>
-                <a:schemeClr val="bg1"/>
-              </a:solidFill>
-              <a:latin typeface="+mj-lt"/>
-              <a:ea typeface="+mj-ea"/>
-              <a:cs typeface="+mj-cs"/>
-            </a:endParaRPr>
-          </a:p>
-        </p:txBody>
-      </p:sp>
-      <p:cxnSp>
-        <p:nvCxnSpPr>
-          <p:cNvPr id="13" name="Straight Connector 12">
-            <a:extLst>
-              <a:ext uri="{FF2B5EF4-FFF2-40B4-BE49-F238E27FC236}">
-                <a16:creationId xmlns:a16="http://schemas.microsoft.com/office/drawing/2014/main" id="{57E1E5E6-F385-4E9C-B201-BA5BDE5CAD52}"/>
-              </a:ext>
-              <a:ext uri="{C183D7F6-B498-43B3-948B-1728B52AA6E4}">
-                <adec:decorative xmlns:adec="http://schemas.microsoft.com/office/drawing/2017/decorative" val="1"/>
-              </a:ext>
-            </a:extLst>
-          </p:cNvPr>
-          <p:cNvCxnSpPr>
-            <a:cxnSpLocks noGrp="1" noRot="1" noChangeAspect="1" noMove="1" noResize="1" noEditPoints="1" noAdjustHandles="1" noChangeArrowheads="1" noChangeShapeType="1"/>
-          </p:cNvCxnSpPr>
-          <p:nvPr>
-            <p:extLst>
-              <p:ext uri="{386F3935-93C4-4BCD-93E2-E3B085C9AB24}">
-                <p16:designElem xmlns:p16="http://schemas.microsoft.com/office/powerpoint/2015/main" val="1"/>
-              </p:ext>
-            </p:extLst>
-          </p:nvPr>
-        </p:nvCxnSpPr>
-        <p:spPr>
-          <a:xfrm>
-            <a:off x="704088" y="2050687"/>
-            <a:ext cx="3685032" cy="0"/>
-          </a:xfrm>
-          <a:prstGeom prst="line">
-            <a:avLst/>
-          </a:prstGeom>
-          <a:ln w="22225">
-            <a:solidFill>
-              <a:srgbClr val="E7E6E6"/>
-            </a:solidFill>
-          </a:ln>
-        </p:spPr>
-        <p:style>
-          <a:lnRef idx="1">
-            <a:schemeClr val="accent1"/>
-          </a:lnRef>
-          <a:fillRef idx="0">
-            <a:schemeClr val="accent1"/>
-          </a:fillRef>
-          <a:effectRef idx="0">
-            <a:schemeClr val="accent1"/>
-          </a:effectRef>
-          <a:fontRef idx="minor">
-            <a:schemeClr val="tx1"/>
-          </a:fontRef>
-        </p:style>
-      </p:cxnSp>
-      <p:sp>
-        <p:nvSpPr>
-          <p:cNvPr id="3" name="Inhaltsplatzhalter 2">
-            <a:extLst>
-              <a:ext uri="{FF2B5EF4-FFF2-40B4-BE49-F238E27FC236}">
-                <a16:creationId xmlns:a16="http://schemas.microsoft.com/office/drawing/2014/main" id="{C9A741C2-0885-473C-9FC8-6F6B212C8930}"/>
-              </a:ext>
-            </a:extLst>
-          </p:cNvPr>
-          <p:cNvSpPr>
-            <a:spLocks noGrp="1"/>
-          </p:cNvSpPr>
-          <p:nvPr>
-            <p:ph sz="half" idx="1"/>
-          </p:nvPr>
-        </p:nvSpPr>
-        <p:spPr>
-          <a:xfrm>
-            <a:off x="593610" y="2121763"/>
-            <a:ext cx="3822192" cy="3773010"/>
-          </a:xfrm>
-          <a:solidFill>
-            <a:schemeClr val="tx1"/>
-          </a:solidFill>
-        </p:spPr>
-        <p:txBody>
-          <a:bodyPr vert="horz" lIns="91440" tIns="45720" rIns="91440" bIns="45720" rtlCol="0" anchor="ctr">
-            <a:normAutofit/>
-          </a:bodyPr>
-          <a:lstStyle/>
-          <a:p>
-            <a:r>
-              <a:rPr lang="en-US" sz="3600" b="1" dirty="0" err="1">
-                <a:highlight>
-                  <a:srgbClr val="FFFF00"/>
-                </a:highlight>
-              </a:rPr>
-              <a:t>AlexNet</a:t>
-            </a:r>
-            <a:endParaRPr lang="en-US" sz="3600" b="1" dirty="0">
-              <a:highlight>
-                <a:srgbClr val="FFFF00"/>
-              </a:highlight>
-            </a:endParaRPr>
-          </a:p>
-          <a:p>
-            <a:r>
-              <a:rPr lang="en-US" sz="3600" dirty="0" err="1">
-                <a:solidFill>
-                  <a:schemeClr val="bg1"/>
-                </a:solidFill>
-              </a:rPr>
-              <a:t>Xception</a:t>
-            </a:r>
-            <a:r>
-              <a:rPr lang="en-US" sz="3600" dirty="0">
-                <a:solidFill>
-                  <a:schemeClr val="bg1"/>
-                </a:solidFill>
-              </a:rPr>
-              <a:t>.</a:t>
-            </a:r>
-          </a:p>
-          <a:p>
-            <a:r>
-              <a:rPr lang="en-US" sz="3600" dirty="0" err="1">
-                <a:solidFill>
-                  <a:schemeClr val="bg1"/>
-                </a:solidFill>
-              </a:rPr>
-              <a:t>MobileNet</a:t>
-            </a:r>
-            <a:r>
-              <a:rPr lang="en-US" sz="3600" dirty="0">
-                <a:solidFill>
-                  <a:schemeClr val="bg1"/>
-                </a:solidFill>
-              </a:rPr>
-              <a:t>.</a:t>
-            </a:r>
-          </a:p>
-          <a:p>
-            <a:r>
-              <a:rPr lang="en-US" sz="3600" dirty="0" err="1">
-                <a:solidFill>
-                  <a:schemeClr val="bg1"/>
-                </a:solidFill>
-              </a:rPr>
-              <a:t>TemkiNet</a:t>
-            </a:r>
-            <a:r>
-              <a:rPr lang="en-US" sz="3600" dirty="0">
-                <a:solidFill>
-                  <a:schemeClr val="bg1"/>
-                </a:solidFill>
-              </a:rPr>
-              <a:t>.</a:t>
-            </a:r>
-          </a:p>
-        </p:txBody>
-      </p:sp>
-      <p:sp>
-        <p:nvSpPr>
-          <p:cNvPr id="5" name="Inhaltsplatzhalter 4">
-            <a:extLst>
-              <a:ext uri="{FF2B5EF4-FFF2-40B4-BE49-F238E27FC236}">
-                <a16:creationId xmlns:a16="http://schemas.microsoft.com/office/drawing/2014/main" id="{AAFCCB8E-F24B-424C-903D-66A2C2697DD2}"/>
-              </a:ext>
-            </a:extLst>
-          </p:cNvPr>
-          <p:cNvSpPr>
-            <a:spLocks noGrp="1"/>
-          </p:cNvSpPr>
-          <p:nvPr>
-            <p:ph sz="half" idx="2"/>
-          </p:nvPr>
-        </p:nvSpPr>
-        <p:spPr>
-          <a:xfrm>
-            <a:off x="5448693" y="791852"/>
-            <a:ext cx="6148947" cy="5385111"/>
-          </a:xfrm>
-        </p:spPr>
-        <p:txBody>
-          <a:bodyPr anchor="ctr">
-            <a:normAutofit/>
-          </a:bodyPr>
-          <a:lstStyle/>
-          <a:p>
-            <a:r>
-              <a:rPr lang="de-DE" dirty="0" err="1"/>
-              <a:t>AlexNet</a:t>
-            </a:r>
-            <a:r>
-              <a:rPr lang="de-DE" dirty="0"/>
-              <a:t> revolutioniert das Feld </a:t>
-            </a:r>
-          </a:p>
-          <a:p>
-            <a:r>
-              <a:rPr lang="de-DE" dirty="0"/>
-              <a:t>Mehrere </a:t>
-            </a:r>
-            <a:r>
-              <a:rPr lang="de-DE" dirty="0" err="1"/>
-              <a:t>ConvL</a:t>
-            </a:r>
-            <a:r>
-              <a:rPr lang="de-DE" dirty="0"/>
-              <a:t> als bisher.</a:t>
-            </a:r>
-          </a:p>
-          <a:p>
-            <a:r>
-              <a:rPr lang="de-DE" dirty="0"/>
-              <a:t>Besser als der zweiter beim Wettbewerb LSVRC(Large </a:t>
-            </a:r>
-            <a:r>
-              <a:rPr lang="de-DE" dirty="0" err="1"/>
-              <a:t>Scale</a:t>
-            </a:r>
-            <a:r>
-              <a:rPr lang="de-DE" dirty="0"/>
-              <a:t> Visual Recognition Challenge</a:t>
-            </a:r>
-            <a:r>
-              <a:rPr lang="de-DE" b="1" dirty="0"/>
-              <a:t>) </a:t>
-            </a:r>
-            <a:r>
-              <a:rPr lang="de-DE" dirty="0"/>
-              <a:t>von</a:t>
-            </a:r>
-            <a:r>
-              <a:rPr lang="de-DE" b="1" dirty="0"/>
-              <a:t> </a:t>
-            </a:r>
-            <a:r>
-              <a:rPr lang="de-DE" dirty="0"/>
-              <a:t>mehr als 10 % was nie zuvor passiert ist</a:t>
-            </a:r>
-          </a:p>
-          <a:p>
-            <a:r>
-              <a:rPr lang="de-DE" dirty="0"/>
-              <a:t>Leider</a:t>
-            </a:r>
-          </a:p>
-          <a:p>
-            <a:pPr lvl="1"/>
-            <a:r>
-              <a:rPr lang="de-DE" dirty="0"/>
-              <a:t>Zu viel Parameter</a:t>
-            </a:r>
-          </a:p>
-          <a:p>
-            <a:pPr lvl="1"/>
-            <a:r>
-              <a:rPr lang="de-DE" dirty="0"/>
-              <a:t>Gut nur für die Jahre 2012</a:t>
-            </a:r>
-          </a:p>
-          <a:p>
-            <a:endParaRPr lang="de-DE" dirty="0"/>
-          </a:p>
-        </p:txBody>
-      </p:sp>
-      <p:sp>
-        <p:nvSpPr>
-          <p:cNvPr id="7" name="Datumsplatzhalter 6">
-            <a:extLst>
-              <a:ext uri="{FF2B5EF4-FFF2-40B4-BE49-F238E27FC236}">
-                <a16:creationId xmlns:a16="http://schemas.microsoft.com/office/drawing/2014/main" id="{ECE372A9-DE2E-443C-883B-DB4CD27F4AA1}"/>
-              </a:ext>
-            </a:extLst>
-          </p:cNvPr>
-          <p:cNvSpPr>
-            <a:spLocks noGrp="1"/>
-          </p:cNvSpPr>
-          <p:nvPr>
-            <p:ph type="dt" sz="half" idx="10"/>
-          </p:nvPr>
-        </p:nvSpPr>
-        <p:spPr/>
-        <p:txBody>
-          <a:bodyPr/>
-          <a:lstStyle/>
-          <a:p>
-            <a:r>
-              <a:rPr lang="de-DE"/>
-              <a:t>Universität Augsburg</a:t>
-            </a:r>
-          </a:p>
-        </p:txBody>
-      </p:sp>
-      <p:sp>
-        <p:nvSpPr>
-          <p:cNvPr id="8" name="Fußzeilenplatzhalter 7">
-            <a:extLst>
-              <a:ext uri="{FF2B5EF4-FFF2-40B4-BE49-F238E27FC236}">
-                <a16:creationId xmlns:a16="http://schemas.microsoft.com/office/drawing/2014/main" id="{6F8EF9C8-E3D3-418B-9876-D59C04CEF97A}"/>
-              </a:ext>
-            </a:extLst>
-          </p:cNvPr>
-          <p:cNvSpPr>
-            <a:spLocks noGrp="1"/>
-          </p:cNvSpPr>
-          <p:nvPr>
-            <p:ph type="ftr" sz="quarter" idx="11"/>
-          </p:nvPr>
-        </p:nvSpPr>
-        <p:spPr/>
-        <p:txBody>
-          <a:bodyPr/>
-          <a:lstStyle/>
-          <a:p>
-            <a:r>
-              <a:rPr lang="en-US"/>
-              <a:t>Efficient convolutional neural network with extremely limted ressource for klassifikation of large-scale image set</a:t>
-            </a:r>
-            <a:endParaRPr lang="de-DE"/>
-          </a:p>
-        </p:txBody>
-      </p:sp>
-      <p:sp>
-        <p:nvSpPr>
-          <p:cNvPr id="9" name="Foliennummernplatzhalter 8">
-            <a:extLst>
-              <a:ext uri="{FF2B5EF4-FFF2-40B4-BE49-F238E27FC236}">
-                <a16:creationId xmlns:a16="http://schemas.microsoft.com/office/drawing/2014/main" id="{B3508459-CD9A-4472-9685-94EF3432E6E2}"/>
-              </a:ext>
-            </a:extLst>
-          </p:cNvPr>
-          <p:cNvSpPr>
-            <a:spLocks noGrp="1"/>
-          </p:cNvSpPr>
-          <p:nvPr>
-            <p:ph type="sldNum" sz="quarter" idx="12"/>
-          </p:nvPr>
-        </p:nvSpPr>
-        <p:spPr/>
-        <p:txBody>
-          <a:bodyPr/>
-          <a:lstStyle/>
-          <a:p>
-            <a:fld id="{03657754-5E9E-462B-9D24-F189FB2DC94E}" type="slidenum">
-              <a:rPr lang="de-DE" smtClean="0"/>
-              <a:t>3</a:t>
-            </a:fld>
-            <a:endParaRPr lang="de-DE"/>
-          </a:p>
-        </p:txBody>
-      </p:sp>
-    </p:spTree>
-    <p:extLst>
-      <p:ext uri="{BB962C8B-B14F-4D97-AF65-F5344CB8AC3E}">
-        <p14:creationId xmlns:p14="http://schemas.microsoft.com/office/powerpoint/2010/main" val="3152795860"/>
       </p:ext>
     </p:extLst>
   </p:cSld>
@@ -26499,7 +30046,7 @@
         <p:spPr>
           <a:xfrm>
             <a:off x="594360" y="640263"/>
-            <a:ext cx="3822192" cy="1344975"/>
+            <a:ext cx="4076280" cy="1344975"/>
           </a:xfrm>
           <a:solidFill>
             <a:schemeClr val="tx1"/>
@@ -26513,71 +30060,18 @@
           <a:p>
             <a:pPr algn="ctr"/>
             <a:r>
-              <a:rPr lang="en-US" sz="3600" kern="1200" dirty="0" err="1">
+              <a:rPr lang="en-US">
                 <a:solidFill>
-                  <a:schemeClr val="bg1"/>
+                  <a:srgbClr val="FFFF00"/>
                 </a:solidFill>
-                <a:latin typeface="+mj-lt"/>
-                <a:ea typeface="+mj-ea"/>
-                <a:cs typeface="+mj-cs"/>
               </a:rPr>
-              <a:t>Vorstellung</a:t>
-            </a:r>
-            <a:r>
-              <a:rPr lang="en-US" sz="3600" kern="1200" dirty="0">
-                <a:solidFill>
-                  <a:schemeClr val="bg1"/>
-                </a:solidFill>
-                <a:latin typeface="+mj-lt"/>
-                <a:ea typeface="+mj-ea"/>
-                <a:cs typeface="+mj-cs"/>
-              </a:rPr>
-              <a:t> </a:t>
-            </a:r>
-            <a:r>
-              <a:rPr lang="en-US" sz="3600" kern="1200" dirty="0" err="1">
-                <a:solidFill>
-                  <a:schemeClr val="bg1"/>
-                </a:solidFill>
-                <a:latin typeface="+mj-lt"/>
-                <a:ea typeface="+mj-ea"/>
-                <a:cs typeface="+mj-cs"/>
-              </a:rPr>
-              <a:t>einiger</a:t>
-            </a:r>
-            <a:r>
-              <a:rPr lang="en-US" sz="3600" kern="1200" dirty="0">
-                <a:solidFill>
-                  <a:schemeClr val="bg1"/>
-                </a:solidFill>
-                <a:latin typeface="+mj-lt"/>
-                <a:ea typeface="+mj-ea"/>
-                <a:cs typeface="+mj-cs"/>
-              </a:rPr>
-              <a:t> CNN-</a:t>
-            </a:r>
-            <a:r>
-              <a:rPr lang="en-US" sz="3600" kern="1200" dirty="0" err="1">
-                <a:solidFill>
-                  <a:schemeClr val="bg1"/>
-                </a:solidFill>
-                <a:latin typeface="+mj-lt"/>
-                <a:ea typeface="+mj-ea"/>
-                <a:cs typeface="+mj-cs"/>
-              </a:rPr>
-              <a:t>Architekturen</a:t>
-            </a:r>
-            <a:r>
-              <a:rPr lang="en-US" sz="3600" kern="1200" dirty="0">
-                <a:solidFill>
-                  <a:schemeClr val="bg1"/>
-                </a:solidFill>
-                <a:latin typeface="+mj-lt"/>
-                <a:ea typeface="+mj-ea"/>
-                <a:cs typeface="+mj-cs"/>
-              </a:rPr>
-              <a:t>.</a:t>
-            </a:r>
+              <a:t>Entwurf unseres CNN</a:t>
+            </a:r>
+            <a:endParaRPr lang="en-US" kern="1200" dirty="0">
+              <a:solidFill>
+                <a:srgbClr val="FFFF00"/>
+              </a:solidFill>
+            </a:endParaRPr>
           </a:p>
         </p:txBody>
       </p:sp>
@@ -26665,75 +30159,38 @@
           <a:lstStyle/>
           <a:p>
             <a:r>
-              <a:rPr lang="en-US" sz="4000" dirty="0" err="1">
+              <a:rPr lang="en-US" sz="4000" b="1">
+                <a:highlight>
+                  <a:srgbClr val="FFFF00"/>
+                </a:highlight>
+              </a:rPr>
+              <a:t>Xception.</a:t>
+            </a:r>
+          </a:p>
+          <a:p>
+            <a:r>
+              <a:rPr lang="en-US" sz="4000">
                 <a:solidFill>
                   <a:schemeClr val="bg1"/>
                 </a:solidFill>
               </a:rPr>
-              <a:t>AlexNet</a:t>
-            </a:r>
-            <a:r>
-              <a:rPr lang="en-US" sz="4000" dirty="0">
+              <a:t>MobileNet.</a:t>
+            </a:r>
+          </a:p>
+          <a:p>
+            <a:r>
+              <a:rPr lang="en-US" sz="4000">
                 <a:solidFill>
                   <a:schemeClr val="bg1"/>
                 </a:solidFill>
               </a:rPr>
-              <a:t>.</a:t>
-            </a:r>
-          </a:p>
-          <a:p>
-            <a:r>
-              <a:rPr lang="en-US" sz="4000" b="1" dirty="0" err="1">
-                <a:highlight>
-                  <a:srgbClr val="FFFF00"/>
-                </a:highlight>
-              </a:rPr>
-              <a:t>Xception</a:t>
-            </a:r>
-            <a:r>
-              <a:rPr lang="en-US" sz="4000" b="1" dirty="0">
-                <a:highlight>
-                  <a:srgbClr val="FFFF00"/>
-                </a:highlight>
-              </a:rPr>
-              <a:t>.</a:t>
-            </a:r>
-          </a:p>
-          <a:p>
-            <a:r>
-              <a:rPr lang="en-US" sz="4000" dirty="0" err="1">
-                <a:solidFill>
-                  <a:schemeClr val="bg1"/>
-                </a:solidFill>
-              </a:rPr>
-              <a:t>MobileNet</a:t>
-            </a:r>
-            <a:r>
-              <a:rPr lang="en-US" sz="4000" dirty="0">
-                <a:solidFill>
-                  <a:schemeClr val="bg1"/>
-                </a:solidFill>
-              </a:rPr>
-              <a:t>.</a:t>
-            </a:r>
-          </a:p>
-          <a:p>
-            <a:r>
-              <a:rPr lang="en-US" sz="4000" dirty="0" err="1">
-                <a:solidFill>
-                  <a:schemeClr val="bg1"/>
-                </a:solidFill>
-              </a:rPr>
-              <a:t>TemkiNet</a:t>
-            </a:r>
-            <a:r>
-              <a:rPr lang="en-US" sz="4000" dirty="0">
-                <a:solidFill>
-                  <a:schemeClr val="bg1"/>
-                </a:solidFill>
-              </a:rPr>
-              <a:t>.</a:t>
-            </a:r>
+              <a:t>TemkiNet.</a:t>
+            </a:r>
+            <a:endParaRPr lang="en-US" sz="4000" dirty="0">
+              <a:solidFill>
+                <a:schemeClr val="bg1"/>
+              </a:solidFill>
+            </a:endParaRPr>
           </a:p>
         </p:txBody>
       </p:sp>
@@ -26757,7 +30214,7 @@
           </p:nvPr>
         </p:nvPicPr>
         <p:blipFill>
-          <a:blip r:embed="rId2">
+          <a:blip r:embed="rId3">
             <a:extLst>
               <a:ext uri="{28A0092B-C50C-407E-A947-70E740481C1C}">
                 <a14:useLocalDpi xmlns:a14="http://schemas.microsoft.com/office/drawing/2010/main" val="0"/>
@@ -26777,42 +30234,6 @@
       </p:pic>
       <p:sp>
         <p:nvSpPr>
-          <p:cNvPr id="12" name="Textfeld 11">
-            <a:extLst>
-              <a:ext uri="{FF2B5EF4-FFF2-40B4-BE49-F238E27FC236}">
-                <a16:creationId xmlns:a16="http://schemas.microsoft.com/office/drawing/2014/main" id="{3BF5DF00-C926-44F8-95D3-0EBDB0E3A503}"/>
-              </a:ext>
-            </a:extLst>
-          </p:cNvPr>
-          <p:cNvSpPr txBox="1"/>
-          <p:nvPr/>
-        </p:nvSpPr>
-        <p:spPr>
-          <a:xfrm>
-            <a:off x="5759777" y="6438507"/>
-            <a:ext cx="5731497" cy="369332"/>
-          </a:xfrm>
-          <a:prstGeom prst="rect">
-            <a:avLst/>
-          </a:prstGeom>
-          <a:noFill/>
-        </p:spPr>
-        <p:txBody>
-          <a:bodyPr wrap="square" rtlCol="0">
-            <a:spAutoFit/>
-          </a:bodyPr>
-          <a:lstStyle/>
-          <a:p>
-            <a:pPr algn="ctr"/>
-            <a:r>
-              <a:rPr lang="de-DE" dirty="0"/>
-              <a:t>Weniger Speicherbedarf:</a:t>
-            </a:r>
-          </a:p>
-        </p:txBody>
-      </p:sp>
-      <p:sp>
-        <p:nvSpPr>
           <p:cNvPr id="14" name="Datumsplatzhalter 13">
             <a:extLst>
               <a:ext uri="{FF2B5EF4-FFF2-40B4-BE49-F238E27FC236}">
@@ -26827,7 +30248,12 @@
             <p:ph type="dt" sz="half" idx="10"/>
           </p:nvPr>
         </p:nvSpPr>
-        <p:spPr/>
+        <p:spPr>
+          <a:xfrm>
+            <a:off x="838200" y="6356350"/>
+            <a:ext cx="2743200" cy="365125"/>
+          </a:xfrm>
+        </p:spPr>
         <p:txBody>
           <a:bodyPr/>
           <a:lstStyle/>
@@ -26855,7 +30281,12 @@
             <p:ph type="ftr" sz="quarter" idx="11"/>
           </p:nvPr>
         </p:nvSpPr>
-        <p:spPr/>
+        <p:spPr>
+          <a:xfrm>
+            <a:off x="4038600" y="6356350"/>
+            <a:ext cx="4114800" cy="365125"/>
+          </a:xfrm>
+        </p:spPr>
         <p:txBody>
           <a:bodyPr/>
           <a:lstStyle/>
@@ -26864,7 +30295,7 @@
               <a:rPr lang="en-US"/>
               <a:t>Efficient convolutional neural network with extremely limted ressource for klassifikation of large-scale image set</a:t>
             </a:r>
-            <a:endParaRPr lang="de-DE"/>
+            <a:endParaRPr lang="de-DE" dirty="0"/>
           </a:p>
         </p:txBody>
       </p:sp>
@@ -26884,7 +30315,12 @@
             <p:ph type="sldNum" sz="quarter" idx="12"/>
           </p:nvPr>
         </p:nvSpPr>
-        <p:spPr/>
+        <p:spPr>
+          <a:xfrm>
+            <a:off x="8610600" y="6356350"/>
+            <a:ext cx="2743200" cy="365125"/>
+          </a:xfrm>
+        </p:spPr>
         <p:txBody>
           <a:bodyPr/>
           <a:lstStyle/>
@@ -26893,7 +30329,7 @@
               <a:rPr lang="de-DE" smtClean="0"/>
               <a:t>4</a:t>
             </a:fld>
-            <a:endParaRPr lang="de-DE"/>
+            <a:endParaRPr lang="de-DE" dirty="0"/>
           </a:p>
         </p:txBody>
       </p:sp>
@@ -27039,54 +30475,38 @@
           <a:p>
             <a:pPr algn="ctr"/>
             <a:r>
-              <a:rPr lang="en-US" sz="3600" dirty="0" err="1">
+              <a:rPr lang="en-US" sz="4000" dirty="0" err="1">
                 <a:solidFill>
-                  <a:schemeClr val="bg1"/>
+                  <a:srgbClr val="FFFF00"/>
                 </a:solidFill>
               </a:rPr>
-              <a:t>Vorstellung</a:t>
-            </a:r>
-            <a:r>
-              <a:rPr lang="en-US" sz="3600" dirty="0">
+              <a:t>Entwurf</a:t>
+            </a:r>
+            <a:r>
+              <a:rPr lang="en-US" sz="4000" dirty="0">
                 <a:solidFill>
-                  <a:schemeClr val="bg1"/>
+                  <a:srgbClr val="FFFF00"/>
                 </a:solidFill>
               </a:rPr>
               <a:t> </a:t>
             </a:r>
             <a:r>
-              <a:rPr lang="en-US" sz="3600" dirty="0" err="1">
+              <a:rPr lang="en-US" sz="4000" dirty="0" err="1">
                 <a:solidFill>
-                  <a:schemeClr val="bg1"/>
+                  <a:srgbClr val="FFFF00"/>
                 </a:solidFill>
               </a:rPr>
-              <a:t>einiger</a:t>
-            </a:r>
-            <a:r>
-              <a:rPr lang="en-US" sz="3600" dirty="0">
+              <a:t>unseres</a:t>
+            </a:r>
+            <a:r>
+              <a:rPr lang="en-US" sz="4000" dirty="0">
                 <a:solidFill>
-                  <a:schemeClr val="bg1"/>
+                  <a:srgbClr val="FFFF00"/>
                 </a:solidFill>
               </a:rPr>
-              <a:t> CNN-</a:t>
-            </a:r>
-            <a:r>
-              <a:rPr lang="en-US" sz="3600" dirty="0" err="1">
-                <a:solidFill>
-                  <a:schemeClr val="bg1"/>
-                </a:solidFill>
-              </a:rPr>
-              <a:t>Architekturen</a:t>
-            </a:r>
-            <a:r>
-              <a:rPr lang="en-US" sz="3600" dirty="0">
-                <a:solidFill>
-                  <a:schemeClr val="bg1"/>
-                </a:solidFill>
-              </a:rPr>
-              <a:t>.</a:t>
-            </a:r>
-            <a:endParaRPr lang="en-US" sz="3600" kern="1200" dirty="0">
+              <a:t> CNN</a:t>
+            </a:r>
+            <a:endParaRPr lang="en-US" sz="4000" kern="1200" dirty="0">
               <a:solidFill>
                 <a:schemeClr val="bg1"/>
               </a:solidFill>
@@ -27186,24 +30606,6 @@
                   <a:schemeClr val="bg1"/>
                 </a:solidFill>
               </a:rPr>
-              <a:t>AlexNet</a:t>
-            </a:r>
-            <a:r>
-              <a:rPr lang="en-US" sz="4000" dirty="0">
-                <a:solidFill>
-                  <a:schemeClr val="bg1"/>
-                </a:solidFill>
-              </a:rPr>
-              <a:t>.</a:t>
-            </a:r>
-          </a:p>
-          <a:p>
-            <a:r>
-              <a:rPr lang="en-US" sz="4000" dirty="0" err="1">
-                <a:solidFill>
-                  <a:schemeClr val="bg1"/>
-                </a:solidFill>
-              </a:rPr>
               <a:t>Xception</a:t>
             </a:r>
             <a:r>
@@ -27303,7 +30705,7 @@
         <p:spPr>
           <a:xfrm>
             <a:off x="5788058" y="5684363"/>
-            <a:ext cx="5165888" cy="369332"/>
+            <a:ext cx="5165888" cy="646331"/>
           </a:xfrm>
           <a:prstGeom prst="rect">
             <a:avLst/>
@@ -27325,6 +30727,10 @@
               <a:rPr lang="de-DE" dirty="0"/>
               <a:t> ermöglicht bessere Extraktion</a:t>
             </a:r>
+          </a:p>
+          <a:p>
+            <a:pPr algn="ctr"/>
+            <a:endParaRPr lang="de-DE" dirty="0"/>
           </a:p>
         </p:txBody>
       </p:sp>
@@ -27556,54 +30962,38 @@
           <a:p>
             <a:pPr algn="ctr"/>
             <a:r>
-              <a:rPr lang="en-US" sz="3600" dirty="0" err="1">
+              <a:rPr lang="en-US" sz="4000" dirty="0" err="1">
                 <a:solidFill>
-                  <a:schemeClr val="bg1"/>
+                  <a:srgbClr val="FFFF00"/>
                 </a:solidFill>
               </a:rPr>
-              <a:t>Vorstellung</a:t>
-            </a:r>
-            <a:r>
-              <a:rPr lang="en-US" sz="3600" dirty="0">
+              <a:t>Entwurf</a:t>
+            </a:r>
+            <a:r>
+              <a:rPr lang="en-US" sz="4000" dirty="0">
                 <a:solidFill>
-                  <a:schemeClr val="bg1"/>
+                  <a:srgbClr val="FFFF00"/>
                 </a:solidFill>
               </a:rPr>
               <a:t> </a:t>
             </a:r>
             <a:r>
-              <a:rPr lang="en-US" sz="3600" dirty="0" err="1">
+              <a:rPr lang="en-US" sz="4000" dirty="0" err="1">
                 <a:solidFill>
-                  <a:schemeClr val="bg1"/>
+                  <a:srgbClr val="FFFF00"/>
                 </a:solidFill>
               </a:rPr>
-              <a:t>einiger</a:t>
-            </a:r>
-            <a:r>
-              <a:rPr lang="en-US" sz="3600" dirty="0">
+              <a:t>unseres</a:t>
+            </a:r>
+            <a:r>
+              <a:rPr lang="en-US" sz="4000" dirty="0">
                 <a:solidFill>
-                  <a:schemeClr val="bg1"/>
+                  <a:srgbClr val="FFFF00"/>
                 </a:solidFill>
               </a:rPr>
-              <a:t> CNN-</a:t>
-            </a:r>
-            <a:r>
-              <a:rPr lang="en-US" sz="3600" dirty="0" err="1">
-                <a:solidFill>
-                  <a:schemeClr val="bg1"/>
-                </a:solidFill>
-              </a:rPr>
-              <a:t>Architekturen</a:t>
-            </a:r>
-            <a:r>
-              <a:rPr lang="en-US" sz="3600" dirty="0">
-                <a:solidFill>
-                  <a:schemeClr val="bg1"/>
-                </a:solidFill>
-              </a:rPr>
-              <a:t>.</a:t>
-            </a:r>
-            <a:endParaRPr lang="en-US" sz="3600" kern="1200" dirty="0">
+              <a:t> CNN</a:t>
+            </a:r>
+            <a:endParaRPr lang="en-US" sz="4000" kern="1200" dirty="0">
               <a:solidFill>
                 <a:schemeClr val="bg1"/>
               </a:solidFill>
@@ -27703,24 +31093,6 @@
                   <a:schemeClr val="bg1"/>
                 </a:solidFill>
               </a:rPr>
-              <a:t>AlexNet</a:t>
-            </a:r>
-            <a:r>
-              <a:rPr lang="en-US" sz="4000" dirty="0">
-                <a:solidFill>
-                  <a:schemeClr val="bg1"/>
-                </a:solidFill>
-              </a:rPr>
-              <a:t>.</a:t>
-            </a:r>
-          </a:p>
-          <a:p>
-            <a:r>
-              <a:rPr lang="en-US" sz="4000" dirty="0" err="1">
-                <a:solidFill>
-                  <a:schemeClr val="bg1"/>
-                </a:solidFill>
-              </a:rPr>
               <a:t>Xception</a:t>
             </a:r>
             <a:r>
@@ -27821,7 +31193,7 @@
         </p:nvSpPr>
         <p:spPr>
           <a:xfrm>
-            <a:off x="5791478" y="5894773"/>
+            <a:off x="5791478" y="5577666"/>
             <a:ext cx="5806912" cy="659636"/>
           </a:xfrm>
           <a:prstGeom prst="rect">
@@ -28007,6 +31379,385 @@
 </file>
 
 <file path=ppt/slides/slide7.xml><?xml version="1.0" encoding="utf-8"?>
+<p:sld xmlns:a="http://schemas.openxmlformats.org/drawingml/2006/main" xmlns:r="http://schemas.openxmlformats.org/officeDocument/2006/relationships" xmlns:p="http://schemas.openxmlformats.org/presentationml/2006/main">
+  <p:cSld>
+    <p:bg>
+      <p:bgPr>
+        <a:solidFill>
+          <a:schemeClr val="bg1"/>
+        </a:solidFill>
+        <a:effectLst/>
+      </p:bgPr>
+    </p:bg>
+    <p:spTree>
+      <p:nvGrpSpPr>
+        <p:cNvPr id="1" name=""/>
+        <p:cNvGrpSpPr/>
+        <p:nvPr/>
+      </p:nvGrpSpPr>
+      <p:grpSpPr>
+        <a:xfrm>
+          <a:off x="0" y="0"/>
+          <a:ext cx="0" cy="0"/>
+          <a:chOff x="0" y="0"/>
+          <a:chExt cx="0" cy="0"/>
+        </a:xfrm>
+      </p:grpSpPr>
+      <p:sp>
+        <p:nvSpPr>
+          <p:cNvPr id="2" name="Titel 1">
+            <a:extLst>
+              <a:ext uri="{FF2B5EF4-FFF2-40B4-BE49-F238E27FC236}">
+                <a16:creationId xmlns:a16="http://schemas.microsoft.com/office/drawing/2014/main" id="{5F096767-C2B0-41BA-A6FE-FF68F50BC2CE}"/>
+              </a:ext>
+            </a:extLst>
+          </p:cNvPr>
+          <p:cNvSpPr>
+            <a:spLocks noGrp="1"/>
+          </p:cNvSpPr>
+          <p:nvPr>
+            <p:ph type="title"/>
+          </p:nvPr>
+        </p:nvSpPr>
+        <p:spPr>
+          <a:xfrm>
+            <a:off x="648929" y="629266"/>
+            <a:ext cx="3667039" cy="1676603"/>
+          </a:xfrm>
+        </p:spPr>
+        <p:txBody>
+          <a:bodyPr vert="horz" lIns="91440" tIns="45720" rIns="91440" bIns="45720" rtlCol="0" anchor="ctr">
+            <a:normAutofit/>
+          </a:bodyPr>
+          <a:lstStyle/>
+          <a:p>
+            <a:r>
+              <a:rPr lang="en-US" sz="3600" dirty="0" err="1"/>
+              <a:t>Entwurf</a:t>
+            </a:r>
+            <a:r>
+              <a:rPr lang="en-US" sz="3600" dirty="0"/>
+              <a:t> </a:t>
+            </a:r>
+            <a:r>
+              <a:rPr lang="en-US" sz="3600" dirty="0" err="1"/>
+              <a:t>unseres</a:t>
+            </a:r>
+            <a:r>
+              <a:rPr lang="en-US" sz="3600" dirty="0"/>
+              <a:t> 	CNN</a:t>
+            </a:r>
+          </a:p>
+        </p:txBody>
+      </p:sp>
+      <p:sp>
+        <p:nvSpPr>
+          <p:cNvPr id="3" name="Inhaltsplatzhalter 2">
+            <a:extLst>
+              <a:ext uri="{FF2B5EF4-FFF2-40B4-BE49-F238E27FC236}">
+                <a16:creationId xmlns:a16="http://schemas.microsoft.com/office/drawing/2014/main" id="{E21D9468-F553-4EA2-9B04-26285D1AC02B}"/>
+              </a:ext>
+            </a:extLst>
+          </p:cNvPr>
+          <p:cNvSpPr>
+            <a:spLocks noGrp="1"/>
+          </p:cNvSpPr>
+          <p:nvPr>
+            <p:ph sz="half" idx="1"/>
+          </p:nvPr>
+        </p:nvSpPr>
+        <p:spPr>
+          <a:xfrm>
+            <a:off x="648931" y="2438401"/>
+            <a:ext cx="3667036" cy="3779520"/>
+          </a:xfrm>
+        </p:spPr>
+        <p:txBody>
+          <a:bodyPr vert="horz" lIns="91440" tIns="45720" rIns="91440" bIns="45720" rtlCol="0">
+            <a:normAutofit/>
+          </a:bodyPr>
+          <a:lstStyle/>
+          <a:p>
+            <a:endParaRPr lang="en-US" sz="1800"/>
+          </a:p>
+        </p:txBody>
+      </p:sp>
+      <p:sp>
+        <p:nvSpPr>
+          <p:cNvPr id="16" name="Rectangle 13">
+            <a:extLst>
+              <a:ext uri="{FF2B5EF4-FFF2-40B4-BE49-F238E27FC236}">
+                <a16:creationId xmlns:a16="http://schemas.microsoft.com/office/drawing/2014/main" id="{F2B38F72-8FC4-4001-8C67-FA6B86DEC767}"/>
+              </a:ext>
+              <a:ext uri="{C183D7F6-B498-43B3-948B-1728B52AA6E4}">
+                <adec:decorative xmlns:adec="http://schemas.microsoft.com/office/drawing/2017/decorative" val="1"/>
+              </a:ext>
+            </a:extLst>
+          </p:cNvPr>
+          <p:cNvSpPr>
+            <a:spLocks noGrp="1" noRot="1" noChangeAspect="1" noMove="1" noResize="1" noEditPoints="1" noAdjustHandles="1" noChangeArrowheads="1" noChangeShapeType="1" noTextEdit="1"/>
+          </p:cNvSpPr>
+          <p:nvPr>
+            <p:extLst>
+              <p:ext uri="{386F3935-93C4-4BCD-93E2-E3B085C9AB24}">
+                <p16:designElem xmlns:p16="http://schemas.microsoft.com/office/powerpoint/2015/main" val="1"/>
+              </p:ext>
+            </p:extLst>
+          </p:nvPr>
+        </p:nvSpPr>
+        <p:spPr>
+          <a:xfrm>
+            <a:off x="4636008" y="2"/>
+            <a:ext cx="7555992" cy="6857998"/>
+          </a:xfrm>
+          <a:prstGeom prst="rect">
+            <a:avLst/>
+          </a:prstGeom>
+          <a:solidFill>
+            <a:schemeClr val="tx1"/>
+          </a:solidFill>
+          <a:ln>
+            <a:noFill/>
+          </a:ln>
+        </p:spPr>
+        <p:style>
+          <a:lnRef idx="2">
+            <a:schemeClr val="accent1">
+              <a:shade val="50000"/>
+            </a:schemeClr>
+          </a:lnRef>
+          <a:fillRef idx="1">
+            <a:schemeClr val="accent1"/>
+          </a:fillRef>
+          <a:effectRef idx="0">
+            <a:schemeClr val="accent1"/>
+          </a:effectRef>
+          <a:fontRef idx="minor">
+            <a:schemeClr val="lt1"/>
+          </a:fontRef>
+        </p:style>
+        <p:txBody>
+          <a:bodyPr rtlCol="0" anchor="ctr"/>
+          <a:lstStyle/>
+          <a:p>
+            <a:pPr algn="ctr"/>
+            <a:endParaRPr lang="en-US"/>
+          </a:p>
+        </p:txBody>
+      </p:sp>
+      <p:pic>
+        <p:nvPicPr>
+          <p:cNvPr id="9" name="Inhaltsplatzhalter 8">
+            <a:extLst>
+              <a:ext uri="{FF2B5EF4-FFF2-40B4-BE49-F238E27FC236}">
+                <a16:creationId xmlns:a16="http://schemas.microsoft.com/office/drawing/2014/main" id="{2920C3E8-CC53-4971-913B-86A6D5CFF1D7}"/>
+              </a:ext>
+            </a:extLst>
+          </p:cNvPr>
+          <p:cNvPicPr>
+            <a:picLocks noGrp="1" noChangeAspect="1"/>
+          </p:cNvPicPr>
+          <p:nvPr>
+            <p:ph sz="half" idx="2"/>
+          </p:nvPr>
+        </p:nvPicPr>
+        <p:blipFill rotWithShape="1">
+          <a:blip r:embed="rId2">
+            <a:extLst>
+              <a:ext uri="{28A0092B-C50C-407E-A947-70E740481C1C}">
+                <a14:useLocalDpi xmlns:a14="http://schemas.microsoft.com/office/drawing/2010/main" val="0"/>
+              </a:ext>
+            </a:extLst>
+          </a:blip>
+          <a:srcRect r="1823" b="-2"/>
+          <a:stretch/>
+        </p:blipFill>
+        <p:spPr>
+          <a:xfrm>
+            <a:off x="5276088" y="640082"/>
+            <a:ext cx="6276250" cy="5577838"/>
+          </a:xfrm>
+          <a:prstGeom prst="rect">
+            <a:avLst/>
+          </a:prstGeom>
+          <a:effectLst/>
+        </p:spPr>
+      </p:pic>
+      <p:sp>
+        <p:nvSpPr>
+          <p:cNvPr id="7" name="Foliennummernplatzhalter 6">
+            <a:extLst>
+              <a:ext uri="{FF2B5EF4-FFF2-40B4-BE49-F238E27FC236}">
+                <a16:creationId xmlns:a16="http://schemas.microsoft.com/office/drawing/2014/main" id="{A1861EAC-5DB1-4211-94ED-04C115C4F0EA}"/>
+              </a:ext>
+            </a:extLst>
+          </p:cNvPr>
+          <p:cNvSpPr>
+            <a:spLocks noGrp="1"/>
+          </p:cNvSpPr>
+          <p:nvPr>
+            <p:ph type="sldNum" sz="quarter" idx="12"/>
+          </p:nvPr>
+        </p:nvSpPr>
+        <p:spPr>
+          <a:xfrm>
+            <a:off x="288635" y="6356350"/>
+            <a:ext cx="685800" cy="365125"/>
+          </a:xfrm>
+        </p:spPr>
+        <p:txBody>
+          <a:bodyPr vert="horz" lIns="91440" tIns="45720" rIns="91440" bIns="45720" rtlCol="0" anchor="ctr">
+            <a:normAutofit/>
+          </a:bodyPr>
+          <a:lstStyle/>
+          <a:p>
+            <a:pPr>
+              <a:spcAft>
+                <a:spcPts val="600"/>
+              </a:spcAft>
+              <a:defRPr/>
+            </a:pPr>
+            <a:fld id="{03657754-5E9E-462B-9D24-F189FB2DC94E}" type="slidenum">
+              <a:rPr lang="en-US" smtClean="0">
+                <a:solidFill>
+                  <a:prstClr val="black">
+                    <a:tint val="75000"/>
+                  </a:prstClr>
+                </a:solidFill>
+                <a:latin typeface="Calibri" panose="020F0502020204030204"/>
+              </a:rPr>
+              <a:pPr>
+                <a:spcAft>
+                  <a:spcPts val="600"/>
+                </a:spcAft>
+                <a:defRPr/>
+              </a:pPr>
+              <a:t>7</a:t>
+            </a:fld>
+            <a:endParaRPr lang="en-US">
+              <a:solidFill>
+                <a:prstClr val="black">
+                  <a:tint val="75000"/>
+                </a:prstClr>
+              </a:solidFill>
+              <a:latin typeface="Calibri" panose="020F0502020204030204"/>
+            </a:endParaRPr>
+          </a:p>
+        </p:txBody>
+      </p:sp>
+      <p:sp>
+        <p:nvSpPr>
+          <p:cNvPr id="5" name="Datumsplatzhalter 4">
+            <a:extLst>
+              <a:ext uri="{FF2B5EF4-FFF2-40B4-BE49-F238E27FC236}">
+                <a16:creationId xmlns:a16="http://schemas.microsoft.com/office/drawing/2014/main" id="{C4FBC47D-DBA2-4126-8CA3-DA9CD84C3676}"/>
+              </a:ext>
+            </a:extLst>
+          </p:cNvPr>
+          <p:cNvSpPr>
+            <a:spLocks noGrp="1"/>
+          </p:cNvSpPr>
+          <p:nvPr>
+            <p:ph type="dt" sz="half" idx="10"/>
+          </p:nvPr>
+        </p:nvSpPr>
+        <p:spPr>
+          <a:xfrm>
+            <a:off x="1162051" y="6356350"/>
+            <a:ext cx="2860541" cy="365125"/>
+          </a:xfrm>
+        </p:spPr>
+        <p:txBody>
+          <a:bodyPr vert="horz" lIns="91440" tIns="45720" rIns="91440" bIns="45720" rtlCol="0" anchor="ctr">
+            <a:normAutofit/>
+          </a:bodyPr>
+          <a:lstStyle/>
+          <a:p>
+            <a:pPr>
+              <a:spcAft>
+                <a:spcPts val="600"/>
+              </a:spcAft>
+              <a:defRPr/>
+            </a:pPr>
+            <a:r>
+              <a:rPr lang="en-US">
+                <a:solidFill>
+                  <a:prstClr val="black">
+                    <a:tint val="75000"/>
+                  </a:prstClr>
+                </a:solidFill>
+                <a:latin typeface="Calibri" panose="020F0502020204030204"/>
+              </a:rPr>
+              <a:t>Universität Augsburg</a:t>
+            </a:r>
+          </a:p>
+        </p:txBody>
+      </p:sp>
+      <p:sp>
+        <p:nvSpPr>
+          <p:cNvPr id="6" name="Fußzeilenplatzhalter 5">
+            <a:extLst>
+              <a:ext uri="{FF2B5EF4-FFF2-40B4-BE49-F238E27FC236}">
+                <a16:creationId xmlns:a16="http://schemas.microsoft.com/office/drawing/2014/main" id="{D1CE0FB3-88C0-484E-84E7-F597C38FB41D}"/>
+              </a:ext>
+            </a:extLst>
+          </p:cNvPr>
+          <p:cNvSpPr>
+            <a:spLocks noGrp="1"/>
+          </p:cNvSpPr>
+          <p:nvPr>
+            <p:ph type="ftr" sz="quarter" idx="11"/>
+          </p:nvPr>
+        </p:nvSpPr>
+        <p:spPr>
+          <a:xfrm>
+            <a:off x="4956048" y="6356350"/>
+            <a:ext cx="6620179" cy="365125"/>
+          </a:xfrm>
+        </p:spPr>
+        <p:txBody>
+          <a:bodyPr vert="horz" lIns="91440" tIns="45720" rIns="91440" bIns="45720" rtlCol="0" anchor="ctr">
+            <a:normAutofit/>
+          </a:bodyPr>
+          <a:lstStyle/>
+          <a:p>
+            <a:pPr algn="r">
+              <a:spcAft>
+                <a:spcPts val="600"/>
+              </a:spcAft>
+              <a:defRPr/>
+            </a:pPr>
+            <a:r>
+              <a:rPr lang="en-US" sz="1100" kern="1200">
+                <a:solidFill>
+                  <a:schemeClr val="bg1">
+                    <a:lumMod val="75000"/>
+                    <a:lumOff val="25000"/>
+                  </a:schemeClr>
+                </a:solidFill>
+                <a:latin typeface="Calibri" panose="020F0502020204030204"/>
+                <a:ea typeface="+mn-ea"/>
+                <a:cs typeface="+mn-cs"/>
+              </a:rPr>
+              <a:t>Efficient convolutional neural network with extremely limted ressource for klassifikation of large-scale image set</a:t>
+            </a:r>
+          </a:p>
+        </p:txBody>
+      </p:sp>
+    </p:spTree>
+    <p:extLst>
+      <p:ext uri="{BB962C8B-B14F-4D97-AF65-F5344CB8AC3E}">
+        <p14:creationId xmlns:p14="http://schemas.microsoft.com/office/powerpoint/2010/main" val="3963705560"/>
+      </p:ext>
+    </p:extLst>
+  </p:cSld>
+  <p:clrMapOvr>
+    <a:overrideClrMapping bg1="dk1" tx1="lt1" bg2="dk2" tx2="lt2" accent1="accent1" accent2="accent2" accent3="accent3" accent4="accent4" accent5="accent5" accent6="accent6" hlink="hlink" folHlink="folHlink"/>
+  </p:clrMapOvr>
+</p:sld>
+</file>
+
+<file path=ppt/slides/slide8.xml><?xml version="1.0" encoding="utf-8"?>
 <p:sld xmlns:a="http://schemas.openxmlformats.org/drawingml/2006/main" xmlns:r="http://schemas.openxmlformats.org/officeDocument/2006/relationships" xmlns:p="http://schemas.openxmlformats.org/presentationml/2006/main">
   <p:cSld>
     <p:spTree>
@@ -28184,7 +31935,7 @@
             <p:ph sz="half" idx="2"/>
             <p:extLst>
               <p:ext uri="{D42A27DB-BD31-4B8C-83A1-F6EECF244321}">
-                <p14:modId xmlns:p14="http://schemas.microsoft.com/office/powerpoint/2010/main" val="3308982855"/>
+                <p14:modId xmlns:p14="http://schemas.microsoft.com/office/powerpoint/2010/main" val="1679758301"/>
               </p:ext>
             </p:extLst>
           </p:nvPr>
@@ -28285,7 +32036,11 @@
                       <a:endParaRPr lang="de-DE" dirty="0"/>
                     </a:p>
                   </a:txBody>
-                  <a:tcPr anchor="ctr"/>
+                  <a:tcPr anchor="ctr">
+                    <a:solidFill>
+                      <a:srgbClr val="FFC000"/>
+                    </a:solidFill>
+                  </a:tcPr>
                 </a:tc>
                 <a:tc>
                   <a:txBody>
@@ -28299,7 +32054,11 @@
                       </a:r>
                     </a:p>
                   </a:txBody>
-                  <a:tcPr anchor="ctr"/>
+                  <a:tcPr anchor="ctr">
+                    <a:solidFill>
+                      <a:srgbClr val="FFC000"/>
+                    </a:solidFill>
+                  </a:tcPr>
                 </a:tc>
                 <a:tc>
                   <a:txBody>
@@ -28313,7 +32072,11 @@
                       </a:r>
                     </a:p>
                   </a:txBody>
-                  <a:tcPr anchor="ctr"/>
+                  <a:tcPr anchor="ctr">
+                    <a:solidFill>
+                      <a:srgbClr val="FFC000"/>
+                    </a:solidFill>
+                  </a:tcPr>
                 </a:tc>
                 <a:extLst>
                   <a:ext uri="{0D108BD9-81ED-4DB2-BD59-A6C34878D82A}">
@@ -28555,7 +32318,7 @@
           <a:p>
             <a:fld id="{03657754-5E9E-462B-9D24-F189FB2DC94E}" type="slidenum">
               <a:rPr lang="de-DE" smtClean="0"/>
-              <a:t>7</a:t>
+              <a:t>8</a:t>
             </a:fld>
             <a:endParaRPr lang="de-DE"/>
           </a:p>
@@ -28574,7 +32337,7 @@
 </p:sld>
 </file>
 
-<file path=ppt/slides/slide8.xml><?xml version="1.0" encoding="utf-8"?>
+<file path=ppt/slides/slide9.xml><?xml version="1.0" encoding="utf-8"?>
 <p:sld xmlns:a="http://schemas.openxmlformats.org/drawingml/2006/main" xmlns:r="http://schemas.openxmlformats.org/officeDocument/2006/relationships" xmlns:p="http://schemas.openxmlformats.org/presentationml/2006/main">
   <p:cSld>
     <p:bg>
@@ -29110,13 +32873,18 @@
           <a:p>
             <a:pPr algn="ctr"/>
             <a:r>
-              <a:rPr lang="de-DE" dirty="0">
+              <a:rPr lang="de-DE">
                 <a:solidFill>
                   <a:srgbClr val="FFFFFF"/>
                 </a:solidFill>
               </a:rPr>
               <a:t>Verbesserung der CNN Leistung</a:t>
             </a:r>
+            <a:endParaRPr lang="de-DE" dirty="0">
+              <a:solidFill>
+                <a:srgbClr val="FFFFFF"/>
+              </a:solidFill>
+            </a:endParaRPr>
           </a:p>
         </p:txBody>
       </p:sp>
@@ -29136,7 +32904,7 @@
             <p:ph idx="1"/>
             <p:extLst>
               <p:ext uri="{D42A27DB-BD31-4B8C-83A1-F6EECF244321}">
-                <p14:modId xmlns:p14="http://schemas.microsoft.com/office/powerpoint/2010/main" val="1414804633"/>
+                <p14:modId xmlns:p14="http://schemas.microsoft.com/office/powerpoint/2010/main" val="3558624744"/>
               </p:ext>
             </p:extLst>
           </p:nvPr>
@@ -29167,7 +32935,12 @@
             <p:ph type="dt" sz="half" idx="10"/>
           </p:nvPr>
         </p:nvSpPr>
-        <p:spPr/>
+        <p:spPr>
+          <a:xfrm>
+            <a:off x="838200" y="6356350"/>
+            <a:ext cx="2743200" cy="365125"/>
+          </a:xfrm>
+        </p:spPr>
         <p:txBody>
           <a:bodyPr/>
           <a:lstStyle/>
@@ -29195,7 +32968,12 @@
             <p:ph type="ftr" sz="quarter" idx="11"/>
           </p:nvPr>
         </p:nvSpPr>
-        <p:spPr/>
+        <p:spPr>
+          <a:xfrm>
+            <a:off x="4038600" y="6356350"/>
+            <a:ext cx="4114800" cy="365125"/>
+          </a:xfrm>
+        </p:spPr>
         <p:txBody>
           <a:bodyPr/>
           <a:lstStyle/>
@@ -29224,14 +33002,19 @@
             <p:ph type="sldNum" sz="quarter" idx="12"/>
           </p:nvPr>
         </p:nvSpPr>
-        <p:spPr/>
+        <p:spPr>
+          <a:xfrm>
+            <a:off x="8610600" y="6356350"/>
+            <a:ext cx="2743200" cy="365125"/>
+          </a:xfrm>
+        </p:spPr>
         <p:txBody>
           <a:bodyPr/>
           <a:lstStyle/>
           <a:p>
             <a:fld id="{03657754-5E9E-462B-9D24-F189FB2DC94E}" type="slidenum">
               <a:rPr lang="de-DE" smtClean="0"/>
-              <a:t>8</a:t>
+              <a:t>9</a:t>
             </a:fld>
             <a:endParaRPr lang="de-DE"/>
           </a:p>
@@ -29241,206 +33024,6 @@
     <p:extLst>
       <p:ext uri="{BB962C8B-B14F-4D97-AF65-F5344CB8AC3E}">
         <p14:creationId xmlns:p14="http://schemas.microsoft.com/office/powerpoint/2010/main" val="2775907161"/>
-      </p:ext>
-    </p:extLst>
-  </p:cSld>
-  <p:clrMapOvr>
-    <a:masterClrMapping/>
-  </p:clrMapOvr>
-</p:sld>
-</file>
-
-<file path=ppt/slides/slide9.xml><?xml version="1.0" encoding="utf-8"?>
-<p:sld xmlns:a="http://schemas.openxmlformats.org/drawingml/2006/main" xmlns:r="http://schemas.openxmlformats.org/officeDocument/2006/relationships" xmlns:p="http://schemas.openxmlformats.org/presentationml/2006/main">
-  <p:cSld>
-    <p:spTree>
-      <p:nvGrpSpPr>
-        <p:cNvPr id="1" name=""/>
-        <p:cNvGrpSpPr/>
-        <p:nvPr/>
-      </p:nvGrpSpPr>
-      <p:grpSpPr>
-        <a:xfrm>
-          <a:off x="0" y="0"/>
-          <a:ext cx="0" cy="0"/>
-          <a:chOff x="0" y="0"/>
-          <a:chExt cx="0" cy="0"/>
-        </a:xfrm>
-      </p:grpSpPr>
-      <p:sp>
-        <p:nvSpPr>
-          <p:cNvPr id="2" name="Titel 1">
-            <a:extLst>
-              <a:ext uri="{FF2B5EF4-FFF2-40B4-BE49-F238E27FC236}">
-                <a16:creationId xmlns:a16="http://schemas.microsoft.com/office/drawing/2014/main" id="{924CBE4C-A85A-40F2-ADD9-56E767C8B07D}"/>
-              </a:ext>
-            </a:extLst>
-          </p:cNvPr>
-          <p:cNvSpPr>
-            <a:spLocks noGrp="1"/>
-          </p:cNvSpPr>
-          <p:nvPr>
-            <p:ph type="title"/>
-          </p:nvPr>
-        </p:nvSpPr>
-        <p:spPr>
-          <a:xfrm>
-            <a:off x="0" y="1"/>
-            <a:ext cx="12192000" cy="1690688"/>
-          </a:xfrm>
-          <a:solidFill>
-            <a:schemeClr val="tx1"/>
-          </a:solidFill>
-        </p:spPr>
-        <p:txBody>
-          <a:bodyPr/>
-          <a:lstStyle/>
-          <a:p>
-            <a:pPr algn="ctr"/>
-            <a:r>
-              <a:rPr lang="de-DE" sz="5400" dirty="0">
-                <a:solidFill>
-                  <a:srgbClr val="FFFF00"/>
-                </a:solidFill>
-              </a:rPr>
-              <a:t>Data Augmentation</a:t>
-            </a:r>
-            <a:br>
-              <a:rPr lang="de-DE" dirty="0">
-                <a:solidFill>
-                  <a:srgbClr val="FFFF00"/>
-                </a:solidFill>
-              </a:rPr>
-            </a:br>
-            <a:endParaRPr lang="de-DE" dirty="0"/>
-          </a:p>
-        </p:txBody>
-      </p:sp>
-      <p:pic>
-        <p:nvPicPr>
-          <p:cNvPr id="5" name="Inhaltsplatzhalter 4" descr="Ein Bild, das Essen, Vogel enthält.&#10;&#10;Automatisch generierte Beschreibung">
-            <a:extLst>
-              <a:ext uri="{FF2B5EF4-FFF2-40B4-BE49-F238E27FC236}">
-                <a16:creationId xmlns:a16="http://schemas.microsoft.com/office/drawing/2014/main" id="{EFF2B84D-F1E9-4A55-911A-29724A1C8277}"/>
-              </a:ext>
-            </a:extLst>
-          </p:cNvPr>
-          <p:cNvPicPr>
-            <a:picLocks noGrp="1" noChangeAspect="1"/>
-          </p:cNvPicPr>
-          <p:nvPr>
-            <p:ph idx="1"/>
-          </p:nvPr>
-        </p:nvPicPr>
-        <p:blipFill>
-          <a:blip r:embed="rId2">
-            <a:extLst>
-              <a:ext uri="{28A0092B-C50C-407E-A947-70E740481C1C}">
-                <a14:useLocalDpi xmlns:a14="http://schemas.microsoft.com/office/drawing/2010/main" val="0"/>
-              </a:ext>
-            </a:extLst>
-          </a:blip>
-          <a:stretch>
-            <a:fillRect/>
-          </a:stretch>
-        </p:blipFill>
-        <p:spPr>
-          <a:xfrm>
-            <a:off x="131975" y="1690689"/>
-            <a:ext cx="12060025" cy="5167310"/>
-          </a:xfrm>
-        </p:spPr>
-      </p:pic>
-      <p:sp>
-        <p:nvSpPr>
-          <p:cNvPr id="6" name="Datumsplatzhalter 5">
-            <a:extLst>
-              <a:ext uri="{FF2B5EF4-FFF2-40B4-BE49-F238E27FC236}">
-                <a16:creationId xmlns:a16="http://schemas.microsoft.com/office/drawing/2014/main" id="{D5EF2B27-9CE2-479B-89F7-31337CB934E9}"/>
-              </a:ext>
-            </a:extLst>
-          </p:cNvPr>
-          <p:cNvSpPr>
-            <a:spLocks noGrp="1"/>
-          </p:cNvSpPr>
-          <p:nvPr>
-            <p:ph type="dt" sz="half" idx="10"/>
-          </p:nvPr>
-        </p:nvSpPr>
-        <p:spPr/>
-        <p:txBody>
-          <a:bodyPr/>
-          <a:lstStyle/>
-          <a:p>
-            <a:r>
-              <a:rPr lang="de-DE"/>
-              <a:t>Universität Augsburg</a:t>
-            </a:r>
-          </a:p>
-        </p:txBody>
-      </p:sp>
-      <p:sp>
-        <p:nvSpPr>
-          <p:cNvPr id="7" name="Fußzeilenplatzhalter 6">
-            <a:extLst>
-              <a:ext uri="{FF2B5EF4-FFF2-40B4-BE49-F238E27FC236}">
-                <a16:creationId xmlns:a16="http://schemas.microsoft.com/office/drawing/2014/main" id="{A9CC2ADD-DFE0-45D7-A376-799040CE77DB}"/>
-              </a:ext>
-            </a:extLst>
-          </p:cNvPr>
-          <p:cNvSpPr>
-            <a:spLocks noGrp="1"/>
-          </p:cNvSpPr>
-          <p:nvPr>
-            <p:ph type="ftr" sz="quarter" idx="11"/>
-          </p:nvPr>
-        </p:nvSpPr>
-        <p:spPr/>
-        <p:txBody>
-          <a:bodyPr/>
-          <a:lstStyle/>
-          <a:p>
-            <a:r>
-              <a:rPr lang="en-US"/>
-              <a:t>Efficient convolutional neural network with extremely limted ressource for klassifikation of large-scale image set</a:t>
-            </a:r>
-            <a:endParaRPr lang="de-DE"/>
-          </a:p>
-        </p:txBody>
-      </p:sp>
-      <p:sp>
-        <p:nvSpPr>
-          <p:cNvPr id="8" name="Foliennummernplatzhalter 7">
-            <a:extLst>
-              <a:ext uri="{FF2B5EF4-FFF2-40B4-BE49-F238E27FC236}">
-                <a16:creationId xmlns:a16="http://schemas.microsoft.com/office/drawing/2014/main" id="{51466158-0B0A-40A0-8D9D-A2842F5C44AA}"/>
-              </a:ext>
-            </a:extLst>
-          </p:cNvPr>
-          <p:cNvSpPr>
-            <a:spLocks noGrp="1"/>
-          </p:cNvSpPr>
-          <p:nvPr>
-            <p:ph type="sldNum" sz="quarter" idx="12"/>
-          </p:nvPr>
-        </p:nvSpPr>
-        <p:spPr/>
-        <p:txBody>
-          <a:bodyPr/>
-          <a:lstStyle/>
-          <a:p>
-            <a:fld id="{03657754-5E9E-462B-9D24-F189FB2DC94E}" type="slidenum">
-              <a:rPr lang="de-DE" smtClean="0"/>
-              <a:t>9</a:t>
-            </a:fld>
-            <a:endParaRPr lang="de-DE"/>
-          </a:p>
-        </p:txBody>
-      </p:sp>
-    </p:spTree>
-    <p:extLst>
-      <p:ext uri="{BB962C8B-B14F-4D97-AF65-F5344CB8AC3E}">
-        <p14:creationId xmlns:p14="http://schemas.microsoft.com/office/powerpoint/2010/main" val="1628615076"/>
       </p:ext>
     </p:extLst>
   </p:cSld>

--- a/bachelorarbeit-vorlage/Efficient convolutional neural network with extremely limted ressource.pptx
+++ b/bachelorarbeit-vorlage/Efficient convolutional neural network with extremely limted ressource.pptx
@@ -12082,7 +12082,7 @@
           <a:p>
             <a:fld id="{3C58E117-1A65-45DD-B9EB-E4C2918E1629}" type="datetimeFigureOut">
               <a:rPr lang="de-DE" smtClean="0"/>
-              <a:t>10.03.2020</a:t>
+              <a:t>26.05.2020</a:t>
             </a:fld>
             <a:endParaRPr lang="de-DE"/>
           </a:p>
@@ -12584,18 +12584,7 @@
           <a:bodyPr/>
           <a:lstStyle/>
           <a:p>
-            <a:r>
-              <a:rPr lang="de-DE" dirty="0"/>
-              <a:t>Kleine Modelle arbeiten besser mit </a:t>
-            </a:r>
-            <a:r>
-              <a:rPr lang="de-DE" dirty="0" err="1"/>
-              <a:t>größen</a:t>
-            </a:r>
-            <a:r>
-              <a:rPr lang="de-DE" dirty="0"/>
-              <a:t> Bildern </a:t>
-            </a:r>
+            <a:endParaRPr lang="de-DE" dirty="0"/>
           </a:p>
         </p:txBody>
       </p:sp>
@@ -12616,6 +12605,101 @@
           <a:p>
             <a:fld id="{4B1B13E3-C8CB-454F-A9FE-9705C26646B2}" type="slidenum">
               <a:rPr lang="de-DE" smtClean="0"/>
+              <a:t>13</a:t>
+            </a:fld>
+            <a:endParaRPr lang="de-DE"/>
+          </a:p>
+        </p:txBody>
+      </p:sp>
+    </p:spTree>
+    <p:extLst>
+      <p:ext uri="{BB962C8B-B14F-4D97-AF65-F5344CB8AC3E}">
+        <p14:creationId xmlns:p14="http://schemas.microsoft.com/office/powerpoint/2010/main" val="752967869"/>
+      </p:ext>
+    </p:extLst>
+  </p:cSld>
+  <p:clrMapOvr>
+    <a:masterClrMapping/>
+  </p:clrMapOvr>
+</p:notes>
+</file>
+
+<file path=ppt/notesSlides/notesSlide4.xml><?xml version="1.0" encoding="utf-8"?>
+<p:notes xmlns:a="http://schemas.openxmlformats.org/drawingml/2006/main" xmlns:r="http://schemas.openxmlformats.org/officeDocument/2006/relationships" xmlns:p="http://schemas.openxmlformats.org/presentationml/2006/main">
+  <p:cSld>
+    <p:spTree>
+      <p:nvGrpSpPr>
+        <p:cNvPr id="1" name=""/>
+        <p:cNvGrpSpPr/>
+        <p:nvPr/>
+      </p:nvGrpSpPr>
+      <p:grpSpPr>
+        <a:xfrm>
+          <a:off x="0" y="0"/>
+          <a:ext cx="0" cy="0"/>
+          <a:chOff x="0" y="0"/>
+          <a:chExt cx="0" cy="0"/>
+        </a:xfrm>
+      </p:grpSpPr>
+      <p:sp>
+        <p:nvSpPr>
+          <p:cNvPr id="2" name="Folienbildplatzhalter 1"/>
+          <p:cNvSpPr>
+            <a:spLocks noGrp="1" noRot="1" noChangeAspect="1"/>
+          </p:cNvSpPr>
+          <p:nvPr>
+            <p:ph type="sldImg"/>
+          </p:nvPr>
+        </p:nvSpPr>
+        <p:spPr/>
+      </p:sp>
+      <p:sp>
+        <p:nvSpPr>
+          <p:cNvPr id="3" name="Notizenplatzhalter 2"/>
+          <p:cNvSpPr>
+            <a:spLocks noGrp="1"/>
+          </p:cNvSpPr>
+          <p:nvPr>
+            <p:ph type="body" idx="1"/>
+          </p:nvPr>
+        </p:nvSpPr>
+        <p:spPr/>
+        <p:txBody>
+          <a:bodyPr/>
+          <a:lstStyle/>
+          <a:p>
+            <a:r>
+              <a:rPr lang="de-DE" dirty="0"/>
+              <a:t>Kleine Modelle arbeiten besser mit </a:t>
+            </a:r>
+            <a:r>
+              <a:rPr lang="de-DE" dirty="0" err="1"/>
+              <a:t>größen</a:t>
+            </a:r>
+            <a:r>
+              <a:rPr lang="de-DE" dirty="0"/>
+              <a:t> Bildern </a:t>
+            </a:r>
+          </a:p>
+        </p:txBody>
+      </p:sp>
+      <p:sp>
+        <p:nvSpPr>
+          <p:cNvPr id="4" name="Foliennummernplatzhalter 3"/>
+          <p:cNvSpPr>
+            <a:spLocks noGrp="1"/>
+          </p:cNvSpPr>
+          <p:nvPr>
+            <p:ph type="sldNum" sz="quarter" idx="5"/>
+          </p:nvPr>
+        </p:nvSpPr>
+        <p:spPr/>
+        <p:txBody>
+          <a:bodyPr/>
+          <a:lstStyle/>
+          <a:p>
+            <a:fld id="{4B1B13E3-C8CB-454F-A9FE-9705C26646B2}" type="slidenum">
+              <a:rPr lang="de-DE" smtClean="0"/>
               <a:t>25</a:t>
             </a:fld>
             <a:endParaRPr lang="de-DE"/>
@@ -12635,7 +12719,7 @@
 </p:notes>
 </file>
 
-<file path=ppt/notesSlides/notesSlide4.xml><?xml version="1.0" encoding="utf-8"?>
+<file path=ppt/notesSlides/notesSlide5.xml><?xml version="1.0" encoding="utf-8"?>
 <p:notes xmlns:a="http://schemas.openxmlformats.org/drawingml/2006/main" xmlns:r="http://schemas.openxmlformats.org/officeDocument/2006/relationships" xmlns:p="http://schemas.openxmlformats.org/presentationml/2006/main">
   <p:cSld>
     <p:spTree>
@@ -16028,7 +16112,7 @@
                   <a:schemeClr val="bg1"/>
                 </a:solidFill>
               </a:rPr>
-              <a:t>convolutional</a:t>
+              <a:t>Convolutional</a:t>
             </a:r>
             <a:r>
               <a:rPr lang="de-DE" sz="4000" b="1" i="1" dirty="0">
@@ -16044,7 +16128,7 @@
                   <a:schemeClr val="bg1"/>
                 </a:solidFill>
               </a:rPr>
-              <a:t>neural</a:t>
+              <a:t>Neural</a:t>
             </a:r>
             <a:r>
               <a:rPr lang="de-DE" sz="4000" b="1" i="1" dirty="0">
@@ -16052,7 +16136,7 @@
                   <a:schemeClr val="bg1"/>
                 </a:solidFill>
               </a:rPr>
-              <a:t> network </a:t>
+              <a:t> Network </a:t>
             </a:r>
             <a:r>
               <a:rPr lang="de-DE" sz="4000" b="1" i="1" dirty="0" err="1">
@@ -16076,7 +16160,7 @@
                   <a:schemeClr val="bg1"/>
                 </a:solidFill>
               </a:rPr>
-              <a:t>extremely</a:t>
+              <a:t>Extremely</a:t>
             </a:r>
             <a:r>
               <a:rPr lang="de-DE" sz="4000" b="1" i="1" dirty="0">
@@ -16092,7 +16176,7 @@
                   <a:schemeClr val="bg1"/>
                 </a:solidFill>
               </a:rPr>
-              <a:t>limted</a:t>
+              <a:t>Limted</a:t>
             </a:r>
             <a:r>
               <a:rPr lang="de-DE" sz="4000" b="1" i="1" dirty="0">
@@ -16100,23 +16184,7 @@
                   <a:schemeClr val="bg1"/>
                 </a:solidFill>
               </a:rPr>
-              <a:t> </a:t>
-            </a:r>
-            <a:r>
-              <a:rPr lang="de-DE" sz="4000" b="1" i="1" dirty="0" err="1">
-                <a:solidFill>
-                  <a:schemeClr val="bg1"/>
-                </a:solidFill>
-              </a:rPr>
-              <a:t>ressource</a:t>
-            </a:r>
-            <a:r>
-              <a:rPr lang="de-DE" sz="4000" b="1" i="1" dirty="0">
-                <a:solidFill>
-                  <a:schemeClr val="bg1"/>
-                </a:solidFill>
-              </a:rPr>
-              <a:t> </a:t>
+              <a:t> Ressource </a:t>
             </a:r>
             <a:r>
               <a:rPr lang="de-DE" sz="4000" b="1" i="1" dirty="0" err="1">
@@ -16132,23 +16200,7 @@
                   <a:schemeClr val="bg1"/>
                 </a:solidFill>
               </a:rPr>
-              <a:t> </a:t>
-            </a:r>
-            <a:r>
-              <a:rPr lang="de-DE" sz="4000" b="1" i="1" dirty="0" err="1">
-                <a:solidFill>
-                  <a:schemeClr val="bg1"/>
-                </a:solidFill>
-              </a:rPr>
-              <a:t>klassifikation</a:t>
-            </a:r>
-            <a:r>
-              <a:rPr lang="de-DE" sz="4000" b="1" i="1" dirty="0">
-                <a:solidFill>
-                  <a:schemeClr val="bg1"/>
-                </a:solidFill>
-              </a:rPr>
-              <a:t> </a:t>
+              <a:t> Classification </a:t>
             </a:r>
             <a:r>
               <a:rPr lang="de-DE" sz="4000" b="1" i="1" dirty="0" err="1">
@@ -16164,7 +16216,7 @@
                   <a:schemeClr val="bg1"/>
                 </a:solidFill>
               </a:rPr>
-              <a:t> large-</a:t>
+              <a:t> Large-</a:t>
             </a:r>
             <a:r>
               <a:rPr lang="de-DE" sz="4000" b="1" i="1" dirty="0" err="1">
@@ -16172,7 +16224,7 @@
                   <a:schemeClr val="bg1"/>
                 </a:solidFill>
               </a:rPr>
-              <a:t>scale</a:t>
+              <a:t>Scale</a:t>
             </a:r>
             <a:r>
               <a:rPr lang="de-DE" sz="4000" b="1" i="1" dirty="0">
@@ -16180,37 +16232,8 @@
                   <a:schemeClr val="bg1"/>
                 </a:solidFill>
               </a:rPr>
-              <a:t> </a:t>
-            </a:r>
-            <a:r>
-              <a:rPr lang="de-DE" sz="4000" b="1" i="1" dirty="0" err="1">
-                <a:solidFill>
-                  <a:schemeClr val="bg1"/>
-                </a:solidFill>
-              </a:rPr>
-              <a:t>image</a:t>
-            </a:r>
-            <a:r>
-              <a:rPr lang="de-DE" sz="4000" b="1" i="1" dirty="0">
-                <a:solidFill>
-                  <a:schemeClr val="bg1"/>
-                </a:solidFill>
-              </a:rPr>
-              <a:t> </a:t>
-            </a:r>
-            <a:r>
-              <a:rPr lang="de-DE" sz="4000" b="1" i="1" dirty="0" err="1">
-                <a:solidFill>
-                  <a:schemeClr val="bg1"/>
-                </a:solidFill>
-              </a:rPr>
-              <a:t>set</a:t>
-            </a:r>
-            <a:endParaRPr lang="de-DE" sz="4000" b="1" i="1" dirty="0">
-              <a:solidFill>
-                <a:schemeClr val="bg1"/>
-              </a:solidFill>
-            </a:endParaRPr>
+              <a:t> Image Set</a:t>
+            </a:r>
           </a:p>
         </p:txBody>
       </p:sp>
@@ -16240,6 +16263,16 @@
             <a:r>
               <a:rPr lang="de-DE" sz="3800" b="1" i="1" dirty="0"/>
               <a:t>TEMKENG Thibaut</a:t>
+            </a:r>
+          </a:p>
+          <a:p>
+            <a:r>
+              <a:rPr lang="de-DE" sz="3800" b="1" i="1" dirty="0" err="1"/>
+              <a:t>Shuo</a:t>
+            </a:r>
+            <a:r>
+              <a:rPr lang="de-DE" sz="3800" b="1" i="1" dirty="0"/>
+              <a:t> Liu</a:t>
             </a:r>
           </a:p>
         </p:txBody>
@@ -17325,7 +17358,7 @@
                     <a:p>
                       <a:pPr algn="ctr"/>
                       <a:r>
-                        <a:rPr lang="de-DE" sz="2000"/>
+                        <a:rPr lang="de-DE" sz="2000" dirty="0"/>
                         <a:t>Aktivierungsfunktion</a:t>
                       </a:r>
                     </a:p>
@@ -17667,7 +17700,7 @@
         </p:nvSpPr>
         <p:spPr>
           <a:xfrm>
-            <a:off x="0" y="0"/>
+            <a:off x="2" y="0"/>
             <a:ext cx="12191998" cy="1706251"/>
           </a:xfrm>
           <a:prstGeom prst="rect">
@@ -18023,7 +18056,7 @@
                     <a:p>
                       <a:pPr algn="ctr"/>
                       <a:r>
-                        <a:rPr lang="de-DE" sz="1500"/>
+                        <a:rPr lang="de-DE" sz="1500" dirty="0"/>
                         <a:t>Epoche</a:t>
                       </a:r>
                     </a:p>
@@ -30685,7 +30718,7 @@
         </p:blipFill>
         <p:spPr>
           <a:xfrm>
-            <a:off x="5788058" y="303591"/>
+            <a:off x="5863472" y="303591"/>
             <a:ext cx="6174556" cy="5155028"/>
           </a:xfrm>
         </p:spPr>
@@ -32873,18 +32906,13 @@
           <a:p>
             <a:pPr algn="ctr"/>
             <a:r>
-              <a:rPr lang="de-DE">
+              <a:rPr lang="de-DE" dirty="0">
                 <a:solidFill>
                   <a:srgbClr val="FFFFFF"/>
                 </a:solidFill>
               </a:rPr>
               <a:t>Verbesserung der CNN Leistung</a:t>
             </a:r>
-            <a:endParaRPr lang="de-DE" dirty="0">
-              <a:solidFill>
-                <a:srgbClr val="FFFFFF"/>
-              </a:solidFill>
-            </a:endParaRPr>
           </a:p>
         </p:txBody>
       </p:sp>

--- a/bachelorarbeit-vorlage/Efficient convolutional neural network with extremely limted ressource.pptx
+++ b/bachelorarbeit-vorlage/Efficient convolutional neural network with extremely limted ressource.pptx
@@ -12082,7 +12082,7 @@
           <a:p>
             <a:fld id="{3C58E117-1A65-45DD-B9EB-E4C2918E1629}" type="datetimeFigureOut">
               <a:rPr lang="de-DE" smtClean="0"/>
-              <a:t>26.05.2020</a:t>
+              <a:t>30.05.2020</a:t>
             </a:fld>
             <a:endParaRPr lang="de-DE"/>
           </a:p>
@@ -23718,10 +23718,9 @@
                     <a:p>
                       <a:pPr algn="ctr"/>
                       <a:r>
-                        <a:rPr lang="de-DE"/>
+                        <a:rPr lang="de-DE" dirty="0"/>
                         <a:t>100 × 100</a:t>
                       </a:r>
-                      <a:endParaRPr lang="de-DE" dirty="0"/>
                     </a:p>
                   </a:txBody>
                   <a:tcPr anchor="ctr"/>
@@ -26400,7 +26399,7 @@
               <a:rPr lang="de-DE" smtClean="0"/>
               <a:t>28</a:t>
             </a:fld>
-            <a:endParaRPr lang="de-DE"/>
+            <a:endParaRPr lang="de-DE" dirty="0"/>
           </a:p>
         </p:txBody>
       </p:sp>

--- a/bachelorarbeit-vorlage/Efficient convolutional neural network with extremely limted ressource.pptx
+++ b/bachelorarbeit-vorlage/Efficient convolutional neural network with extremely limted ressource.pptx
@@ -3401,10 +3401,10 @@
         <a:lstStyle/>
         <a:p>
           <a:r>
-            <a:rPr lang="de-DE"/>
+            <a:rPr lang="de-DE" dirty="0"/>
             <a:t>Zu wenig Parameter fordert.</a:t>
           </a:r>
-          <a:endParaRPr lang="en-US"/>
+          <a:endParaRPr lang="en-US" dirty="0"/>
         </a:p>
       </dgm:t>
     </dgm:pt>
@@ -5037,10 +5037,10 @@
             <a:buChar char="•"/>
           </a:pPr>
           <a:r>
-            <a:rPr lang="de-DE" sz="3400" kern="1200"/>
+            <a:rPr lang="de-DE" sz="3400" kern="1200" dirty="0"/>
             <a:t>Zu wenig Parameter fordert.</a:t>
           </a:r>
-          <a:endParaRPr lang="en-US" sz="3400" kern="1200"/>
+          <a:endParaRPr lang="en-US" sz="3400" kern="1200" dirty="0"/>
         </a:p>
       </dsp:txBody>
       <dsp:txXfrm>
@@ -12082,7 +12082,7 @@
           <a:p>
             <a:fld id="{3C58E117-1A65-45DD-B9EB-E4C2918E1629}" type="datetimeFigureOut">
               <a:rPr lang="de-DE" smtClean="0"/>
-              <a:t>30.05.2020</a:t>
+              <a:t>13.09.2020</a:t>
             </a:fld>
             <a:endParaRPr lang="de-DE"/>
           </a:p>
@@ -16262,7 +16262,7 @@
           <a:p>
             <a:r>
               <a:rPr lang="de-DE" sz="3800" b="1" i="1" dirty="0"/>
-              <a:t>TEMKENG Thibaut</a:t>
+              <a:t>Temkeng Thibaut</a:t>
             </a:r>
           </a:p>
           <a:p>
@@ -21588,7 +21588,7 @@
             </a:pPr>
             <a:r>
               <a:rPr lang="de-DE" dirty="0"/>
-              <a:t>Vergleich unseres CNN mit Standard CNN.</a:t>
+              <a:t>Vergleich unseres CNN mit Standard CNN. Grobe Vergleich</a:t>
             </a:r>
           </a:p>
           <a:p>
@@ -21683,10 +21683,34 @@
           <a:lstStyle/>
           <a:p>
             <a:r>
-              <a:rPr lang="en-US"/>
-              <a:t>Efficient convolutional neural network with extremely limted ressource for klassifikation of large-scale image set</a:t>
-            </a:r>
-            <a:endParaRPr lang="de-DE"/>
+              <a:rPr lang="en-US" dirty="0"/>
+              <a:t>Efficient convolutional neural network with extremely </a:t>
+            </a:r>
+            <a:r>
+              <a:rPr lang="en-US" dirty="0" err="1"/>
+              <a:t>limted</a:t>
+            </a:r>
+            <a:r>
+              <a:rPr lang="en-US" dirty="0"/>
+              <a:t> </a:t>
+            </a:r>
+            <a:r>
+              <a:rPr lang="en-US" dirty="0" err="1"/>
+              <a:t>ressource</a:t>
+            </a:r>
+            <a:r>
+              <a:rPr lang="en-US" dirty="0"/>
+              <a:t> for </a:t>
+            </a:r>
+            <a:r>
+              <a:rPr lang="en-US" dirty="0" err="1"/>
+              <a:t>klassifikation</a:t>
+            </a:r>
+            <a:r>
+              <a:rPr lang="en-US" dirty="0"/>
+              <a:t> of large-scale image set</a:t>
+            </a:r>
+            <a:endParaRPr lang="de-DE" dirty="0"/>
           </a:p>
         </p:txBody>
       </p:sp>
